--- a/spring18/slidesS18/paterson-crossover.pptx
+++ b/spring18/slidesS18/paterson-crossover.pptx
@@ -6,19 +6,22 @@
     <p:sldMasterId id="2147483651" r:id="rId2"/>
   </p:sldMasterIdLst>
   <p:notesMasterIdLst>
-    <p:notesMasterId r:id="rId5"/>
+    <p:notesMasterId r:id="rId8"/>
   </p:notesMasterIdLst>
   <p:handoutMasterIdLst>
-    <p:handoutMasterId r:id="rId6"/>
+    <p:handoutMasterId r:id="rId9"/>
   </p:handoutMasterIdLst>
   <p:sldIdLst>
     <p:sldId id="392" r:id="rId3"/>
     <p:sldId id="448" r:id="rId4"/>
+    <p:sldId id="449" r:id="rId5"/>
+    <p:sldId id="450" r:id="rId6"/>
+    <p:sldId id="451" r:id="rId7"/>
   </p:sldIdLst>
   <p:sldSz cx="9144000" cy="6858000" type="screen4x3"/>
   <p:notesSz cx="7315200" cy="9601200"/>
   <p:custDataLst>
-    <p:tags r:id="rId7"/>
+    <p:tags r:id="rId10"/>
   </p:custDataLst>
   <p:defaultTextStyle>
     <a:defPPr>
@@ -1033,6 +1036,276 @@
     <p:extLst>
       <p:ext uri="{BB962C8B-B14F-4D97-AF65-F5344CB8AC3E}">
         <p14:creationId xmlns:p14="http://schemas.microsoft.com/office/powerpoint/2010/main" val="3904437635"/>
+      </p:ext>
+    </p:extLst>
+  </p:cSld>
+  <p:clrMapOvr>
+    <a:masterClrMapping/>
+  </p:clrMapOvr>
+</p:notes>
+</file>
+
+<file path=ppt/notesSlides/notesSlide3.xml><?xml version="1.0" encoding="utf-8"?>
+<p:notes xmlns:a="http://schemas.openxmlformats.org/drawingml/2006/main" xmlns:r="http://schemas.openxmlformats.org/officeDocument/2006/relationships" xmlns:p="http://schemas.openxmlformats.org/presentationml/2006/main">
+  <p:cSld>
+    <p:spTree>
+      <p:nvGrpSpPr>
+        <p:cNvPr id="1" name=""/>
+        <p:cNvGrpSpPr/>
+        <p:nvPr/>
+      </p:nvGrpSpPr>
+      <p:grpSpPr>
+        <a:xfrm>
+          <a:off x="0" y="0"/>
+          <a:ext cx="0" cy="0"/>
+          <a:chOff x="0" y="0"/>
+          <a:chExt cx="0" cy="0"/>
+        </a:xfrm>
+      </p:grpSpPr>
+      <p:sp>
+        <p:nvSpPr>
+          <p:cNvPr id="2" name="Slide Image Placeholder 1"/>
+          <p:cNvSpPr>
+            <a:spLocks noGrp="1" noRot="1" noChangeAspect="1"/>
+          </p:cNvSpPr>
+          <p:nvPr>
+            <p:ph type="sldImg"/>
+          </p:nvPr>
+        </p:nvSpPr>
+        <p:spPr/>
+      </p:sp>
+      <p:sp>
+        <p:nvSpPr>
+          <p:cNvPr id="3" name="Notes Placeholder 2"/>
+          <p:cNvSpPr>
+            <a:spLocks noGrp="1"/>
+          </p:cNvSpPr>
+          <p:nvPr>
+            <p:ph type="body" idx="1"/>
+          </p:nvPr>
+        </p:nvSpPr>
+        <p:spPr/>
+        <p:txBody>
+          <a:bodyPr/>
+          <a:lstStyle/>
+          <a:p>
+            <a:endParaRPr lang="en-US"/>
+          </a:p>
+        </p:txBody>
+      </p:sp>
+      <p:sp>
+        <p:nvSpPr>
+          <p:cNvPr id="4" name="Slide Number Placeholder 3"/>
+          <p:cNvSpPr>
+            <a:spLocks noGrp="1"/>
+          </p:cNvSpPr>
+          <p:nvPr>
+            <p:ph type="sldNum" sz="quarter" idx="10"/>
+          </p:nvPr>
+        </p:nvSpPr>
+        <p:spPr/>
+        <p:txBody>
+          <a:bodyPr/>
+          <a:lstStyle/>
+          <a:p>
+            <a:pPr>
+              <a:defRPr/>
+            </a:pPr>
+            <a:fld id="{57CDD2FB-05E6-4D8F-A577-F6AF03D6727E}" type="slidenum">
+              <a:rPr lang="en-US" smtClean="0"/>
+              <a:pPr>
+                <a:defRPr/>
+              </a:pPr>
+              <a:t>3</a:t>
+            </a:fld>
+            <a:endParaRPr lang="en-US"/>
+          </a:p>
+        </p:txBody>
+      </p:sp>
+    </p:spTree>
+    <p:extLst>
+      <p:ext uri="{BB962C8B-B14F-4D97-AF65-F5344CB8AC3E}">
+        <p14:creationId xmlns:p14="http://schemas.microsoft.com/office/powerpoint/2010/main" val="1838092868"/>
+      </p:ext>
+    </p:extLst>
+  </p:cSld>
+  <p:clrMapOvr>
+    <a:masterClrMapping/>
+  </p:clrMapOvr>
+</p:notes>
+</file>
+
+<file path=ppt/notesSlides/notesSlide4.xml><?xml version="1.0" encoding="utf-8"?>
+<p:notes xmlns:a="http://schemas.openxmlformats.org/drawingml/2006/main" xmlns:r="http://schemas.openxmlformats.org/officeDocument/2006/relationships" xmlns:p="http://schemas.openxmlformats.org/presentationml/2006/main">
+  <p:cSld>
+    <p:spTree>
+      <p:nvGrpSpPr>
+        <p:cNvPr id="1" name=""/>
+        <p:cNvGrpSpPr/>
+        <p:nvPr/>
+      </p:nvGrpSpPr>
+      <p:grpSpPr>
+        <a:xfrm>
+          <a:off x="0" y="0"/>
+          <a:ext cx="0" cy="0"/>
+          <a:chOff x="0" y="0"/>
+          <a:chExt cx="0" cy="0"/>
+        </a:xfrm>
+      </p:grpSpPr>
+      <p:sp>
+        <p:nvSpPr>
+          <p:cNvPr id="2" name="Slide Image Placeholder 1"/>
+          <p:cNvSpPr>
+            <a:spLocks noGrp="1" noRot="1" noChangeAspect="1"/>
+          </p:cNvSpPr>
+          <p:nvPr>
+            <p:ph type="sldImg"/>
+          </p:nvPr>
+        </p:nvSpPr>
+        <p:spPr/>
+      </p:sp>
+      <p:sp>
+        <p:nvSpPr>
+          <p:cNvPr id="3" name="Notes Placeholder 2"/>
+          <p:cNvSpPr>
+            <a:spLocks noGrp="1"/>
+          </p:cNvSpPr>
+          <p:nvPr>
+            <p:ph type="body" idx="1"/>
+          </p:nvPr>
+        </p:nvSpPr>
+        <p:spPr/>
+        <p:txBody>
+          <a:bodyPr/>
+          <a:lstStyle/>
+          <a:p>
+            <a:endParaRPr lang="en-US"/>
+          </a:p>
+        </p:txBody>
+      </p:sp>
+      <p:sp>
+        <p:nvSpPr>
+          <p:cNvPr id="4" name="Slide Number Placeholder 3"/>
+          <p:cNvSpPr>
+            <a:spLocks noGrp="1"/>
+          </p:cNvSpPr>
+          <p:nvPr>
+            <p:ph type="sldNum" sz="quarter" idx="10"/>
+          </p:nvPr>
+        </p:nvSpPr>
+        <p:spPr/>
+        <p:txBody>
+          <a:bodyPr/>
+          <a:lstStyle/>
+          <a:p>
+            <a:pPr>
+              <a:defRPr/>
+            </a:pPr>
+            <a:fld id="{57CDD2FB-05E6-4D8F-A577-F6AF03D6727E}" type="slidenum">
+              <a:rPr lang="en-US" smtClean="0"/>
+              <a:pPr>
+                <a:defRPr/>
+              </a:pPr>
+              <a:t>4</a:t>
+            </a:fld>
+            <a:endParaRPr lang="en-US"/>
+          </a:p>
+        </p:txBody>
+      </p:sp>
+    </p:spTree>
+    <p:extLst>
+      <p:ext uri="{BB962C8B-B14F-4D97-AF65-F5344CB8AC3E}">
+        <p14:creationId xmlns:p14="http://schemas.microsoft.com/office/powerpoint/2010/main" val="2642764126"/>
+      </p:ext>
+    </p:extLst>
+  </p:cSld>
+  <p:clrMapOvr>
+    <a:masterClrMapping/>
+  </p:clrMapOvr>
+</p:notes>
+</file>
+
+<file path=ppt/notesSlides/notesSlide5.xml><?xml version="1.0" encoding="utf-8"?>
+<p:notes xmlns:a="http://schemas.openxmlformats.org/drawingml/2006/main" xmlns:r="http://schemas.openxmlformats.org/officeDocument/2006/relationships" xmlns:p="http://schemas.openxmlformats.org/presentationml/2006/main">
+  <p:cSld>
+    <p:spTree>
+      <p:nvGrpSpPr>
+        <p:cNvPr id="1" name=""/>
+        <p:cNvGrpSpPr/>
+        <p:nvPr/>
+      </p:nvGrpSpPr>
+      <p:grpSpPr>
+        <a:xfrm>
+          <a:off x="0" y="0"/>
+          <a:ext cx="0" cy="0"/>
+          <a:chOff x="0" y="0"/>
+          <a:chExt cx="0" cy="0"/>
+        </a:xfrm>
+      </p:grpSpPr>
+      <p:sp>
+        <p:nvSpPr>
+          <p:cNvPr id="2" name="Slide Image Placeholder 1"/>
+          <p:cNvSpPr>
+            <a:spLocks noGrp="1" noRot="1" noChangeAspect="1"/>
+          </p:cNvSpPr>
+          <p:nvPr>
+            <p:ph type="sldImg"/>
+          </p:nvPr>
+        </p:nvSpPr>
+        <p:spPr/>
+      </p:sp>
+      <p:sp>
+        <p:nvSpPr>
+          <p:cNvPr id="3" name="Notes Placeholder 2"/>
+          <p:cNvSpPr>
+            <a:spLocks noGrp="1"/>
+          </p:cNvSpPr>
+          <p:nvPr>
+            <p:ph type="body" idx="1"/>
+          </p:nvPr>
+        </p:nvSpPr>
+        <p:spPr/>
+        <p:txBody>
+          <a:bodyPr/>
+          <a:lstStyle/>
+          <a:p>
+            <a:endParaRPr lang="en-US"/>
+          </a:p>
+        </p:txBody>
+      </p:sp>
+      <p:sp>
+        <p:nvSpPr>
+          <p:cNvPr id="4" name="Slide Number Placeholder 3"/>
+          <p:cNvSpPr>
+            <a:spLocks noGrp="1"/>
+          </p:cNvSpPr>
+          <p:nvPr>
+            <p:ph type="sldNum" sz="quarter" idx="10"/>
+          </p:nvPr>
+        </p:nvSpPr>
+        <p:spPr/>
+        <p:txBody>
+          <a:bodyPr/>
+          <a:lstStyle/>
+          <a:p>
+            <a:pPr>
+              <a:defRPr/>
+            </a:pPr>
+            <a:fld id="{57CDD2FB-05E6-4D8F-A577-F6AF03D6727E}" type="slidenum">
+              <a:rPr lang="en-US" smtClean="0"/>
+              <a:pPr>
+                <a:defRPr/>
+              </a:pPr>
+              <a:t>5</a:t>
+            </a:fld>
+            <a:endParaRPr lang="en-US"/>
+          </a:p>
+        </p:txBody>
+      </p:sp>
+    </p:spTree>
+    <p:extLst>
+      <p:ext uri="{BB962C8B-B14F-4D97-AF65-F5344CB8AC3E}">
+        <p14:creationId xmlns:p14="http://schemas.microsoft.com/office/powerpoint/2010/main" val="147799706"/>
       </p:ext>
     </p:extLst>
   </p:cSld>
@@ -7059,6 +7332,6000 @@
 </p:sld>
 </file>
 
+<file path=ppt/slides/slide3.xml><?xml version="1.0" encoding="utf-8"?>
+<p:sld xmlns:a="http://schemas.openxmlformats.org/drawingml/2006/main" xmlns:r="http://schemas.openxmlformats.org/officeDocument/2006/relationships" xmlns:p="http://schemas.openxmlformats.org/presentationml/2006/main">
+  <p:cSld>
+    <p:spTree>
+      <p:nvGrpSpPr>
+        <p:cNvPr id="1" name=""/>
+        <p:cNvGrpSpPr/>
+        <p:nvPr/>
+      </p:nvGrpSpPr>
+      <p:grpSpPr>
+        <a:xfrm>
+          <a:off x="0" y="0"/>
+          <a:ext cx="0" cy="0"/>
+          <a:chOff x="0" y="0"/>
+          <a:chExt cx="0" cy="0"/>
+        </a:xfrm>
+      </p:grpSpPr>
+      <p:sp>
+        <p:nvSpPr>
+          <p:cNvPr id="2" name="Title 1">
+            <a:extLst>
+              <a:ext uri="{FF2B5EF4-FFF2-40B4-BE49-F238E27FC236}">
+                <a16:creationId xmlns:a16="http://schemas.microsoft.com/office/drawing/2014/main" id="{CBA5FA15-5AE6-4B41-88BD-8370E8525D3E}"/>
+              </a:ext>
+            </a:extLst>
+          </p:cNvPr>
+          <p:cNvSpPr>
+            <a:spLocks noGrp="1"/>
+          </p:cNvSpPr>
+          <p:nvPr>
+            <p:ph type="title"/>
+          </p:nvPr>
+        </p:nvSpPr>
+        <p:spPr>
+          <a:xfrm>
+            <a:off x="1743076" y="203200"/>
+            <a:ext cx="6276974" cy="1133475"/>
+          </a:xfrm>
+        </p:spPr>
+        <p:txBody>
+          <a:bodyPr/>
+          <a:lstStyle/>
+          <a:p>
+            <a:r>
+              <a:rPr lang="en-US" sz="4000" dirty="0"/>
+              <a:t>3-color crossover gadget</a:t>
+            </a:r>
+          </a:p>
+        </p:txBody>
+      </p:sp>
+      <p:sp>
+        <p:nvSpPr>
+          <p:cNvPr id="3" name="Slide Number Placeholder 2">
+            <a:extLst>
+              <a:ext uri="{FF2B5EF4-FFF2-40B4-BE49-F238E27FC236}">
+                <a16:creationId xmlns:a16="http://schemas.microsoft.com/office/drawing/2014/main" id="{94A0D93F-DBDC-B545-A91A-2442DBC99D5A}"/>
+              </a:ext>
+            </a:extLst>
+          </p:cNvPr>
+          <p:cNvSpPr>
+            <a:spLocks noGrp="1"/>
+          </p:cNvSpPr>
+          <p:nvPr>
+            <p:ph type="sldNum" sz="quarter" idx="10"/>
+          </p:nvPr>
+        </p:nvSpPr>
+        <p:spPr/>
+        <p:txBody>
+          <a:bodyPr/>
+          <a:lstStyle/>
+          <a:p>
+            <a:pPr>
+              <a:defRPr/>
+            </a:pPr>
+            <a:r>
+              <a:rPr lang="en-US"/>
+              <a:t>propositional algebra.</a:t>
+            </a:r>
+            <a:fld id="{DB6F0ED6-FEF5-4C9C-B1CC-29B47EC66FAA}" type="slidenum">
+              <a:rPr lang="en-US" smtClean="0"/>
+              <a:pPr>
+                <a:defRPr/>
+              </a:pPr>
+              <a:t>3</a:t>
+            </a:fld>
+            <a:endParaRPr lang="en-US" dirty="0"/>
+          </a:p>
+        </p:txBody>
+      </p:sp>
+      <p:grpSp>
+        <p:nvGrpSpPr>
+          <p:cNvPr id="117" name="Group 116">
+            <a:extLst>
+              <a:ext uri="{FF2B5EF4-FFF2-40B4-BE49-F238E27FC236}">
+                <a16:creationId xmlns:a16="http://schemas.microsoft.com/office/drawing/2014/main" id="{C4EC34E6-40FD-9140-9E5F-FD6905F526EE}"/>
+              </a:ext>
+            </a:extLst>
+          </p:cNvPr>
+          <p:cNvGrpSpPr/>
+          <p:nvPr/>
+        </p:nvGrpSpPr>
+        <p:grpSpPr>
+          <a:xfrm>
+            <a:off x="2940532" y="1336675"/>
+            <a:ext cx="4198801" cy="4173848"/>
+            <a:chOff x="2513812" y="1352896"/>
+            <a:chExt cx="4198801" cy="4173848"/>
+          </a:xfrm>
+        </p:grpSpPr>
+        <p:sp>
+          <p:nvSpPr>
+            <p:cNvPr id="4" name="Oval 3">
+              <a:extLst>
+                <a:ext uri="{FF2B5EF4-FFF2-40B4-BE49-F238E27FC236}">
+                  <a16:creationId xmlns:a16="http://schemas.microsoft.com/office/drawing/2014/main" id="{2B62837B-25A6-1940-8FDB-0F1D4B1C350A}"/>
+                </a:ext>
+              </a:extLst>
+            </p:cNvPr>
+            <p:cNvSpPr/>
+            <p:nvPr/>
+          </p:nvSpPr>
+          <p:spPr bwMode="auto">
+            <a:xfrm>
+              <a:off x="4501527" y="1352896"/>
+              <a:ext cx="150471" cy="150471"/>
+            </a:xfrm>
+            <a:prstGeom prst="ellipse">
+              <a:avLst/>
+            </a:prstGeom>
+            <a:solidFill>
+              <a:srgbClr val="006600"/>
+            </a:solidFill>
+            <a:ln w="19050" cap="flat" cmpd="sng" algn="ctr">
+              <a:solidFill>
+                <a:schemeClr val="tx1"/>
+              </a:solidFill>
+              <a:prstDash val="solid"/>
+              <a:round/>
+              <a:headEnd type="none" w="med" len="med"/>
+              <a:tailEnd type="none" w="med" len="med"/>
+            </a:ln>
+            <a:effectLst/>
+          </p:spPr>
+          <p:txBody>
+            <a:bodyPr vert="horz" wrap="none" lIns="91440" tIns="45720" rIns="91440" bIns="45720" numCol="1" rtlCol="0" anchor="ctr" anchorCtr="0" compatLnSpc="1">
+              <a:prstTxWarp prst="textNoShape">
+                <a:avLst/>
+              </a:prstTxWarp>
+            </a:bodyPr>
+            <a:lstStyle/>
+            <a:p>
+              <a:pPr marL="0" marR="0" indent="0" algn="ctr" defTabSz="914400" rtl="0" eaLnBrk="1" fontAlgn="base" latinLnBrk="0" hangingPunct="1">
+                <a:lnSpc>
+                  <a:spcPct val="100000"/>
+                </a:lnSpc>
+                <a:spcBef>
+                  <a:spcPct val="0"/>
+                </a:spcBef>
+                <a:spcAft>
+                  <a:spcPct val="0"/>
+                </a:spcAft>
+                <a:buClrTx/>
+                <a:buSzTx/>
+                <a:buFontTx/>
+                <a:buNone/>
+                <a:tabLst/>
+              </a:pPr>
+              <a:endParaRPr kumimoji="0" lang="en-US" sz="3200" b="0" i="0" u="none" strike="noStrike" cap="none" normalizeH="0" baseline="0">
+                <a:ln>
+                  <a:noFill/>
+                </a:ln>
+                <a:solidFill>
+                  <a:schemeClr val="tx1"/>
+                </a:solidFill>
+                <a:effectLst/>
+                <a:latin typeface="Times New Roman" pitchFamily="18" charset="0"/>
+              </a:endParaRPr>
+            </a:p>
+          </p:txBody>
+        </p:sp>
+        <p:sp>
+          <p:nvSpPr>
+            <p:cNvPr id="5" name="Oval 4">
+              <a:extLst>
+                <a:ext uri="{FF2B5EF4-FFF2-40B4-BE49-F238E27FC236}">
+                  <a16:creationId xmlns:a16="http://schemas.microsoft.com/office/drawing/2014/main" id="{0093C092-C11E-F446-848F-6ED9BFEA2473}"/>
+                </a:ext>
+              </a:extLst>
+            </p:cNvPr>
+            <p:cNvSpPr/>
+            <p:nvPr/>
+          </p:nvSpPr>
+          <p:spPr bwMode="auto">
+            <a:xfrm>
+              <a:off x="4501527" y="2605227"/>
+              <a:ext cx="150471" cy="150471"/>
+            </a:xfrm>
+            <a:prstGeom prst="ellipse">
+              <a:avLst/>
+            </a:prstGeom>
+            <a:solidFill>
+              <a:srgbClr val="FF0000"/>
+            </a:solidFill>
+            <a:ln w="19050" cap="flat" cmpd="sng" algn="ctr">
+              <a:solidFill>
+                <a:schemeClr val="tx1"/>
+              </a:solidFill>
+              <a:prstDash val="solid"/>
+              <a:round/>
+              <a:headEnd type="none" w="med" len="med"/>
+              <a:tailEnd type="none" w="med" len="med"/>
+            </a:ln>
+            <a:effectLst/>
+          </p:spPr>
+          <p:txBody>
+            <a:bodyPr vert="horz" wrap="none" lIns="91440" tIns="45720" rIns="91440" bIns="45720" numCol="1" rtlCol="0" anchor="ctr" anchorCtr="0" compatLnSpc="1">
+              <a:prstTxWarp prst="textNoShape">
+                <a:avLst/>
+              </a:prstTxWarp>
+            </a:bodyPr>
+            <a:lstStyle/>
+            <a:p>
+              <a:pPr marL="0" marR="0" indent="0" algn="ctr" defTabSz="914400" rtl="0" eaLnBrk="1" fontAlgn="base" latinLnBrk="0" hangingPunct="1">
+                <a:lnSpc>
+                  <a:spcPct val="100000"/>
+                </a:lnSpc>
+                <a:spcBef>
+                  <a:spcPct val="0"/>
+                </a:spcBef>
+                <a:spcAft>
+                  <a:spcPct val="0"/>
+                </a:spcAft>
+                <a:buClrTx/>
+                <a:buSzTx/>
+                <a:buFontTx/>
+                <a:buNone/>
+                <a:tabLst/>
+              </a:pPr>
+              <a:endParaRPr kumimoji="0" lang="en-US" sz="3200" b="0" i="0" u="none" strike="noStrike" cap="none" normalizeH="0" baseline="0">
+                <a:ln>
+                  <a:noFill/>
+                </a:ln>
+                <a:solidFill>
+                  <a:schemeClr val="tx1"/>
+                </a:solidFill>
+                <a:effectLst/>
+                <a:latin typeface="Times New Roman" pitchFamily="18" charset="0"/>
+              </a:endParaRPr>
+            </a:p>
+          </p:txBody>
+        </p:sp>
+        <p:sp>
+          <p:nvSpPr>
+            <p:cNvPr id="9" name="Oval 8">
+              <a:extLst>
+                <a:ext uri="{FF2B5EF4-FFF2-40B4-BE49-F238E27FC236}">
+                  <a16:creationId xmlns:a16="http://schemas.microsoft.com/office/drawing/2014/main" id="{172DFEB6-EDD5-B847-91DE-1F7DB1CF4CA0}"/>
+                </a:ext>
+              </a:extLst>
+            </p:cNvPr>
+            <p:cNvSpPr/>
+            <p:nvPr/>
+          </p:nvSpPr>
+          <p:spPr bwMode="auto">
+            <a:xfrm>
+              <a:off x="5269080" y="3358041"/>
+              <a:ext cx="150471" cy="150471"/>
+            </a:xfrm>
+            <a:prstGeom prst="ellipse">
+              <a:avLst/>
+            </a:prstGeom>
+            <a:noFill/>
+            <a:ln w="19050" cap="flat" cmpd="sng" algn="ctr">
+              <a:solidFill>
+                <a:schemeClr val="tx1"/>
+              </a:solidFill>
+              <a:prstDash val="solid"/>
+              <a:round/>
+              <a:headEnd type="none" w="med" len="med"/>
+              <a:tailEnd type="none" w="med" len="med"/>
+            </a:ln>
+            <a:effectLst/>
+          </p:spPr>
+          <p:txBody>
+            <a:bodyPr vert="horz" wrap="none" lIns="91440" tIns="45720" rIns="91440" bIns="45720" numCol="1" rtlCol="0" anchor="ctr" anchorCtr="0" compatLnSpc="1">
+              <a:prstTxWarp prst="textNoShape">
+                <a:avLst/>
+              </a:prstTxWarp>
+            </a:bodyPr>
+            <a:lstStyle/>
+            <a:p>
+              <a:pPr marL="0" marR="0" indent="0" algn="ctr" defTabSz="914400" rtl="0" eaLnBrk="1" fontAlgn="base" latinLnBrk="0" hangingPunct="1">
+                <a:lnSpc>
+                  <a:spcPct val="100000"/>
+                </a:lnSpc>
+                <a:spcBef>
+                  <a:spcPct val="0"/>
+                </a:spcBef>
+                <a:spcAft>
+                  <a:spcPct val="0"/>
+                </a:spcAft>
+                <a:buClrTx/>
+                <a:buSzTx/>
+                <a:buFontTx/>
+                <a:buNone/>
+                <a:tabLst/>
+              </a:pPr>
+              <a:endParaRPr kumimoji="0" lang="en-US" sz="3200" b="0" i="0" u="none" strike="noStrike" cap="none" normalizeH="0" baseline="0">
+                <a:ln>
+                  <a:noFill/>
+                </a:ln>
+                <a:solidFill>
+                  <a:schemeClr val="tx1"/>
+                </a:solidFill>
+                <a:effectLst/>
+                <a:latin typeface="Times New Roman" pitchFamily="18" charset="0"/>
+              </a:endParaRPr>
+            </a:p>
+          </p:txBody>
+        </p:sp>
+        <p:cxnSp>
+          <p:nvCxnSpPr>
+            <p:cNvPr id="12" name="Straight Connector 11">
+              <a:extLst>
+                <a:ext uri="{FF2B5EF4-FFF2-40B4-BE49-F238E27FC236}">
+                  <a16:creationId xmlns:a16="http://schemas.microsoft.com/office/drawing/2014/main" id="{A8A50D50-12B4-124A-8D7C-FD19A99B6D86}"/>
+                </a:ext>
+              </a:extLst>
+            </p:cNvPr>
+            <p:cNvCxnSpPr>
+              <a:stCxn id="9" idx="0"/>
+              <a:endCxn id="79" idx="6"/>
+            </p:cNvCxnSpPr>
+            <p:nvPr/>
+          </p:nvCxnSpPr>
+          <p:spPr bwMode="auto">
+            <a:xfrm flipV="1">
+              <a:off x="5344316" y="2740579"/>
+              <a:ext cx="20851" cy="617462"/>
+            </a:xfrm>
+            <a:prstGeom prst="line">
+              <a:avLst/>
+            </a:prstGeom>
+            <a:solidFill>
+              <a:schemeClr val="accent1"/>
+            </a:solidFill>
+            <a:ln w="28575" cap="flat" cmpd="sng" algn="ctr">
+              <a:solidFill>
+                <a:schemeClr val="tx1"/>
+              </a:solidFill>
+              <a:prstDash val="solid"/>
+              <a:round/>
+              <a:headEnd type="none" w="med" len="med"/>
+              <a:tailEnd type="none" w="med" len="med"/>
+            </a:ln>
+            <a:effectLst/>
+          </p:spPr>
+        </p:cxnSp>
+        <p:cxnSp>
+          <p:nvCxnSpPr>
+            <p:cNvPr id="14" name="Straight Connector 13">
+              <a:extLst>
+                <a:ext uri="{FF2B5EF4-FFF2-40B4-BE49-F238E27FC236}">
+                  <a16:creationId xmlns:a16="http://schemas.microsoft.com/office/drawing/2014/main" id="{E1EFB887-30A8-AC41-B97C-42FB20121726}"/>
+                </a:ext>
+              </a:extLst>
+            </p:cNvPr>
+            <p:cNvCxnSpPr>
+              <a:endCxn id="4" idx="5"/>
+            </p:cNvCxnSpPr>
+            <p:nvPr/>
+          </p:nvCxnSpPr>
+          <p:spPr bwMode="auto">
+            <a:xfrm flipH="1" flipV="1">
+              <a:off x="4629962" y="1481331"/>
+              <a:ext cx="707728" cy="1117271"/>
+            </a:xfrm>
+            <a:prstGeom prst="line">
+              <a:avLst/>
+            </a:prstGeom>
+            <a:solidFill>
+              <a:schemeClr val="accent1"/>
+            </a:solidFill>
+            <a:ln w="28575" cap="flat" cmpd="sng" algn="ctr">
+              <a:solidFill>
+                <a:schemeClr val="tx1"/>
+              </a:solidFill>
+              <a:prstDash val="solid"/>
+              <a:round/>
+              <a:headEnd type="none" w="med" len="med"/>
+              <a:tailEnd type="none" w="med" len="med"/>
+            </a:ln>
+            <a:effectLst/>
+          </p:spPr>
+        </p:cxnSp>
+        <p:cxnSp>
+          <p:nvCxnSpPr>
+            <p:cNvPr id="15" name="Straight Connector 14">
+              <a:extLst>
+                <a:ext uri="{FF2B5EF4-FFF2-40B4-BE49-F238E27FC236}">
+                  <a16:creationId xmlns:a16="http://schemas.microsoft.com/office/drawing/2014/main" id="{95E5DF3F-16C3-E247-959B-09026BAB6B31}"/>
+                </a:ext>
+              </a:extLst>
+            </p:cNvPr>
+            <p:cNvCxnSpPr>
+              <a:stCxn id="9" idx="1"/>
+              <a:endCxn id="5" idx="5"/>
+            </p:cNvCxnSpPr>
+            <p:nvPr/>
+          </p:nvCxnSpPr>
+          <p:spPr bwMode="auto">
+            <a:xfrm flipH="1" flipV="1">
+              <a:off x="4629962" y="2733662"/>
+              <a:ext cx="661154" cy="646415"/>
+            </a:xfrm>
+            <a:prstGeom prst="line">
+              <a:avLst/>
+            </a:prstGeom>
+            <a:solidFill>
+              <a:schemeClr val="accent1"/>
+            </a:solidFill>
+            <a:ln w="28575" cap="flat" cmpd="sng" algn="ctr">
+              <a:solidFill>
+                <a:schemeClr val="tx1"/>
+              </a:solidFill>
+              <a:prstDash val="solid"/>
+              <a:round/>
+              <a:headEnd type="none" w="med" len="med"/>
+              <a:tailEnd type="none" w="med" len="med"/>
+            </a:ln>
+            <a:effectLst/>
+          </p:spPr>
+        </p:cxnSp>
+        <p:cxnSp>
+          <p:nvCxnSpPr>
+            <p:cNvPr id="23" name="Straight Connector 22">
+              <a:extLst>
+                <a:ext uri="{FF2B5EF4-FFF2-40B4-BE49-F238E27FC236}">
+                  <a16:creationId xmlns:a16="http://schemas.microsoft.com/office/drawing/2014/main" id="{F4078AF1-2E29-0344-A2C8-0E13CF9C3A43}"/>
+                </a:ext>
+              </a:extLst>
+            </p:cNvPr>
+            <p:cNvCxnSpPr>
+              <a:stCxn id="5" idx="0"/>
+              <a:endCxn id="4" idx="4"/>
+            </p:cNvCxnSpPr>
+            <p:nvPr/>
+          </p:nvCxnSpPr>
+          <p:spPr bwMode="auto">
+            <a:xfrm flipV="1">
+              <a:off x="4576763" y="1503367"/>
+              <a:ext cx="0" cy="1101860"/>
+            </a:xfrm>
+            <a:prstGeom prst="line">
+              <a:avLst/>
+            </a:prstGeom>
+            <a:solidFill>
+              <a:schemeClr val="accent1"/>
+            </a:solidFill>
+            <a:ln w="31750" cap="flat" cmpd="sng" algn="ctr">
+              <a:solidFill>
+                <a:schemeClr val="tx1"/>
+              </a:solidFill>
+              <a:prstDash val="solid"/>
+              <a:round/>
+              <a:headEnd type="none" w="med" len="med"/>
+              <a:tailEnd type="none" w="med" len="med"/>
+            </a:ln>
+            <a:effectLst/>
+          </p:spPr>
+        </p:cxnSp>
+        <p:cxnSp>
+          <p:nvCxnSpPr>
+            <p:cNvPr id="29" name="Straight Connector 28">
+              <a:extLst>
+                <a:ext uri="{FF2B5EF4-FFF2-40B4-BE49-F238E27FC236}">
+                  <a16:creationId xmlns:a16="http://schemas.microsoft.com/office/drawing/2014/main" id="{0B962A10-B368-7849-AA2F-12C200ECE0FA}"/>
+                </a:ext>
+              </a:extLst>
+            </p:cNvPr>
+            <p:cNvCxnSpPr>
+              <a:stCxn id="9" idx="2"/>
+              <a:endCxn id="53" idx="4"/>
+            </p:cNvCxnSpPr>
+            <p:nvPr/>
+          </p:nvCxnSpPr>
+          <p:spPr bwMode="auto">
+            <a:xfrm flipH="1">
+              <a:off x="4678403" y="3433277"/>
+              <a:ext cx="590677" cy="12872"/>
+            </a:xfrm>
+            <a:prstGeom prst="line">
+              <a:avLst/>
+            </a:prstGeom>
+            <a:solidFill>
+              <a:schemeClr val="accent1"/>
+            </a:solidFill>
+            <a:ln w="28575" cap="flat" cmpd="sng" algn="ctr">
+              <a:solidFill>
+                <a:schemeClr val="tx1"/>
+              </a:solidFill>
+              <a:prstDash val="solid"/>
+              <a:round/>
+              <a:headEnd type="none" w="med" len="med"/>
+              <a:tailEnd type="none" w="med" len="med"/>
+            </a:ln>
+            <a:effectLst/>
+          </p:spPr>
+        </p:cxnSp>
+        <p:cxnSp>
+          <p:nvCxnSpPr>
+            <p:cNvPr id="43" name="Straight Connector 42">
+              <a:extLst>
+                <a:ext uri="{FF2B5EF4-FFF2-40B4-BE49-F238E27FC236}">
+                  <a16:creationId xmlns:a16="http://schemas.microsoft.com/office/drawing/2014/main" id="{1958FB6B-3015-4749-B4EE-6BB3448EF54D}"/>
+                </a:ext>
+              </a:extLst>
+            </p:cNvPr>
+            <p:cNvCxnSpPr>
+              <a:stCxn id="50" idx="5"/>
+              <a:endCxn id="4" idx="3"/>
+            </p:cNvCxnSpPr>
+            <p:nvPr/>
+          </p:nvCxnSpPr>
+          <p:spPr bwMode="auto">
+            <a:xfrm flipV="1">
+              <a:off x="3887952" y="1481331"/>
+              <a:ext cx="635611" cy="1150693"/>
+            </a:xfrm>
+            <a:prstGeom prst="line">
+              <a:avLst/>
+            </a:prstGeom>
+            <a:solidFill>
+              <a:schemeClr val="accent1"/>
+            </a:solidFill>
+            <a:ln w="28575" cap="flat" cmpd="sng" algn="ctr">
+              <a:solidFill>
+                <a:schemeClr val="tx1"/>
+              </a:solidFill>
+              <a:prstDash val="solid"/>
+              <a:round/>
+              <a:headEnd type="none" w="med" len="med"/>
+              <a:tailEnd type="none" w="med" len="med"/>
+            </a:ln>
+            <a:effectLst/>
+          </p:spPr>
+        </p:cxnSp>
+        <p:sp>
+          <p:nvSpPr>
+            <p:cNvPr id="48" name="Oval 47">
+              <a:extLst>
+                <a:ext uri="{FF2B5EF4-FFF2-40B4-BE49-F238E27FC236}">
+                  <a16:creationId xmlns:a16="http://schemas.microsoft.com/office/drawing/2014/main" id="{BCD238E5-4006-A24E-A65B-E3F65650E36C}"/>
+                </a:ext>
+              </a:extLst>
+            </p:cNvPr>
+            <p:cNvSpPr/>
+            <p:nvPr/>
+          </p:nvSpPr>
+          <p:spPr bwMode="auto">
+            <a:xfrm rot="16200000">
+              <a:off x="2513812" y="3370914"/>
+              <a:ext cx="150471" cy="150471"/>
+            </a:xfrm>
+            <a:prstGeom prst="ellipse">
+              <a:avLst/>
+            </a:prstGeom>
+            <a:noFill/>
+            <a:ln w="19050" cap="flat" cmpd="sng" algn="ctr">
+              <a:solidFill>
+                <a:schemeClr val="tx1"/>
+              </a:solidFill>
+              <a:prstDash val="solid"/>
+              <a:round/>
+              <a:headEnd type="none" w="med" len="med"/>
+              <a:tailEnd type="none" w="med" len="med"/>
+            </a:ln>
+            <a:effectLst/>
+          </p:spPr>
+          <p:txBody>
+            <a:bodyPr vert="horz" wrap="none" lIns="91440" tIns="45720" rIns="91440" bIns="45720" numCol="1" rtlCol="0" anchor="ctr" anchorCtr="0" compatLnSpc="1">
+              <a:prstTxWarp prst="textNoShape">
+                <a:avLst/>
+              </a:prstTxWarp>
+            </a:bodyPr>
+            <a:lstStyle/>
+            <a:p>
+              <a:pPr marL="0" marR="0" indent="0" algn="ctr" defTabSz="914400" rtl="0" eaLnBrk="1" fontAlgn="base" latinLnBrk="0" hangingPunct="1">
+                <a:lnSpc>
+                  <a:spcPct val="100000"/>
+                </a:lnSpc>
+                <a:spcBef>
+                  <a:spcPct val="0"/>
+                </a:spcBef>
+                <a:spcAft>
+                  <a:spcPct val="0"/>
+                </a:spcAft>
+                <a:buClrTx/>
+                <a:buSzTx/>
+                <a:buFontTx/>
+                <a:buNone/>
+                <a:tabLst/>
+              </a:pPr>
+              <a:endParaRPr kumimoji="0" lang="en-US" sz="3200" b="0" i="0" u="none" strike="noStrike" cap="none" normalizeH="0" baseline="0">
+                <a:ln>
+                  <a:noFill/>
+                </a:ln>
+                <a:solidFill>
+                  <a:schemeClr val="tx1"/>
+                </a:solidFill>
+                <a:effectLst/>
+                <a:latin typeface="Times New Roman" pitchFamily="18" charset="0"/>
+              </a:endParaRPr>
+            </a:p>
+          </p:txBody>
+        </p:sp>
+        <p:sp>
+          <p:nvSpPr>
+            <p:cNvPr id="49" name="Oval 48">
+              <a:extLst>
+                <a:ext uri="{FF2B5EF4-FFF2-40B4-BE49-F238E27FC236}">
+                  <a16:creationId xmlns:a16="http://schemas.microsoft.com/office/drawing/2014/main" id="{06EB8F7E-1334-5446-BE35-DF2663FE6A84}"/>
+                </a:ext>
+              </a:extLst>
+            </p:cNvPr>
+            <p:cNvSpPr/>
+            <p:nvPr/>
+          </p:nvSpPr>
+          <p:spPr bwMode="auto">
+            <a:xfrm rot="16200000">
+              <a:off x="3766143" y="3370914"/>
+              <a:ext cx="150471" cy="150471"/>
+            </a:xfrm>
+            <a:prstGeom prst="ellipse">
+              <a:avLst/>
+            </a:prstGeom>
+            <a:noFill/>
+            <a:ln w="19050" cap="flat" cmpd="sng" algn="ctr">
+              <a:solidFill>
+                <a:schemeClr val="tx1"/>
+              </a:solidFill>
+              <a:prstDash val="solid"/>
+              <a:round/>
+              <a:headEnd type="none" w="med" len="med"/>
+              <a:tailEnd type="none" w="med" len="med"/>
+            </a:ln>
+            <a:effectLst/>
+          </p:spPr>
+          <p:txBody>
+            <a:bodyPr vert="horz" wrap="none" lIns="91440" tIns="45720" rIns="91440" bIns="45720" numCol="1" rtlCol="0" anchor="ctr" anchorCtr="0" compatLnSpc="1">
+              <a:prstTxWarp prst="textNoShape">
+                <a:avLst/>
+              </a:prstTxWarp>
+            </a:bodyPr>
+            <a:lstStyle/>
+            <a:p>
+              <a:pPr marL="0" marR="0" indent="0" algn="ctr" defTabSz="914400" rtl="0" eaLnBrk="1" fontAlgn="base" latinLnBrk="0" hangingPunct="1">
+                <a:lnSpc>
+                  <a:spcPct val="100000"/>
+                </a:lnSpc>
+                <a:spcBef>
+                  <a:spcPct val="0"/>
+                </a:spcBef>
+                <a:spcAft>
+                  <a:spcPct val="0"/>
+                </a:spcAft>
+                <a:buClrTx/>
+                <a:buSzTx/>
+                <a:buFontTx/>
+                <a:buNone/>
+                <a:tabLst/>
+              </a:pPr>
+              <a:endParaRPr kumimoji="0" lang="en-US" sz="3200" b="0" i="0" u="none" strike="noStrike" cap="none" normalizeH="0" baseline="0">
+                <a:ln>
+                  <a:noFill/>
+                </a:ln>
+                <a:solidFill>
+                  <a:schemeClr val="tx1"/>
+                </a:solidFill>
+                <a:effectLst/>
+                <a:latin typeface="Times New Roman" pitchFamily="18" charset="0"/>
+              </a:endParaRPr>
+            </a:p>
+          </p:txBody>
+        </p:sp>
+        <p:sp>
+          <p:nvSpPr>
+            <p:cNvPr id="50" name="Oval 49">
+              <a:extLst>
+                <a:ext uri="{FF2B5EF4-FFF2-40B4-BE49-F238E27FC236}">
+                  <a16:creationId xmlns:a16="http://schemas.microsoft.com/office/drawing/2014/main" id="{7594041B-7482-5741-BEB2-CAA868E1B816}"/>
+                </a:ext>
+              </a:extLst>
+            </p:cNvPr>
+            <p:cNvSpPr/>
+            <p:nvPr/>
+          </p:nvSpPr>
+          <p:spPr bwMode="auto">
+            <a:xfrm rot="16200000">
+              <a:off x="3759517" y="2609988"/>
+              <a:ext cx="150471" cy="150471"/>
+            </a:xfrm>
+            <a:prstGeom prst="ellipse">
+              <a:avLst/>
+            </a:prstGeom>
+            <a:solidFill>
+              <a:schemeClr val="accent5">
+                <a:lumMod val="50000"/>
+              </a:schemeClr>
+            </a:solidFill>
+            <a:ln w="19050" cap="flat" cmpd="sng" algn="ctr">
+              <a:solidFill>
+                <a:schemeClr val="tx1"/>
+              </a:solidFill>
+              <a:prstDash val="solid"/>
+              <a:round/>
+              <a:headEnd type="none" w="med" len="med"/>
+              <a:tailEnd type="none" w="med" len="med"/>
+            </a:ln>
+            <a:effectLst/>
+          </p:spPr>
+          <p:txBody>
+            <a:bodyPr vert="horz" wrap="none" lIns="91440" tIns="45720" rIns="91440" bIns="45720" numCol="1" rtlCol="0" anchor="ctr" anchorCtr="0" compatLnSpc="1">
+              <a:prstTxWarp prst="textNoShape">
+                <a:avLst/>
+              </a:prstTxWarp>
+            </a:bodyPr>
+            <a:lstStyle/>
+            <a:p>
+              <a:pPr marL="0" marR="0" indent="0" algn="ctr" defTabSz="914400" rtl="0" eaLnBrk="1" fontAlgn="base" latinLnBrk="0" hangingPunct="1">
+                <a:lnSpc>
+                  <a:spcPct val="100000"/>
+                </a:lnSpc>
+                <a:spcBef>
+                  <a:spcPct val="0"/>
+                </a:spcBef>
+                <a:spcAft>
+                  <a:spcPct val="0"/>
+                </a:spcAft>
+                <a:buClrTx/>
+                <a:buSzTx/>
+                <a:buFontTx/>
+                <a:buNone/>
+                <a:tabLst/>
+              </a:pPr>
+              <a:endParaRPr kumimoji="0" lang="en-US" sz="3200" b="0" i="0" u="none" strike="noStrike" cap="none" normalizeH="0" baseline="0">
+                <a:ln>
+                  <a:noFill/>
+                </a:ln>
+                <a:solidFill>
+                  <a:schemeClr val="tx1"/>
+                </a:solidFill>
+                <a:effectLst/>
+                <a:latin typeface="Times New Roman" pitchFamily="18" charset="0"/>
+              </a:endParaRPr>
+            </a:p>
+          </p:txBody>
+        </p:sp>
+        <p:sp>
+          <p:nvSpPr>
+            <p:cNvPr id="51" name="Oval 50">
+              <a:extLst>
+                <a:ext uri="{FF2B5EF4-FFF2-40B4-BE49-F238E27FC236}">
+                  <a16:creationId xmlns:a16="http://schemas.microsoft.com/office/drawing/2014/main" id="{F1AC6933-A3E6-3041-BDE0-66385B846108}"/>
+                </a:ext>
+              </a:extLst>
+            </p:cNvPr>
+            <p:cNvSpPr/>
+            <p:nvPr/>
+          </p:nvSpPr>
+          <p:spPr bwMode="auto">
+            <a:xfrm rot="16200000">
+              <a:off x="3786022" y="4133985"/>
+              <a:ext cx="150471" cy="150471"/>
+            </a:xfrm>
+            <a:prstGeom prst="ellipse">
+              <a:avLst/>
+            </a:prstGeom>
+            <a:noFill/>
+            <a:ln w="19050" cap="flat" cmpd="sng" algn="ctr">
+              <a:solidFill>
+                <a:schemeClr val="tx1"/>
+              </a:solidFill>
+              <a:prstDash val="solid"/>
+              <a:round/>
+              <a:headEnd type="none" w="med" len="med"/>
+              <a:tailEnd type="none" w="med" len="med"/>
+            </a:ln>
+            <a:effectLst/>
+          </p:spPr>
+          <p:txBody>
+            <a:bodyPr vert="horz" wrap="none" lIns="91440" tIns="45720" rIns="91440" bIns="45720" numCol="1" rtlCol="0" anchor="ctr" anchorCtr="0" compatLnSpc="1">
+              <a:prstTxWarp prst="textNoShape">
+                <a:avLst/>
+              </a:prstTxWarp>
+            </a:bodyPr>
+            <a:lstStyle/>
+            <a:p>
+              <a:pPr marL="0" marR="0" indent="0" algn="ctr" defTabSz="914400" rtl="0" eaLnBrk="1" fontAlgn="base" latinLnBrk="0" hangingPunct="1">
+                <a:lnSpc>
+                  <a:spcPct val="100000"/>
+                </a:lnSpc>
+                <a:spcBef>
+                  <a:spcPct val="0"/>
+                </a:spcBef>
+                <a:spcAft>
+                  <a:spcPct val="0"/>
+                </a:spcAft>
+                <a:buClrTx/>
+                <a:buSzTx/>
+                <a:buFontTx/>
+                <a:buNone/>
+                <a:tabLst/>
+              </a:pPr>
+              <a:endParaRPr kumimoji="0" lang="en-US" sz="3200" b="0" i="0" u="none" strike="noStrike" cap="none" normalizeH="0" baseline="0">
+                <a:ln>
+                  <a:noFill/>
+                </a:ln>
+                <a:solidFill>
+                  <a:schemeClr val="tx1"/>
+                </a:solidFill>
+                <a:effectLst/>
+                <a:latin typeface="Times New Roman" pitchFamily="18" charset="0"/>
+              </a:endParaRPr>
+            </a:p>
+          </p:txBody>
+        </p:sp>
+        <p:sp>
+          <p:nvSpPr>
+            <p:cNvPr id="53" name="Oval 52">
+              <a:extLst>
+                <a:ext uri="{FF2B5EF4-FFF2-40B4-BE49-F238E27FC236}">
+                  <a16:creationId xmlns:a16="http://schemas.microsoft.com/office/drawing/2014/main" id="{3E3B9665-F522-6E42-9FF4-20777A184223}"/>
+                </a:ext>
+              </a:extLst>
+            </p:cNvPr>
+            <p:cNvSpPr/>
+            <p:nvPr/>
+          </p:nvSpPr>
+          <p:spPr bwMode="auto">
+            <a:xfrm rot="16200000">
+              <a:off x="4527932" y="3370914"/>
+              <a:ext cx="150471" cy="150471"/>
+            </a:xfrm>
+            <a:prstGeom prst="ellipse">
+              <a:avLst/>
+            </a:prstGeom>
+            <a:noFill/>
+            <a:ln w="19050" cap="flat" cmpd="sng" algn="ctr">
+              <a:solidFill>
+                <a:schemeClr val="tx1"/>
+              </a:solidFill>
+              <a:prstDash val="solid"/>
+              <a:round/>
+              <a:headEnd type="none" w="med" len="med"/>
+              <a:tailEnd type="none" w="med" len="med"/>
+            </a:ln>
+            <a:effectLst/>
+          </p:spPr>
+          <p:txBody>
+            <a:bodyPr vert="horz" wrap="none" lIns="91440" tIns="45720" rIns="91440" bIns="45720" numCol="1" rtlCol="0" anchor="ctr" anchorCtr="0" compatLnSpc="1">
+              <a:prstTxWarp prst="textNoShape">
+                <a:avLst/>
+              </a:prstTxWarp>
+            </a:bodyPr>
+            <a:lstStyle/>
+            <a:p>
+              <a:pPr marL="0" marR="0" indent="0" algn="ctr" defTabSz="914400" rtl="0" eaLnBrk="1" fontAlgn="base" latinLnBrk="0" hangingPunct="1">
+                <a:lnSpc>
+                  <a:spcPct val="100000"/>
+                </a:lnSpc>
+                <a:spcBef>
+                  <a:spcPct val="0"/>
+                </a:spcBef>
+                <a:spcAft>
+                  <a:spcPct val="0"/>
+                </a:spcAft>
+                <a:buClrTx/>
+                <a:buSzTx/>
+                <a:buFontTx/>
+                <a:buNone/>
+                <a:tabLst/>
+              </a:pPr>
+              <a:endParaRPr kumimoji="0" lang="en-US" sz="3200" b="0" i="0" u="none" strike="noStrike" cap="none" normalizeH="0" baseline="0">
+                <a:ln>
+                  <a:noFill/>
+                </a:ln>
+                <a:solidFill>
+                  <a:schemeClr val="tx1"/>
+                </a:solidFill>
+                <a:effectLst/>
+                <a:latin typeface="Times New Roman" pitchFamily="18" charset="0"/>
+              </a:endParaRPr>
+            </a:p>
+          </p:txBody>
+        </p:sp>
+        <p:cxnSp>
+          <p:nvCxnSpPr>
+            <p:cNvPr id="54" name="Straight Connector 53">
+              <a:extLst>
+                <a:ext uri="{FF2B5EF4-FFF2-40B4-BE49-F238E27FC236}">
+                  <a16:creationId xmlns:a16="http://schemas.microsoft.com/office/drawing/2014/main" id="{DBFB25B2-F9E4-FD43-8B31-15E030D1F022}"/>
+                </a:ext>
+              </a:extLst>
+            </p:cNvPr>
+            <p:cNvCxnSpPr>
+              <a:endCxn id="50" idx="4"/>
+            </p:cNvCxnSpPr>
+            <p:nvPr/>
+          </p:nvCxnSpPr>
+          <p:spPr bwMode="auto">
+            <a:xfrm rot="16200000" flipH="1" flipV="1">
+              <a:off x="4211159" y="2377425"/>
+              <a:ext cx="6627" cy="608969"/>
+            </a:xfrm>
+            <a:prstGeom prst="line">
+              <a:avLst/>
+            </a:prstGeom>
+            <a:solidFill>
+              <a:schemeClr val="accent1"/>
+            </a:solidFill>
+            <a:ln w="28575" cap="flat" cmpd="sng" algn="ctr">
+              <a:solidFill>
+                <a:schemeClr val="tx1"/>
+              </a:solidFill>
+              <a:prstDash val="solid"/>
+              <a:round/>
+              <a:headEnd type="none" w="med" len="med"/>
+              <a:tailEnd type="none" w="med" len="med"/>
+            </a:ln>
+            <a:effectLst/>
+          </p:spPr>
+        </p:cxnSp>
+        <p:cxnSp>
+          <p:nvCxnSpPr>
+            <p:cNvPr id="55" name="Straight Connector 54">
+              <a:extLst>
+                <a:ext uri="{FF2B5EF4-FFF2-40B4-BE49-F238E27FC236}">
+                  <a16:creationId xmlns:a16="http://schemas.microsoft.com/office/drawing/2014/main" id="{6D439910-40EC-354D-AF1D-986284F3859C}"/>
+                </a:ext>
+              </a:extLst>
+            </p:cNvPr>
+            <p:cNvCxnSpPr>
+              <a:stCxn id="50" idx="0"/>
+              <a:endCxn id="48" idx="5"/>
+            </p:cNvCxnSpPr>
+            <p:nvPr/>
+          </p:nvCxnSpPr>
+          <p:spPr bwMode="auto">
+            <a:xfrm flipH="1">
+              <a:off x="2642247" y="2685223"/>
+              <a:ext cx="1117270" cy="707727"/>
+            </a:xfrm>
+            <a:prstGeom prst="line">
+              <a:avLst/>
+            </a:prstGeom>
+            <a:solidFill>
+              <a:schemeClr val="accent1"/>
+            </a:solidFill>
+            <a:ln w="28575" cap="flat" cmpd="sng" algn="ctr">
+              <a:solidFill>
+                <a:schemeClr val="tx1"/>
+              </a:solidFill>
+              <a:prstDash val="solid"/>
+              <a:round/>
+              <a:headEnd type="none" w="med" len="med"/>
+              <a:tailEnd type="none" w="med" len="med"/>
+            </a:ln>
+            <a:effectLst/>
+          </p:spPr>
+        </p:cxnSp>
+        <p:cxnSp>
+          <p:nvCxnSpPr>
+            <p:cNvPr id="56" name="Straight Connector 55">
+              <a:extLst>
+                <a:ext uri="{FF2B5EF4-FFF2-40B4-BE49-F238E27FC236}">
+                  <a16:creationId xmlns:a16="http://schemas.microsoft.com/office/drawing/2014/main" id="{6A2C6DF1-2483-AD4A-96EF-EFE2636F5B65}"/>
+                </a:ext>
+              </a:extLst>
+            </p:cNvPr>
+            <p:cNvCxnSpPr>
+              <a:stCxn id="5" idx="3"/>
+              <a:endCxn id="66" idx="3"/>
+            </p:cNvCxnSpPr>
+            <p:nvPr/>
+          </p:nvCxnSpPr>
+          <p:spPr bwMode="auto">
+            <a:xfrm flipH="1">
+              <a:off x="3897788" y="2733662"/>
+              <a:ext cx="625775" cy="659502"/>
+            </a:xfrm>
+            <a:prstGeom prst="line">
+              <a:avLst/>
+            </a:prstGeom>
+            <a:solidFill>
+              <a:schemeClr val="accent1"/>
+            </a:solidFill>
+            <a:ln w="28575" cap="flat" cmpd="sng" algn="ctr">
+              <a:solidFill>
+                <a:schemeClr val="tx1"/>
+              </a:solidFill>
+              <a:prstDash val="solid"/>
+              <a:round/>
+              <a:headEnd type="none" w="med" len="med"/>
+              <a:tailEnd type="none" w="med" len="med"/>
+            </a:ln>
+            <a:effectLst/>
+          </p:spPr>
+        </p:cxnSp>
+        <p:cxnSp>
+          <p:nvCxnSpPr>
+            <p:cNvPr id="57" name="Straight Connector 56">
+              <a:extLst>
+                <a:ext uri="{FF2B5EF4-FFF2-40B4-BE49-F238E27FC236}">
+                  <a16:creationId xmlns:a16="http://schemas.microsoft.com/office/drawing/2014/main" id="{C8666E31-99E6-C741-90DB-4EEB253C636E}"/>
+                </a:ext>
+              </a:extLst>
+            </p:cNvPr>
+            <p:cNvCxnSpPr>
+              <a:endCxn id="51" idx="6"/>
+            </p:cNvCxnSpPr>
+            <p:nvPr/>
+          </p:nvCxnSpPr>
+          <p:spPr bwMode="auto">
+            <a:xfrm>
+              <a:off x="3855668" y="3499349"/>
+              <a:ext cx="5590" cy="634636"/>
+            </a:xfrm>
+            <a:prstGeom prst="line">
+              <a:avLst/>
+            </a:prstGeom>
+            <a:solidFill>
+              <a:schemeClr val="accent1"/>
+            </a:solidFill>
+            <a:ln w="28575" cap="flat" cmpd="sng" algn="ctr">
+              <a:solidFill>
+                <a:schemeClr val="tx1"/>
+              </a:solidFill>
+              <a:prstDash val="solid"/>
+              <a:round/>
+              <a:headEnd type="none" w="med" len="med"/>
+              <a:tailEnd type="none" w="med" len="med"/>
+            </a:ln>
+            <a:effectLst/>
+          </p:spPr>
+        </p:cxnSp>
+        <p:cxnSp>
+          <p:nvCxnSpPr>
+            <p:cNvPr id="58" name="Straight Connector 57">
+              <a:extLst>
+                <a:ext uri="{FF2B5EF4-FFF2-40B4-BE49-F238E27FC236}">
+                  <a16:creationId xmlns:a16="http://schemas.microsoft.com/office/drawing/2014/main" id="{1043F6F3-50BA-B042-8090-DB0248B9BB5C}"/>
+                </a:ext>
+              </a:extLst>
+            </p:cNvPr>
+            <p:cNvCxnSpPr>
+              <a:stCxn id="49" idx="0"/>
+              <a:endCxn id="48" idx="4"/>
+            </p:cNvCxnSpPr>
+            <p:nvPr/>
+          </p:nvCxnSpPr>
+          <p:spPr bwMode="auto">
+            <a:xfrm rot="16200000" flipV="1">
+              <a:off x="3215213" y="2895219"/>
+              <a:ext cx="0" cy="1101860"/>
+            </a:xfrm>
+            <a:prstGeom prst="line">
+              <a:avLst/>
+            </a:prstGeom>
+            <a:solidFill>
+              <a:schemeClr val="accent1"/>
+            </a:solidFill>
+            <a:ln w="31750" cap="flat" cmpd="sng" algn="ctr">
+              <a:solidFill>
+                <a:schemeClr val="tx1"/>
+              </a:solidFill>
+              <a:prstDash val="solid"/>
+              <a:round/>
+              <a:headEnd type="none" w="med" len="med"/>
+              <a:tailEnd type="none" w="med" len="med"/>
+            </a:ln>
+            <a:effectLst/>
+          </p:spPr>
+        </p:cxnSp>
+        <p:cxnSp>
+          <p:nvCxnSpPr>
+            <p:cNvPr id="59" name="Straight Connector 58">
+              <a:extLst>
+                <a:ext uri="{FF2B5EF4-FFF2-40B4-BE49-F238E27FC236}">
+                  <a16:creationId xmlns:a16="http://schemas.microsoft.com/office/drawing/2014/main" id="{7173CD94-3391-A44C-86A8-36F34763307D}"/>
+                </a:ext>
+              </a:extLst>
+            </p:cNvPr>
+            <p:cNvCxnSpPr>
+              <a:endCxn id="53" idx="6"/>
+            </p:cNvCxnSpPr>
+            <p:nvPr/>
+          </p:nvCxnSpPr>
+          <p:spPr bwMode="auto">
+            <a:xfrm rot="16200000" flipH="1">
+              <a:off x="4290140" y="3057885"/>
+              <a:ext cx="617082" cy="8975"/>
+            </a:xfrm>
+            <a:prstGeom prst="line">
+              <a:avLst/>
+            </a:prstGeom>
+            <a:solidFill>
+              <a:schemeClr val="accent1"/>
+            </a:solidFill>
+            <a:ln w="28575" cap="flat" cmpd="sng" algn="ctr">
+              <a:solidFill>
+                <a:schemeClr val="tx1"/>
+              </a:solidFill>
+              <a:prstDash val="solid"/>
+              <a:round/>
+              <a:headEnd type="none" w="med" len="med"/>
+              <a:tailEnd type="none" w="med" len="med"/>
+            </a:ln>
+            <a:effectLst/>
+          </p:spPr>
+        </p:cxnSp>
+        <p:cxnSp>
+          <p:nvCxnSpPr>
+            <p:cNvPr id="60" name="Straight Connector 59">
+              <a:extLst>
+                <a:ext uri="{FF2B5EF4-FFF2-40B4-BE49-F238E27FC236}">
+                  <a16:creationId xmlns:a16="http://schemas.microsoft.com/office/drawing/2014/main" id="{B75ADD1E-2E62-4C42-9F15-AE6940A7CA61}"/>
+                </a:ext>
+              </a:extLst>
+            </p:cNvPr>
+            <p:cNvCxnSpPr>
+              <a:stCxn id="51" idx="0"/>
+              <a:endCxn id="48" idx="3"/>
+            </p:cNvCxnSpPr>
+            <p:nvPr/>
+          </p:nvCxnSpPr>
+          <p:spPr bwMode="auto">
+            <a:xfrm flipH="1" flipV="1">
+              <a:off x="2642247" y="3499349"/>
+              <a:ext cx="1143775" cy="709871"/>
+            </a:xfrm>
+            <a:prstGeom prst="line">
+              <a:avLst/>
+            </a:prstGeom>
+            <a:solidFill>
+              <a:schemeClr val="accent1"/>
+            </a:solidFill>
+            <a:ln w="28575" cap="flat" cmpd="sng" algn="ctr">
+              <a:solidFill>
+                <a:schemeClr val="tx1"/>
+              </a:solidFill>
+              <a:prstDash val="solid"/>
+              <a:round/>
+              <a:headEnd type="none" w="med" len="med"/>
+              <a:tailEnd type="none" w="med" len="med"/>
+            </a:ln>
+            <a:effectLst/>
+          </p:spPr>
+        </p:cxnSp>
+        <p:sp>
+          <p:nvSpPr>
+            <p:cNvPr id="62" name="Oval 61">
+              <a:extLst>
+                <a:ext uri="{FF2B5EF4-FFF2-40B4-BE49-F238E27FC236}">
+                  <a16:creationId xmlns:a16="http://schemas.microsoft.com/office/drawing/2014/main" id="{AFC48AE9-6917-314C-8A2B-25A99FE13F3E}"/>
+                </a:ext>
+              </a:extLst>
+            </p:cNvPr>
+            <p:cNvSpPr/>
+            <p:nvPr/>
+          </p:nvSpPr>
+          <p:spPr bwMode="auto">
+            <a:xfrm rot="10800000">
+              <a:off x="4536906" y="5376273"/>
+              <a:ext cx="150471" cy="150471"/>
+            </a:xfrm>
+            <a:prstGeom prst="ellipse">
+              <a:avLst/>
+            </a:prstGeom>
+            <a:noFill/>
+            <a:ln w="19050" cap="flat" cmpd="sng" algn="ctr">
+              <a:solidFill>
+                <a:schemeClr val="tx1"/>
+              </a:solidFill>
+              <a:prstDash val="solid"/>
+              <a:round/>
+              <a:headEnd type="none" w="med" len="med"/>
+              <a:tailEnd type="none" w="med" len="med"/>
+            </a:ln>
+            <a:effectLst/>
+          </p:spPr>
+          <p:txBody>
+            <a:bodyPr vert="horz" wrap="none" lIns="91440" tIns="45720" rIns="91440" bIns="45720" numCol="1" rtlCol="0" anchor="ctr" anchorCtr="0" compatLnSpc="1">
+              <a:prstTxWarp prst="textNoShape">
+                <a:avLst/>
+              </a:prstTxWarp>
+            </a:bodyPr>
+            <a:lstStyle/>
+            <a:p>
+              <a:pPr marL="0" marR="0" indent="0" algn="ctr" defTabSz="914400" rtl="0" eaLnBrk="1" fontAlgn="base" latinLnBrk="0" hangingPunct="1">
+                <a:lnSpc>
+                  <a:spcPct val="100000"/>
+                </a:lnSpc>
+                <a:spcBef>
+                  <a:spcPct val="0"/>
+                </a:spcBef>
+                <a:spcAft>
+                  <a:spcPct val="0"/>
+                </a:spcAft>
+                <a:buClrTx/>
+                <a:buSzTx/>
+                <a:buFontTx/>
+                <a:buNone/>
+                <a:tabLst/>
+              </a:pPr>
+              <a:endParaRPr kumimoji="0" lang="en-US" sz="3200" b="0" i="0" u="none" strike="noStrike" cap="none" normalizeH="0" baseline="0">
+                <a:ln>
+                  <a:noFill/>
+                </a:ln>
+                <a:solidFill>
+                  <a:schemeClr val="tx1"/>
+                </a:solidFill>
+                <a:effectLst/>
+                <a:latin typeface="Times New Roman" pitchFamily="18" charset="0"/>
+              </a:endParaRPr>
+            </a:p>
+          </p:txBody>
+        </p:sp>
+        <p:sp>
+          <p:nvSpPr>
+            <p:cNvPr id="63" name="Oval 62">
+              <a:extLst>
+                <a:ext uri="{FF2B5EF4-FFF2-40B4-BE49-F238E27FC236}">
+                  <a16:creationId xmlns:a16="http://schemas.microsoft.com/office/drawing/2014/main" id="{3DC83A22-0C6C-B243-A2A4-AB34E8923180}"/>
+                </a:ext>
+              </a:extLst>
+            </p:cNvPr>
+            <p:cNvSpPr/>
+            <p:nvPr/>
+          </p:nvSpPr>
+          <p:spPr bwMode="auto">
+            <a:xfrm rot="10800000">
+              <a:off x="4536906" y="4123942"/>
+              <a:ext cx="150471" cy="150471"/>
+            </a:xfrm>
+            <a:prstGeom prst="ellipse">
+              <a:avLst/>
+            </a:prstGeom>
+            <a:solidFill>
+              <a:srgbClr val="FF0000"/>
+            </a:solidFill>
+            <a:ln w="19050" cap="flat" cmpd="sng" algn="ctr">
+              <a:solidFill>
+                <a:schemeClr val="tx1"/>
+              </a:solidFill>
+              <a:prstDash val="solid"/>
+              <a:round/>
+              <a:headEnd type="none" w="med" len="med"/>
+              <a:tailEnd type="none" w="med" len="med"/>
+            </a:ln>
+            <a:effectLst/>
+          </p:spPr>
+          <p:txBody>
+            <a:bodyPr vert="horz" wrap="none" lIns="91440" tIns="45720" rIns="91440" bIns="45720" numCol="1" rtlCol="0" anchor="ctr" anchorCtr="0" compatLnSpc="1">
+              <a:prstTxWarp prst="textNoShape">
+                <a:avLst/>
+              </a:prstTxWarp>
+            </a:bodyPr>
+            <a:lstStyle/>
+            <a:p>
+              <a:pPr marL="0" marR="0" indent="0" algn="ctr" defTabSz="914400" rtl="0" eaLnBrk="1" fontAlgn="base" latinLnBrk="0" hangingPunct="1">
+                <a:lnSpc>
+                  <a:spcPct val="100000"/>
+                </a:lnSpc>
+                <a:spcBef>
+                  <a:spcPct val="0"/>
+                </a:spcBef>
+                <a:spcAft>
+                  <a:spcPct val="0"/>
+                </a:spcAft>
+                <a:buClrTx/>
+                <a:buSzTx/>
+                <a:buFontTx/>
+                <a:buNone/>
+                <a:tabLst/>
+              </a:pPr>
+              <a:endParaRPr kumimoji="0" lang="en-US" sz="3200" b="0" i="0" u="none" strike="noStrike" cap="none" normalizeH="0" baseline="0">
+                <a:ln>
+                  <a:noFill/>
+                </a:ln>
+                <a:solidFill>
+                  <a:schemeClr val="tx1"/>
+                </a:solidFill>
+                <a:effectLst/>
+                <a:latin typeface="Times New Roman" pitchFamily="18" charset="0"/>
+              </a:endParaRPr>
+            </a:p>
+          </p:txBody>
+        </p:sp>
+        <p:sp>
+          <p:nvSpPr>
+            <p:cNvPr id="65" name="Oval 64">
+              <a:extLst>
+                <a:ext uri="{FF2B5EF4-FFF2-40B4-BE49-F238E27FC236}">
+                  <a16:creationId xmlns:a16="http://schemas.microsoft.com/office/drawing/2014/main" id="{A361C4A7-392B-5348-9446-6ECA78A76438}"/>
+                </a:ext>
+              </a:extLst>
+            </p:cNvPr>
+            <p:cNvSpPr/>
+            <p:nvPr/>
+          </p:nvSpPr>
+          <p:spPr bwMode="auto">
+            <a:xfrm rot="10800000">
+              <a:off x="5299977" y="4104063"/>
+              <a:ext cx="150471" cy="150471"/>
+            </a:xfrm>
+            <a:prstGeom prst="ellipse">
+              <a:avLst/>
+            </a:prstGeom>
+            <a:noFill/>
+            <a:ln w="19050" cap="flat" cmpd="sng" algn="ctr">
+              <a:solidFill>
+                <a:schemeClr val="tx1"/>
+              </a:solidFill>
+              <a:prstDash val="solid"/>
+              <a:round/>
+              <a:headEnd type="none" w="med" len="med"/>
+              <a:tailEnd type="none" w="med" len="med"/>
+            </a:ln>
+            <a:effectLst/>
+          </p:spPr>
+          <p:txBody>
+            <a:bodyPr vert="horz" wrap="none" lIns="91440" tIns="45720" rIns="91440" bIns="45720" numCol="1" rtlCol="0" anchor="ctr" anchorCtr="0" compatLnSpc="1">
+              <a:prstTxWarp prst="textNoShape">
+                <a:avLst/>
+              </a:prstTxWarp>
+            </a:bodyPr>
+            <a:lstStyle/>
+            <a:p>
+              <a:pPr marL="0" marR="0" indent="0" algn="ctr" defTabSz="914400" rtl="0" eaLnBrk="1" fontAlgn="base" latinLnBrk="0" hangingPunct="1">
+                <a:lnSpc>
+                  <a:spcPct val="100000"/>
+                </a:lnSpc>
+                <a:spcBef>
+                  <a:spcPct val="0"/>
+                </a:spcBef>
+                <a:spcAft>
+                  <a:spcPct val="0"/>
+                </a:spcAft>
+                <a:buClrTx/>
+                <a:buSzTx/>
+                <a:buFontTx/>
+                <a:buNone/>
+                <a:tabLst/>
+              </a:pPr>
+              <a:endParaRPr kumimoji="0" lang="en-US" sz="3200" b="0" i="0" u="none" strike="noStrike" cap="none" normalizeH="0" baseline="0">
+                <a:ln>
+                  <a:noFill/>
+                </a:ln>
+                <a:solidFill>
+                  <a:schemeClr val="tx1"/>
+                </a:solidFill>
+                <a:effectLst/>
+                <a:latin typeface="Times New Roman" pitchFamily="18" charset="0"/>
+              </a:endParaRPr>
+            </a:p>
+          </p:txBody>
+        </p:sp>
+        <p:sp>
+          <p:nvSpPr>
+            <p:cNvPr id="66" name="Oval 65">
+              <a:extLst>
+                <a:ext uri="{FF2B5EF4-FFF2-40B4-BE49-F238E27FC236}">
+                  <a16:creationId xmlns:a16="http://schemas.microsoft.com/office/drawing/2014/main" id="{9253479B-BBE5-A043-96D5-CFDCE5BF2DA4}"/>
+                </a:ext>
+              </a:extLst>
+            </p:cNvPr>
+            <p:cNvSpPr/>
+            <p:nvPr/>
+          </p:nvSpPr>
+          <p:spPr bwMode="auto">
+            <a:xfrm rot="10800000">
+              <a:off x="3769353" y="3371128"/>
+              <a:ext cx="150471" cy="150471"/>
+            </a:xfrm>
+            <a:prstGeom prst="ellipse">
+              <a:avLst/>
+            </a:prstGeom>
+            <a:solidFill>
+              <a:schemeClr val="accent1"/>
+            </a:solidFill>
+            <a:ln w="19050" cap="flat" cmpd="sng" algn="ctr">
+              <a:solidFill>
+                <a:schemeClr val="tx1"/>
+              </a:solidFill>
+              <a:prstDash val="solid"/>
+              <a:round/>
+              <a:headEnd type="none" w="med" len="med"/>
+              <a:tailEnd type="none" w="med" len="med"/>
+            </a:ln>
+            <a:effectLst/>
+          </p:spPr>
+          <p:txBody>
+            <a:bodyPr vert="horz" wrap="none" lIns="91440" tIns="45720" rIns="91440" bIns="45720" numCol="1" rtlCol="0" anchor="ctr" anchorCtr="0" compatLnSpc="1">
+              <a:prstTxWarp prst="textNoShape">
+                <a:avLst/>
+              </a:prstTxWarp>
+            </a:bodyPr>
+            <a:lstStyle/>
+            <a:p>
+              <a:pPr marL="0" marR="0" indent="0" algn="ctr" defTabSz="914400" rtl="0" eaLnBrk="1" fontAlgn="base" latinLnBrk="0" hangingPunct="1">
+                <a:lnSpc>
+                  <a:spcPct val="100000"/>
+                </a:lnSpc>
+                <a:spcBef>
+                  <a:spcPct val="0"/>
+                </a:spcBef>
+                <a:spcAft>
+                  <a:spcPct val="0"/>
+                </a:spcAft>
+                <a:buClrTx/>
+                <a:buSzTx/>
+                <a:buFontTx/>
+                <a:buNone/>
+                <a:tabLst/>
+              </a:pPr>
+              <a:endParaRPr kumimoji="0" lang="en-US" sz="3200" b="0" i="0" u="none" strike="noStrike" cap="none" normalizeH="0" baseline="0">
+                <a:ln>
+                  <a:noFill/>
+                </a:ln>
+                <a:solidFill>
+                  <a:schemeClr val="tx1"/>
+                </a:solidFill>
+                <a:effectLst/>
+                <a:latin typeface="Times New Roman" pitchFamily="18" charset="0"/>
+              </a:endParaRPr>
+            </a:p>
+          </p:txBody>
+        </p:sp>
+        <p:cxnSp>
+          <p:nvCxnSpPr>
+            <p:cNvPr id="69" name="Straight Connector 68">
+              <a:extLst>
+                <a:ext uri="{FF2B5EF4-FFF2-40B4-BE49-F238E27FC236}">
+                  <a16:creationId xmlns:a16="http://schemas.microsoft.com/office/drawing/2014/main" id="{879B5436-1459-E543-A535-0B4C1D8FE5D0}"/>
+                </a:ext>
+              </a:extLst>
+            </p:cNvPr>
+            <p:cNvCxnSpPr>
+              <a:endCxn id="62" idx="5"/>
+            </p:cNvCxnSpPr>
+            <p:nvPr/>
+          </p:nvCxnSpPr>
+          <p:spPr bwMode="auto">
+            <a:xfrm>
+              <a:off x="3851215" y="4281039"/>
+              <a:ext cx="707727" cy="1117270"/>
+            </a:xfrm>
+            <a:prstGeom prst="line">
+              <a:avLst/>
+            </a:prstGeom>
+            <a:solidFill>
+              <a:schemeClr val="accent1"/>
+            </a:solidFill>
+            <a:ln w="28575" cap="flat" cmpd="sng" algn="ctr">
+              <a:solidFill>
+                <a:schemeClr val="tx1"/>
+              </a:solidFill>
+              <a:prstDash val="solid"/>
+              <a:round/>
+              <a:headEnd type="none" w="med" len="med"/>
+              <a:tailEnd type="none" w="med" len="med"/>
+            </a:ln>
+            <a:effectLst/>
+          </p:spPr>
+        </p:cxnSp>
+        <p:cxnSp>
+          <p:nvCxnSpPr>
+            <p:cNvPr id="70" name="Straight Connector 69">
+              <a:extLst>
+                <a:ext uri="{FF2B5EF4-FFF2-40B4-BE49-F238E27FC236}">
+                  <a16:creationId xmlns:a16="http://schemas.microsoft.com/office/drawing/2014/main" id="{0D4D96DD-5B5B-CA49-AF59-D865E93B0FC9}"/>
+                </a:ext>
+              </a:extLst>
+            </p:cNvPr>
+            <p:cNvCxnSpPr/>
+            <p:nvPr/>
+          </p:nvCxnSpPr>
+          <p:spPr bwMode="auto">
+            <a:xfrm>
+              <a:off x="3870997" y="3499563"/>
+              <a:ext cx="694898" cy="663289"/>
+            </a:xfrm>
+            <a:prstGeom prst="line">
+              <a:avLst/>
+            </a:prstGeom>
+            <a:solidFill>
+              <a:schemeClr val="accent1"/>
+            </a:solidFill>
+            <a:ln w="28575" cap="flat" cmpd="sng" algn="ctr">
+              <a:solidFill>
+                <a:schemeClr val="tx1"/>
+              </a:solidFill>
+              <a:prstDash val="solid"/>
+              <a:round/>
+              <a:headEnd type="none" w="med" len="med"/>
+              <a:tailEnd type="none" w="med" len="med"/>
+            </a:ln>
+            <a:effectLst/>
+          </p:spPr>
+        </p:cxnSp>
+        <p:cxnSp>
+          <p:nvCxnSpPr>
+            <p:cNvPr id="71" name="Straight Connector 70">
+              <a:extLst>
+                <a:ext uri="{FF2B5EF4-FFF2-40B4-BE49-F238E27FC236}">
+                  <a16:creationId xmlns:a16="http://schemas.microsoft.com/office/drawing/2014/main" id="{74922251-032B-7F4E-873E-5439ABE31A68}"/>
+                </a:ext>
+              </a:extLst>
+            </p:cNvPr>
+            <p:cNvCxnSpPr>
+              <a:stCxn id="63" idx="2"/>
+              <a:endCxn id="65" idx="6"/>
+            </p:cNvCxnSpPr>
+            <p:nvPr/>
+          </p:nvCxnSpPr>
+          <p:spPr bwMode="auto">
+            <a:xfrm flipV="1">
+              <a:off x="4687377" y="4179298"/>
+              <a:ext cx="612600" cy="19879"/>
+            </a:xfrm>
+            <a:prstGeom prst="line">
+              <a:avLst/>
+            </a:prstGeom>
+            <a:solidFill>
+              <a:schemeClr val="accent1"/>
+            </a:solidFill>
+            <a:ln w="28575" cap="flat" cmpd="sng" algn="ctr">
+              <a:solidFill>
+                <a:schemeClr val="tx1"/>
+              </a:solidFill>
+              <a:prstDash val="solid"/>
+              <a:round/>
+              <a:headEnd type="none" w="med" len="med"/>
+              <a:tailEnd type="none" w="med" len="med"/>
+            </a:ln>
+            <a:effectLst/>
+          </p:spPr>
+        </p:cxnSp>
+        <p:cxnSp>
+          <p:nvCxnSpPr>
+            <p:cNvPr id="72" name="Straight Connector 71">
+              <a:extLst>
+                <a:ext uri="{FF2B5EF4-FFF2-40B4-BE49-F238E27FC236}">
+                  <a16:creationId xmlns:a16="http://schemas.microsoft.com/office/drawing/2014/main" id="{E4D86D5C-197F-6A41-8E72-600F36DD0EF6}"/>
+                </a:ext>
+              </a:extLst>
+            </p:cNvPr>
+            <p:cNvCxnSpPr>
+              <a:stCxn id="63" idx="0"/>
+              <a:endCxn id="62" idx="4"/>
+            </p:cNvCxnSpPr>
+            <p:nvPr/>
+          </p:nvCxnSpPr>
+          <p:spPr bwMode="auto">
+            <a:xfrm rot="10800000" flipV="1">
+              <a:off x="4612141" y="4274413"/>
+              <a:ext cx="0" cy="1101860"/>
+            </a:xfrm>
+            <a:prstGeom prst="line">
+              <a:avLst/>
+            </a:prstGeom>
+            <a:solidFill>
+              <a:schemeClr val="accent1"/>
+            </a:solidFill>
+            <a:ln w="31750" cap="flat" cmpd="sng" algn="ctr">
+              <a:solidFill>
+                <a:schemeClr val="tx1"/>
+              </a:solidFill>
+              <a:prstDash val="solid"/>
+              <a:round/>
+              <a:headEnd type="none" w="med" len="med"/>
+              <a:tailEnd type="none" w="med" len="med"/>
+            </a:ln>
+            <a:effectLst/>
+          </p:spPr>
+        </p:cxnSp>
+        <p:cxnSp>
+          <p:nvCxnSpPr>
+            <p:cNvPr id="73" name="Straight Connector 72">
+              <a:extLst>
+                <a:ext uri="{FF2B5EF4-FFF2-40B4-BE49-F238E27FC236}">
+                  <a16:creationId xmlns:a16="http://schemas.microsoft.com/office/drawing/2014/main" id="{36AB2ACE-4D52-B543-8467-5BA30FF2F922}"/>
+                </a:ext>
+              </a:extLst>
+            </p:cNvPr>
+            <p:cNvCxnSpPr>
+              <a:stCxn id="66" idx="2"/>
+            </p:cNvCxnSpPr>
+            <p:nvPr/>
+          </p:nvCxnSpPr>
+          <p:spPr bwMode="auto">
+            <a:xfrm rot="10800000" flipH="1">
+              <a:off x="3919824" y="3437388"/>
+              <a:ext cx="617082" cy="8975"/>
+            </a:xfrm>
+            <a:prstGeom prst="line">
+              <a:avLst/>
+            </a:prstGeom>
+            <a:solidFill>
+              <a:schemeClr val="accent1"/>
+            </a:solidFill>
+            <a:ln w="28575" cap="flat" cmpd="sng" algn="ctr">
+              <a:solidFill>
+                <a:schemeClr val="tx1"/>
+              </a:solidFill>
+              <a:prstDash val="solid"/>
+              <a:round/>
+              <a:headEnd type="none" w="med" len="med"/>
+              <a:tailEnd type="none" w="med" len="med"/>
+            </a:ln>
+            <a:effectLst/>
+          </p:spPr>
+        </p:cxnSp>
+        <p:cxnSp>
+          <p:nvCxnSpPr>
+            <p:cNvPr id="74" name="Straight Connector 73">
+              <a:extLst>
+                <a:ext uri="{FF2B5EF4-FFF2-40B4-BE49-F238E27FC236}">
+                  <a16:creationId xmlns:a16="http://schemas.microsoft.com/office/drawing/2014/main" id="{E4AC14D7-BE9C-154D-A57B-C2A3669ADED8}"/>
+                </a:ext>
+              </a:extLst>
+            </p:cNvPr>
+            <p:cNvCxnSpPr>
+              <a:stCxn id="65" idx="7"/>
+              <a:endCxn id="62" idx="3"/>
+            </p:cNvCxnSpPr>
+            <p:nvPr/>
+          </p:nvCxnSpPr>
+          <p:spPr bwMode="auto">
+            <a:xfrm rot="10800000" flipV="1">
+              <a:off x="4665341" y="4232498"/>
+              <a:ext cx="656672" cy="1165811"/>
+            </a:xfrm>
+            <a:prstGeom prst="line">
+              <a:avLst/>
+            </a:prstGeom>
+            <a:solidFill>
+              <a:schemeClr val="accent1"/>
+            </a:solidFill>
+            <a:ln w="28575" cap="flat" cmpd="sng" algn="ctr">
+              <a:solidFill>
+                <a:schemeClr val="tx1"/>
+              </a:solidFill>
+              <a:prstDash val="solid"/>
+              <a:round/>
+              <a:headEnd type="none" w="med" len="med"/>
+              <a:tailEnd type="none" w="med" len="med"/>
+            </a:ln>
+            <a:effectLst/>
+          </p:spPr>
+        </p:cxnSp>
+        <p:sp>
+          <p:nvSpPr>
+            <p:cNvPr id="76" name="Oval 75">
+              <a:extLst>
+                <a:ext uri="{FF2B5EF4-FFF2-40B4-BE49-F238E27FC236}">
+                  <a16:creationId xmlns:a16="http://schemas.microsoft.com/office/drawing/2014/main" id="{23027602-ED84-1E44-B68F-A53B5E20805C}"/>
+                </a:ext>
+              </a:extLst>
+            </p:cNvPr>
+            <p:cNvSpPr/>
+            <p:nvPr/>
+          </p:nvSpPr>
+          <p:spPr bwMode="auto">
+            <a:xfrm rot="5400000">
+              <a:off x="6562142" y="3353179"/>
+              <a:ext cx="150471" cy="150471"/>
+            </a:xfrm>
+            <a:prstGeom prst="ellipse">
+              <a:avLst/>
+            </a:prstGeom>
+            <a:noFill/>
+            <a:ln w="19050" cap="flat" cmpd="sng" algn="ctr">
+              <a:solidFill>
+                <a:schemeClr val="tx1"/>
+              </a:solidFill>
+              <a:prstDash val="solid"/>
+              <a:round/>
+              <a:headEnd type="none" w="med" len="med"/>
+              <a:tailEnd type="none" w="med" len="med"/>
+            </a:ln>
+            <a:effectLst/>
+          </p:spPr>
+          <p:txBody>
+            <a:bodyPr vert="horz" wrap="none" lIns="91440" tIns="45720" rIns="91440" bIns="45720" numCol="1" rtlCol="0" anchor="ctr" anchorCtr="0" compatLnSpc="1">
+              <a:prstTxWarp prst="textNoShape">
+                <a:avLst/>
+              </a:prstTxWarp>
+            </a:bodyPr>
+            <a:lstStyle/>
+            <a:p>
+              <a:pPr marL="0" marR="0" indent="0" algn="ctr" defTabSz="914400" rtl="0" eaLnBrk="1" fontAlgn="base" latinLnBrk="0" hangingPunct="1">
+                <a:lnSpc>
+                  <a:spcPct val="100000"/>
+                </a:lnSpc>
+                <a:spcBef>
+                  <a:spcPct val="0"/>
+                </a:spcBef>
+                <a:spcAft>
+                  <a:spcPct val="0"/>
+                </a:spcAft>
+                <a:buClrTx/>
+                <a:buSzTx/>
+                <a:buFontTx/>
+                <a:buNone/>
+                <a:tabLst/>
+              </a:pPr>
+              <a:endParaRPr kumimoji="0" lang="en-US" sz="3200" b="0" i="0" u="none" strike="noStrike" cap="none" normalizeH="0" baseline="0">
+                <a:ln>
+                  <a:noFill/>
+                </a:ln>
+                <a:solidFill>
+                  <a:schemeClr val="tx1"/>
+                </a:solidFill>
+                <a:effectLst/>
+                <a:latin typeface="Times New Roman" pitchFamily="18" charset="0"/>
+              </a:endParaRPr>
+            </a:p>
+          </p:txBody>
+        </p:sp>
+        <p:sp>
+          <p:nvSpPr>
+            <p:cNvPr id="79" name="Oval 78">
+              <a:extLst>
+                <a:ext uri="{FF2B5EF4-FFF2-40B4-BE49-F238E27FC236}">
+                  <a16:creationId xmlns:a16="http://schemas.microsoft.com/office/drawing/2014/main" id="{009124D7-B937-044A-87AD-896023111F52}"/>
+                </a:ext>
+              </a:extLst>
+            </p:cNvPr>
+            <p:cNvSpPr/>
+            <p:nvPr/>
+          </p:nvSpPr>
+          <p:spPr bwMode="auto">
+            <a:xfrm rot="5400000">
+              <a:off x="5289932" y="2590108"/>
+              <a:ext cx="150471" cy="150471"/>
+            </a:xfrm>
+            <a:prstGeom prst="ellipse">
+              <a:avLst/>
+            </a:prstGeom>
+            <a:noFill/>
+            <a:ln w="19050" cap="flat" cmpd="sng" algn="ctr">
+              <a:solidFill>
+                <a:schemeClr val="tx1"/>
+              </a:solidFill>
+              <a:prstDash val="solid"/>
+              <a:round/>
+              <a:headEnd type="none" w="med" len="med"/>
+              <a:tailEnd type="none" w="med" len="med"/>
+            </a:ln>
+            <a:effectLst/>
+          </p:spPr>
+          <p:txBody>
+            <a:bodyPr vert="horz" wrap="none" lIns="91440" tIns="45720" rIns="91440" bIns="45720" numCol="1" rtlCol="0" anchor="ctr" anchorCtr="0" compatLnSpc="1">
+              <a:prstTxWarp prst="textNoShape">
+                <a:avLst/>
+              </a:prstTxWarp>
+            </a:bodyPr>
+            <a:lstStyle/>
+            <a:p>
+              <a:pPr marL="0" marR="0" indent="0" algn="ctr" defTabSz="914400" rtl="0" eaLnBrk="1" fontAlgn="base" latinLnBrk="0" hangingPunct="1">
+                <a:lnSpc>
+                  <a:spcPct val="100000"/>
+                </a:lnSpc>
+                <a:spcBef>
+                  <a:spcPct val="0"/>
+                </a:spcBef>
+                <a:spcAft>
+                  <a:spcPct val="0"/>
+                </a:spcAft>
+                <a:buClrTx/>
+                <a:buSzTx/>
+                <a:buFontTx/>
+                <a:buNone/>
+                <a:tabLst/>
+              </a:pPr>
+              <a:endParaRPr kumimoji="0" lang="en-US" sz="3200" b="0" i="0" u="none" strike="noStrike" cap="none" normalizeH="0" baseline="0">
+                <a:ln>
+                  <a:noFill/>
+                </a:ln>
+                <a:solidFill>
+                  <a:schemeClr val="tx1"/>
+                </a:solidFill>
+                <a:effectLst/>
+                <a:latin typeface="Times New Roman" pitchFamily="18" charset="0"/>
+              </a:endParaRPr>
+            </a:p>
+          </p:txBody>
+        </p:sp>
+        <p:cxnSp>
+          <p:nvCxnSpPr>
+            <p:cNvPr id="83" name="Straight Connector 82">
+              <a:extLst>
+                <a:ext uri="{FF2B5EF4-FFF2-40B4-BE49-F238E27FC236}">
+                  <a16:creationId xmlns:a16="http://schemas.microsoft.com/office/drawing/2014/main" id="{FD3264C6-EE68-9947-864B-B2C9B6456510}"/>
+                </a:ext>
+              </a:extLst>
+            </p:cNvPr>
+            <p:cNvCxnSpPr>
+              <a:stCxn id="65" idx="2"/>
+              <a:endCxn id="76" idx="5"/>
+            </p:cNvCxnSpPr>
+            <p:nvPr/>
+          </p:nvCxnSpPr>
+          <p:spPr bwMode="auto">
+            <a:xfrm flipV="1">
+              <a:off x="5450448" y="3481614"/>
+              <a:ext cx="1133730" cy="697684"/>
+            </a:xfrm>
+            <a:prstGeom prst="line">
+              <a:avLst/>
+            </a:prstGeom>
+            <a:solidFill>
+              <a:schemeClr val="accent1"/>
+            </a:solidFill>
+            <a:ln w="28575" cap="flat" cmpd="sng" algn="ctr">
+              <a:solidFill>
+                <a:schemeClr val="tx1"/>
+              </a:solidFill>
+              <a:prstDash val="solid"/>
+              <a:round/>
+              <a:headEnd type="none" w="med" len="med"/>
+              <a:tailEnd type="none" w="med" len="med"/>
+            </a:ln>
+            <a:effectLst/>
+          </p:spPr>
+        </p:cxnSp>
+        <p:cxnSp>
+          <p:nvCxnSpPr>
+            <p:cNvPr id="84" name="Straight Connector 83">
+              <a:extLst>
+                <a:ext uri="{FF2B5EF4-FFF2-40B4-BE49-F238E27FC236}">
+                  <a16:creationId xmlns:a16="http://schemas.microsoft.com/office/drawing/2014/main" id="{F80AF2CE-B576-0C44-B251-8ABA5DB57AC0}"/>
+                </a:ext>
+              </a:extLst>
+            </p:cNvPr>
+            <p:cNvCxnSpPr>
+              <a:stCxn id="63" idx="3"/>
+              <a:endCxn id="9" idx="3"/>
+            </p:cNvCxnSpPr>
+            <p:nvPr/>
+          </p:nvCxnSpPr>
+          <p:spPr bwMode="auto">
+            <a:xfrm flipV="1">
+              <a:off x="4665341" y="3486476"/>
+              <a:ext cx="625775" cy="659502"/>
+            </a:xfrm>
+            <a:prstGeom prst="line">
+              <a:avLst/>
+            </a:prstGeom>
+            <a:solidFill>
+              <a:schemeClr val="accent1"/>
+            </a:solidFill>
+            <a:ln w="28575" cap="flat" cmpd="sng" algn="ctr">
+              <a:solidFill>
+                <a:schemeClr val="tx1"/>
+              </a:solidFill>
+              <a:prstDash val="solid"/>
+              <a:round/>
+              <a:headEnd type="none" w="med" len="med"/>
+              <a:tailEnd type="none" w="med" len="med"/>
+            </a:ln>
+            <a:effectLst/>
+          </p:spPr>
+        </p:cxnSp>
+        <p:cxnSp>
+          <p:nvCxnSpPr>
+            <p:cNvPr id="86" name="Straight Connector 85">
+              <a:extLst>
+                <a:ext uri="{FF2B5EF4-FFF2-40B4-BE49-F238E27FC236}">
+                  <a16:creationId xmlns:a16="http://schemas.microsoft.com/office/drawing/2014/main" id="{32CE50F2-231D-BC42-9522-467077EBCEDD}"/>
+                </a:ext>
+              </a:extLst>
+            </p:cNvPr>
+            <p:cNvCxnSpPr>
+              <a:stCxn id="9" idx="6"/>
+              <a:endCxn id="76" idx="4"/>
+            </p:cNvCxnSpPr>
+            <p:nvPr/>
+          </p:nvCxnSpPr>
+          <p:spPr bwMode="auto">
+            <a:xfrm flipV="1">
+              <a:off x="5419551" y="3428415"/>
+              <a:ext cx="1142591" cy="4862"/>
+            </a:xfrm>
+            <a:prstGeom prst="line">
+              <a:avLst/>
+            </a:prstGeom>
+            <a:solidFill>
+              <a:schemeClr val="accent1"/>
+            </a:solidFill>
+            <a:ln w="31750" cap="flat" cmpd="sng" algn="ctr">
+              <a:solidFill>
+                <a:schemeClr val="tx1"/>
+              </a:solidFill>
+              <a:prstDash val="solid"/>
+              <a:round/>
+              <a:headEnd type="none" w="med" len="med"/>
+              <a:tailEnd type="none" w="med" len="med"/>
+            </a:ln>
+            <a:effectLst/>
+          </p:spPr>
+        </p:cxnSp>
+        <p:cxnSp>
+          <p:nvCxnSpPr>
+            <p:cNvPr id="87" name="Straight Connector 86">
+              <a:extLst>
+                <a:ext uri="{FF2B5EF4-FFF2-40B4-BE49-F238E27FC236}">
+                  <a16:creationId xmlns:a16="http://schemas.microsoft.com/office/drawing/2014/main" id="{B902E147-99C3-6346-AE49-228D71F68743}"/>
+                </a:ext>
+              </a:extLst>
+            </p:cNvPr>
+            <p:cNvCxnSpPr>
+              <a:stCxn id="63" idx="4"/>
+            </p:cNvCxnSpPr>
+            <p:nvPr/>
+          </p:nvCxnSpPr>
+          <p:spPr bwMode="auto">
+            <a:xfrm flipV="1">
+              <a:off x="4612141" y="3503651"/>
+              <a:ext cx="11117" cy="620291"/>
+            </a:xfrm>
+            <a:prstGeom prst="line">
+              <a:avLst/>
+            </a:prstGeom>
+            <a:solidFill>
+              <a:schemeClr val="accent1"/>
+            </a:solidFill>
+            <a:ln w="28575" cap="flat" cmpd="sng" algn="ctr">
+              <a:solidFill>
+                <a:schemeClr val="tx1"/>
+              </a:solidFill>
+              <a:prstDash val="solid"/>
+              <a:round/>
+              <a:headEnd type="none" w="med" len="med"/>
+              <a:tailEnd type="none" w="med" len="med"/>
+            </a:ln>
+            <a:effectLst/>
+          </p:spPr>
+        </p:cxnSp>
+        <p:cxnSp>
+          <p:nvCxnSpPr>
+            <p:cNvPr id="88" name="Straight Connector 87">
+              <a:extLst>
+                <a:ext uri="{FF2B5EF4-FFF2-40B4-BE49-F238E27FC236}">
+                  <a16:creationId xmlns:a16="http://schemas.microsoft.com/office/drawing/2014/main" id="{4C04B310-9C58-2044-AE04-46230D40BB07}"/>
+                </a:ext>
+              </a:extLst>
+            </p:cNvPr>
+            <p:cNvCxnSpPr>
+              <a:stCxn id="79" idx="7"/>
+              <a:endCxn id="76" idx="3"/>
+            </p:cNvCxnSpPr>
+            <p:nvPr/>
+          </p:nvCxnSpPr>
+          <p:spPr bwMode="auto">
+            <a:xfrm rot="5400000" flipV="1">
+              <a:off x="5672937" y="2463974"/>
+              <a:ext cx="656672" cy="1165811"/>
+            </a:xfrm>
+            <a:prstGeom prst="line">
+              <a:avLst/>
+            </a:prstGeom>
+            <a:solidFill>
+              <a:schemeClr val="accent1"/>
+            </a:solidFill>
+            <a:ln w="28575" cap="flat" cmpd="sng" algn="ctr">
+              <a:solidFill>
+                <a:schemeClr val="tx1"/>
+              </a:solidFill>
+              <a:prstDash val="solid"/>
+              <a:round/>
+              <a:headEnd type="none" w="med" len="med"/>
+              <a:tailEnd type="none" w="med" len="med"/>
+            </a:ln>
+            <a:effectLst/>
+          </p:spPr>
+        </p:cxnSp>
+      </p:grpSp>
+    </p:spTree>
+    <p:extLst>
+      <p:ext uri="{BB962C8B-B14F-4D97-AF65-F5344CB8AC3E}">
+        <p14:creationId xmlns:p14="http://schemas.microsoft.com/office/powerpoint/2010/main" val="1495333850"/>
+      </p:ext>
+    </p:extLst>
+  </p:cSld>
+  <p:clrMapOvr>
+    <a:masterClrMapping/>
+  </p:clrMapOvr>
+  <p:transition spd="slow" advClick="0">
+    <p:fade/>
+  </p:transition>
+</p:sld>
+</file>
+
+<file path=ppt/slides/slide4.xml><?xml version="1.0" encoding="utf-8"?>
+<p:sld xmlns:a="http://schemas.openxmlformats.org/drawingml/2006/main" xmlns:r="http://schemas.openxmlformats.org/officeDocument/2006/relationships" xmlns:p="http://schemas.openxmlformats.org/presentationml/2006/main">
+  <p:cSld>
+    <p:spTree>
+      <p:nvGrpSpPr>
+        <p:cNvPr id="1" name=""/>
+        <p:cNvGrpSpPr/>
+        <p:nvPr/>
+      </p:nvGrpSpPr>
+      <p:grpSpPr>
+        <a:xfrm>
+          <a:off x="0" y="0"/>
+          <a:ext cx="0" cy="0"/>
+          <a:chOff x="0" y="0"/>
+          <a:chExt cx="0" cy="0"/>
+        </a:xfrm>
+      </p:grpSpPr>
+      <p:sp>
+        <p:nvSpPr>
+          <p:cNvPr id="2" name="Title 1">
+            <a:extLst>
+              <a:ext uri="{FF2B5EF4-FFF2-40B4-BE49-F238E27FC236}">
+                <a16:creationId xmlns:a16="http://schemas.microsoft.com/office/drawing/2014/main" id="{CBA5FA15-5AE6-4B41-88BD-8370E8525D3E}"/>
+              </a:ext>
+            </a:extLst>
+          </p:cNvPr>
+          <p:cNvSpPr>
+            <a:spLocks noGrp="1"/>
+          </p:cNvSpPr>
+          <p:nvPr>
+            <p:ph type="title"/>
+          </p:nvPr>
+        </p:nvSpPr>
+        <p:spPr>
+          <a:xfrm>
+            <a:off x="1743076" y="304800"/>
+            <a:ext cx="6276974" cy="1133475"/>
+          </a:xfrm>
+        </p:spPr>
+        <p:txBody>
+          <a:bodyPr/>
+          <a:lstStyle/>
+          <a:p>
+            <a:r>
+              <a:rPr lang="en-US" sz="4000" dirty="0"/>
+              <a:t>3-color crossover gadget</a:t>
+            </a:r>
+          </a:p>
+        </p:txBody>
+      </p:sp>
+      <p:sp>
+        <p:nvSpPr>
+          <p:cNvPr id="3" name="Slide Number Placeholder 2">
+            <a:extLst>
+              <a:ext uri="{FF2B5EF4-FFF2-40B4-BE49-F238E27FC236}">
+                <a16:creationId xmlns:a16="http://schemas.microsoft.com/office/drawing/2014/main" id="{94A0D93F-DBDC-B545-A91A-2442DBC99D5A}"/>
+              </a:ext>
+            </a:extLst>
+          </p:cNvPr>
+          <p:cNvSpPr>
+            <a:spLocks noGrp="1"/>
+          </p:cNvSpPr>
+          <p:nvPr>
+            <p:ph type="sldNum" sz="quarter" idx="10"/>
+          </p:nvPr>
+        </p:nvSpPr>
+        <p:spPr/>
+        <p:txBody>
+          <a:bodyPr/>
+          <a:lstStyle/>
+          <a:p>
+            <a:pPr>
+              <a:defRPr/>
+            </a:pPr>
+            <a:r>
+              <a:rPr lang="en-US"/>
+              <a:t>propositional algebra.</a:t>
+            </a:r>
+            <a:fld id="{DB6F0ED6-FEF5-4C9C-B1CC-29B47EC66FAA}" type="slidenum">
+              <a:rPr lang="en-US" smtClean="0"/>
+              <a:pPr>
+                <a:defRPr/>
+              </a:pPr>
+              <a:t>4</a:t>
+            </a:fld>
+            <a:endParaRPr lang="en-US" dirty="0"/>
+          </a:p>
+        </p:txBody>
+      </p:sp>
+      <p:grpSp>
+        <p:nvGrpSpPr>
+          <p:cNvPr id="117" name="Group 116">
+            <a:extLst>
+              <a:ext uri="{FF2B5EF4-FFF2-40B4-BE49-F238E27FC236}">
+                <a16:creationId xmlns:a16="http://schemas.microsoft.com/office/drawing/2014/main" id="{C4EC34E6-40FD-9140-9E5F-FD6905F526EE}"/>
+              </a:ext>
+            </a:extLst>
+          </p:cNvPr>
+          <p:cNvGrpSpPr/>
+          <p:nvPr/>
+        </p:nvGrpSpPr>
+        <p:grpSpPr>
+          <a:xfrm>
+            <a:off x="2513812" y="1352896"/>
+            <a:ext cx="4198801" cy="4173848"/>
+            <a:chOff x="2513812" y="1352896"/>
+            <a:chExt cx="4198801" cy="4173848"/>
+          </a:xfrm>
+        </p:grpSpPr>
+        <p:sp>
+          <p:nvSpPr>
+            <p:cNvPr id="4" name="Oval 3">
+              <a:extLst>
+                <a:ext uri="{FF2B5EF4-FFF2-40B4-BE49-F238E27FC236}">
+                  <a16:creationId xmlns:a16="http://schemas.microsoft.com/office/drawing/2014/main" id="{2B62837B-25A6-1940-8FDB-0F1D4B1C350A}"/>
+                </a:ext>
+              </a:extLst>
+            </p:cNvPr>
+            <p:cNvSpPr/>
+            <p:nvPr/>
+          </p:nvSpPr>
+          <p:spPr bwMode="auto">
+            <a:xfrm>
+              <a:off x="4501527" y="1352896"/>
+              <a:ext cx="150471" cy="150471"/>
+            </a:xfrm>
+            <a:prstGeom prst="ellipse">
+              <a:avLst/>
+            </a:prstGeom>
+            <a:noFill/>
+            <a:ln w="19050" cap="flat" cmpd="sng" algn="ctr">
+              <a:solidFill>
+                <a:schemeClr val="tx1"/>
+              </a:solidFill>
+              <a:prstDash val="solid"/>
+              <a:round/>
+              <a:headEnd type="none" w="med" len="med"/>
+              <a:tailEnd type="none" w="med" len="med"/>
+            </a:ln>
+            <a:effectLst/>
+          </p:spPr>
+          <p:txBody>
+            <a:bodyPr vert="horz" wrap="none" lIns="91440" tIns="45720" rIns="91440" bIns="45720" numCol="1" rtlCol="0" anchor="ctr" anchorCtr="0" compatLnSpc="1">
+              <a:prstTxWarp prst="textNoShape">
+                <a:avLst/>
+              </a:prstTxWarp>
+            </a:bodyPr>
+            <a:lstStyle/>
+            <a:p>
+              <a:pPr marL="0" marR="0" indent="0" algn="ctr" defTabSz="914400" rtl="0" eaLnBrk="1" fontAlgn="base" latinLnBrk="0" hangingPunct="1">
+                <a:lnSpc>
+                  <a:spcPct val="100000"/>
+                </a:lnSpc>
+                <a:spcBef>
+                  <a:spcPct val="0"/>
+                </a:spcBef>
+                <a:spcAft>
+                  <a:spcPct val="0"/>
+                </a:spcAft>
+                <a:buClrTx/>
+                <a:buSzTx/>
+                <a:buFontTx/>
+                <a:buNone/>
+                <a:tabLst/>
+              </a:pPr>
+              <a:endParaRPr kumimoji="0" lang="en-US" sz="3200" b="0" i="0" u="none" strike="noStrike" cap="none" normalizeH="0" baseline="0">
+                <a:ln>
+                  <a:noFill/>
+                </a:ln>
+                <a:solidFill>
+                  <a:schemeClr val="tx1"/>
+                </a:solidFill>
+                <a:effectLst/>
+                <a:latin typeface="Times New Roman" pitchFamily="18" charset="0"/>
+              </a:endParaRPr>
+            </a:p>
+          </p:txBody>
+        </p:sp>
+        <p:sp>
+          <p:nvSpPr>
+            <p:cNvPr id="5" name="Oval 4">
+              <a:extLst>
+                <a:ext uri="{FF2B5EF4-FFF2-40B4-BE49-F238E27FC236}">
+                  <a16:creationId xmlns:a16="http://schemas.microsoft.com/office/drawing/2014/main" id="{0093C092-C11E-F446-848F-6ED9BFEA2473}"/>
+                </a:ext>
+              </a:extLst>
+            </p:cNvPr>
+            <p:cNvSpPr/>
+            <p:nvPr/>
+          </p:nvSpPr>
+          <p:spPr bwMode="auto">
+            <a:xfrm>
+              <a:off x="4501527" y="2605227"/>
+              <a:ext cx="150471" cy="150471"/>
+            </a:xfrm>
+            <a:prstGeom prst="ellipse">
+              <a:avLst/>
+            </a:prstGeom>
+            <a:noFill/>
+            <a:ln w="19050" cap="flat" cmpd="sng" algn="ctr">
+              <a:solidFill>
+                <a:schemeClr val="tx1"/>
+              </a:solidFill>
+              <a:prstDash val="solid"/>
+              <a:round/>
+              <a:headEnd type="none" w="med" len="med"/>
+              <a:tailEnd type="none" w="med" len="med"/>
+            </a:ln>
+            <a:effectLst/>
+          </p:spPr>
+          <p:txBody>
+            <a:bodyPr vert="horz" wrap="none" lIns="91440" tIns="45720" rIns="91440" bIns="45720" numCol="1" rtlCol="0" anchor="ctr" anchorCtr="0" compatLnSpc="1">
+              <a:prstTxWarp prst="textNoShape">
+                <a:avLst/>
+              </a:prstTxWarp>
+            </a:bodyPr>
+            <a:lstStyle/>
+            <a:p>
+              <a:pPr marL="0" marR="0" indent="0" algn="ctr" defTabSz="914400" rtl="0" eaLnBrk="1" fontAlgn="base" latinLnBrk="0" hangingPunct="1">
+                <a:lnSpc>
+                  <a:spcPct val="100000"/>
+                </a:lnSpc>
+                <a:spcBef>
+                  <a:spcPct val="0"/>
+                </a:spcBef>
+                <a:spcAft>
+                  <a:spcPct val="0"/>
+                </a:spcAft>
+                <a:buClrTx/>
+                <a:buSzTx/>
+                <a:buFontTx/>
+                <a:buNone/>
+                <a:tabLst/>
+              </a:pPr>
+              <a:endParaRPr kumimoji="0" lang="en-US" sz="3200" b="0" i="0" u="none" strike="noStrike" cap="none" normalizeH="0" baseline="0">
+                <a:ln>
+                  <a:noFill/>
+                </a:ln>
+                <a:solidFill>
+                  <a:schemeClr val="tx1"/>
+                </a:solidFill>
+                <a:effectLst/>
+                <a:latin typeface="Times New Roman" pitchFamily="18" charset="0"/>
+              </a:endParaRPr>
+            </a:p>
+          </p:txBody>
+        </p:sp>
+        <p:sp>
+          <p:nvSpPr>
+            <p:cNvPr id="9" name="Oval 8">
+              <a:extLst>
+                <a:ext uri="{FF2B5EF4-FFF2-40B4-BE49-F238E27FC236}">
+                  <a16:creationId xmlns:a16="http://schemas.microsoft.com/office/drawing/2014/main" id="{172DFEB6-EDD5-B847-91DE-1F7DB1CF4CA0}"/>
+                </a:ext>
+              </a:extLst>
+            </p:cNvPr>
+            <p:cNvSpPr/>
+            <p:nvPr/>
+          </p:nvSpPr>
+          <p:spPr bwMode="auto">
+            <a:xfrm>
+              <a:off x="5269080" y="3358041"/>
+              <a:ext cx="150471" cy="150471"/>
+            </a:xfrm>
+            <a:prstGeom prst="ellipse">
+              <a:avLst/>
+            </a:prstGeom>
+            <a:noFill/>
+            <a:ln w="19050" cap="flat" cmpd="sng" algn="ctr">
+              <a:solidFill>
+                <a:schemeClr val="tx1"/>
+              </a:solidFill>
+              <a:prstDash val="solid"/>
+              <a:round/>
+              <a:headEnd type="none" w="med" len="med"/>
+              <a:tailEnd type="none" w="med" len="med"/>
+            </a:ln>
+            <a:effectLst/>
+          </p:spPr>
+          <p:txBody>
+            <a:bodyPr vert="horz" wrap="none" lIns="91440" tIns="45720" rIns="91440" bIns="45720" numCol="1" rtlCol="0" anchor="ctr" anchorCtr="0" compatLnSpc="1">
+              <a:prstTxWarp prst="textNoShape">
+                <a:avLst/>
+              </a:prstTxWarp>
+            </a:bodyPr>
+            <a:lstStyle/>
+            <a:p>
+              <a:pPr marL="0" marR="0" indent="0" algn="ctr" defTabSz="914400" rtl="0" eaLnBrk="1" fontAlgn="base" latinLnBrk="0" hangingPunct="1">
+                <a:lnSpc>
+                  <a:spcPct val="100000"/>
+                </a:lnSpc>
+                <a:spcBef>
+                  <a:spcPct val="0"/>
+                </a:spcBef>
+                <a:spcAft>
+                  <a:spcPct val="0"/>
+                </a:spcAft>
+                <a:buClrTx/>
+                <a:buSzTx/>
+                <a:buFontTx/>
+                <a:buNone/>
+                <a:tabLst/>
+              </a:pPr>
+              <a:endParaRPr kumimoji="0" lang="en-US" sz="3200" b="0" i="0" u="none" strike="noStrike" cap="none" normalizeH="0" baseline="0">
+                <a:ln>
+                  <a:noFill/>
+                </a:ln>
+                <a:solidFill>
+                  <a:schemeClr val="tx1"/>
+                </a:solidFill>
+                <a:effectLst/>
+                <a:latin typeface="Times New Roman" pitchFamily="18" charset="0"/>
+              </a:endParaRPr>
+            </a:p>
+          </p:txBody>
+        </p:sp>
+        <p:cxnSp>
+          <p:nvCxnSpPr>
+            <p:cNvPr id="12" name="Straight Connector 11">
+              <a:extLst>
+                <a:ext uri="{FF2B5EF4-FFF2-40B4-BE49-F238E27FC236}">
+                  <a16:creationId xmlns:a16="http://schemas.microsoft.com/office/drawing/2014/main" id="{A8A50D50-12B4-124A-8D7C-FD19A99B6D86}"/>
+                </a:ext>
+              </a:extLst>
+            </p:cNvPr>
+            <p:cNvCxnSpPr>
+              <a:stCxn id="9" idx="0"/>
+              <a:endCxn id="79" idx="6"/>
+            </p:cNvCxnSpPr>
+            <p:nvPr/>
+          </p:nvCxnSpPr>
+          <p:spPr bwMode="auto">
+            <a:xfrm flipV="1">
+              <a:off x="5344316" y="2740579"/>
+              <a:ext cx="20851" cy="617462"/>
+            </a:xfrm>
+            <a:prstGeom prst="line">
+              <a:avLst/>
+            </a:prstGeom>
+            <a:solidFill>
+              <a:schemeClr val="accent1"/>
+            </a:solidFill>
+            <a:ln w="28575" cap="flat" cmpd="sng" algn="ctr">
+              <a:solidFill>
+                <a:schemeClr val="tx1"/>
+              </a:solidFill>
+              <a:prstDash val="solid"/>
+              <a:round/>
+              <a:headEnd type="none" w="med" len="med"/>
+              <a:tailEnd type="none" w="med" len="med"/>
+            </a:ln>
+            <a:effectLst/>
+          </p:spPr>
+        </p:cxnSp>
+        <p:cxnSp>
+          <p:nvCxnSpPr>
+            <p:cNvPr id="14" name="Straight Connector 13">
+              <a:extLst>
+                <a:ext uri="{FF2B5EF4-FFF2-40B4-BE49-F238E27FC236}">
+                  <a16:creationId xmlns:a16="http://schemas.microsoft.com/office/drawing/2014/main" id="{E1EFB887-30A8-AC41-B97C-42FB20121726}"/>
+                </a:ext>
+              </a:extLst>
+            </p:cNvPr>
+            <p:cNvCxnSpPr>
+              <a:endCxn id="4" idx="5"/>
+            </p:cNvCxnSpPr>
+            <p:nvPr/>
+          </p:nvCxnSpPr>
+          <p:spPr bwMode="auto">
+            <a:xfrm flipH="1" flipV="1">
+              <a:off x="4629962" y="1481331"/>
+              <a:ext cx="707728" cy="1117271"/>
+            </a:xfrm>
+            <a:prstGeom prst="line">
+              <a:avLst/>
+            </a:prstGeom>
+            <a:solidFill>
+              <a:schemeClr val="accent1"/>
+            </a:solidFill>
+            <a:ln w="28575" cap="flat" cmpd="sng" algn="ctr">
+              <a:solidFill>
+                <a:schemeClr val="tx1"/>
+              </a:solidFill>
+              <a:prstDash val="solid"/>
+              <a:round/>
+              <a:headEnd type="none" w="med" len="med"/>
+              <a:tailEnd type="none" w="med" len="med"/>
+            </a:ln>
+            <a:effectLst/>
+          </p:spPr>
+        </p:cxnSp>
+        <p:cxnSp>
+          <p:nvCxnSpPr>
+            <p:cNvPr id="15" name="Straight Connector 14">
+              <a:extLst>
+                <a:ext uri="{FF2B5EF4-FFF2-40B4-BE49-F238E27FC236}">
+                  <a16:creationId xmlns:a16="http://schemas.microsoft.com/office/drawing/2014/main" id="{95E5DF3F-16C3-E247-959B-09026BAB6B31}"/>
+                </a:ext>
+              </a:extLst>
+            </p:cNvPr>
+            <p:cNvCxnSpPr>
+              <a:stCxn id="9" idx="1"/>
+              <a:endCxn id="5" idx="5"/>
+            </p:cNvCxnSpPr>
+            <p:nvPr/>
+          </p:nvCxnSpPr>
+          <p:spPr bwMode="auto">
+            <a:xfrm flipH="1" flipV="1">
+              <a:off x="4629962" y="2733662"/>
+              <a:ext cx="661154" cy="646415"/>
+            </a:xfrm>
+            <a:prstGeom prst="line">
+              <a:avLst/>
+            </a:prstGeom>
+            <a:solidFill>
+              <a:schemeClr val="accent1"/>
+            </a:solidFill>
+            <a:ln w="28575" cap="flat" cmpd="sng" algn="ctr">
+              <a:solidFill>
+                <a:schemeClr val="tx1"/>
+              </a:solidFill>
+              <a:prstDash val="solid"/>
+              <a:round/>
+              <a:headEnd type="none" w="med" len="med"/>
+              <a:tailEnd type="none" w="med" len="med"/>
+            </a:ln>
+            <a:effectLst/>
+          </p:spPr>
+        </p:cxnSp>
+        <p:cxnSp>
+          <p:nvCxnSpPr>
+            <p:cNvPr id="23" name="Straight Connector 22">
+              <a:extLst>
+                <a:ext uri="{FF2B5EF4-FFF2-40B4-BE49-F238E27FC236}">
+                  <a16:creationId xmlns:a16="http://schemas.microsoft.com/office/drawing/2014/main" id="{F4078AF1-2E29-0344-A2C8-0E13CF9C3A43}"/>
+                </a:ext>
+              </a:extLst>
+            </p:cNvPr>
+            <p:cNvCxnSpPr>
+              <a:stCxn id="5" idx="0"/>
+              <a:endCxn id="4" idx="4"/>
+            </p:cNvCxnSpPr>
+            <p:nvPr/>
+          </p:nvCxnSpPr>
+          <p:spPr bwMode="auto">
+            <a:xfrm flipV="1">
+              <a:off x="4576763" y="1503367"/>
+              <a:ext cx="0" cy="1101860"/>
+            </a:xfrm>
+            <a:prstGeom prst="line">
+              <a:avLst/>
+            </a:prstGeom>
+            <a:solidFill>
+              <a:schemeClr val="accent1"/>
+            </a:solidFill>
+            <a:ln w="31750" cap="flat" cmpd="sng" algn="ctr">
+              <a:solidFill>
+                <a:schemeClr val="tx1"/>
+              </a:solidFill>
+              <a:prstDash val="solid"/>
+              <a:round/>
+              <a:headEnd type="none" w="med" len="med"/>
+              <a:tailEnd type="none" w="med" len="med"/>
+            </a:ln>
+            <a:effectLst/>
+          </p:spPr>
+        </p:cxnSp>
+        <p:cxnSp>
+          <p:nvCxnSpPr>
+            <p:cNvPr id="29" name="Straight Connector 28">
+              <a:extLst>
+                <a:ext uri="{FF2B5EF4-FFF2-40B4-BE49-F238E27FC236}">
+                  <a16:creationId xmlns:a16="http://schemas.microsoft.com/office/drawing/2014/main" id="{0B962A10-B368-7849-AA2F-12C200ECE0FA}"/>
+                </a:ext>
+              </a:extLst>
+            </p:cNvPr>
+            <p:cNvCxnSpPr>
+              <a:stCxn id="9" idx="2"/>
+              <a:endCxn id="53" idx="4"/>
+            </p:cNvCxnSpPr>
+            <p:nvPr/>
+          </p:nvCxnSpPr>
+          <p:spPr bwMode="auto">
+            <a:xfrm flipH="1">
+              <a:off x="4678403" y="3433277"/>
+              <a:ext cx="590677" cy="12872"/>
+            </a:xfrm>
+            <a:prstGeom prst="line">
+              <a:avLst/>
+            </a:prstGeom>
+            <a:solidFill>
+              <a:schemeClr val="accent1"/>
+            </a:solidFill>
+            <a:ln w="28575" cap="flat" cmpd="sng" algn="ctr">
+              <a:solidFill>
+                <a:schemeClr val="tx1"/>
+              </a:solidFill>
+              <a:prstDash val="solid"/>
+              <a:round/>
+              <a:headEnd type="none" w="med" len="med"/>
+              <a:tailEnd type="none" w="med" len="med"/>
+            </a:ln>
+            <a:effectLst/>
+          </p:spPr>
+        </p:cxnSp>
+        <p:cxnSp>
+          <p:nvCxnSpPr>
+            <p:cNvPr id="43" name="Straight Connector 42">
+              <a:extLst>
+                <a:ext uri="{FF2B5EF4-FFF2-40B4-BE49-F238E27FC236}">
+                  <a16:creationId xmlns:a16="http://schemas.microsoft.com/office/drawing/2014/main" id="{1958FB6B-3015-4749-B4EE-6BB3448EF54D}"/>
+                </a:ext>
+              </a:extLst>
+            </p:cNvPr>
+            <p:cNvCxnSpPr>
+              <a:stCxn id="50" idx="5"/>
+              <a:endCxn id="4" idx="3"/>
+            </p:cNvCxnSpPr>
+            <p:nvPr/>
+          </p:nvCxnSpPr>
+          <p:spPr bwMode="auto">
+            <a:xfrm flipV="1">
+              <a:off x="3887952" y="1481331"/>
+              <a:ext cx="635611" cy="1150693"/>
+            </a:xfrm>
+            <a:prstGeom prst="line">
+              <a:avLst/>
+            </a:prstGeom>
+            <a:solidFill>
+              <a:schemeClr val="accent1"/>
+            </a:solidFill>
+            <a:ln w="28575" cap="flat" cmpd="sng" algn="ctr">
+              <a:solidFill>
+                <a:schemeClr val="tx1"/>
+              </a:solidFill>
+              <a:prstDash val="solid"/>
+              <a:round/>
+              <a:headEnd type="none" w="med" len="med"/>
+              <a:tailEnd type="none" w="med" len="med"/>
+            </a:ln>
+            <a:effectLst/>
+          </p:spPr>
+        </p:cxnSp>
+        <p:sp>
+          <p:nvSpPr>
+            <p:cNvPr id="48" name="Oval 47">
+              <a:extLst>
+                <a:ext uri="{FF2B5EF4-FFF2-40B4-BE49-F238E27FC236}">
+                  <a16:creationId xmlns:a16="http://schemas.microsoft.com/office/drawing/2014/main" id="{BCD238E5-4006-A24E-A65B-E3F65650E36C}"/>
+                </a:ext>
+              </a:extLst>
+            </p:cNvPr>
+            <p:cNvSpPr/>
+            <p:nvPr/>
+          </p:nvSpPr>
+          <p:spPr bwMode="auto">
+            <a:xfrm rot="16200000">
+              <a:off x="2513812" y="3370914"/>
+              <a:ext cx="150471" cy="150471"/>
+            </a:xfrm>
+            <a:prstGeom prst="ellipse">
+              <a:avLst/>
+            </a:prstGeom>
+            <a:noFill/>
+            <a:ln w="19050" cap="flat" cmpd="sng" algn="ctr">
+              <a:solidFill>
+                <a:schemeClr val="tx1"/>
+              </a:solidFill>
+              <a:prstDash val="solid"/>
+              <a:round/>
+              <a:headEnd type="none" w="med" len="med"/>
+              <a:tailEnd type="none" w="med" len="med"/>
+            </a:ln>
+            <a:effectLst/>
+          </p:spPr>
+          <p:txBody>
+            <a:bodyPr vert="horz" wrap="none" lIns="91440" tIns="45720" rIns="91440" bIns="45720" numCol="1" rtlCol="0" anchor="ctr" anchorCtr="0" compatLnSpc="1">
+              <a:prstTxWarp prst="textNoShape">
+                <a:avLst/>
+              </a:prstTxWarp>
+            </a:bodyPr>
+            <a:lstStyle/>
+            <a:p>
+              <a:pPr marL="0" marR="0" indent="0" algn="ctr" defTabSz="914400" rtl="0" eaLnBrk="1" fontAlgn="base" latinLnBrk="0" hangingPunct="1">
+                <a:lnSpc>
+                  <a:spcPct val="100000"/>
+                </a:lnSpc>
+                <a:spcBef>
+                  <a:spcPct val="0"/>
+                </a:spcBef>
+                <a:spcAft>
+                  <a:spcPct val="0"/>
+                </a:spcAft>
+                <a:buClrTx/>
+                <a:buSzTx/>
+                <a:buFontTx/>
+                <a:buNone/>
+                <a:tabLst/>
+              </a:pPr>
+              <a:endParaRPr kumimoji="0" lang="en-US" sz="3200" b="0" i="0" u="none" strike="noStrike" cap="none" normalizeH="0" baseline="0">
+                <a:ln>
+                  <a:noFill/>
+                </a:ln>
+                <a:solidFill>
+                  <a:schemeClr val="tx1"/>
+                </a:solidFill>
+                <a:effectLst/>
+                <a:latin typeface="Times New Roman" pitchFamily="18" charset="0"/>
+              </a:endParaRPr>
+            </a:p>
+          </p:txBody>
+        </p:sp>
+        <p:sp>
+          <p:nvSpPr>
+            <p:cNvPr id="49" name="Oval 48">
+              <a:extLst>
+                <a:ext uri="{FF2B5EF4-FFF2-40B4-BE49-F238E27FC236}">
+                  <a16:creationId xmlns:a16="http://schemas.microsoft.com/office/drawing/2014/main" id="{06EB8F7E-1334-5446-BE35-DF2663FE6A84}"/>
+                </a:ext>
+              </a:extLst>
+            </p:cNvPr>
+            <p:cNvSpPr/>
+            <p:nvPr/>
+          </p:nvSpPr>
+          <p:spPr bwMode="auto">
+            <a:xfrm rot="16200000">
+              <a:off x="3766143" y="3370914"/>
+              <a:ext cx="150471" cy="150471"/>
+            </a:xfrm>
+            <a:prstGeom prst="ellipse">
+              <a:avLst/>
+            </a:prstGeom>
+            <a:noFill/>
+            <a:ln w="19050" cap="flat" cmpd="sng" algn="ctr">
+              <a:solidFill>
+                <a:schemeClr val="tx1"/>
+              </a:solidFill>
+              <a:prstDash val="solid"/>
+              <a:round/>
+              <a:headEnd type="none" w="med" len="med"/>
+              <a:tailEnd type="none" w="med" len="med"/>
+            </a:ln>
+            <a:effectLst/>
+          </p:spPr>
+          <p:txBody>
+            <a:bodyPr vert="horz" wrap="none" lIns="91440" tIns="45720" rIns="91440" bIns="45720" numCol="1" rtlCol="0" anchor="ctr" anchorCtr="0" compatLnSpc="1">
+              <a:prstTxWarp prst="textNoShape">
+                <a:avLst/>
+              </a:prstTxWarp>
+            </a:bodyPr>
+            <a:lstStyle/>
+            <a:p>
+              <a:pPr marL="0" marR="0" indent="0" algn="ctr" defTabSz="914400" rtl="0" eaLnBrk="1" fontAlgn="base" latinLnBrk="0" hangingPunct="1">
+                <a:lnSpc>
+                  <a:spcPct val="100000"/>
+                </a:lnSpc>
+                <a:spcBef>
+                  <a:spcPct val="0"/>
+                </a:spcBef>
+                <a:spcAft>
+                  <a:spcPct val="0"/>
+                </a:spcAft>
+                <a:buClrTx/>
+                <a:buSzTx/>
+                <a:buFontTx/>
+                <a:buNone/>
+                <a:tabLst/>
+              </a:pPr>
+              <a:endParaRPr kumimoji="0" lang="en-US" sz="3200" b="0" i="0" u="none" strike="noStrike" cap="none" normalizeH="0" baseline="0">
+                <a:ln>
+                  <a:noFill/>
+                </a:ln>
+                <a:solidFill>
+                  <a:schemeClr val="tx1"/>
+                </a:solidFill>
+                <a:effectLst/>
+                <a:latin typeface="Times New Roman" pitchFamily="18" charset="0"/>
+              </a:endParaRPr>
+            </a:p>
+          </p:txBody>
+        </p:sp>
+        <p:sp>
+          <p:nvSpPr>
+            <p:cNvPr id="50" name="Oval 49">
+              <a:extLst>
+                <a:ext uri="{FF2B5EF4-FFF2-40B4-BE49-F238E27FC236}">
+                  <a16:creationId xmlns:a16="http://schemas.microsoft.com/office/drawing/2014/main" id="{7594041B-7482-5741-BEB2-CAA868E1B816}"/>
+                </a:ext>
+              </a:extLst>
+            </p:cNvPr>
+            <p:cNvSpPr/>
+            <p:nvPr/>
+          </p:nvSpPr>
+          <p:spPr bwMode="auto">
+            <a:xfrm rot="16200000">
+              <a:off x="3759517" y="2609988"/>
+              <a:ext cx="150471" cy="150471"/>
+            </a:xfrm>
+            <a:prstGeom prst="ellipse">
+              <a:avLst/>
+            </a:prstGeom>
+            <a:noFill/>
+            <a:ln w="19050" cap="flat" cmpd="sng" algn="ctr">
+              <a:solidFill>
+                <a:schemeClr val="tx1"/>
+              </a:solidFill>
+              <a:prstDash val="solid"/>
+              <a:round/>
+              <a:headEnd type="none" w="med" len="med"/>
+              <a:tailEnd type="none" w="med" len="med"/>
+            </a:ln>
+            <a:effectLst/>
+          </p:spPr>
+          <p:txBody>
+            <a:bodyPr vert="horz" wrap="none" lIns="91440" tIns="45720" rIns="91440" bIns="45720" numCol="1" rtlCol="0" anchor="ctr" anchorCtr="0" compatLnSpc="1">
+              <a:prstTxWarp prst="textNoShape">
+                <a:avLst/>
+              </a:prstTxWarp>
+            </a:bodyPr>
+            <a:lstStyle/>
+            <a:p>
+              <a:pPr marL="0" marR="0" indent="0" algn="ctr" defTabSz="914400" rtl="0" eaLnBrk="1" fontAlgn="base" latinLnBrk="0" hangingPunct="1">
+                <a:lnSpc>
+                  <a:spcPct val="100000"/>
+                </a:lnSpc>
+                <a:spcBef>
+                  <a:spcPct val="0"/>
+                </a:spcBef>
+                <a:spcAft>
+                  <a:spcPct val="0"/>
+                </a:spcAft>
+                <a:buClrTx/>
+                <a:buSzTx/>
+                <a:buFontTx/>
+                <a:buNone/>
+                <a:tabLst/>
+              </a:pPr>
+              <a:endParaRPr kumimoji="0" lang="en-US" sz="3200" b="0" i="0" u="none" strike="noStrike" cap="none" normalizeH="0" baseline="0">
+                <a:ln>
+                  <a:noFill/>
+                </a:ln>
+                <a:solidFill>
+                  <a:schemeClr val="tx1"/>
+                </a:solidFill>
+                <a:effectLst/>
+                <a:latin typeface="Times New Roman" pitchFamily="18" charset="0"/>
+              </a:endParaRPr>
+            </a:p>
+          </p:txBody>
+        </p:sp>
+        <p:sp>
+          <p:nvSpPr>
+            <p:cNvPr id="51" name="Oval 50">
+              <a:extLst>
+                <a:ext uri="{FF2B5EF4-FFF2-40B4-BE49-F238E27FC236}">
+                  <a16:creationId xmlns:a16="http://schemas.microsoft.com/office/drawing/2014/main" id="{F1AC6933-A3E6-3041-BDE0-66385B846108}"/>
+                </a:ext>
+              </a:extLst>
+            </p:cNvPr>
+            <p:cNvSpPr/>
+            <p:nvPr/>
+          </p:nvSpPr>
+          <p:spPr bwMode="auto">
+            <a:xfrm rot="16200000">
+              <a:off x="3786022" y="4133985"/>
+              <a:ext cx="150471" cy="150471"/>
+            </a:xfrm>
+            <a:prstGeom prst="ellipse">
+              <a:avLst/>
+            </a:prstGeom>
+            <a:noFill/>
+            <a:ln w="19050" cap="flat" cmpd="sng" algn="ctr">
+              <a:solidFill>
+                <a:schemeClr val="tx1"/>
+              </a:solidFill>
+              <a:prstDash val="solid"/>
+              <a:round/>
+              <a:headEnd type="none" w="med" len="med"/>
+              <a:tailEnd type="none" w="med" len="med"/>
+            </a:ln>
+            <a:effectLst/>
+          </p:spPr>
+          <p:txBody>
+            <a:bodyPr vert="horz" wrap="none" lIns="91440" tIns="45720" rIns="91440" bIns="45720" numCol="1" rtlCol="0" anchor="ctr" anchorCtr="0" compatLnSpc="1">
+              <a:prstTxWarp prst="textNoShape">
+                <a:avLst/>
+              </a:prstTxWarp>
+            </a:bodyPr>
+            <a:lstStyle/>
+            <a:p>
+              <a:pPr marL="0" marR="0" indent="0" algn="ctr" defTabSz="914400" rtl="0" eaLnBrk="1" fontAlgn="base" latinLnBrk="0" hangingPunct="1">
+                <a:lnSpc>
+                  <a:spcPct val="100000"/>
+                </a:lnSpc>
+                <a:spcBef>
+                  <a:spcPct val="0"/>
+                </a:spcBef>
+                <a:spcAft>
+                  <a:spcPct val="0"/>
+                </a:spcAft>
+                <a:buClrTx/>
+                <a:buSzTx/>
+                <a:buFontTx/>
+                <a:buNone/>
+                <a:tabLst/>
+              </a:pPr>
+              <a:endParaRPr kumimoji="0" lang="en-US" sz="3200" b="0" i="0" u="none" strike="noStrike" cap="none" normalizeH="0" baseline="0">
+                <a:ln>
+                  <a:noFill/>
+                </a:ln>
+                <a:solidFill>
+                  <a:schemeClr val="tx1"/>
+                </a:solidFill>
+                <a:effectLst/>
+                <a:latin typeface="Times New Roman" pitchFamily="18" charset="0"/>
+              </a:endParaRPr>
+            </a:p>
+          </p:txBody>
+        </p:sp>
+        <p:sp>
+          <p:nvSpPr>
+            <p:cNvPr id="53" name="Oval 52">
+              <a:extLst>
+                <a:ext uri="{FF2B5EF4-FFF2-40B4-BE49-F238E27FC236}">
+                  <a16:creationId xmlns:a16="http://schemas.microsoft.com/office/drawing/2014/main" id="{3E3B9665-F522-6E42-9FF4-20777A184223}"/>
+                </a:ext>
+              </a:extLst>
+            </p:cNvPr>
+            <p:cNvSpPr/>
+            <p:nvPr/>
+          </p:nvSpPr>
+          <p:spPr bwMode="auto">
+            <a:xfrm rot="16200000">
+              <a:off x="4527932" y="3370914"/>
+              <a:ext cx="150471" cy="150471"/>
+            </a:xfrm>
+            <a:prstGeom prst="ellipse">
+              <a:avLst/>
+            </a:prstGeom>
+            <a:noFill/>
+            <a:ln w="19050" cap="flat" cmpd="sng" algn="ctr">
+              <a:solidFill>
+                <a:schemeClr val="tx1"/>
+              </a:solidFill>
+              <a:prstDash val="solid"/>
+              <a:round/>
+              <a:headEnd type="none" w="med" len="med"/>
+              <a:tailEnd type="none" w="med" len="med"/>
+            </a:ln>
+            <a:effectLst/>
+          </p:spPr>
+          <p:txBody>
+            <a:bodyPr vert="horz" wrap="none" lIns="91440" tIns="45720" rIns="91440" bIns="45720" numCol="1" rtlCol="0" anchor="ctr" anchorCtr="0" compatLnSpc="1">
+              <a:prstTxWarp prst="textNoShape">
+                <a:avLst/>
+              </a:prstTxWarp>
+            </a:bodyPr>
+            <a:lstStyle/>
+            <a:p>
+              <a:pPr marL="0" marR="0" indent="0" algn="ctr" defTabSz="914400" rtl="0" eaLnBrk="1" fontAlgn="base" latinLnBrk="0" hangingPunct="1">
+                <a:lnSpc>
+                  <a:spcPct val="100000"/>
+                </a:lnSpc>
+                <a:spcBef>
+                  <a:spcPct val="0"/>
+                </a:spcBef>
+                <a:spcAft>
+                  <a:spcPct val="0"/>
+                </a:spcAft>
+                <a:buClrTx/>
+                <a:buSzTx/>
+                <a:buFontTx/>
+                <a:buNone/>
+                <a:tabLst/>
+              </a:pPr>
+              <a:endParaRPr kumimoji="0" lang="en-US" sz="3200" b="0" i="0" u="none" strike="noStrike" cap="none" normalizeH="0" baseline="0">
+                <a:ln>
+                  <a:noFill/>
+                </a:ln>
+                <a:solidFill>
+                  <a:schemeClr val="tx1"/>
+                </a:solidFill>
+                <a:effectLst/>
+                <a:latin typeface="Times New Roman" pitchFamily="18" charset="0"/>
+              </a:endParaRPr>
+            </a:p>
+          </p:txBody>
+        </p:sp>
+        <p:cxnSp>
+          <p:nvCxnSpPr>
+            <p:cNvPr id="54" name="Straight Connector 53">
+              <a:extLst>
+                <a:ext uri="{FF2B5EF4-FFF2-40B4-BE49-F238E27FC236}">
+                  <a16:creationId xmlns:a16="http://schemas.microsoft.com/office/drawing/2014/main" id="{DBFB25B2-F9E4-FD43-8B31-15E030D1F022}"/>
+                </a:ext>
+              </a:extLst>
+            </p:cNvPr>
+            <p:cNvCxnSpPr>
+              <a:endCxn id="50" idx="4"/>
+            </p:cNvCxnSpPr>
+            <p:nvPr/>
+          </p:nvCxnSpPr>
+          <p:spPr bwMode="auto">
+            <a:xfrm rot="16200000" flipH="1" flipV="1">
+              <a:off x="4211159" y="2377425"/>
+              <a:ext cx="6627" cy="608969"/>
+            </a:xfrm>
+            <a:prstGeom prst="line">
+              <a:avLst/>
+            </a:prstGeom>
+            <a:solidFill>
+              <a:schemeClr val="accent1"/>
+            </a:solidFill>
+            <a:ln w="28575" cap="flat" cmpd="sng" algn="ctr">
+              <a:solidFill>
+                <a:schemeClr val="tx1"/>
+              </a:solidFill>
+              <a:prstDash val="solid"/>
+              <a:round/>
+              <a:headEnd type="none" w="med" len="med"/>
+              <a:tailEnd type="none" w="med" len="med"/>
+            </a:ln>
+            <a:effectLst/>
+          </p:spPr>
+        </p:cxnSp>
+        <p:cxnSp>
+          <p:nvCxnSpPr>
+            <p:cNvPr id="55" name="Straight Connector 54">
+              <a:extLst>
+                <a:ext uri="{FF2B5EF4-FFF2-40B4-BE49-F238E27FC236}">
+                  <a16:creationId xmlns:a16="http://schemas.microsoft.com/office/drawing/2014/main" id="{6D439910-40EC-354D-AF1D-986284F3859C}"/>
+                </a:ext>
+              </a:extLst>
+            </p:cNvPr>
+            <p:cNvCxnSpPr>
+              <a:stCxn id="50" idx="0"/>
+              <a:endCxn id="48" idx="5"/>
+            </p:cNvCxnSpPr>
+            <p:nvPr/>
+          </p:nvCxnSpPr>
+          <p:spPr bwMode="auto">
+            <a:xfrm flipH="1">
+              <a:off x="2642247" y="2685223"/>
+              <a:ext cx="1117270" cy="707727"/>
+            </a:xfrm>
+            <a:prstGeom prst="line">
+              <a:avLst/>
+            </a:prstGeom>
+            <a:solidFill>
+              <a:schemeClr val="accent1"/>
+            </a:solidFill>
+            <a:ln w="28575" cap="flat" cmpd="sng" algn="ctr">
+              <a:solidFill>
+                <a:schemeClr val="tx1"/>
+              </a:solidFill>
+              <a:prstDash val="solid"/>
+              <a:round/>
+              <a:headEnd type="none" w="med" len="med"/>
+              <a:tailEnd type="none" w="med" len="med"/>
+            </a:ln>
+            <a:effectLst/>
+          </p:spPr>
+        </p:cxnSp>
+        <p:cxnSp>
+          <p:nvCxnSpPr>
+            <p:cNvPr id="56" name="Straight Connector 55">
+              <a:extLst>
+                <a:ext uri="{FF2B5EF4-FFF2-40B4-BE49-F238E27FC236}">
+                  <a16:creationId xmlns:a16="http://schemas.microsoft.com/office/drawing/2014/main" id="{6A2C6DF1-2483-AD4A-96EF-EFE2636F5B65}"/>
+                </a:ext>
+              </a:extLst>
+            </p:cNvPr>
+            <p:cNvCxnSpPr>
+              <a:stCxn id="5" idx="3"/>
+              <a:endCxn id="66" idx="3"/>
+            </p:cNvCxnSpPr>
+            <p:nvPr/>
+          </p:nvCxnSpPr>
+          <p:spPr bwMode="auto">
+            <a:xfrm flipH="1">
+              <a:off x="3897788" y="2733662"/>
+              <a:ext cx="625775" cy="659502"/>
+            </a:xfrm>
+            <a:prstGeom prst="line">
+              <a:avLst/>
+            </a:prstGeom>
+            <a:solidFill>
+              <a:schemeClr val="accent1"/>
+            </a:solidFill>
+            <a:ln w="28575" cap="flat" cmpd="sng" algn="ctr">
+              <a:solidFill>
+                <a:schemeClr val="tx1"/>
+              </a:solidFill>
+              <a:prstDash val="solid"/>
+              <a:round/>
+              <a:headEnd type="none" w="med" len="med"/>
+              <a:tailEnd type="none" w="med" len="med"/>
+            </a:ln>
+            <a:effectLst/>
+          </p:spPr>
+        </p:cxnSp>
+        <p:cxnSp>
+          <p:nvCxnSpPr>
+            <p:cNvPr id="57" name="Straight Connector 56">
+              <a:extLst>
+                <a:ext uri="{FF2B5EF4-FFF2-40B4-BE49-F238E27FC236}">
+                  <a16:creationId xmlns:a16="http://schemas.microsoft.com/office/drawing/2014/main" id="{C8666E31-99E6-C741-90DB-4EEB253C636E}"/>
+                </a:ext>
+              </a:extLst>
+            </p:cNvPr>
+            <p:cNvCxnSpPr>
+              <a:endCxn id="51" idx="6"/>
+            </p:cNvCxnSpPr>
+            <p:nvPr/>
+          </p:nvCxnSpPr>
+          <p:spPr bwMode="auto">
+            <a:xfrm>
+              <a:off x="3855668" y="3499349"/>
+              <a:ext cx="5590" cy="634636"/>
+            </a:xfrm>
+            <a:prstGeom prst="line">
+              <a:avLst/>
+            </a:prstGeom>
+            <a:solidFill>
+              <a:schemeClr val="accent1"/>
+            </a:solidFill>
+            <a:ln w="28575" cap="flat" cmpd="sng" algn="ctr">
+              <a:solidFill>
+                <a:schemeClr val="tx1"/>
+              </a:solidFill>
+              <a:prstDash val="solid"/>
+              <a:round/>
+              <a:headEnd type="none" w="med" len="med"/>
+              <a:tailEnd type="none" w="med" len="med"/>
+            </a:ln>
+            <a:effectLst/>
+          </p:spPr>
+        </p:cxnSp>
+        <p:cxnSp>
+          <p:nvCxnSpPr>
+            <p:cNvPr id="58" name="Straight Connector 57">
+              <a:extLst>
+                <a:ext uri="{FF2B5EF4-FFF2-40B4-BE49-F238E27FC236}">
+                  <a16:creationId xmlns:a16="http://schemas.microsoft.com/office/drawing/2014/main" id="{1043F6F3-50BA-B042-8090-DB0248B9BB5C}"/>
+                </a:ext>
+              </a:extLst>
+            </p:cNvPr>
+            <p:cNvCxnSpPr>
+              <a:stCxn id="49" idx="0"/>
+              <a:endCxn id="48" idx="4"/>
+            </p:cNvCxnSpPr>
+            <p:nvPr/>
+          </p:nvCxnSpPr>
+          <p:spPr bwMode="auto">
+            <a:xfrm rot="16200000" flipV="1">
+              <a:off x="3215213" y="2895219"/>
+              <a:ext cx="0" cy="1101860"/>
+            </a:xfrm>
+            <a:prstGeom prst="line">
+              <a:avLst/>
+            </a:prstGeom>
+            <a:solidFill>
+              <a:schemeClr val="accent1"/>
+            </a:solidFill>
+            <a:ln w="31750" cap="flat" cmpd="sng" algn="ctr">
+              <a:solidFill>
+                <a:schemeClr val="tx1"/>
+              </a:solidFill>
+              <a:prstDash val="solid"/>
+              <a:round/>
+              <a:headEnd type="none" w="med" len="med"/>
+              <a:tailEnd type="none" w="med" len="med"/>
+            </a:ln>
+            <a:effectLst/>
+          </p:spPr>
+        </p:cxnSp>
+        <p:cxnSp>
+          <p:nvCxnSpPr>
+            <p:cNvPr id="59" name="Straight Connector 58">
+              <a:extLst>
+                <a:ext uri="{FF2B5EF4-FFF2-40B4-BE49-F238E27FC236}">
+                  <a16:creationId xmlns:a16="http://schemas.microsoft.com/office/drawing/2014/main" id="{7173CD94-3391-A44C-86A8-36F34763307D}"/>
+                </a:ext>
+              </a:extLst>
+            </p:cNvPr>
+            <p:cNvCxnSpPr>
+              <a:endCxn id="53" idx="6"/>
+            </p:cNvCxnSpPr>
+            <p:nvPr/>
+          </p:nvCxnSpPr>
+          <p:spPr bwMode="auto">
+            <a:xfrm rot="16200000" flipH="1">
+              <a:off x="4290140" y="3057885"/>
+              <a:ext cx="617082" cy="8975"/>
+            </a:xfrm>
+            <a:prstGeom prst="line">
+              <a:avLst/>
+            </a:prstGeom>
+            <a:solidFill>
+              <a:schemeClr val="accent1"/>
+            </a:solidFill>
+            <a:ln w="28575" cap="flat" cmpd="sng" algn="ctr">
+              <a:solidFill>
+                <a:schemeClr val="tx1"/>
+              </a:solidFill>
+              <a:prstDash val="solid"/>
+              <a:round/>
+              <a:headEnd type="none" w="med" len="med"/>
+              <a:tailEnd type="none" w="med" len="med"/>
+            </a:ln>
+            <a:effectLst/>
+          </p:spPr>
+        </p:cxnSp>
+        <p:cxnSp>
+          <p:nvCxnSpPr>
+            <p:cNvPr id="60" name="Straight Connector 59">
+              <a:extLst>
+                <a:ext uri="{FF2B5EF4-FFF2-40B4-BE49-F238E27FC236}">
+                  <a16:creationId xmlns:a16="http://schemas.microsoft.com/office/drawing/2014/main" id="{B75ADD1E-2E62-4C42-9F15-AE6940A7CA61}"/>
+                </a:ext>
+              </a:extLst>
+            </p:cNvPr>
+            <p:cNvCxnSpPr>
+              <a:stCxn id="51" idx="0"/>
+              <a:endCxn id="48" idx="3"/>
+            </p:cNvCxnSpPr>
+            <p:nvPr/>
+          </p:nvCxnSpPr>
+          <p:spPr bwMode="auto">
+            <a:xfrm flipH="1" flipV="1">
+              <a:off x="2642247" y="3499349"/>
+              <a:ext cx="1143775" cy="709871"/>
+            </a:xfrm>
+            <a:prstGeom prst="line">
+              <a:avLst/>
+            </a:prstGeom>
+            <a:solidFill>
+              <a:schemeClr val="accent1"/>
+            </a:solidFill>
+            <a:ln w="28575" cap="flat" cmpd="sng" algn="ctr">
+              <a:solidFill>
+                <a:schemeClr val="tx1"/>
+              </a:solidFill>
+              <a:prstDash val="solid"/>
+              <a:round/>
+              <a:headEnd type="none" w="med" len="med"/>
+              <a:tailEnd type="none" w="med" len="med"/>
+            </a:ln>
+            <a:effectLst/>
+          </p:spPr>
+        </p:cxnSp>
+        <p:sp>
+          <p:nvSpPr>
+            <p:cNvPr id="62" name="Oval 61">
+              <a:extLst>
+                <a:ext uri="{FF2B5EF4-FFF2-40B4-BE49-F238E27FC236}">
+                  <a16:creationId xmlns:a16="http://schemas.microsoft.com/office/drawing/2014/main" id="{AFC48AE9-6917-314C-8A2B-25A99FE13F3E}"/>
+                </a:ext>
+              </a:extLst>
+            </p:cNvPr>
+            <p:cNvSpPr/>
+            <p:nvPr/>
+          </p:nvSpPr>
+          <p:spPr bwMode="auto">
+            <a:xfrm rot="10800000">
+              <a:off x="4536906" y="5376273"/>
+              <a:ext cx="150471" cy="150471"/>
+            </a:xfrm>
+            <a:prstGeom prst="ellipse">
+              <a:avLst/>
+            </a:prstGeom>
+            <a:noFill/>
+            <a:ln w="19050" cap="flat" cmpd="sng" algn="ctr">
+              <a:solidFill>
+                <a:schemeClr val="tx1"/>
+              </a:solidFill>
+              <a:prstDash val="solid"/>
+              <a:round/>
+              <a:headEnd type="none" w="med" len="med"/>
+              <a:tailEnd type="none" w="med" len="med"/>
+            </a:ln>
+            <a:effectLst/>
+          </p:spPr>
+          <p:txBody>
+            <a:bodyPr vert="horz" wrap="none" lIns="91440" tIns="45720" rIns="91440" bIns="45720" numCol="1" rtlCol="0" anchor="ctr" anchorCtr="0" compatLnSpc="1">
+              <a:prstTxWarp prst="textNoShape">
+                <a:avLst/>
+              </a:prstTxWarp>
+            </a:bodyPr>
+            <a:lstStyle/>
+            <a:p>
+              <a:pPr marL="0" marR="0" indent="0" algn="ctr" defTabSz="914400" rtl="0" eaLnBrk="1" fontAlgn="base" latinLnBrk="0" hangingPunct="1">
+                <a:lnSpc>
+                  <a:spcPct val="100000"/>
+                </a:lnSpc>
+                <a:spcBef>
+                  <a:spcPct val="0"/>
+                </a:spcBef>
+                <a:spcAft>
+                  <a:spcPct val="0"/>
+                </a:spcAft>
+                <a:buClrTx/>
+                <a:buSzTx/>
+                <a:buFontTx/>
+                <a:buNone/>
+                <a:tabLst/>
+              </a:pPr>
+              <a:endParaRPr kumimoji="0" lang="en-US" sz="3200" b="0" i="0" u="none" strike="noStrike" cap="none" normalizeH="0" baseline="0">
+                <a:ln>
+                  <a:noFill/>
+                </a:ln>
+                <a:solidFill>
+                  <a:schemeClr val="tx1"/>
+                </a:solidFill>
+                <a:effectLst/>
+                <a:latin typeface="Times New Roman" pitchFamily="18" charset="0"/>
+              </a:endParaRPr>
+            </a:p>
+          </p:txBody>
+        </p:sp>
+        <p:sp>
+          <p:nvSpPr>
+            <p:cNvPr id="63" name="Oval 62">
+              <a:extLst>
+                <a:ext uri="{FF2B5EF4-FFF2-40B4-BE49-F238E27FC236}">
+                  <a16:creationId xmlns:a16="http://schemas.microsoft.com/office/drawing/2014/main" id="{3DC83A22-0C6C-B243-A2A4-AB34E8923180}"/>
+                </a:ext>
+              </a:extLst>
+            </p:cNvPr>
+            <p:cNvSpPr/>
+            <p:nvPr/>
+          </p:nvSpPr>
+          <p:spPr bwMode="auto">
+            <a:xfrm rot="10800000">
+              <a:off x="4536906" y="4123942"/>
+              <a:ext cx="150471" cy="150471"/>
+            </a:xfrm>
+            <a:prstGeom prst="ellipse">
+              <a:avLst/>
+            </a:prstGeom>
+            <a:noFill/>
+            <a:ln w="19050" cap="flat" cmpd="sng" algn="ctr">
+              <a:solidFill>
+                <a:schemeClr val="tx1"/>
+              </a:solidFill>
+              <a:prstDash val="solid"/>
+              <a:round/>
+              <a:headEnd type="none" w="med" len="med"/>
+              <a:tailEnd type="none" w="med" len="med"/>
+            </a:ln>
+            <a:effectLst/>
+          </p:spPr>
+          <p:txBody>
+            <a:bodyPr vert="horz" wrap="none" lIns="91440" tIns="45720" rIns="91440" bIns="45720" numCol="1" rtlCol="0" anchor="ctr" anchorCtr="0" compatLnSpc="1">
+              <a:prstTxWarp prst="textNoShape">
+                <a:avLst/>
+              </a:prstTxWarp>
+            </a:bodyPr>
+            <a:lstStyle/>
+            <a:p>
+              <a:pPr marL="0" marR="0" indent="0" algn="ctr" defTabSz="914400" rtl="0" eaLnBrk="1" fontAlgn="base" latinLnBrk="0" hangingPunct="1">
+                <a:lnSpc>
+                  <a:spcPct val="100000"/>
+                </a:lnSpc>
+                <a:spcBef>
+                  <a:spcPct val="0"/>
+                </a:spcBef>
+                <a:spcAft>
+                  <a:spcPct val="0"/>
+                </a:spcAft>
+                <a:buClrTx/>
+                <a:buSzTx/>
+                <a:buFontTx/>
+                <a:buNone/>
+                <a:tabLst/>
+              </a:pPr>
+              <a:endParaRPr kumimoji="0" lang="en-US" sz="3200" b="0" i="0" u="none" strike="noStrike" cap="none" normalizeH="0" baseline="0">
+                <a:ln>
+                  <a:noFill/>
+                </a:ln>
+                <a:solidFill>
+                  <a:schemeClr val="tx1"/>
+                </a:solidFill>
+                <a:effectLst/>
+                <a:latin typeface="Times New Roman" pitchFamily="18" charset="0"/>
+              </a:endParaRPr>
+            </a:p>
+          </p:txBody>
+        </p:sp>
+        <p:sp>
+          <p:nvSpPr>
+            <p:cNvPr id="65" name="Oval 64">
+              <a:extLst>
+                <a:ext uri="{FF2B5EF4-FFF2-40B4-BE49-F238E27FC236}">
+                  <a16:creationId xmlns:a16="http://schemas.microsoft.com/office/drawing/2014/main" id="{A361C4A7-392B-5348-9446-6ECA78A76438}"/>
+                </a:ext>
+              </a:extLst>
+            </p:cNvPr>
+            <p:cNvSpPr/>
+            <p:nvPr/>
+          </p:nvSpPr>
+          <p:spPr bwMode="auto">
+            <a:xfrm rot="10800000">
+              <a:off x="5299977" y="4104063"/>
+              <a:ext cx="150471" cy="150471"/>
+            </a:xfrm>
+            <a:prstGeom prst="ellipse">
+              <a:avLst/>
+            </a:prstGeom>
+            <a:noFill/>
+            <a:ln w="19050" cap="flat" cmpd="sng" algn="ctr">
+              <a:solidFill>
+                <a:schemeClr val="tx1"/>
+              </a:solidFill>
+              <a:prstDash val="solid"/>
+              <a:round/>
+              <a:headEnd type="none" w="med" len="med"/>
+              <a:tailEnd type="none" w="med" len="med"/>
+            </a:ln>
+            <a:effectLst/>
+          </p:spPr>
+          <p:txBody>
+            <a:bodyPr vert="horz" wrap="none" lIns="91440" tIns="45720" rIns="91440" bIns="45720" numCol="1" rtlCol="0" anchor="ctr" anchorCtr="0" compatLnSpc="1">
+              <a:prstTxWarp prst="textNoShape">
+                <a:avLst/>
+              </a:prstTxWarp>
+            </a:bodyPr>
+            <a:lstStyle/>
+            <a:p>
+              <a:pPr marL="0" marR="0" indent="0" algn="ctr" defTabSz="914400" rtl="0" eaLnBrk="1" fontAlgn="base" latinLnBrk="0" hangingPunct="1">
+                <a:lnSpc>
+                  <a:spcPct val="100000"/>
+                </a:lnSpc>
+                <a:spcBef>
+                  <a:spcPct val="0"/>
+                </a:spcBef>
+                <a:spcAft>
+                  <a:spcPct val="0"/>
+                </a:spcAft>
+                <a:buClrTx/>
+                <a:buSzTx/>
+                <a:buFontTx/>
+                <a:buNone/>
+                <a:tabLst/>
+              </a:pPr>
+              <a:endParaRPr kumimoji="0" lang="en-US" sz="3200" b="0" i="0" u="none" strike="noStrike" cap="none" normalizeH="0" baseline="0">
+                <a:ln>
+                  <a:noFill/>
+                </a:ln>
+                <a:solidFill>
+                  <a:schemeClr val="tx1"/>
+                </a:solidFill>
+                <a:effectLst/>
+                <a:latin typeface="Times New Roman" pitchFamily="18" charset="0"/>
+              </a:endParaRPr>
+            </a:p>
+          </p:txBody>
+        </p:sp>
+        <p:sp>
+          <p:nvSpPr>
+            <p:cNvPr id="66" name="Oval 65">
+              <a:extLst>
+                <a:ext uri="{FF2B5EF4-FFF2-40B4-BE49-F238E27FC236}">
+                  <a16:creationId xmlns:a16="http://schemas.microsoft.com/office/drawing/2014/main" id="{9253479B-BBE5-A043-96D5-CFDCE5BF2DA4}"/>
+                </a:ext>
+              </a:extLst>
+            </p:cNvPr>
+            <p:cNvSpPr/>
+            <p:nvPr/>
+          </p:nvSpPr>
+          <p:spPr bwMode="auto">
+            <a:xfrm rot="10800000">
+              <a:off x="3769353" y="3371128"/>
+              <a:ext cx="150471" cy="150471"/>
+            </a:xfrm>
+            <a:prstGeom prst="ellipse">
+              <a:avLst/>
+            </a:prstGeom>
+            <a:noFill/>
+            <a:ln w="19050" cap="flat" cmpd="sng" algn="ctr">
+              <a:solidFill>
+                <a:schemeClr val="tx1"/>
+              </a:solidFill>
+              <a:prstDash val="solid"/>
+              <a:round/>
+              <a:headEnd type="none" w="med" len="med"/>
+              <a:tailEnd type="none" w="med" len="med"/>
+            </a:ln>
+            <a:effectLst/>
+          </p:spPr>
+          <p:txBody>
+            <a:bodyPr vert="horz" wrap="none" lIns="91440" tIns="45720" rIns="91440" bIns="45720" numCol="1" rtlCol="0" anchor="ctr" anchorCtr="0" compatLnSpc="1">
+              <a:prstTxWarp prst="textNoShape">
+                <a:avLst/>
+              </a:prstTxWarp>
+            </a:bodyPr>
+            <a:lstStyle/>
+            <a:p>
+              <a:pPr marL="0" marR="0" indent="0" algn="ctr" defTabSz="914400" rtl="0" eaLnBrk="1" fontAlgn="base" latinLnBrk="0" hangingPunct="1">
+                <a:lnSpc>
+                  <a:spcPct val="100000"/>
+                </a:lnSpc>
+                <a:spcBef>
+                  <a:spcPct val="0"/>
+                </a:spcBef>
+                <a:spcAft>
+                  <a:spcPct val="0"/>
+                </a:spcAft>
+                <a:buClrTx/>
+                <a:buSzTx/>
+                <a:buFontTx/>
+                <a:buNone/>
+                <a:tabLst/>
+              </a:pPr>
+              <a:endParaRPr kumimoji="0" lang="en-US" sz="3200" b="0" i="0" u="none" strike="noStrike" cap="none" normalizeH="0" baseline="0">
+                <a:ln>
+                  <a:noFill/>
+                </a:ln>
+                <a:solidFill>
+                  <a:schemeClr val="tx1"/>
+                </a:solidFill>
+                <a:effectLst/>
+                <a:latin typeface="Times New Roman" pitchFamily="18" charset="0"/>
+              </a:endParaRPr>
+            </a:p>
+          </p:txBody>
+        </p:sp>
+        <p:cxnSp>
+          <p:nvCxnSpPr>
+            <p:cNvPr id="69" name="Straight Connector 68">
+              <a:extLst>
+                <a:ext uri="{FF2B5EF4-FFF2-40B4-BE49-F238E27FC236}">
+                  <a16:creationId xmlns:a16="http://schemas.microsoft.com/office/drawing/2014/main" id="{879B5436-1459-E543-A535-0B4C1D8FE5D0}"/>
+                </a:ext>
+              </a:extLst>
+            </p:cNvPr>
+            <p:cNvCxnSpPr>
+              <a:endCxn id="62" idx="5"/>
+            </p:cNvCxnSpPr>
+            <p:nvPr/>
+          </p:nvCxnSpPr>
+          <p:spPr bwMode="auto">
+            <a:xfrm>
+              <a:off x="3851215" y="4281039"/>
+              <a:ext cx="707727" cy="1117270"/>
+            </a:xfrm>
+            <a:prstGeom prst="line">
+              <a:avLst/>
+            </a:prstGeom>
+            <a:solidFill>
+              <a:schemeClr val="accent1"/>
+            </a:solidFill>
+            <a:ln w="28575" cap="flat" cmpd="sng" algn="ctr">
+              <a:solidFill>
+                <a:schemeClr val="tx1"/>
+              </a:solidFill>
+              <a:prstDash val="solid"/>
+              <a:round/>
+              <a:headEnd type="none" w="med" len="med"/>
+              <a:tailEnd type="none" w="med" len="med"/>
+            </a:ln>
+            <a:effectLst/>
+          </p:spPr>
+        </p:cxnSp>
+        <p:cxnSp>
+          <p:nvCxnSpPr>
+            <p:cNvPr id="70" name="Straight Connector 69">
+              <a:extLst>
+                <a:ext uri="{FF2B5EF4-FFF2-40B4-BE49-F238E27FC236}">
+                  <a16:creationId xmlns:a16="http://schemas.microsoft.com/office/drawing/2014/main" id="{0D4D96DD-5B5B-CA49-AF59-D865E93B0FC9}"/>
+                </a:ext>
+              </a:extLst>
+            </p:cNvPr>
+            <p:cNvCxnSpPr/>
+            <p:nvPr/>
+          </p:nvCxnSpPr>
+          <p:spPr bwMode="auto">
+            <a:xfrm>
+              <a:off x="3870997" y="3499563"/>
+              <a:ext cx="694898" cy="663289"/>
+            </a:xfrm>
+            <a:prstGeom prst="line">
+              <a:avLst/>
+            </a:prstGeom>
+            <a:solidFill>
+              <a:schemeClr val="accent1"/>
+            </a:solidFill>
+            <a:ln w="28575" cap="flat" cmpd="sng" algn="ctr">
+              <a:solidFill>
+                <a:schemeClr val="tx1"/>
+              </a:solidFill>
+              <a:prstDash val="solid"/>
+              <a:round/>
+              <a:headEnd type="none" w="med" len="med"/>
+              <a:tailEnd type="none" w="med" len="med"/>
+            </a:ln>
+            <a:effectLst/>
+          </p:spPr>
+        </p:cxnSp>
+        <p:cxnSp>
+          <p:nvCxnSpPr>
+            <p:cNvPr id="71" name="Straight Connector 70">
+              <a:extLst>
+                <a:ext uri="{FF2B5EF4-FFF2-40B4-BE49-F238E27FC236}">
+                  <a16:creationId xmlns:a16="http://schemas.microsoft.com/office/drawing/2014/main" id="{74922251-032B-7F4E-873E-5439ABE31A68}"/>
+                </a:ext>
+              </a:extLst>
+            </p:cNvPr>
+            <p:cNvCxnSpPr>
+              <a:stCxn id="63" idx="2"/>
+              <a:endCxn id="65" idx="6"/>
+            </p:cNvCxnSpPr>
+            <p:nvPr/>
+          </p:nvCxnSpPr>
+          <p:spPr bwMode="auto">
+            <a:xfrm flipV="1">
+              <a:off x="4687377" y="4179298"/>
+              <a:ext cx="612600" cy="19879"/>
+            </a:xfrm>
+            <a:prstGeom prst="line">
+              <a:avLst/>
+            </a:prstGeom>
+            <a:solidFill>
+              <a:schemeClr val="accent1"/>
+            </a:solidFill>
+            <a:ln w="28575" cap="flat" cmpd="sng" algn="ctr">
+              <a:solidFill>
+                <a:schemeClr val="tx1"/>
+              </a:solidFill>
+              <a:prstDash val="solid"/>
+              <a:round/>
+              <a:headEnd type="none" w="med" len="med"/>
+              <a:tailEnd type="none" w="med" len="med"/>
+            </a:ln>
+            <a:effectLst/>
+          </p:spPr>
+        </p:cxnSp>
+        <p:cxnSp>
+          <p:nvCxnSpPr>
+            <p:cNvPr id="72" name="Straight Connector 71">
+              <a:extLst>
+                <a:ext uri="{FF2B5EF4-FFF2-40B4-BE49-F238E27FC236}">
+                  <a16:creationId xmlns:a16="http://schemas.microsoft.com/office/drawing/2014/main" id="{E4D86D5C-197F-6A41-8E72-600F36DD0EF6}"/>
+                </a:ext>
+              </a:extLst>
+            </p:cNvPr>
+            <p:cNvCxnSpPr>
+              <a:stCxn id="63" idx="0"/>
+              <a:endCxn id="62" idx="4"/>
+            </p:cNvCxnSpPr>
+            <p:nvPr/>
+          </p:nvCxnSpPr>
+          <p:spPr bwMode="auto">
+            <a:xfrm rot="10800000" flipV="1">
+              <a:off x="4612141" y="4274413"/>
+              <a:ext cx="0" cy="1101860"/>
+            </a:xfrm>
+            <a:prstGeom prst="line">
+              <a:avLst/>
+            </a:prstGeom>
+            <a:solidFill>
+              <a:schemeClr val="accent1"/>
+            </a:solidFill>
+            <a:ln w="31750" cap="flat" cmpd="sng" algn="ctr">
+              <a:solidFill>
+                <a:schemeClr val="tx1"/>
+              </a:solidFill>
+              <a:prstDash val="solid"/>
+              <a:round/>
+              <a:headEnd type="none" w="med" len="med"/>
+              <a:tailEnd type="none" w="med" len="med"/>
+            </a:ln>
+            <a:effectLst/>
+          </p:spPr>
+        </p:cxnSp>
+        <p:cxnSp>
+          <p:nvCxnSpPr>
+            <p:cNvPr id="73" name="Straight Connector 72">
+              <a:extLst>
+                <a:ext uri="{FF2B5EF4-FFF2-40B4-BE49-F238E27FC236}">
+                  <a16:creationId xmlns:a16="http://schemas.microsoft.com/office/drawing/2014/main" id="{36AB2ACE-4D52-B543-8467-5BA30FF2F922}"/>
+                </a:ext>
+              </a:extLst>
+            </p:cNvPr>
+            <p:cNvCxnSpPr>
+              <a:stCxn id="66" idx="2"/>
+            </p:cNvCxnSpPr>
+            <p:nvPr/>
+          </p:nvCxnSpPr>
+          <p:spPr bwMode="auto">
+            <a:xfrm rot="10800000" flipH="1">
+              <a:off x="3919824" y="3437388"/>
+              <a:ext cx="617082" cy="8975"/>
+            </a:xfrm>
+            <a:prstGeom prst="line">
+              <a:avLst/>
+            </a:prstGeom>
+            <a:solidFill>
+              <a:schemeClr val="accent1"/>
+            </a:solidFill>
+            <a:ln w="28575" cap="flat" cmpd="sng" algn="ctr">
+              <a:solidFill>
+                <a:schemeClr val="tx1"/>
+              </a:solidFill>
+              <a:prstDash val="solid"/>
+              <a:round/>
+              <a:headEnd type="none" w="med" len="med"/>
+              <a:tailEnd type="none" w="med" len="med"/>
+            </a:ln>
+            <a:effectLst/>
+          </p:spPr>
+        </p:cxnSp>
+        <p:cxnSp>
+          <p:nvCxnSpPr>
+            <p:cNvPr id="74" name="Straight Connector 73">
+              <a:extLst>
+                <a:ext uri="{FF2B5EF4-FFF2-40B4-BE49-F238E27FC236}">
+                  <a16:creationId xmlns:a16="http://schemas.microsoft.com/office/drawing/2014/main" id="{E4AC14D7-BE9C-154D-A57B-C2A3669ADED8}"/>
+                </a:ext>
+              </a:extLst>
+            </p:cNvPr>
+            <p:cNvCxnSpPr>
+              <a:stCxn id="65" idx="7"/>
+              <a:endCxn id="62" idx="3"/>
+            </p:cNvCxnSpPr>
+            <p:nvPr/>
+          </p:nvCxnSpPr>
+          <p:spPr bwMode="auto">
+            <a:xfrm rot="10800000" flipV="1">
+              <a:off x="4665341" y="4232498"/>
+              <a:ext cx="656672" cy="1165811"/>
+            </a:xfrm>
+            <a:prstGeom prst="line">
+              <a:avLst/>
+            </a:prstGeom>
+            <a:solidFill>
+              <a:schemeClr val="accent1"/>
+            </a:solidFill>
+            <a:ln w="28575" cap="flat" cmpd="sng" algn="ctr">
+              <a:solidFill>
+                <a:schemeClr val="tx1"/>
+              </a:solidFill>
+              <a:prstDash val="solid"/>
+              <a:round/>
+              <a:headEnd type="none" w="med" len="med"/>
+              <a:tailEnd type="none" w="med" len="med"/>
+            </a:ln>
+            <a:effectLst/>
+          </p:spPr>
+        </p:cxnSp>
+        <p:sp>
+          <p:nvSpPr>
+            <p:cNvPr id="76" name="Oval 75">
+              <a:extLst>
+                <a:ext uri="{FF2B5EF4-FFF2-40B4-BE49-F238E27FC236}">
+                  <a16:creationId xmlns:a16="http://schemas.microsoft.com/office/drawing/2014/main" id="{23027602-ED84-1E44-B68F-A53B5E20805C}"/>
+                </a:ext>
+              </a:extLst>
+            </p:cNvPr>
+            <p:cNvSpPr/>
+            <p:nvPr/>
+          </p:nvSpPr>
+          <p:spPr bwMode="auto">
+            <a:xfrm rot="5400000">
+              <a:off x="6562142" y="3353179"/>
+              <a:ext cx="150471" cy="150471"/>
+            </a:xfrm>
+            <a:prstGeom prst="ellipse">
+              <a:avLst/>
+            </a:prstGeom>
+            <a:noFill/>
+            <a:ln w="19050" cap="flat" cmpd="sng" algn="ctr">
+              <a:solidFill>
+                <a:schemeClr val="tx1"/>
+              </a:solidFill>
+              <a:prstDash val="solid"/>
+              <a:round/>
+              <a:headEnd type="none" w="med" len="med"/>
+              <a:tailEnd type="none" w="med" len="med"/>
+            </a:ln>
+            <a:effectLst/>
+          </p:spPr>
+          <p:txBody>
+            <a:bodyPr vert="horz" wrap="none" lIns="91440" tIns="45720" rIns="91440" bIns="45720" numCol="1" rtlCol="0" anchor="ctr" anchorCtr="0" compatLnSpc="1">
+              <a:prstTxWarp prst="textNoShape">
+                <a:avLst/>
+              </a:prstTxWarp>
+            </a:bodyPr>
+            <a:lstStyle/>
+            <a:p>
+              <a:pPr marL="0" marR="0" indent="0" algn="ctr" defTabSz="914400" rtl="0" eaLnBrk="1" fontAlgn="base" latinLnBrk="0" hangingPunct="1">
+                <a:lnSpc>
+                  <a:spcPct val="100000"/>
+                </a:lnSpc>
+                <a:spcBef>
+                  <a:spcPct val="0"/>
+                </a:spcBef>
+                <a:spcAft>
+                  <a:spcPct val="0"/>
+                </a:spcAft>
+                <a:buClrTx/>
+                <a:buSzTx/>
+                <a:buFontTx/>
+                <a:buNone/>
+                <a:tabLst/>
+              </a:pPr>
+              <a:endParaRPr kumimoji="0" lang="en-US" sz="3200" b="0" i="0" u="none" strike="noStrike" cap="none" normalizeH="0" baseline="0">
+                <a:ln>
+                  <a:noFill/>
+                </a:ln>
+                <a:solidFill>
+                  <a:schemeClr val="tx1"/>
+                </a:solidFill>
+                <a:effectLst/>
+                <a:latin typeface="Times New Roman" pitchFamily="18" charset="0"/>
+              </a:endParaRPr>
+            </a:p>
+          </p:txBody>
+        </p:sp>
+        <p:sp>
+          <p:nvSpPr>
+            <p:cNvPr id="79" name="Oval 78">
+              <a:extLst>
+                <a:ext uri="{FF2B5EF4-FFF2-40B4-BE49-F238E27FC236}">
+                  <a16:creationId xmlns:a16="http://schemas.microsoft.com/office/drawing/2014/main" id="{009124D7-B937-044A-87AD-896023111F52}"/>
+                </a:ext>
+              </a:extLst>
+            </p:cNvPr>
+            <p:cNvSpPr/>
+            <p:nvPr/>
+          </p:nvSpPr>
+          <p:spPr bwMode="auto">
+            <a:xfrm rot="5400000">
+              <a:off x="5289932" y="2590108"/>
+              <a:ext cx="150471" cy="150471"/>
+            </a:xfrm>
+            <a:prstGeom prst="ellipse">
+              <a:avLst/>
+            </a:prstGeom>
+            <a:noFill/>
+            <a:ln w="19050" cap="flat" cmpd="sng" algn="ctr">
+              <a:solidFill>
+                <a:schemeClr val="tx1"/>
+              </a:solidFill>
+              <a:prstDash val="solid"/>
+              <a:round/>
+              <a:headEnd type="none" w="med" len="med"/>
+              <a:tailEnd type="none" w="med" len="med"/>
+            </a:ln>
+            <a:effectLst/>
+          </p:spPr>
+          <p:txBody>
+            <a:bodyPr vert="horz" wrap="none" lIns="91440" tIns="45720" rIns="91440" bIns="45720" numCol="1" rtlCol="0" anchor="ctr" anchorCtr="0" compatLnSpc="1">
+              <a:prstTxWarp prst="textNoShape">
+                <a:avLst/>
+              </a:prstTxWarp>
+            </a:bodyPr>
+            <a:lstStyle/>
+            <a:p>
+              <a:pPr marL="0" marR="0" indent="0" algn="ctr" defTabSz="914400" rtl="0" eaLnBrk="1" fontAlgn="base" latinLnBrk="0" hangingPunct="1">
+                <a:lnSpc>
+                  <a:spcPct val="100000"/>
+                </a:lnSpc>
+                <a:spcBef>
+                  <a:spcPct val="0"/>
+                </a:spcBef>
+                <a:spcAft>
+                  <a:spcPct val="0"/>
+                </a:spcAft>
+                <a:buClrTx/>
+                <a:buSzTx/>
+                <a:buFontTx/>
+                <a:buNone/>
+                <a:tabLst/>
+              </a:pPr>
+              <a:endParaRPr kumimoji="0" lang="en-US" sz="3200" b="0" i="0" u="none" strike="noStrike" cap="none" normalizeH="0" baseline="0">
+                <a:ln>
+                  <a:noFill/>
+                </a:ln>
+                <a:solidFill>
+                  <a:schemeClr val="tx1"/>
+                </a:solidFill>
+                <a:effectLst/>
+                <a:latin typeface="Times New Roman" pitchFamily="18" charset="0"/>
+              </a:endParaRPr>
+            </a:p>
+          </p:txBody>
+        </p:sp>
+        <p:cxnSp>
+          <p:nvCxnSpPr>
+            <p:cNvPr id="83" name="Straight Connector 82">
+              <a:extLst>
+                <a:ext uri="{FF2B5EF4-FFF2-40B4-BE49-F238E27FC236}">
+                  <a16:creationId xmlns:a16="http://schemas.microsoft.com/office/drawing/2014/main" id="{FD3264C6-EE68-9947-864B-B2C9B6456510}"/>
+                </a:ext>
+              </a:extLst>
+            </p:cNvPr>
+            <p:cNvCxnSpPr>
+              <a:stCxn id="65" idx="2"/>
+              <a:endCxn id="76" idx="5"/>
+            </p:cNvCxnSpPr>
+            <p:nvPr/>
+          </p:nvCxnSpPr>
+          <p:spPr bwMode="auto">
+            <a:xfrm flipV="1">
+              <a:off x="5450448" y="3481614"/>
+              <a:ext cx="1133730" cy="697684"/>
+            </a:xfrm>
+            <a:prstGeom prst="line">
+              <a:avLst/>
+            </a:prstGeom>
+            <a:solidFill>
+              <a:schemeClr val="accent1"/>
+            </a:solidFill>
+            <a:ln w="28575" cap="flat" cmpd="sng" algn="ctr">
+              <a:solidFill>
+                <a:schemeClr val="tx1"/>
+              </a:solidFill>
+              <a:prstDash val="solid"/>
+              <a:round/>
+              <a:headEnd type="none" w="med" len="med"/>
+              <a:tailEnd type="none" w="med" len="med"/>
+            </a:ln>
+            <a:effectLst/>
+          </p:spPr>
+        </p:cxnSp>
+        <p:cxnSp>
+          <p:nvCxnSpPr>
+            <p:cNvPr id="84" name="Straight Connector 83">
+              <a:extLst>
+                <a:ext uri="{FF2B5EF4-FFF2-40B4-BE49-F238E27FC236}">
+                  <a16:creationId xmlns:a16="http://schemas.microsoft.com/office/drawing/2014/main" id="{F80AF2CE-B576-0C44-B251-8ABA5DB57AC0}"/>
+                </a:ext>
+              </a:extLst>
+            </p:cNvPr>
+            <p:cNvCxnSpPr>
+              <a:stCxn id="63" idx="3"/>
+              <a:endCxn id="9" idx="3"/>
+            </p:cNvCxnSpPr>
+            <p:nvPr/>
+          </p:nvCxnSpPr>
+          <p:spPr bwMode="auto">
+            <a:xfrm flipV="1">
+              <a:off x="4665341" y="3486476"/>
+              <a:ext cx="625775" cy="659502"/>
+            </a:xfrm>
+            <a:prstGeom prst="line">
+              <a:avLst/>
+            </a:prstGeom>
+            <a:solidFill>
+              <a:schemeClr val="accent1"/>
+            </a:solidFill>
+            <a:ln w="28575" cap="flat" cmpd="sng" algn="ctr">
+              <a:solidFill>
+                <a:schemeClr val="tx1"/>
+              </a:solidFill>
+              <a:prstDash val="solid"/>
+              <a:round/>
+              <a:headEnd type="none" w="med" len="med"/>
+              <a:tailEnd type="none" w="med" len="med"/>
+            </a:ln>
+            <a:effectLst/>
+          </p:spPr>
+        </p:cxnSp>
+        <p:cxnSp>
+          <p:nvCxnSpPr>
+            <p:cNvPr id="86" name="Straight Connector 85">
+              <a:extLst>
+                <a:ext uri="{FF2B5EF4-FFF2-40B4-BE49-F238E27FC236}">
+                  <a16:creationId xmlns:a16="http://schemas.microsoft.com/office/drawing/2014/main" id="{32CE50F2-231D-BC42-9522-467077EBCEDD}"/>
+                </a:ext>
+              </a:extLst>
+            </p:cNvPr>
+            <p:cNvCxnSpPr>
+              <a:stCxn id="9" idx="6"/>
+              <a:endCxn id="76" idx="4"/>
+            </p:cNvCxnSpPr>
+            <p:nvPr/>
+          </p:nvCxnSpPr>
+          <p:spPr bwMode="auto">
+            <a:xfrm flipV="1">
+              <a:off x="5419551" y="3428415"/>
+              <a:ext cx="1142591" cy="4862"/>
+            </a:xfrm>
+            <a:prstGeom prst="line">
+              <a:avLst/>
+            </a:prstGeom>
+            <a:solidFill>
+              <a:schemeClr val="accent1"/>
+            </a:solidFill>
+            <a:ln w="31750" cap="flat" cmpd="sng" algn="ctr">
+              <a:solidFill>
+                <a:schemeClr val="tx1"/>
+              </a:solidFill>
+              <a:prstDash val="solid"/>
+              <a:round/>
+              <a:headEnd type="none" w="med" len="med"/>
+              <a:tailEnd type="none" w="med" len="med"/>
+            </a:ln>
+            <a:effectLst/>
+          </p:spPr>
+        </p:cxnSp>
+        <p:cxnSp>
+          <p:nvCxnSpPr>
+            <p:cNvPr id="87" name="Straight Connector 86">
+              <a:extLst>
+                <a:ext uri="{FF2B5EF4-FFF2-40B4-BE49-F238E27FC236}">
+                  <a16:creationId xmlns:a16="http://schemas.microsoft.com/office/drawing/2014/main" id="{B902E147-99C3-6346-AE49-228D71F68743}"/>
+                </a:ext>
+              </a:extLst>
+            </p:cNvPr>
+            <p:cNvCxnSpPr>
+              <a:stCxn id="63" idx="4"/>
+            </p:cNvCxnSpPr>
+            <p:nvPr/>
+          </p:nvCxnSpPr>
+          <p:spPr bwMode="auto">
+            <a:xfrm flipV="1">
+              <a:off x="4612141" y="3503651"/>
+              <a:ext cx="11117" cy="620291"/>
+            </a:xfrm>
+            <a:prstGeom prst="line">
+              <a:avLst/>
+            </a:prstGeom>
+            <a:solidFill>
+              <a:schemeClr val="accent1"/>
+            </a:solidFill>
+            <a:ln w="28575" cap="flat" cmpd="sng" algn="ctr">
+              <a:solidFill>
+                <a:schemeClr val="tx1"/>
+              </a:solidFill>
+              <a:prstDash val="solid"/>
+              <a:round/>
+              <a:headEnd type="none" w="med" len="med"/>
+              <a:tailEnd type="none" w="med" len="med"/>
+            </a:ln>
+            <a:effectLst/>
+          </p:spPr>
+        </p:cxnSp>
+        <p:cxnSp>
+          <p:nvCxnSpPr>
+            <p:cNvPr id="88" name="Straight Connector 87">
+              <a:extLst>
+                <a:ext uri="{FF2B5EF4-FFF2-40B4-BE49-F238E27FC236}">
+                  <a16:creationId xmlns:a16="http://schemas.microsoft.com/office/drawing/2014/main" id="{4C04B310-9C58-2044-AE04-46230D40BB07}"/>
+                </a:ext>
+              </a:extLst>
+            </p:cNvPr>
+            <p:cNvCxnSpPr>
+              <a:stCxn id="79" idx="7"/>
+              <a:endCxn id="76" idx="3"/>
+            </p:cNvCxnSpPr>
+            <p:nvPr/>
+          </p:nvCxnSpPr>
+          <p:spPr bwMode="auto">
+            <a:xfrm rot="5400000" flipV="1">
+              <a:off x="5672937" y="2463974"/>
+              <a:ext cx="656672" cy="1165811"/>
+            </a:xfrm>
+            <a:prstGeom prst="line">
+              <a:avLst/>
+            </a:prstGeom>
+            <a:solidFill>
+              <a:schemeClr val="accent1"/>
+            </a:solidFill>
+            <a:ln w="28575" cap="flat" cmpd="sng" algn="ctr">
+              <a:solidFill>
+                <a:schemeClr val="tx1"/>
+              </a:solidFill>
+              <a:prstDash val="solid"/>
+              <a:round/>
+              <a:headEnd type="none" w="med" len="med"/>
+              <a:tailEnd type="none" w="med" len="med"/>
+            </a:ln>
+            <a:effectLst/>
+          </p:spPr>
+        </p:cxnSp>
+      </p:grpSp>
+    </p:spTree>
+    <p:extLst>
+      <p:ext uri="{BB962C8B-B14F-4D97-AF65-F5344CB8AC3E}">
+        <p14:creationId xmlns:p14="http://schemas.microsoft.com/office/powerpoint/2010/main" val="4146002104"/>
+      </p:ext>
+    </p:extLst>
+  </p:cSld>
+  <p:clrMapOvr>
+    <a:masterClrMapping/>
+  </p:clrMapOvr>
+  <p:transition spd="slow" advClick="0">
+    <p:fade/>
+  </p:transition>
+</p:sld>
+</file>
+
+<file path=ppt/slides/slide5.xml><?xml version="1.0" encoding="utf-8"?>
+<p:sld xmlns:a="http://schemas.openxmlformats.org/drawingml/2006/main" xmlns:r="http://schemas.openxmlformats.org/officeDocument/2006/relationships" xmlns:p="http://schemas.openxmlformats.org/presentationml/2006/main">
+  <p:cSld>
+    <p:spTree>
+      <p:nvGrpSpPr>
+        <p:cNvPr id="1" name=""/>
+        <p:cNvGrpSpPr/>
+        <p:nvPr/>
+      </p:nvGrpSpPr>
+      <p:grpSpPr>
+        <a:xfrm>
+          <a:off x="0" y="0"/>
+          <a:ext cx="0" cy="0"/>
+          <a:chOff x="0" y="0"/>
+          <a:chExt cx="0" cy="0"/>
+        </a:xfrm>
+      </p:grpSpPr>
+      <p:sp>
+        <p:nvSpPr>
+          <p:cNvPr id="2" name="Title 1">
+            <a:extLst>
+              <a:ext uri="{FF2B5EF4-FFF2-40B4-BE49-F238E27FC236}">
+                <a16:creationId xmlns:a16="http://schemas.microsoft.com/office/drawing/2014/main" id="{CBA5FA15-5AE6-4B41-88BD-8370E8525D3E}"/>
+              </a:ext>
+            </a:extLst>
+          </p:cNvPr>
+          <p:cNvSpPr>
+            <a:spLocks noGrp="1"/>
+          </p:cNvSpPr>
+          <p:nvPr>
+            <p:ph type="title"/>
+          </p:nvPr>
+        </p:nvSpPr>
+        <p:spPr>
+          <a:xfrm>
+            <a:off x="1743076" y="304800"/>
+            <a:ext cx="6276974" cy="1133475"/>
+          </a:xfrm>
+        </p:spPr>
+        <p:txBody>
+          <a:bodyPr/>
+          <a:lstStyle/>
+          <a:p>
+            <a:r>
+              <a:rPr lang="en-US" sz="4000" dirty="0"/>
+              <a:t>3-color crossover gadget</a:t>
+            </a:r>
+          </a:p>
+        </p:txBody>
+      </p:sp>
+      <p:sp>
+        <p:nvSpPr>
+          <p:cNvPr id="3" name="Slide Number Placeholder 2">
+            <a:extLst>
+              <a:ext uri="{FF2B5EF4-FFF2-40B4-BE49-F238E27FC236}">
+                <a16:creationId xmlns:a16="http://schemas.microsoft.com/office/drawing/2014/main" id="{94A0D93F-DBDC-B545-A91A-2442DBC99D5A}"/>
+              </a:ext>
+            </a:extLst>
+          </p:cNvPr>
+          <p:cNvSpPr>
+            <a:spLocks noGrp="1"/>
+          </p:cNvSpPr>
+          <p:nvPr>
+            <p:ph type="sldNum" sz="quarter" idx="10"/>
+          </p:nvPr>
+        </p:nvSpPr>
+        <p:spPr/>
+        <p:txBody>
+          <a:bodyPr/>
+          <a:lstStyle/>
+          <a:p>
+            <a:pPr>
+              <a:defRPr/>
+            </a:pPr>
+            <a:r>
+              <a:rPr lang="en-US"/>
+              <a:t>propositional algebra.</a:t>
+            </a:r>
+            <a:fld id="{DB6F0ED6-FEF5-4C9C-B1CC-29B47EC66FAA}" type="slidenum">
+              <a:rPr lang="en-US" smtClean="0"/>
+              <a:pPr>
+                <a:defRPr/>
+              </a:pPr>
+              <a:t>5</a:t>
+            </a:fld>
+            <a:endParaRPr lang="en-US" dirty="0"/>
+          </a:p>
+        </p:txBody>
+      </p:sp>
+      <p:grpSp>
+        <p:nvGrpSpPr>
+          <p:cNvPr id="117" name="Group 116">
+            <a:extLst>
+              <a:ext uri="{FF2B5EF4-FFF2-40B4-BE49-F238E27FC236}">
+                <a16:creationId xmlns:a16="http://schemas.microsoft.com/office/drawing/2014/main" id="{C4EC34E6-40FD-9140-9E5F-FD6905F526EE}"/>
+              </a:ext>
+            </a:extLst>
+          </p:cNvPr>
+          <p:cNvGrpSpPr/>
+          <p:nvPr/>
+        </p:nvGrpSpPr>
+        <p:grpSpPr>
+          <a:xfrm>
+            <a:off x="2513812" y="1352896"/>
+            <a:ext cx="4198801" cy="4173848"/>
+            <a:chOff x="2513812" y="1352896"/>
+            <a:chExt cx="4198801" cy="4173848"/>
+          </a:xfrm>
+        </p:grpSpPr>
+        <p:sp>
+          <p:nvSpPr>
+            <p:cNvPr id="4" name="Oval 3">
+              <a:extLst>
+                <a:ext uri="{FF2B5EF4-FFF2-40B4-BE49-F238E27FC236}">
+                  <a16:creationId xmlns:a16="http://schemas.microsoft.com/office/drawing/2014/main" id="{2B62837B-25A6-1940-8FDB-0F1D4B1C350A}"/>
+                </a:ext>
+              </a:extLst>
+            </p:cNvPr>
+            <p:cNvSpPr/>
+            <p:nvPr/>
+          </p:nvSpPr>
+          <p:spPr bwMode="auto">
+            <a:xfrm>
+              <a:off x="4501527" y="1352896"/>
+              <a:ext cx="150471" cy="150471"/>
+            </a:xfrm>
+            <a:prstGeom prst="ellipse">
+              <a:avLst/>
+            </a:prstGeom>
+            <a:noFill/>
+            <a:ln w="19050" cap="flat" cmpd="sng" algn="ctr">
+              <a:solidFill>
+                <a:schemeClr val="tx1"/>
+              </a:solidFill>
+              <a:prstDash val="solid"/>
+              <a:round/>
+              <a:headEnd type="none" w="med" len="med"/>
+              <a:tailEnd type="none" w="med" len="med"/>
+            </a:ln>
+            <a:effectLst/>
+          </p:spPr>
+          <p:txBody>
+            <a:bodyPr vert="horz" wrap="none" lIns="91440" tIns="45720" rIns="91440" bIns="45720" numCol="1" rtlCol="0" anchor="ctr" anchorCtr="0" compatLnSpc="1">
+              <a:prstTxWarp prst="textNoShape">
+                <a:avLst/>
+              </a:prstTxWarp>
+            </a:bodyPr>
+            <a:lstStyle/>
+            <a:p>
+              <a:pPr marL="0" marR="0" indent="0" algn="ctr" defTabSz="914400" rtl="0" eaLnBrk="1" fontAlgn="base" latinLnBrk="0" hangingPunct="1">
+                <a:lnSpc>
+                  <a:spcPct val="100000"/>
+                </a:lnSpc>
+                <a:spcBef>
+                  <a:spcPct val="0"/>
+                </a:spcBef>
+                <a:spcAft>
+                  <a:spcPct val="0"/>
+                </a:spcAft>
+                <a:buClrTx/>
+                <a:buSzTx/>
+                <a:buFontTx/>
+                <a:buNone/>
+                <a:tabLst/>
+              </a:pPr>
+              <a:endParaRPr kumimoji="0" lang="en-US" sz="3200" b="0" i="0" u="none" strike="noStrike" cap="none" normalizeH="0" baseline="0">
+                <a:ln>
+                  <a:noFill/>
+                </a:ln>
+                <a:solidFill>
+                  <a:schemeClr val="tx1"/>
+                </a:solidFill>
+                <a:effectLst/>
+                <a:latin typeface="Times New Roman" pitchFamily="18" charset="0"/>
+              </a:endParaRPr>
+            </a:p>
+          </p:txBody>
+        </p:sp>
+        <p:sp>
+          <p:nvSpPr>
+            <p:cNvPr id="5" name="Oval 4">
+              <a:extLst>
+                <a:ext uri="{FF2B5EF4-FFF2-40B4-BE49-F238E27FC236}">
+                  <a16:creationId xmlns:a16="http://schemas.microsoft.com/office/drawing/2014/main" id="{0093C092-C11E-F446-848F-6ED9BFEA2473}"/>
+                </a:ext>
+              </a:extLst>
+            </p:cNvPr>
+            <p:cNvSpPr/>
+            <p:nvPr/>
+          </p:nvSpPr>
+          <p:spPr bwMode="auto">
+            <a:xfrm>
+              <a:off x="4501527" y="2605227"/>
+              <a:ext cx="150471" cy="150471"/>
+            </a:xfrm>
+            <a:prstGeom prst="ellipse">
+              <a:avLst/>
+            </a:prstGeom>
+            <a:noFill/>
+            <a:ln w="19050" cap="flat" cmpd="sng" algn="ctr">
+              <a:solidFill>
+                <a:schemeClr val="tx1"/>
+              </a:solidFill>
+              <a:prstDash val="solid"/>
+              <a:round/>
+              <a:headEnd type="none" w="med" len="med"/>
+              <a:tailEnd type="none" w="med" len="med"/>
+            </a:ln>
+            <a:effectLst/>
+          </p:spPr>
+          <p:txBody>
+            <a:bodyPr vert="horz" wrap="none" lIns="91440" tIns="45720" rIns="91440" bIns="45720" numCol="1" rtlCol="0" anchor="ctr" anchorCtr="0" compatLnSpc="1">
+              <a:prstTxWarp prst="textNoShape">
+                <a:avLst/>
+              </a:prstTxWarp>
+            </a:bodyPr>
+            <a:lstStyle/>
+            <a:p>
+              <a:pPr marL="0" marR="0" indent="0" algn="ctr" defTabSz="914400" rtl="0" eaLnBrk="1" fontAlgn="base" latinLnBrk="0" hangingPunct="1">
+                <a:lnSpc>
+                  <a:spcPct val="100000"/>
+                </a:lnSpc>
+                <a:spcBef>
+                  <a:spcPct val="0"/>
+                </a:spcBef>
+                <a:spcAft>
+                  <a:spcPct val="0"/>
+                </a:spcAft>
+                <a:buClrTx/>
+                <a:buSzTx/>
+                <a:buFontTx/>
+                <a:buNone/>
+                <a:tabLst/>
+              </a:pPr>
+              <a:endParaRPr kumimoji="0" lang="en-US" sz="3200" b="0" i="0" u="none" strike="noStrike" cap="none" normalizeH="0" baseline="0">
+                <a:ln>
+                  <a:noFill/>
+                </a:ln>
+                <a:solidFill>
+                  <a:schemeClr val="tx1"/>
+                </a:solidFill>
+                <a:effectLst/>
+                <a:latin typeface="Times New Roman" pitchFamily="18" charset="0"/>
+              </a:endParaRPr>
+            </a:p>
+          </p:txBody>
+        </p:sp>
+        <p:sp>
+          <p:nvSpPr>
+            <p:cNvPr id="9" name="Oval 8">
+              <a:extLst>
+                <a:ext uri="{FF2B5EF4-FFF2-40B4-BE49-F238E27FC236}">
+                  <a16:creationId xmlns:a16="http://schemas.microsoft.com/office/drawing/2014/main" id="{172DFEB6-EDD5-B847-91DE-1F7DB1CF4CA0}"/>
+                </a:ext>
+              </a:extLst>
+            </p:cNvPr>
+            <p:cNvSpPr/>
+            <p:nvPr/>
+          </p:nvSpPr>
+          <p:spPr bwMode="auto">
+            <a:xfrm>
+              <a:off x="5269080" y="3358041"/>
+              <a:ext cx="150471" cy="150471"/>
+            </a:xfrm>
+            <a:prstGeom prst="ellipse">
+              <a:avLst/>
+            </a:prstGeom>
+            <a:noFill/>
+            <a:ln w="19050" cap="flat" cmpd="sng" algn="ctr">
+              <a:solidFill>
+                <a:schemeClr val="tx1"/>
+              </a:solidFill>
+              <a:prstDash val="solid"/>
+              <a:round/>
+              <a:headEnd type="none" w="med" len="med"/>
+              <a:tailEnd type="none" w="med" len="med"/>
+            </a:ln>
+            <a:effectLst/>
+          </p:spPr>
+          <p:txBody>
+            <a:bodyPr vert="horz" wrap="none" lIns="91440" tIns="45720" rIns="91440" bIns="45720" numCol="1" rtlCol="0" anchor="ctr" anchorCtr="0" compatLnSpc="1">
+              <a:prstTxWarp prst="textNoShape">
+                <a:avLst/>
+              </a:prstTxWarp>
+            </a:bodyPr>
+            <a:lstStyle/>
+            <a:p>
+              <a:pPr marL="0" marR="0" indent="0" algn="ctr" defTabSz="914400" rtl="0" eaLnBrk="1" fontAlgn="base" latinLnBrk="0" hangingPunct="1">
+                <a:lnSpc>
+                  <a:spcPct val="100000"/>
+                </a:lnSpc>
+                <a:spcBef>
+                  <a:spcPct val="0"/>
+                </a:spcBef>
+                <a:spcAft>
+                  <a:spcPct val="0"/>
+                </a:spcAft>
+                <a:buClrTx/>
+                <a:buSzTx/>
+                <a:buFontTx/>
+                <a:buNone/>
+                <a:tabLst/>
+              </a:pPr>
+              <a:endParaRPr kumimoji="0" lang="en-US" sz="3200" b="0" i="0" u="none" strike="noStrike" cap="none" normalizeH="0" baseline="0">
+                <a:ln>
+                  <a:noFill/>
+                </a:ln>
+                <a:solidFill>
+                  <a:schemeClr val="tx1"/>
+                </a:solidFill>
+                <a:effectLst/>
+                <a:latin typeface="Times New Roman" pitchFamily="18" charset="0"/>
+              </a:endParaRPr>
+            </a:p>
+          </p:txBody>
+        </p:sp>
+        <p:cxnSp>
+          <p:nvCxnSpPr>
+            <p:cNvPr id="12" name="Straight Connector 11">
+              <a:extLst>
+                <a:ext uri="{FF2B5EF4-FFF2-40B4-BE49-F238E27FC236}">
+                  <a16:creationId xmlns:a16="http://schemas.microsoft.com/office/drawing/2014/main" id="{A8A50D50-12B4-124A-8D7C-FD19A99B6D86}"/>
+                </a:ext>
+              </a:extLst>
+            </p:cNvPr>
+            <p:cNvCxnSpPr>
+              <a:stCxn id="9" idx="0"/>
+              <a:endCxn id="79" idx="6"/>
+            </p:cNvCxnSpPr>
+            <p:nvPr/>
+          </p:nvCxnSpPr>
+          <p:spPr bwMode="auto">
+            <a:xfrm flipV="1">
+              <a:off x="5344316" y="2740579"/>
+              <a:ext cx="20851" cy="617462"/>
+            </a:xfrm>
+            <a:prstGeom prst="line">
+              <a:avLst/>
+            </a:prstGeom>
+            <a:solidFill>
+              <a:schemeClr val="accent1"/>
+            </a:solidFill>
+            <a:ln w="28575" cap="flat" cmpd="sng" algn="ctr">
+              <a:solidFill>
+                <a:schemeClr val="tx1"/>
+              </a:solidFill>
+              <a:prstDash val="solid"/>
+              <a:round/>
+              <a:headEnd type="none" w="med" len="med"/>
+              <a:tailEnd type="none" w="med" len="med"/>
+            </a:ln>
+            <a:effectLst/>
+          </p:spPr>
+        </p:cxnSp>
+        <p:cxnSp>
+          <p:nvCxnSpPr>
+            <p:cNvPr id="14" name="Straight Connector 13">
+              <a:extLst>
+                <a:ext uri="{FF2B5EF4-FFF2-40B4-BE49-F238E27FC236}">
+                  <a16:creationId xmlns:a16="http://schemas.microsoft.com/office/drawing/2014/main" id="{E1EFB887-30A8-AC41-B97C-42FB20121726}"/>
+                </a:ext>
+              </a:extLst>
+            </p:cNvPr>
+            <p:cNvCxnSpPr>
+              <a:endCxn id="4" idx="5"/>
+            </p:cNvCxnSpPr>
+            <p:nvPr/>
+          </p:nvCxnSpPr>
+          <p:spPr bwMode="auto">
+            <a:xfrm flipH="1" flipV="1">
+              <a:off x="4629962" y="1481331"/>
+              <a:ext cx="707728" cy="1117271"/>
+            </a:xfrm>
+            <a:prstGeom prst="line">
+              <a:avLst/>
+            </a:prstGeom>
+            <a:solidFill>
+              <a:schemeClr val="accent1"/>
+            </a:solidFill>
+            <a:ln w="28575" cap="flat" cmpd="sng" algn="ctr">
+              <a:solidFill>
+                <a:schemeClr val="tx1"/>
+              </a:solidFill>
+              <a:prstDash val="solid"/>
+              <a:round/>
+              <a:headEnd type="none" w="med" len="med"/>
+              <a:tailEnd type="none" w="med" len="med"/>
+            </a:ln>
+            <a:effectLst/>
+          </p:spPr>
+        </p:cxnSp>
+        <p:cxnSp>
+          <p:nvCxnSpPr>
+            <p:cNvPr id="15" name="Straight Connector 14">
+              <a:extLst>
+                <a:ext uri="{FF2B5EF4-FFF2-40B4-BE49-F238E27FC236}">
+                  <a16:creationId xmlns:a16="http://schemas.microsoft.com/office/drawing/2014/main" id="{95E5DF3F-16C3-E247-959B-09026BAB6B31}"/>
+                </a:ext>
+              </a:extLst>
+            </p:cNvPr>
+            <p:cNvCxnSpPr>
+              <a:stCxn id="9" idx="1"/>
+              <a:endCxn id="5" idx="5"/>
+            </p:cNvCxnSpPr>
+            <p:nvPr/>
+          </p:nvCxnSpPr>
+          <p:spPr bwMode="auto">
+            <a:xfrm flipH="1" flipV="1">
+              <a:off x="4629962" y="2733662"/>
+              <a:ext cx="661154" cy="646415"/>
+            </a:xfrm>
+            <a:prstGeom prst="line">
+              <a:avLst/>
+            </a:prstGeom>
+            <a:solidFill>
+              <a:schemeClr val="accent1"/>
+            </a:solidFill>
+            <a:ln w="28575" cap="flat" cmpd="sng" algn="ctr">
+              <a:solidFill>
+                <a:schemeClr val="tx1"/>
+              </a:solidFill>
+              <a:prstDash val="solid"/>
+              <a:round/>
+              <a:headEnd type="none" w="med" len="med"/>
+              <a:tailEnd type="none" w="med" len="med"/>
+            </a:ln>
+            <a:effectLst/>
+          </p:spPr>
+        </p:cxnSp>
+        <p:cxnSp>
+          <p:nvCxnSpPr>
+            <p:cNvPr id="23" name="Straight Connector 22">
+              <a:extLst>
+                <a:ext uri="{FF2B5EF4-FFF2-40B4-BE49-F238E27FC236}">
+                  <a16:creationId xmlns:a16="http://schemas.microsoft.com/office/drawing/2014/main" id="{F4078AF1-2E29-0344-A2C8-0E13CF9C3A43}"/>
+                </a:ext>
+              </a:extLst>
+            </p:cNvPr>
+            <p:cNvCxnSpPr>
+              <a:stCxn id="5" idx="0"/>
+              <a:endCxn id="4" idx="4"/>
+            </p:cNvCxnSpPr>
+            <p:nvPr/>
+          </p:nvCxnSpPr>
+          <p:spPr bwMode="auto">
+            <a:xfrm flipV="1">
+              <a:off x="4576763" y="1503367"/>
+              <a:ext cx="0" cy="1101860"/>
+            </a:xfrm>
+            <a:prstGeom prst="line">
+              <a:avLst/>
+            </a:prstGeom>
+            <a:solidFill>
+              <a:schemeClr val="accent1"/>
+            </a:solidFill>
+            <a:ln w="31750" cap="flat" cmpd="sng" algn="ctr">
+              <a:solidFill>
+                <a:schemeClr val="tx1"/>
+              </a:solidFill>
+              <a:prstDash val="solid"/>
+              <a:round/>
+              <a:headEnd type="none" w="med" len="med"/>
+              <a:tailEnd type="none" w="med" len="med"/>
+            </a:ln>
+            <a:effectLst/>
+          </p:spPr>
+        </p:cxnSp>
+        <p:cxnSp>
+          <p:nvCxnSpPr>
+            <p:cNvPr id="29" name="Straight Connector 28">
+              <a:extLst>
+                <a:ext uri="{FF2B5EF4-FFF2-40B4-BE49-F238E27FC236}">
+                  <a16:creationId xmlns:a16="http://schemas.microsoft.com/office/drawing/2014/main" id="{0B962A10-B368-7849-AA2F-12C200ECE0FA}"/>
+                </a:ext>
+              </a:extLst>
+            </p:cNvPr>
+            <p:cNvCxnSpPr>
+              <a:stCxn id="9" idx="2"/>
+              <a:endCxn id="53" idx="4"/>
+            </p:cNvCxnSpPr>
+            <p:nvPr/>
+          </p:nvCxnSpPr>
+          <p:spPr bwMode="auto">
+            <a:xfrm flipH="1">
+              <a:off x="4678403" y="3433277"/>
+              <a:ext cx="590677" cy="12872"/>
+            </a:xfrm>
+            <a:prstGeom prst="line">
+              <a:avLst/>
+            </a:prstGeom>
+            <a:solidFill>
+              <a:schemeClr val="accent1"/>
+            </a:solidFill>
+            <a:ln w="28575" cap="flat" cmpd="sng" algn="ctr">
+              <a:solidFill>
+                <a:schemeClr val="tx1"/>
+              </a:solidFill>
+              <a:prstDash val="solid"/>
+              <a:round/>
+              <a:headEnd type="none" w="med" len="med"/>
+              <a:tailEnd type="none" w="med" len="med"/>
+            </a:ln>
+            <a:effectLst/>
+          </p:spPr>
+        </p:cxnSp>
+        <p:cxnSp>
+          <p:nvCxnSpPr>
+            <p:cNvPr id="43" name="Straight Connector 42">
+              <a:extLst>
+                <a:ext uri="{FF2B5EF4-FFF2-40B4-BE49-F238E27FC236}">
+                  <a16:creationId xmlns:a16="http://schemas.microsoft.com/office/drawing/2014/main" id="{1958FB6B-3015-4749-B4EE-6BB3448EF54D}"/>
+                </a:ext>
+              </a:extLst>
+            </p:cNvPr>
+            <p:cNvCxnSpPr>
+              <a:stCxn id="50" idx="5"/>
+              <a:endCxn id="4" idx="3"/>
+            </p:cNvCxnSpPr>
+            <p:nvPr/>
+          </p:nvCxnSpPr>
+          <p:spPr bwMode="auto">
+            <a:xfrm flipV="1">
+              <a:off x="3887952" y="1481331"/>
+              <a:ext cx="635611" cy="1150693"/>
+            </a:xfrm>
+            <a:prstGeom prst="line">
+              <a:avLst/>
+            </a:prstGeom>
+            <a:solidFill>
+              <a:schemeClr val="accent1"/>
+            </a:solidFill>
+            <a:ln w="28575" cap="flat" cmpd="sng" algn="ctr">
+              <a:solidFill>
+                <a:schemeClr val="tx1"/>
+              </a:solidFill>
+              <a:prstDash val="solid"/>
+              <a:round/>
+              <a:headEnd type="none" w="med" len="med"/>
+              <a:tailEnd type="none" w="med" len="med"/>
+            </a:ln>
+            <a:effectLst/>
+          </p:spPr>
+        </p:cxnSp>
+        <p:sp>
+          <p:nvSpPr>
+            <p:cNvPr id="48" name="Oval 47">
+              <a:extLst>
+                <a:ext uri="{FF2B5EF4-FFF2-40B4-BE49-F238E27FC236}">
+                  <a16:creationId xmlns:a16="http://schemas.microsoft.com/office/drawing/2014/main" id="{BCD238E5-4006-A24E-A65B-E3F65650E36C}"/>
+                </a:ext>
+              </a:extLst>
+            </p:cNvPr>
+            <p:cNvSpPr/>
+            <p:nvPr/>
+          </p:nvSpPr>
+          <p:spPr bwMode="auto">
+            <a:xfrm rot="16200000">
+              <a:off x="2513812" y="3370914"/>
+              <a:ext cx="150471" cy="150471"/>
+            </a:xfrm>
+            <a:prstGeom prst="ellipse">
+              <a:avLst/>
+            </a:prstGeom>
+            <a:noFill/>
+            <a:ln w="19050" cap="flat" cmpd="sng" algn="ctr">
+              <a:solidFill>
+                <a:schemeClr val="tx1"/>
+              </a:solidFill>
+              <a:prstDash val="solid"/>
+              <a:round/>
+              <a:headEnd type="none" w="med" len="med"/>
+              <a:tailEnd type="none" w="med" len="med"/>
+            </a:ln>
+            <a:effectLst/>
+          </p:spPr>
+          <p:txBody>
+            <a:bodyPr vert="horz" wrap="none" lIns="91440" tIns="45720" rIns="91440" bIns="45720" numCol="1" rtlCol="0" anchor="ctr" anchorCtr="0" compatLnSpc="1">
+              <a:prstTxWarp prst="textNoShape">
+                <a:avLst/>
+              </a:prstTxWarp>
+            </a:bodyPr>
+            <a:lstStyle/>
+            <a:p>
+              <a:pPr marL="0" marR="0" indent="0" algn="ctr" defTabSz="914400" rtl="0" eaLnBrk="1" fontAlgn="base" latinLnBrk="0" hangingPunct="1">
+                <a:lnSpc>
+                  <a:spcPct val="100000"/>
+                </a:lnSpc>
+                <a:spcBef>
+                  <a:spcPct val="0"/>
+                </a:spcBef>
+                <a:spcAft>
+                  <a:spcPct val="0"/>
+                </a:spcAft>
+                <a:buClrTx/>
+                <a:buSzTx/>
+                <a:buFontTx/>
+                <a:buNone/>
+                <a:tabLst/>
+              </a:pPr>
+              <a:endParaRPr kumimoji="0" lang="en-US" sz="3200" b="0" i="0" u="none" strike="noStrike" cap="none" normalizeH="0" baseline="0">
+                <a:ln>
+                  <a:noFill/>
+                </a:ln>
+                <a:solidFill>
+                  <a:schemeClr val="tx1"/>
+                </a:solidFill>
+                <a:effectLst/>
+                <a:latin typeface="Times New Roman" pitchFamily="18" charset="0"/>
+              </a:endParaRPr>
+            </a:p>
+          </p:txBody>
+        </p:sp>
+        <p:sp>
+          <p:nvSpPr>
+            <p:cNvPr id="49" name="Oval 48">
+              <a:extLst>
+                <a:ext uri="{FF2B5EF4-FFF2-40B4-BE49-F238E27FC236}">
+                  <a16:creationId xmlns:a16="http://schemas.microsoft.com/office/drawing/2014/main" id="{06EB8F7E-1334-5446-BE35-DF2663FE6A84}"/>
+                </a:ext>
+              </a:extLst>
+            </p:cNvPr>
+            <p:cNvSpPr/>
+            <p:nvPr/>
+          </p:nvSpPr>
+          <p:spPr bwMode="auto">
+            <a:xfrm rot="16200000">
+              <a:off x="3766143" y="3370914"/>
+              <a:ext cx="150471" cy="150471"/>
+            </a:xfrm>
+            <a:prstGeom prst="ellipse">
+              <a:avLst/>
+            </a:prstGeom>
+            <a:noFill/>
+            <a:ln w="19050" cap="flat" cmpd="sng" algn="ctr">
+              <a:solidFill>
+                <a:schemeClr val="tx1"/>
+              </a:solidFill>
+              <a:prstDash val="solid"/>
+              <a:round/>
+              <a:headEnd type="none" w="med" len="med"/>
+              <a:tailEnd type="none" w="med" len="med"/>
+            </a:ln>
+            <a:effectLst/>
+          </p:spPr>
+          <p:txBody>
+            <a:bodyPr vert="horz" wrap="none" lIns="91440" tIns="45720" rIns="91440" bIns="45720" numCol="1" rtlCol="0" anchor="ctr" anchorCtr="0" compatLnSpc="1">
+              <a:prstTxWarp prst="textNoShape">
+                <a:avLst/>
+              </a:prstTxWarp>
+            </a:bodyPr>
+            <a:lstStyle/>
+            <a:p>
+              <a:pPr marL="0" marR="0" indent="0" algn="ctr" defTabSz="914400" rtl="0" eaLnBrk="1" fontAlgn="base" latinLnBrk="0" hangingPunct="1">
+                <a:lnSpc>
+                  <a:spcPct val="100000"/>
+                </a:lnSpc>
+                <a:spcBef>
+                  <a:spcPct val="0"/>
+                </a:spcBef>
+                <a:spcAft>
+                  <a:spcPct val="0"/>
+                </a:spcAft>
+                <a:buClrTx/>
+                <a:buSzTx/>
+                <a:buFontTx/>
+                <a:buNone/>
+                <a:tabLst/>
+              </a:pPr>
+              <a:endParaRPr kumimoji="0" lang="en-US" sz="3200" b="0" i="0" u="none" strike="noStrike" cap="none" normalizeH="0" baseline="0">
+                <a:ln>
+                  <a:noFill/>
+                </a:ln>
+                <a:solidFill>
+                  <a:schemeClr val="tx1"/>
+                </a:solidFill>
+                <a:effectLst/>
+                <a:latin typeface="Times New Roman" pitchFamily="18" charset="0"/>
+              </a:endParaRPr>
+            </a:p>
+          </p:txBody>
+        </p:sp>
+        <p:sp>
+          <p:nvSpPr>
+            <p:cNvPr id="50" name="Oval 49">
+              <a:extLst>
+                <a:ext uri="{FF2B5EF4-FFF2-40B4-BE49-F238E27FC236}">
+                  <a16:creationId xmlns:a16="http://schemas.microsoft.com/office/drawing/2014/main" id="{7594041B-7482-5741-BEB2-CAA868E1B816}"/>
+                </a:ext>
+              </a:extLst>
+            </p:cNvPr>
+            <p:cNvSpPr/>
+            <p:nvPr/>
+          </p:nvSpPr>
+          <p:spPr bwMode="auto">
+            <a:xfrm rot="16200000">
+              <a:off x="3759517" y="2609988"/>
+              <a:ext cx="150471" cy="150471"/>
+            </a:xfrm>
+            <a:prstGeom prst="ellipse">
+              <a:avLst/>
+            </a:prstGeom>
+            <a:noFill/>
+            <a:ln w="19050" cap="flat" cmpd="sng" algn="ctr">
+              <a:solidFill>
+                <a:schemeClr val="tx1"/>
+              </a:solidFill>
+              <a:prstDash val="solid"/>
+              <a:round/>
+              <a:headEnd type="none" w="med" len="med"/>
+              <a:tailEnd type="none" w="med" len="med"/>
+            </a:ln>
+            <a:effectLst/>
+          </p:spPr>
+          <p:txBody>
+            <a:bodyPr vert="horz" wrap="none" lIns="91440" tIns="45720" rIns="91440" bIns="45720" numCol="1" rtlCol="0" anchor="ctr" anchorCtr="0" compatLnSpc="1">
+              <a:prstTxWarp prst="textNoShape">
+                <a:avLst/>
+              </a:prstTxWarp>
+            </a:bodyPr>
+            <a:lstStyle/>
+            <a:p>
+              <a:pPr marL="0" marR="0" indent="0" algn="ctr" defTabSz="914400" rtl="0" eaLnBrk="1" fontAlgn="base" latinLnBrk="0" hangingPunct="1">
+                <a:lnSpc>
+                  <a:spcPct val="100000"/>
+                </a:lnSpc>
+                <a:spcBef>
+                  <a:spcPct val="0"/>
+                </a:spcBef>
+                <a:spcAft>
+                  <a:spcPct val="0"/>
+                </a:spcAft>
+                <a:buClrTx/>
+                <a:buSzTx/>
+                <a:buFontTx/>
+                <a:buNone/>
+                <a:tabLst/>
+              </a:pPr>
+              <a:endParaRPr kumimoji="0" lang="en-US" sz="3200" b="0" i="0" u="none" strike="noStrike" cap="none" normalizeH="0" baseline="0">
+                <a:ln>
+                  <a:noFill/>
+                </a:ln>
+                <a:solidFill>
+                  <a:schemeClr val="tx1"/>
+                </a:solidFill>
+                <a:effectLst/>
+                <a:latin typeface="Times New Roman" pitchFamily="18" charset="0"/>
+              </a:endParaRPr>
+            </a:p>
+          </p:txBody>
+        </p:sp>
+        <p:sp>
+          <p:nvSpPr>
+            <p:cNvPr id="51" name="Oval 50">
+              <a:extLst>
+                <a:ext uri="{FF2B5EF4-FFF2-40B4-BE49-F238E27FC236}">
+                  <a16:creationId xmlns:a16="http://schemas.microsoft.com/office/drawing/2014/main" id="{F1AC6933-A3E6-3041-BDE0-66385B846108}"/>
+                </a:ext>
+              </a:extLst>
+            </p:cNvPr>
+            <p:cNvSpPr/>
+            <p:nvPr/>
+          </p:nvSpPr>
+          <p:spPr bwMode="auto">
+            <a:xfrm rot="16200000">
+              <a:off x="3786022" y="4133985"/>
+              <a:ext cx="150471" cy="150471"/>
+            </a:xfrm>
+            <a:prstGeom prst="ellipse">
+              <a:avLst/>
+            </a:prstGeom>
+            <a:noFill/>
+            <a:ln w="19050" cap="flat" cmpd="sng" algn="ctr">
+              <a:solidFill>
+                <a:schemeClr val="tx1"/>
+              </a:solidFill>
+              <a:prstDash val="solid"/>
+              <a:round/>
+              <a:headEnd type="none" w="med" len="med"/>
+              <a:tailEnd type="none" w="med" len="med"/>
+            </a:ln>
+            <a:effectLst/>
+          </p:spPr>
+          <p:txBody>
+            <a:bodyPr vert="horz" wrap="none" lIns="91440" tIns="45720" rIns="91440" bIns="45720" numCol="1" rtlCol="0" anchor="ctr" anchorCtr="0" compatLnSpc="1">
+              <a:prstTxWarp prst="textNoShape">
+                <a:avLst/>
+              </a:prstTxWarp>
+            </a:bodyPr>
+            <a:lstStyle/>
+            <a:p>
+              <a:pPr marL="0" marR="0" indent="0" algn="ctr" defTabSz="914400" rtl="0" eaLnBrk="1" fontAlgn="base" latinLnBrk="0" hangingPunct="1">
+                <a:lnSpc>
+                  <a:spcPct val="100000"/>
+                </a:lnSpc>
+                <a:spcBef>
+                  <a:spcPct val="0"/>
+                </a:spcBef>
+                <a:spcAft>
+                  <a:spcPct val="0"/>
+                </a:spcAft>
+                <a:buClrTx/>
+                <a:buSzTx/>
+                <a:buFontTx/>
+                <a:buNone/>
+                <a:tabLst/>
+              </a:pPr>
+              <a:endParaRPr kumimoji="0" lang="en-US" sz="3200" b="0" i="0" u="none" strike="noStrike" cap="none" normalizeH="0" baseline="0">
+                <a:ln>
+                  <a:noFill/>
+                </a:ln>
+                <a:solidFill>
+                  <a:schemeClr val="tx1"/>
+                </a:solidFill>
+                <a:effectLst/>
+                <a:latin typeface="Times New Roman" pitchFamily="18" charset="0"/>
+              </a:endParaRPr>
+            </a:p>
+          </p:txBody>
+        </p:sp>
+        <p:sp>
+          <p:nvSpPr>
+            <p:cNvPr id="53" name="Oval 52">
+              <a:extLst>
+                <a:ext uri="{FF2B5EF4-FFF2-40B4-BE49-F238E27FC236}">
+                  <a16:creationId xmlns:a16="http://schemas.microsoft.com/office/drawing/2014/main" id="{3E3B9665-F522-6E42-9FF4-20777A184223}"/>
+                </a:ext>
+              </a:extLst>
+            </p:cNvPr>
+            <p:cNvSpPr/>
+            <p:nvPr/>
+          </p:nvSpPr>
+          <p:spPr bwMode="auto">
+            <a:xfrm rot="16200000">
+              <a:off x="4527932" y="3370914"/>
+              <a:ext cx="150471" cy="150471"/>
+            </a:xfrm>
+            <a:prstGeom prst="ellipse">
+              <a:avLst/>
+            </a:prstGeom>
+            <a:noFill/>
+            <a:ln w="19050" cap="flat" cmpd="sng" algn="ctr">
+              <a:solidFill>
+                <a:schemeClr val="tx1"/>
+              </a:solidFill>
+              <a:prstDash val="solid"/>
+              <a:round/>
+              <a:headEnd type="none" w="med" len="med"/>
+              <a:tailEnd type="none" w="med" len="med"/>
+            </a:ln>
+            <a:effectLst/>
+          </p:spPr>
+          <p:txBody>
+            <a:bodyPr vert="horz" wrap="none" lIns="91440" tIns="45720" rIns="91440" bIns="45720" numCol="1" rtlCol="0" anchor="ctr" anchorCtr="0" compatLnSpc="1">
+              <a:prstTxWarp prst="textNoShape">
+                <a:avLst/>
+              </a:prstTxWarp>
+            </a:bodyPr>
+            <a:lstStyle/>
+            <a:p>
+              <a:pPr marL="0" marR="0" indent="0" algn="ctr" defTabSz="914400" rtl="0" eaLnBrk="1" fontAlgn="base" latinLnBrk="0" hangingPunct="1">
+                <a:lnSpc>
+                  <a:spcPct val="100000"/>
+                </a:lnSpc>
+                <a:spcBef>
+                  <a:spcPct val="0"/>
+                </a:spcBef>
+                <a:spcAft>
+                  <a:spcPct val="0"/>
+                </a:spcAft>
+                <a:buClrTx/>
+                <a:buSzTx/>
+                <a:buFontTx/>
+                <a:buNone/>
+                <a:tabLst/>
+              </a:pPr>
+              <a:endParaRPr kumimoji="0" lang="en-US" sz="3200" b="0" i="0" u="none" strike="noStrike" cap="none" normalizeH="0" baseline="0">
+                <a:ln>
+                  <a:noFill/>
+                </a:ln>
+                <a:solidFill>
+                  <a:schemeClr val="tx1"/>
+                </a:solidFill>
+                <a:effectLst/>
+                <a:latin typeface="Times New Roman" pitchFamily="18" charset="0"/>
+              </a:endParaRPr>
+            </a:p>
+          </p:txBody>
+        </p:sp>
+        <p:cxnSp>
+          <p:nvCxnSpPr>
+            <p:cNvPr id="54" name="Straight Connector 53">
+              <a:extLst>
+                <a:ext uri="{FF2B5EF4-FFF2-40B4-BE49-F238E27FC236}">
+                  <a16:creationId xmlns:a16="http://schemas.microsoft.com/office/drawing/2014/main" id="{DBFB25B2-F9E4-FD43-8B31-15E030D1F022}"/>
+                </a:ext>
+              </a:extLst>
+            </p:cNvPr>
+            <p:cNvCxnSpPr>
+              <a:endCxn id="50" idx="4"/>
+            </p:cNvCxnSpPr>
+            <p:nvPr/>
+          </p:nvCxnSpPr>
+          <p:spPr bwMode="auto">
+            <a:xfrm rot="16200000" flipH="1" flipV="1">
+              <a:off x="4211159" y="2377425"/>
+              <a:ext cx="6627" cy="608969"/>
+            </a:xfrm>
+            <a:prstGeom prst="line">
+              <a:avLst/>
+            </a:prstGeom>
+            <a:solidFill>
+              <a:schemeClr val="accent1"/>
+            </a:solidFill>
+            <a:ln w="28575" cap="flat" cmpd="sng" algn="ctr">
+              <a:solidFill>
+                <a:schemeClr val="tx1"/>
+              </a:solidFill>
+              <a:prstDash val="solid"/>
+              <a:round/>
+              <a:headEnd type="none" w="med" len="med"/>
+              <a:tailEnd type="none" w="med" len="med"/>
+            </a:ln>
+            <a:effectLst/>
+          </p:spPr>
+        </p:cxnSp>
+        <p:cxnSp>
+          <p:nvCxnSpPr>
+            <p:cNvPr id="55" name="Straight Connector 54">
+              <a:extLst>
+                <a:ext uri="{FF2B5EF4-FFF2-40B4-BE49-F238E27FC236}">
+                  <a16:creationId xmlns:a16="http://schemas.microsoft.com/office/drawing/2014/main" id="{6D439910-40EC-354D-AF1D-986284F3859C}"/>
+                </a:ext>
+              </a:extLst>
+            </p:cNvPr>
+            <p:cNvCxnSpPr>
+              <a:stCxn id="50" idx="0"/>
+              <a:endCxn id="48" idx="5"/>
+            </p:cNvCxnSpPr>
+            <p:nvPr/>
+          </p:nvCxnSpPr>
+          <p:spPr bwMode="auto">
+            <a:xfrm flipH="1">
+              <a:off x="2642247" y="2685223"/>
+              <a:ext cx="1117270" cy="707727"/>
+            </a:xfrm>
+            <a:prstGeom prst="line">
+              <a:avLst/>
+            </a:prstGeom>
+            <a:solidFill>
+              <a:schemeClr val="accent1"/>
+            </a:solidFill>
+            <a:ln w="28575" cap="flat" cmpd="sng" algn="ctr">
+              <a:solidFill>
+                <a:schemeClr val="tx1"/>
+              </a:solidFill>
+              <a:prstDash val="solid"/>
+              <a:round/>
+              <a:headEnd type="none" w="med" len="med"/>
+              <a:tailEnd type="none" w="med" len="med"/>
+            </a:ln>
+            <a:effectLst/>
+          </p:spPr>
+        </p:cxnSp>
+        <p:cxnSp>
+          <p:nvCxnSpPr>
+            <p:cNvPr id="56" name="Straight Connector 55">
+              <a:extLst>
+                <a:ext uri="{FF2B5EF4-FFF2-40B4-BE49-F238E27FC236}">
+                  <a16:creationId xmlns:a16="http://schemas.microsoft.com/office/drawing/2014/main" id="{6A2C6DF1-2483-AD4A-96EF-EFE2636F5B65}"/>
+                </a:ext>
+              </a:extLst>
+            </p:cNvPr>
+            <p:cNvCxnSpPr>
+              <a:stCxn id="5" idx="3"/>
+              <a:endCxn id="66" idx="3"/>
+            </p:cNvCxnSpPr>
+            <p:nvPr/>
+          </p:nvCxnSpPr>
+          <p:spPr bwMode="auto">
+            <a:xfrm flipH="1">
+              <a:off x="3897788" y="2733662"/>
+              <a:ext cx="625775" cy="659502"/>
+            </a:xfrm>
+            <a:prstGeom prst="line">
+              <a:avLst/>
+            </a:prstGeom>
+            <a:solidFill>
+              <a:schemeClr val="accent1"/>
+            </a:solidFill>
+            <a:ln w="28575" cap="flat" cmpd="sng" algn="ctr">
+              <a:solidFill>
+                <a:schemeClr val="tx1"/>
+              </a:solidFill>
+              <a:prstDash val="solid"/>
+              <a:round/>
+              <a:headEnd type="none" w="med" len="med"/>
+              <a:tailEnd type="none" w="med" len="med"/>
+            </a:ln>
+            <a:effectLst/>
+          </p:spPr>
+        </p:cxnSp>
+        <p:cxnSp>
+          <p:nvCxnSpPr>
+            <p:cNvPr id="57" name="Straight Connector 56">
+              <a:extLst>
+                <a:ext uri="{FF2B5EF4-FFF2-40B4-BE49-F238E27FC236}">
+                  <a16:creationId xmlns:a16="http://schemas.microsoft.com/office/drawing/2014/main" id="{C8666E31-99E6-C741-90DB-4EEB253C636E}"/>
+                </a:ext>
+              </a:extLst>
+            </p:cNvPr>
+            <p:cNvCxnSpPr>
+              <a:endCxn id="51" idx="6"/>
+            </p:cNvCxnSpPr>
+            <p:nvPr/>
+          </p:nvCxnSpPr>
+          <p:spPr bwMode="auto">
+            <a:xfrm>
+              <a:off x="3855668" y="3499349"/>
+              <a:ext cx="5590" cy="634636"/>
+            </a:xfrm>
+            <a:prstGeom prst="line">
+              <a:avLst/>
+            </a:prstGeom>
+            <a:solidFill>
+              <a:schemeClr val="accent1"/>
+            </a:solidFill>
+            <a:ln w="28575" cap="flat" cmpd="sng" algn="ctr">
+              <a:solidFill>
+                <a:schemeClr val="tx1"/>
+              </a:solidFill>
+              <a:prstDash val="solid"/>
+              <a:round/>
+              <a:headEnd type="none" w="med" len="med"/>
+              <a:tailEnd type="none" w="med" len="med"/>
+            </a:ln>
+            <a:effectLst/>
+          </p:spPr>
+        </p:cxnSp>
+        <p:cxnSp>
+          <p:nvCxnSpPr>
+            <p:cNvPr id="58" name="Straight Connector 57">
+              <a:extLst>
+                <a:ext uri="{FF2B5EF4-FFF2-40B4-BE49-F238E27FC236}">
+                  <a16:creationId xmlns:a16="http://schemas.microsoft.com/office/drawing/2014/main" id="{1043F6F3-50BA-B042-8090-DB0248B9BB5C}"/>
+                </a:ext>
+              </a:extLst>
+            </p:cNvPr>
+            <p:cNvCxnSpPr>
+              <a:stCxn id="49" idx="0"/>
+              <a:endCxn id="48" idx="4"/>
+            </p:cNvCxnSpPr>
+            <p:nvPr/>
+          </p:nvCxnSpPr>
+          <p:spPr bwMode="auto">
+            <a:xfrm rot="16200000" flipV="1">
+              <a:off x="3215213" y="2895219"/>
+              <a:ext cx="0" cy="1101860"/>
+            </a:xfrm>
+            <a:prstGeom prst="line">
+              <a:avLst/>
+            </a:prstGeom>
+            <a:solidFill>
+              <a:schemeClr val="accent1"/>
+            </a:solidFill>
+            <a:ln w="31750" cap="flat" cmpd="sng" algn="ctr">
+              <a:solidFill>
+                <a:schemeClr val="tx1"/>
+              </a:solidFill>
+              <a:prstDash val="solid"/>
+              <a:round/>
+              <a:headEnd type="none" w="med" len="med"/>
+              <a:tailEnd type="none" w="med" len="med"/>
+            </a:ln>
+            <a:effectLst/>
+          </p:spPr>
+        </p:cxnSp>
+        <p:cxnSp>
+          <p:nvCxnSpPr>
+            <p:cNvPr id="59" name="Straight Connector 58">
+              <a:extLst>
+                <a:ext uri="{FF2B5EF4-FFF2-40B4-BE49-F238E27FC236}">
+                  <a16:creationId xmlns:a16="http://schemas.microsoft.com/office/drawing/2014/main" id="{7173CD94-3391-A44C-86A8-36F34763307D}"/>
+                </a:ext>
+              </a:extLst>
+            </p:cNvPr>
+            <p:cNvCxnSpPr>
+              <a:endCxn id="53" idx="6"/>
+            </p:cNvCxnSpPr>
+            <p:nvPr/>
+          </p:nvCxnSpPr>
+          <p:spPr bwMode="auto">
+            <a:xfrm rot="16200000" flipH="1">
+              <a:off x="4290140" y="3057885"/>
+              <a:ext cx="617082" cy="8975"/>
+            </a:xfrm>
+            <a:prstGeom prst="line">
+              <a:avLst/>
+            </a:prstGeom>
+            <a:solidFill>
+              <a:schemeClr val="accent1"/>
+            </a:solidFill>
+            <a:ln w="28575" cap="flat" cmpd="sng" algn="ctr">
+              <a:solidFill>
+                <a:schemeClr val="tx1"/>
+              </a:solidFill>
+              <a:prstDash val="solid"/>
+              <a:round/>
+              <a:headEnd type="none" w="med" len="med"/>
+              <a:tailEnd type="none" w="med" len="med"/>
+            </a:ln>
+            <a:effectLst/>
+          </p:spPr>
+        </p:cxnSp>
+        <p:cxnSp>
+          <p:nvCxnSpPr>
+            <p:cNvPr id="60" name="Straight Connector 59">
+              <a:extLst>
+                <a:ext uri="{FF2B5EF4-FFF2-40B4-BE49-F238E27FC236}">
+                  <a16:creationId xmlns:a16="http://schemas.microsoft.com/office/drawing/2014/main" id="{B75ADD1E-2E62-4C42-9F15-AE6940A7CA61}"/>
+                </a:ext>
+              </a:extLst>
+            </p:cNvPr>
+            <p:cNvCxnSpPr>
+              <a:stCxn id="51" idx="0"/>
+              <a:endCxn id="48" idx="3"/>
+            </p:cNvCxnSpPr>
+            <p:nvPr/>
+          </p:nvCxnSpPr>
+          <p:spPr bwMode="auto">
+            <a:xfrm flipH="1" flipV="1">
+              <a:off x="2642247" y="3499349"/>
+              <a:ext cx="1143775" cy="709871"/>
+            </a:xfrm>
+            <a:prstGeom prst="line">
+              <a:avLst/>
+            </a:prstGeom>
+            <a:solidFill>
+              <a:schemeClr val="accent1"/>
+            </a:solidFill>
+            <a:ln w="28575" cap="flat" cmpd="sng" algn="ctr">
+              <a:solidFill>
+                <a:schemeClr val="tx1"/>
+              </a:solidFill>
+              <a:prstDash val="solid"/>
+              <a:round/>
+              <a:headEnd type="none" w="med" len="med"/>
+              <a:tailEnd type="none" w="med" len="med"/>
+            </a:ln>
+            <a:effectLst/>
+          </p:spPr>
+        </p:cxnSp>
+        <p:sp>
+          <p:nvSpPr>
+            <p:cNvPr id="62" name="Oval 61">
+              <a:extLst>
+                <a:ext uri="{FF2B5EF4-FFF2-40B4-BE49-F238E27FC236}">
+                  <a16:creationId xmlns:a16="http://schemas.microsoft.com/office/drawing/2014/main" id="{AFC48AE9-6917-314C-8A2B-25A99FE13F3E}"/>
+                </a:ext>
+              </a:extLst>
+            </p:cNvPr>
+            <p:cNvSpPr/>
+            <p:nvPr/>
+          </p:nvSpPr>
+          <p:spPr bwMode="auto">
+            <a:xfrm rot="10800000">
+              <a:off x="4536906" y="5376273"/>
+              <a:ext cx="150471" cy="150471"/>
+            </a:xfrm>
+            <a:prstGeom prst="ellipse">
+              <a:avLst/>
+            </a:prstGeom>
+            <a:noFill/>
+            <a:ln w="19050" cap="flat" cmpd="sng" algn="ctr">
+              <a:solidFill>
+                <a:schemeClr val="tx1"/>
+              </a:solidFill>
+              <a:prstDash val="solid"/>
+              <a:round/>
+              <a:headEnd type="none" w="med" len="med"/>
+              <a:tailEnd type="none" w="med" len="med"/>
+            </a:ln>
+            <a:effectLst/>
+          </p:spPr>
+          <p:txBody>
+            <a:bodyPr vert="horz" wrap="none" lIns="91440" tIns="45720" rIns="91440" bIns="45720" numCol="1" rtlCol="0" anchor="ctr" anchorCtr="0" compatLnSpc="1">
+              <a:prstTxWarp prst="textNoShape">
+                <a:avLst/>
+              </a:prstTxWarp>
+            </a:bodyPr>
+            <a:lstStyle/>
+            <a:p>
+              <a:pPr marL="0" marR="0" indent="0" algn="ctr" defTabSz="914400" rtl="0" eaLnBrk="1" fontAlgn="base" latinLnBrk="0" hangingPunct="1">
+                <a:lnSpc>
+                  <a:spcPct val="100000"/>
+                </a:lnSpc>
+                <a:spcBef>
+                  <a:spcPct val="0"/>
+                </a:spcBef>
+                <a:spcAft>
+                  <a:spcPct val="0"/>
+                </a:spcAft>
+                <a:buClrTx/>
+                <a:buSzTx/>
+                <a:buFontTx/>
+                <a:buNone/>
+                <a:tabLst/>
+              </a:pPr>
+              <a:endParaRPr kumimoji="0" lang="en-US" sz="3200" b="0" i="0" u="none" strike="noStrike" cap="none" normalizeH="0" baseline="0">
+                <a:ln>
+                  <a:noFill/>
+                </a:ln>
+                <a:solidFill>
+                  <a:schemeClr val="tx1"/>
+                </a:solidFill>
+                <a:effectLst/>
+                <a:latin typeface="Times New Roman" pitchFamily="18" charset="0"/>
+              </a:endParaRPr>
+            </a:p>
+          </p:txBody>
+        </p:sp>
+        <p:sp>
+          <p:nvSpPr>
+            <p:cNvPr id="63" name="Oval 62">
+              <a:extLst>
+                <a:ext uri="{FF2B5EF4-FFF2-40B4-BE49-F238E27FC236}">
+                  <a16:creationId xmlns:a16="http://schemas.microsoft.com/office/drawing/2014/main" id="{3DC83A22-0C6C-B243-A2A4-AB34E8923180}"/>
+                </a:ext>
+              </a:extLst>
+            </p:cNvPr>
+            <p:cNvSpPr/>
+            <p:nvPr/>
+          </p:nvSpPr>
+          <p:spPr bwMode="auto">
+            <a:xfrm rot="10800000">
+              <a:off x="4536906" y="4123942"/>
+              <a:ext cx="150471" cy="150471"/>
+            </a:xfrm>
+            <a:prstGeom prst="ellipse">
+              <a:avLst/>
+            </a:prstGeom>
+            <a:noFill/>
+            <a:ln w="19050" cap="flat" cmpd="sng" algn="ctr">
+              <a:solidFill>
+                <a:schemeClr val="tx1"/>
+              </a:solidFill>
+              <a:prstDash val="solid"/>
+              <a:round/>
+              <a:headEnd type="none" w="med" len="med"/>
+              <a:tailEnd type="none" w="med" len="med"/>
+            </a:ln>
+            <a:effectLst/>
+          </p:spPr>
+          <p:txBody>
+            <a:bodyPr vert="horz" wrap="none" lIns="91440" tIns="45720" rIns="91440" bIns="45720" numCol="1" rtlCol="0" anchor="ctr" anchorCtr="0" compatLnSpc="1">
+              <a:prstTxWarp prst="textNoShape">
+                <a:avLst/>
+              </a:prstTxWarp>
+            </a:bodyPr>
+            <a:lstStyle/>
+            <a:p>
+              <a:pPr marL="0" marR="0" indent="0" algn="ctr" defTabSz="914400" rtl="0" eaLnBrk="1" fontAlgn="base" latinLnBrk="0" hangingPunct="1">
+                <a:lnSpc>
+                  <a:spcPct val="100000"/>
+                </a:lnSpc>
+                <a:spcBef>
+                  <a:spcPct val="0"/>
+                </a:spcBef>
+                <a:spcAft>
+                  <a:spcPct val="0"/>
+                </a:spcAft>
+                <a:buClrTx/>
+                <a:buSzTx/>
+                <a:buFontTx/>
+                <a:buNone/>
+                <a:tabLst/>
+              </a:pPr>
+              <a:endParaRPr kumimoji="0" lang="en-US" sz="3200" b="0" i="0" u="none" strike="noStrike" cap="none" normalizeH="0" baseline="0">
+                <a:ln>
+                  <a:noFill/>
+                </a:ln>
+                <a:solidFill>
+                  <a:schemeClr val="tx1"/>
+                </a:solidFill>
+                <a:effectLst/>
+                <a:latin typeface="Times New Roman" pitchFamily="18" charset="0"/>
+              </a:endParaRPr>
+            </a:p>
+          </p:txBody>
+        </p:sp>
+        <p:sp>
+          <p:nvSpPr>
+            <p:cNvPr id="65" name="Oval 64">
+              <a:extLst>
+                <a:ext uri="{FF2B5EF4-FFF2-40B4-BE49-F238E27FC236}">
+                  <a16:creationId xmlns:a16="http://schemas.microsoft.com/office/drawing/2014/main" id="{A361C4A7-392B-5348-9446-6ECA78A76438}"/>
+                </a:ext>
+              </a:extLst>
+            </p:cNvPr>
+            <p:cNvSpPr/>
+            <p:nvPr/>
+          </p:nvSpPr>
+          <p:spPr bwMode="auto">
+            <a:xfrm rot="10800000">
+              <a:off x="5299977" y="4104063"/>
+              <a:ext cx="150471" cy="150471"/>
+            </a:xfrm>
+            <a:prstGeom prst="ellipse">
+              <a:avLst/>
+            </a:prstGeom>
+            <a:noFill/>
+            <a:ln w="19050" cap="flat" cmpd="sng" algn="ctr">
+              <a:solidFill>
+                <a:schemeClr val="tx1"/>
+              </a:solidFill>
+              <a:prstDash val="solid"/>
+              <a:round/>
+              <a:headEnd type="none" w="med" len="med"/>
+              <a:tailEnd type="none" w="med" len="med"/>
+            </a:ln>
+            <a:effectLst/>
+          </p:spPr>
+          <p:txBody>
+            <a:bodyPr vert="horz" wrap="none" lIns="91440" tIns="45720" rIns="91440" bIns="45720" numCol="1" rtlCol="0" anchor="ctr" anchorCtr="0" compatLnSpc="1">
+              <a:prstTxWarp prst="textNoShape">
+                <a:avLst/>
+              </a:prstTxWarp>
+            </a:bodyPr>
+            <a:lstStyle/>
+            <a:p>
+              <a:pPr marL="0" marR="0" indent="0" algn="ctr" defTabSz="914400" rtl="0" eaLnBrk="1" fontAlgn="base" latinLnBrk="0" hangingPunct="1">
+                <a:lnSpc>
+                  <a:spcPct val="100000"/>
+                </a:lnSpc>
+                <a:spcBef>
+                  <a:spcPct val="0"/>
+                </a:spcBef>
+                <a:spcAft>
+                  <a:spcPct val="0"/>
+                </a:spcAft>
+                <a:buClrTx/>
+                <a:buSzTx/>
+                <a:buFontTx/>
+                <a:buNone/>
+                <a:tabLst/>
+              </a:pPr>
+              <a:endParaRPr kumimoji="0" lang="en-US" sz="3200" b="0" i="0" u="none" strike="noStrike" cap="none" normalizeH="0" baseline="0">
+                <a:ln>
+                  <a:noFill/>
+                </a:ln>
+                <a:solidFill>
+                  <a:schemeClr val="tx1"/>
+                </a:solidFill>
+                <a:effectLst/>
+                <a:latin typeface="Times New Roman" pitchFamily="18" charset="0"/>
+              </a:endParaRPr>
+            </a:p>
+          </p:txBody>
+        </p:sp>
+        <p:sp>
+          <p:nvSpPr>
+            <p:cNvPr id="66" name="Oval 65">
+              <a:extLst>
+                <a:ext uri="{FF2B5EF4-FFF2-40B4-BE49-F238E27FC236}">
+                  <a16:creationId xmlns:a16="http://schemas.microsoft.com/office/drawing/2014/main" id="{9253479B-BBE5-A043-96D5-CFDCE5BF2DA4}"/>
+                </a:ext>
+              </a:extLst>
+            </p:cNvPr>
+            <p:cNvSpPr/>
+            <p:nvPr/>
+          </p:nvSpPr>
+          <p:spPr bwMode="auto">
+            <a:xfrm rot="10800000">
+              <a:off x="3769353" y="3371128"/>
+              <a:ext cx="150471" cy="150471"/>
+            </a:xfrm>
+            <a:prstGeom prst="ellipse">
+              <a:avLst/>
+            </a:prstGeom>
+            <a:noFill/>
+            <a:ln w="19050" cap="flat" cmpd="sng" algn="ctr">
+              <a:solidFill>
+                <a:schemeClr val="tx1"/>
+              </a:solidFill>
+              <a:prstDash val="solid"/>
+              <a:round/>
+              <a:headEnd type="none" w="med" len="med"/>
+              <a:tailEnd type="none" w="med" len="med"/>
+            </a:ln>
+            <a:effectLst/>
+          </p:spPr>
+          <p:txBody>
+            <a:bodyPr vert="horz" wrap="none" lIns="91440" tIns="45720" rIns="91440" bIns="45720" numCol="1" rtlCol="0" anchor="ctr" anchorCtr="0" compatLnSpc="1">
+              <a:prstTxWarp prst="textNoShape">
+                <a:avLst/>
+              </a:prstTxWarp>
+            </a:bodyPr>
+            <a:lstStyle/>
+            <a:p>
+              <a:pPr marL="0" marR="0" indent="0" algn="ctr" defTabSz="914400" rtl="0" eaLnBrk="1" fontAlgn="base" latinLnBrk="0" hangingPunct="1">
+                <a:lnSpc>
+                  <a:spcPct val="100000"/>
+                </a:lnSpc>
+                <a:spcBef>
+                  <a:spcPct val="0"/>
+                </a:spcBef>
+                <a:spcAft>
+                  <a:spcPct val="0"/>
+                </a:spcAft>
+                <a:buClrTx/>
+                <a:buSzTx/>
+                <a:buFontTx/>
+                <a:buNone/>
+                <a:tabLst/>
+              </a:pPr>
+              <a:endParaRPr kumimoji="0" lang="en-US" sz="3200" b="0" i="0" u="none" strike="noStrike" cap="none" normalizeH="0" baseline="0">
+                <a:ln>
+                  <a:noFill/>
+                </a:ln>
+                <a:solidFill>
+                  <a:schemeClr val="tx1"/>
+                </a:solidFill>
+                <a:effectLst/>
+                <a:latin typeface="Times New Roman" pitchFamily="18" charset="0"/>
+              </a:endParaRPr>
+            </a:p>
+          </p:txBody>
+        </p:sp>
+        <p:cxnSp>
+          <p:nvCxnSpPr>
+            <p:cNvPr id="69" name="Straight Connector 68">
+              <a:extLst>
+                <a:ext uri="{FF2B5EF4-FFF2-40B4-BE49-F238E27FC236}">
+                  <a16:creationId xmlns:a16="http://schemas.microsoft.com/office/drawing/2014/main" id="{879B5436-1459-E543-A535-0B4C1D8FE5D0}"/>
+                </a:ext>
+              </a:extLst>
+            </p:cNvPr>
+            <p:cNvCxnSpPr>
+              <a:endCxn id="62" idx="5"/>
+            </p:cNvCxnSpPr>
+            <p:nvPr/>
+          </p:nvCxnSpPr>
+          <p:spPr bwMode="auto">
+            <a:xfrm>
+              <a:off x="3851215" y="4281039"/>
+              <a:ext cx="707727" cy="1117270"/>
+            </a:xfrm>
+            <a:prstGeom prst="line">
+              <a:avLst/>
+            </a:prstGeom>
+            <a:solidFill>
+              <a:schemeClr val="accent1"/>
+            </a:solidFill>
+            <a:ln w="28575" cap="flat" cmpd="sng" algn="ctr">
+              <a:solidFill>
+                <a:schemeClr val="tx1"/>
+              </a:solidFill>
+              <a:prstDash val="solid"/>
+              <a:round/>
+              <a:headEnd type="none" w="med" len="med"/>
+              <a:tailEnd type="none" w="med" len="med"/>
+            </a:ln>
+            <a:effectLst/>
+          </p:spPr>
+        </p:cxnSp>
+        <p:cxnSp>
+          <p:nvCxnSpPr>
+            <p:cNvPr id="70" name="Straight Connector 69">
+              <a:extLst>
+                <a:ext uri="{FF2B5EF4-FFF2-40B4-BE49-F238E27FC236}">
+                  <a16:creationId xmlns:a16="http://schemas.microsoft.com/office/drawing/2014/main" id="{0D4D96DD-5B5B-CA49-AF59-D865E93B0FC9}"/>
+                </a:ext>
+              </a:extLst>
+            </p:cNvPr>
+            <p:cNvCxnSpPr/>
+            <p:nvPr/>
+          </p:nvCxnSpPr>
+          <p:spPr bwMode="auto">
+            <a:xfrm>
+              <a:off x="3870997" y="3499563"/>
+              <a:ext cx="694898" cy="663289"/>
+            </a:xfrm>
+            <a:prstGeom prst="line">
+              <a:avLst/>
+            </a:prstGeom>
+            <a:solidFill>
+              <a:schemeClr val="accent1"/>
+            </a:solidFill>
+            <a:ln w="28575" cap="flat" cmpd="sng" algn="ctr">
+              <a:solidFill>
+                <a:schemeClr val="tx1"/>
+              </a:solidFill>
+              <a:prstDash val="solid"/>
+              <a:round/>
+              <a:headEnd type="none" w="med" len="med"/>
+              <a:tailEnd type="none" w="med" len="med"/>
+            </a:ln>
+            <a:effectLst/>
+          </p:spPr>
+        </p:cxnSp>
+        <p:cxnSp>
+          <p:nvCxnSpPr>
+            <p:cNvPr id="71" name="Straight Connector 70">
+              <a:extLst>
+                <a:ext uri="{FF2B5EF4-FFF2-40B4-BE49-F238E27FC236}">
+                  <a16:creationId xmlns:a16="http://schemas.microsoft.com/office/drawing/2014/main" id="{74922251-032B-7F4E-873E-5439ABE31A68}"/>
+                </a:ext>
+              </a:extLst>
+            </p:cNvPr>
+            <p:cNvCxnSpPr>
+              <a:stCxn id="63" idx="2"/>
+              <a:endCxn id="65" idx="6"/>
+            </p:cNvCxnSpPr>
+            <p:nvPr/>
+          </p:nvCxnSpPr>
+          <p:spPr bwMode="auto">
+            <a:xfrm flipV="1">
+              <a:off x="4687377" y="4179298"/>
+              <a:ext cx="612600" cy="19879"/>
+            </a:xfrm>
+            <a:prstGeom prst="line">
+              <a:avLst/>
+            </a:prstGeom>
+            <a:solidFill>
+              <a:schemeClr val="accent1"/>
+            </a:solidFill>
+            <a:ln w="28575" cap="flat" cmpd="sng" algn="ctr">
+              <a:solidFill>
+                <a:schemeClr val="tx1"/>
+              </a:solidFill>
+              <a:prstDash val="solid"/>
+              <a:round/>
+              <a:headEnd type="none" w="med" len="med"/>
+              <a:tailEnd type="none" w="med" len="med"/>
+            </a:ln>
+            <a:effectLst/>
+          </p:spPr>
+        </p:cxnSp>
+        <p:cxnSp>
+          <p:nvCxnSpPr>
+            <p:cNvPr id="72" name="Straight Connector 71">
+              <a:extLst>
+                <a:ext uri="{FF2B5EF4-FFF2-40B4-BE49-F238E27FC236}">
+                  <a16:creationId xmlns:a16="http://schemas.microsoft.com/office/drawing/2014/main" id="{E4D86D5C-197F-6A41-8E72-600F36DD0EF6}"/>
+                </a:ext>
+              </a:extLst>
+            </p:cNvPr>
+            <p:cNvCxnSpPr>
+              <a:stCxn id="63" idx="0"/>
+              <a:endCxn id="62" idx="4"/>
+            </p:cNvCxnSpPr>
+            <p:nvPr/>
+          </p:nvCxnSpPr>
+          <p:spPr bwMode="auto">
+            <a:xfrm rot="10800000" flipV="1">
+              <a:off x="4612141" y="4274413"/>
+              <a:ext cx="0" cy="1101860"/>
+            </a:xfrm>
+            <a:prstGeom prst="line">
+              <a:avLst/>
+            </a:prstGeom>
+            <a:solidFill>
+              <a:schemeClr val="accent1"/>
+            </a:solidFill>
+            <a:ln w="31750" cap="flat" cmpd="sng" algn="ctr">
+              <a:solidFill>
+                <a:schemeClr val="tx1"/>
+              </a:solidFill>
+              <a:prstDash val="solid"/>
+              <a:round/>
+              <a:headEnd type="none" w="med" len="med"/>
+              <a:tailEnd type="none" w="med" len="med"/>
+            </a:ln>
+            <a:effectLst/>
+          </p:spPr>
+        </p:cxnSp>
+        <p:cxnSp>
+          <p:nvCxnSpPr>
+            <p:cNvPr id="73" name="Straight Connector 72">
+              <a:extLst>
+                <a:ext uri="{FF2B5EF4-FFF2-40B4-BE49-F238E27FC236}">
+                  <a16:creationId xmlns:a16="http://schemas.microsoft.com/office/drawing/2014/main" id="{36AB2ACE-4D52-B543-8467-5BA30FF2F922}"/>
+                </a:ext>
+              </a:extLst>
+            </p:cNvPr>
+            <p:cNvCxnSpPr>
+              <a:stCxn id="66" idx="2"/>
+            </p:cNvCxnSpPr>
+            <p:nvPr/>
+          </p:nvCxnSpPr>
+          <p:spPr bwMode="auto">
+            <a:xfrm rot="10800000" flipH="1">
+              <a:off x="3919824" y="3437388"/>
+              <a:ext cx="617082" cy="8975"/>
+            </a:xfrm>
+            <a:prstGeom prst="line">
+              <a:avLst/>
+            </a:prstGeom>
+            <a:solidFill>
+              <a:schemeClr val="accent1"/>
+            </a:solidFill>
+            <a:ln w="28575" cap="flat" cmpd="sng" algn="ctr">
+              <a:solidFill>
+                <a:schemeClr val="tx1"/>
+              </a:solidFill>
+              <a:prstDash val="solid"/>
+              <a:round/>
+              <a:headEnd type="none" w="med" len="med"/>
+              <a:tailEnd type="none" w="med" len="med"/>
+            </a:ln>
+            <a:effectLst/>
+          </p:spPr>
+        </p:cxnSp>
+        <p:cxnSp>
+          <p:nvCxnSpPr>
+            <p:cNvPr id="74" name="Straight Connector 73">
+              <a:extLst>
+                <a:ext uri="{FF2B5EF4-FFF2-40B4-BE49-F238E27FC236}">
+                  <a16:creationId xmlns:a16="http://schemas.microsoft.com/office/drawing/2014/main" id="{E4AC14D7-BE9C-154D-A57B-C2A3669ADED8}"/>
+                </a:ext>
+              </a:extLst>
+            </p:cNvPr>
+            <p:cNvCxnSpPr>
+              <a:stCxn id="65" idx="7"/>
+              <a:endCxn id="62" idx="3"/>
+            </p:cNvCxnSpPr>
+            <p:nvPr/>
+          </p:nvCxnSpPr>
+          <p:spPr bwMode="auto">
+            <a:xfrm rot="10800000" flipV="1">
+              <a:off x="4665341" y="4232498"/>
+              <a:ext cx="656672" cy="1165811"/>
+            </a:xfrm>
+            <a:prstGeom prst="line">
+              <a:avLst/>
+            </a:prstGeom>
+            <a:solidFill>
+              <a:schemeClr val="accent1"/>
+            </a:solidFill>
+            <a:ln w="28575" cap="flat" cmpd="sng" algn="ctr">
+              <a:solidFill>
+                <a:schemeClr val="tx1"/>
+              </a:solidFill>
+              <a:prstDash val="solid"/>
+              <a:round/>
+              <a:headEnd type="none" w="med" len="med"/>
+              <a:tailEnd type="none" w="med" len="med"/>
+            </a:ln>
+            <a:effectLst/>
+          </p:spPr>
+        </p:cxnSp>
+        <p:sp>
+          <p:nvSpPr>
+            <p:cNvPr id="76" name="Oval 75">
+              <a:extLst>
+                <a:ext uri="{FF2B5EF4-FFF2-40B4-BE49-F238E27FC236}">
+                  <a16:creationId xmlns:a16="http://schemas.microsoft.com/office/drawing/2014/main" id="{23027602-ED84-1E44-B68F-A53B5E20805C}"/>
+                </a:ext>
+              </a:extLst>
+            </p:cNvPr>
+            <p:cNvSpPr/>
+            <p:nvPr/>
+          </p:nvSpPr>
+          <p:spPr bwMode="auto">
+            <a:xfrm rot="5400000">
+              <a:off x="6562142" y="3353179"/>
+              <a:ext cx="150471" cy="150471"/>
+            </a:xfrm>
+            <a:prstGeom prst="ellipse">
+              <a:avLst/>
+            </a:prstGeom>
+            <a:noFill/>
+            <a:ln w="19050" cap="flat" cmpd="sng" algn="ctr">
+              <a:solidFill>
+                <a:schemeClr val="tx1"/>
+              </a:solidFill>
+              <a:prstDash val="solid"/>
+              <a:round/>
+              <a:headEnd type="none" w="med" len="med"/>
+              <a:tailEnd type="none" w="med" len="med"/>
+            </a:ln>
+            <a:effectLst/>
+          </p:spPr>
+          <p:txBody>
+            <a:bodyPr vert="horz" wrap="none" lIns="91440" tIns="45720" rIns="91440" bIns="45720" numCol="1" rtlCol="0" anchor="ctr" anchorCtr="0" compatLnSpc="1">
+              <a:prstTxWarp prst="textNoShape">
+                <a:avLst/>
+              </a:prstTxWarp>
+            </a:bodyPr>
+            <a:lstStyle/>
+            <a:p>
+              <a:pPr marL="0" marR="0" indent="0" algn="ctr" defTabSz="914400" rtl="0" eaLnBrk="1" fontAlgn="base" latinLnBrk="0" hangingPunct="1">
+                <a:lnSpc>
+                  <a:spcPct val="100000"/>
+                </a:lnSpc>
+                <a:spcBef>
+                  <a:spcPct val="0"/>
+                </a:spcBef>
+                <a:spcAft>
+                  <a:spcPct val="0"/>
+                </a:spcAft>
+                <a:buClrTx/>
+                <a:buSzTx/>
+                <a:buFontTx/>
+                <a:buNone/>
+                <a:tabLst/>
+              </a:pPr>
+              <a:endParaRPr kumimoji="0" lang="en-US" sz="3200" b="0" i="0" u="none" strike="noStrike" cap="none" normalizeH="0" baseline="0">
+                <a:ln>
+                  <a:noFill/>
+                </a:ln>
+                <a:solidFill>
+                  <a:schemeClr val="tx1"/>
+                </a:solidFill>
+                <a:effectLst/>
+                <a:latin typeface="Times New Roman" pitchFamily="18" charset="0"/>
+              </a:endParaRPr>
+            </a:p>
+          </p:txBody>
+        </p:sp>
+        <p:sp>
+          <p:nvSpPr>
+            <p:cNvPr id="79" name="Oval 78">
+              <a:extLst>
+                <a:ext uri="{FF2B5EF4-FFF2-40B4-BE49-F238E27FC236}">
+                  <a16:creationId xmlns:a16="http://schemas.microsoft.com/office/drawing/2014/main" id="{009124D7-B937-044A-87AD-896023111F52}"/>
+                </a:ext>
+              </a:extLst>
+            </p:cNvPr>
+            <p:cNvSpPr/>
+            <p:nvPr/>
+          </p:nvSpPr>
+          <p:spPr bwMode="auto">
+            <a:xfrm rot="5400000">
+              <a:off x="5289932" y="2590108"/>
+              <a:ext cx="150471" cy="150471"/>
+            </a:xfrm>
+            <a:prstGeom prst="ellipse">
+              <a:avLst/>
+            </a:prstGeom>
+            <a:noFill/>
+            <a:ln w="19050" cap="flat" cmpd="sng" algn="ctr">
+              <a:solidFill>
+                <a:schemeClr val="tx1"/>
+              </a:solidFill>
+              <a:prstDash val="solid"/>
+              <a:round/>
+              <a:headEnd type="none" w="med" len="med"/>
+              <a:tailEnd type="none" w="med" len="med"/>
+            </a:ln>
+            <a:effectLst/>
+          </p:spPr>
+          <p:txBody>
+            <a:bodyPr vert="horz" wrap="none" lIns="91440" tIns="45720" rIns="91440" bIns="45720" numCol="1" rtlCol="0" anchor="ctr" anchorCtr="0" compatLnSpc="1">
+              <a:prstTxWarp prst="textNoShape">
+                <a:avLst/>
+              </a:prstTxWarp>
+            </a:bodyPr>
+            <a:lstStyle/>
+            <a:p>
+              <a:pPr marL="0" marR="0" indent="0" algn="ctr" defTabSz="914400" rtl="0" eaLnBrk="1" fontAlgn="base" latinLnBrk="0" hangingPunct="1">
+                <a:lnSpc>
+                  <a:spcPct val="100000"/>
+                </a:lnSpc>
+                <a:spcBef>
+                  <a:spcPct val="0"/>
+                </a:spcBef>
+                <a:spcAft>
+                  <a:spcPct val="0"/>
+                </a:spcAft>
+                <a:buClrTx/>
+                <a:buSzTx/>
+                <a:buFontTx/>
+                <a:buNone/>
+                <a:tabLst/>
+              </a:pPr>
+              <a:endParaRPr kumimoji="0" lang="en-US" sz="3200" b="0" i="0" u="none" strike="noStrike" cap="none" normalizeH="0" baseline="0">
+                <a:ln>
+                  <a:noFill/>
+                </a:ln>
+                <a:solidFill>
+                  <a:schemeClr val="tx1"/>
+                </a:solidFill>
+                <a:effectLst/>
+                <a:latin typeface="Times New Roman" pitchFamily="18" charset="0"/>
+              </a:endParaRPr>
+            </a:p>
+          </p:txBody>
+        </p:sp>
+        <p:cxnSp>
+          <p:nvCxnSpPr>
+            <p:cNvPr id="83" name="Straight Connector 82">
+              <a:extLst>
+                <a:ext uri="{FF2B5EF4-FFF2-40B4-BE49-F238E27FC236}">
+                  <a16:creationId xmlns:a16="http://schemas.microsoft.com/office/drawing/2014/main" id="{FD3264C6-EE68-9947-864B-B2C9B6456510}"/>
+                </a:ext>
+              </a:extLst>
+            </p:cNvPr>
+            <p:cNvCxnSpPr>
+              <a:stCxn id="65" idx="2"/>
+              <a:endCxn id="76" idx="5"/>
+            </p:cNvCxnSpPr>
+            <p:nvPr/>
+          </p:nvCxnSpPr>
+          <p:spPr bwMode="auto">
+            <a:xfrm flipV="1">
+              <a:off x="5450448" y="3481614"/>
+              <a:ext cx="1133730" cy="697684"/>
+            </a:xfrm>
+            <a:prstGeom prst="line">
+              <a:avLst/>
+            </a:prstGeom>
+            <a:solidFill>
+              <a:schemeClr val="accent1"/>
+            </a:solidFill>
+            <a:ln w="28575" cap="flat" cmpd="sng" algn="ctr">
+              <a:solidFill>
+                <a:schemeClr val="tx1"/>
+              </a:solidFill>
+              <a:prstDash val="solid"/>
+              <a:round/>
+              <a:headEnd type="none" w="med" len="med"/>
+              <a:tailEnd type="none" w="med" len="med"/>
+            </a:ln>
+            <a:effectLst/>
+          </p:spPr>
+        </p:cxnSp>
+        <p:cxnSp>
+          <p:nvCxnSpPr>
+            <p:cNvPr id="84" name="Straight Connector 83">
+              <a:extLst>
+                <a:ext uri="{FF2B5EF4-FFF2-40B4-BE49-F238E27FC236}">
+                  <a16:creationId xmlns:a16="http://schemas.microsoft.com/office/drawing/2014/main" id="{F80AF2CE-B576-0C44-B251-8ABA5DB57AC0}"/>
+                </a:ext>
+              </a:extLst>
+            </p:cNvPr>
+            <p:cNvCxnSpPr>
+              <a:stCxn id="63" idx="3"/>
+              <a:endCxn id="9" idx="3"/>
+            </p:cNvCxnSpPr>
+            <p:nvPr/>
+          </p:nvCxnSpPr>
+          <p:spPr bwMode="auto">
+            <a:xfrm flipV="1">
+              <a:off x="4665341" y="3486476"/>
+              <a:ext cx="625775" cy="659502"/>
+            </a:xfrm>
+            <a:prstGeom prst="line">
+              <a:avLst/>
+            </a:prstGeom>
+            <a:solidFill>
+              <a:schemeClr val="accent1"/>
+            </a:solidFill>
+            <a:ln w="28575" cap="flat" cmpd="sng" algn="ctr">
+              <a:solidFill>
+                <a:schemeClr val="tx1"/>
+              </a:solidFill>
+              <a:prstDash val="solid"/>
+              <a:round/>
+              <a:headEnd type="none" w="med" len="med"/>
+              <a:tailEnd type="none" w="med" len="med"/>
+            </a:ln>
+            <a:effectLst/>
+          </p:spPr>
+        </p:cxnSp>
+        <p:cxnSp>
+          <p:nvCxnSpPr>
+            <p:cNvPr id="86" name="Straight Connector 85">
+              <a:extLst>
+                <a:ext uri="{FF2B5EF4-FFF2-40B4-BE49-F238E27FC236}">
+                  <a16:creationId xmlns:a16="http://schemas.microsoft.com/office/drawing/2014/main" id="{32CE50F2-231D-BC42-9522-467077EBCEDD}"/>
+                </a:ext>
+              </a:extLst>
+            </p:cNvPr>
+            <p:cNvCxnSpPr>
+              <a:stCxn id="9" idx="6"/>
+              <a:endCxn id="76" idx="4"/>
+            </p:cNvCxnSpPr>
+            <p:nvPr/>
+          </p:nvCxnSpPr>
+          <p:spPr bwMode="auto">
+            <a:xfrm flipV="1">
+              <a:off x="5419551" y="3428415"/>
+              <a:ext cx="1142591" cy="4862"/>
+            </a:xfrm>
+            <a:prstGeom prst="line">
+              <a:avLst/>
+            </a:prstGeom>
+            <a:solidFill>
+              <a:schemeClr val="accent1"/>
+            </a:solidFill>
+            <a:ln w="31750" cap="flat" cmpd="sng" algn="ctr">
+              <a:solidFill>
+                <a:schemeClr val="tx1"/>
+              </a:solidFill>
+              <a:prstDash val="solid"/>
+              <a:round/>
+              <a:headEnd type="none" w="med" len="med"/>
+              <a:tailEnd type="none" w="med" len="med"/>
+            </a:ln>
+            <a:effectLst/>
+          </p:spPr>
+        </p:cxnSp>
+        <p:cxnSp>
+          <p:nvCxnSpPr>
+            <p:cNvPr id="87" name="Straight Connector 86">
+              <a:extLst>
+                <a:ext uri="{FF2B5EF4-FFF2-40B4-BE49-F238E27FC236}">
+                  <a16:creationId xmlns:a16="http://schemas.microsoft.com/office/drawing/2014/main" id="{B902E147-99C3-6346-AE49-228D71F68743}"/>
+                </a:ext>
+              </a:extLst>
+            </p:cNvPr>
+            <p:cNvCxnSpPr>
+              <a:stCxn id="63" idx="4"/>
+            </p:cNvCxnSpPr>
+            <p:nvPr/>
+          </p:nvCxnSpPr>
+          <p:spPr bwMode="auto">
+            <a:xfrm flipV="1">
+              <a:off x="4612141" y="3503651"/>
+              <a:ext cx="11117" cy="620291"/>
+            </a:xfrm>
+            <a:prstGeom prst="line">
+              <a:avLst/>
+            </a:prstGeom>
+            <a:solidFill>
+              <a:schemeClr val="accent1"/>
+            </a:solidFill>
+            <a:ln w="28575" cap="flat" cmpd="sng" algn="ctr">
+              <a:solidFill>
+                <a:schemeClr val="tx1"/>
+              </a:solidFill>
+              <a:prstDash val="solid"/>
+              <a:round/>
+              <a:headEnd type="none" w="med" len="med"/>
+              <a:tailEnd type="none" w="med" len="med"/>
+            </a:ln>
+            <a:effectLst/>
+          </p:spPr>
+        </p:cxnSp>
+        <p:cxnSp>
+          <p:nvCxnSpPr>
+            <p:cNvPr id="88" name="Straight Connector 87">
+              <a:extLst>
+                <a:ext uri="{FF2B5EF4-FFF2-40B4-BE49-F238E27FC236}">
+                  <a16:creationId xmlns:a16="http://schemas.microsoft.com/office/drawing/2014/main" id="{4C04B310-9C58-2044-AE04-46230D40BB07}"/>
+                </a:ext>
+              </a:extLst>
+            </p:cNvPr>
+            <p:cNvCxnSpPr>
+              <a:stCxn id="79" idx="7"/>
+              <a:endCxn id="76" idx="3"/>
+            </p:cNvCxnSpPr>
+            <p:nvPr/>
+          </p:nvCxnSpPr>
+          <p:spPr bwMode="auto">
+            <a:xfrm rot="5400000" flipV="1">
+              <a:off x="5672937" y="2463974"/>
+              <a:ext cx="656672" cy="1165811"/>
+            </a:xfrm>
+            <a:prstGeom prst="line">
+              <a:avLst/>
+            </a:prstGeom>
+            <a:solidFill>
+              <a:schemeClr val="accent1"/>
+            </a:solidFill>
+            <a:ln w="28575" cap="flat" cmpd="sng" algn="ctr">
+              <a:solidFill>
+                <a:schemeClr val="tx1"/>
+              </a:solidFill>
+              <a:prstDash val="solid"/>
+              <a:round/>
+              <a:headEnd type="none" w="med" len="med"/>
+              <a:tailEnd type="none" w="med" len="med"/>
+            </a:ln>
+            <a:effectLst/>
+          </p:spPr>
+        </p:cxnSp>
+      </p:grpSp>
+    </p:spTree>
+    <p:extLst>
+      <p:ext uri="{BB962C8B-B14F-4D97-AF65-F5344CB8AC3E}">
+        <p14:creationId xmlns:p14="http://schemas.microsoft.com/office/powerpoint/2010/main" val="3877566691"/>
+      </p:ext>
+    </p:extLst>
+  </p:cSld>
+  <p:clrMapOvr>
+    <a:masterClrMapping/>
+  </p:clrMapOvr>
+  <p:transition spd="slow" advClick="0">
+    <p:fade/>
+  </p:transition>
+</p:sld>
+</file>
+
 <file path=ppt/tags/tag1.xml><?xml version="1.0" encoding="utf-8"?>
 <p:tagLst xmlns:a="http://schemas.openxmlformats.org/drawingml/2006/main" xmlns:r="http://schemas.openxmlformats.org/officeDocument/2006/relationships" xmlns:p="http://schemas.openxmlformats.org/presentationml/2006/main">
   <p:tag name="USEAMSFONTS" val="False"/>

--- a/spring18/slidesS18/paterson-crossover.pptx
+++ b/spring18/slidesS18/paterson-crossover.pptx
@@ -3,25 +3,24 @@
 <p:presentation xmlns:a="http://schemas.openxmlformats.org/drawingml/2006/main" xmlns:r="http://schemas.openxmlformats.org/officeDocument/2006/relationships" xmlns:p="http://schemas.openxmlformats.org/presentationml/2006/main" saveSubsetFonts="1">
   <p:sldMasterIdLst>
     <p:sldMasterId id="2147483650" r:id="rId1"/>
-    <p:sldMasterId id="2147483651" r:id="rId2"/>
   </p:sldMasterIdLst>
   <p:notesMasterIdLst>
-    <p:notesMasterId r:id="rId8"/>
+    <p:notesMasterId r:id="rId7"/>
   </p:notesMasterIdLst>
   <p:handoutMasterIdLst>
-    <p:handoutMasterId r:id="rId9"/>
+    <p:handoutMasterId r:id="rId8"/>
   </p:handoutMasterIdLst>
   <p:sldIdLst>
-    <p:sldId id="392" r:id="rId3"/>
-    <p:sldId id="448" r:id="rId4"/>
-    <p:sldId id="449" r:id="rId5"/>
-    <p:sldId id="450" r:id="rId6"/>
-    <p:sldId id="451" r:id="rId7"/>
+    <p:sldId id="392" r:id="rId2"/>
+    <p:sldId id="448" r:id="rId3"/>
+    <p:sldId id="449" r:id="rId4"/>
+    <p:sldId id="452" r:id="rId5"/>
+    <p:sldId id="453" r:id="rId6"/>
   </p:sldIdLst>
   <p:sldSz cx="9144000" cy="6858000" type="screen4x3"/>
   <p:notesSz cx="7315200" cy="9601200"/>
   <p:custDataLst>
-    <p:tags r:id="rId10"/>
+    <p:tags r:id="rId9"/>
   </p:custDataLst>
   <p:defaultTextStyle>
     <a:defPPr>
@@ -1215,7 +1214,7 @@
     </p:spTree>
     <p:extLst>
       <p:ext uri="{BB962C8B-B14F-4D97-AF65-F5344CB8AC3E}">
-        <p14:creationId xmlns:p14="http://schemas.microsoft.com/office/powerpoint/2010/main" val="2642764126"/>
+        <p14:creationId xmlns:p14="http://schemas.microsoft.com/office/powerpoint/2010/main" val="3541879700"/>
       </p:ext>
     </p:extLst>
   </p:cSld>
@@ -1305,7 +1304,7 @@
     </p:spTree>
     <p:extLst>
       <p:ext uri="{BB962C8B-B14F-4D97-AF65-F5344CB8AC3E}">
-        <p14:creationId xmlns:p14="http://schemas.microsoft.com/office/powerpoint/2010/main" val="147799706"/>
+        <p14:creationId xmlns:p14="http://schemas.microsoft.com/office/powerpoint/2010/main" val="1238246302"/>
       </p:ext>
     </p:extLst>
   </p:cSld>
@@ -1435,8 +1434,8 @@
         </p:nvSpPr>
         <p:spPr>
           <a:xfrm>
-            <a:off x="7142361" y="6553201"/>
-            <a:ext cx="2001645" cy="276999"/>
+            <a:off x="8007156" y="6553201"/>
+            <a:ext cx="1136850" cy="276999"/>
           </a:xfrm>
           <a:prstGeom prst="rect">
             <a:avLst/>
@@ -1455,831 +1454,14 @@
               <a:defRPr/>
             </a:pPr>
             <a:r>
+              <a:rPr lang="en-US" dirty="0" err="1"/>
+              <a:t>paterson</a:t>
+            </a:r>
+            <a:r>
               <a:rPr lang="en-US" dirty="0"/>
-              <a:t>propositional algebra..</a:t>
+              <a:t>..</a:t>
             </a:r>
             <a:fld id="{C3C9801B-391E-452B-A4C3-BC5EC51A0BC7}" type="slidenum">
-              <a:rPr lang="en-US" smtClean="0"/>
-              <a:pPr>
-                <a:defRPr/>
-              </a:pPr>
-              <a:t>‹#›</a:t>
-            </a:fld>
-            <a:endParaRPr lang="en-US" dirty="0"/>
-          </a:p>
-        </p:txBody>
-      </p:sp>
-    </p:spTree>
-  </p:cSld>
-  <p:clrMapOvr>
-    <a:masterClrMapping/>
-  </p:clrMapOvr>
-  <p:transition spd="slow" advClick="0">
-    <p:fade/>
-  </p:transition>
-</p:sldLayout>
-</file>
-
-<file path=ppt/slideLayouts/slideLayout10.xml><?xml version="1.0" encoding="utf-8"?>
-<p:sldLayout xmlns:a="http://schemas.openxmlformats.org/drawingml/2006/main" xmlns:r="http://schemas.openxmlformats.org/officeDocument/2006/relationships" xmlns:p="http://schemas.openxmlformats.org/presentationml/2006/main" type="obj" preserve="1">
-  <p:cSld name="Title and Content">
-    <p:spTree>
-      <p:nvGrpSpPr>
-        <p:cNvPr id="1" name=""/>
-        <p:cNvGrpSpPr/>
-        <p:nvPr/>
-      </p:nvGrpSpPr>
-      <p:grpSpPr>
-        <a:xfrm>
-          <a:off x="0" y="0"/>
-          <a:ext cx="0" cy="0"/>
-          <a:chOff x="0" y="0"/>
-          <a:chExt cx="0" cy="0"/>
-        </a:xfrm>
-      </p:grpSpPr>
-      <p:sp>
-        <p:nvSpPr>
-          <p:cNvPr id="2" name="Title 1"/>
-          <p:cNvSpPr>
-            <a:spLocks noGrp="1"/>
-          </p:cNvSpPr>
-          <p:nvPr>
-            <p:ph type="title"/>
-          </p:nvPr>
-        </p:nvSpPr>
-        <p:spPr/>
-        <p:txBody>
-          <a:bodyPr/>
-          <a:lstStyle>
-            <a:lvl1pPr>
-              <a:defRPr sz="3600"/>
-            </a:lvl1pPr>
-          </a:lstStyle>
-          <a:p>
-            <a:r>
-              <a:rPr lang="en-US" dirty="0"/>
-              <a:t>Click to edit Master title style</a:t>
-            </a:r>
-          </a:p>
-        </p:txBody>
-      </p:sp>
-      <p:sp>
-        <p:nvSpPr>
-          <p:cNvPr id="3" name="Content Placeholder 2"/>
-          <p:cNvSpPr>
-            <a:spLocks noGrp="1"/>
-          </p:cNvSpPr>
-          <p:nvPr>
-            <p:ph idx="1"/>
-          </p:nvPr>
-        </p:nvSpPr>
-        <p:spPr/>
-        <p:txBody>
-          <a:bodyPr/>
-          <a:lstStyle>
-            <a:lvl1pPr>
-              <a:buNone/>
-              <a:defRPr>
-                <a:latin typeface="Comic Sans MS" pitchFamily="66" charset="0"/>
-              </a:defRPr>
-            </a:lvl1pPr>
-          </a:lstStyle>
-          <a:p>
-            <a:pPr lvl="0"/>
-            <a:r>
-              <a:rPr lang="en-US" dirty="0"/>
-              <a:t>Click to edit Master text styles</a:t>
-            </a:r>
-          </a:p>
-        </p:txBody>
-      </p:sp>
-      <p:sp>
-        <p:nvSpPr>
-          <p:cNvPr id="4" name="Rectangle 4"/>
-          <p:cNvSpPr>
-            <a:spLocks noGrp="1" noChangeArrowheads="1"/>
-          </p:cNvSpPr>
-          <p:nvPr>
-            <p:ph type="sldNum" sz="quarter" idx="10"/>
-          </p:nvPr>
-        </p:nvSpPr>
-        <p:spPr>
-          <a:ln/>
-        </p:spPr>
-        <p:txBody>
-          <a:bodyPr/>
-          <a:lstStyle>
-            <a:lvl1pPr>
-              <a:defRPr/>
-            </a:lvl1pPr>
-          </a:lstStyle>
-          <a:p>
-            <a:pPr>
-              <a:defRPr/>
-            </a:pPr>
-            <a:r>
-              <a:rPr lang="en-US" dirty="0"/>
-              <a:t>propositional algebra.</a:t>
-            </a:r>
-            <a:fld id="{19F24CE2-1F4B-4512-B5C9-C4086662BBB7}" type="slidenum">
-              <a:rPr lang="en-US" smtClean="0"/>
-              <a:pPr>
-                <a:defRPr/>
-              </a:pPr>
-              <a:t>‹#›</a:t>
-            </a:fld>
-            <a:endParaRPr lang="en-US" dirty="0"/>
-          </a:p>
-        </p:txBody>
-      </p:sp>
-    </p:spTree>
-  </p:cSld>
-  <p:clrMapOvr>
-    <a:masterClrMapping/>
-  </p:clrMapOvr>
-  <p:transition spd="slow" advClick="0">
-    <p:fade/>
-  </p:transition>
-</p:sldLayout>
-</file>
-
-<file path=ppt/slideLayouts/slideLayout11.xml><?xml version="1.0" encoding="utf-8"?>
-<p:sldLayout xmlns:a="http://schemas.openxmlformats.org/drawingml/2006/main" xmlns:r="http://schemas.openxmlformats.org/officeDocument/2006/relationships" xmlns:p="http://schemas.openxmlformats.org/presentationml/2006/main" type="secHead" preserve="1">
-  <p:cSld name="Section Header">
-    <p:spTree>
-      <p:nvGrpSpPr>
-        <p:cNvPr id="1" name=""/>
-        <p:cNvGrpSpPr/>
-        <p:nvPr/>
-      </p:nvGrpSpPr>
-      <p:grpSpPr>
-        <a:xfrm>
-          <a:off x="0" y="0"/>
-          <a:ext cx="0" cy="0"/>
-          <a:chOff x="0" y="0"/>
-          <a:chExt cx="0" cy="0"/>
-        </a:xfrm>
-      </p:grpSpPr>
-      <p:sp>
-        <p:nvSpPr>
-          <p:cNvPr id="2" name="Title 1"/>
-          <p:cNvSpPr>
-            <a:spLocks noGrp="1"/>
-          </p:cNvSpPr>
-          <p:nvPr>
-            <p:ph type="title"/>
-          </p:nvPr>
-        </p:nvSpPr>
-        <p:spPr>
-          <a:xfrm>
-            <a:off x="722313" y="4406900"/>
-            <a:ext cx="7772400" cy="1362075"/>
-          </a:xfrm>
-        </p:spPr>
-        <p:txBody>
-          <a:bodyPr anchor="t"/>
-          <a:lstStyle>
-            <a:lvl1pPr algn="l">
-              <a:defRPr sz="4000" b="1" cap="all"/>
-            </a:lvl1pPr>
-          </a:lstStyle>
-          <a:p>
-            <a:r>
-              <a:rPr lang="en-US"/>
-              <a:t>Click to edit Master title style</a:t>
-            </a:r>
-          </a:p>
-        </p:txBody>
-      </p:sp>
-      <p:sp>
-        <p:nvSpPr>
-          <p:cNvPr id="3" name="Text Placeholder 2"/>
-          <p:cNvSpPr>
-            <a:spLocks noGrp="1"/>
-          </p:cNvSpPr>
-          <p:nvPr>
-            <p:ph type="body" idx="1"/>
-          </p:nvPr>
-        </p:nvSpPr>
-        <p:spPr>
-          <a:xfrm>
-            <a:off x="722313" y="2906714"/>
-            <a:ext cx="7772400" cy="1500187"/>
-          </a:xfrm>
-        </p:spPr>
-        <p:txBody>
-          <a:bodyPr anchor="b"/>
-          <a:lstStyle>
-            <a:lvl1pPr marL="0" indent="0">
-              <a:buNone/>
-              <a:defRPr sz="2000"/>
-            </a:lvl1pPr>
-            <a:lvl2pPr marL="457200" indent="0">
-              <a:buNone/>
-              <a:defRPr sz="1800"/>
-            </a:lvl2pPr>
-            <a:lvl3pPr marL="914400" indent="0">
-              <a:buNone/>
-              <a:defRPr sz="1600"/>
-            </a:lvl3pPr>
-            <a:lvl4pPr marL="1371600" indent="0">
-              <a:buNone/>
-              <a:defRPr sz="1400"/>
-            </a:lvl4pPr>
-            <a:lvl5pPr marL="1828800" indent="0">
-              <a:buNone/>
-              <a:defRPr sz="1400"/>
-            </a:lvl5pPr>
-            <a:lvl6pPr marL="2286000" indent="0">
-              <a:buNone/>
-              <a:defRPr sz="1400"/>
-            </a:lvl6pPr>
-            <a:lvl7pPr marL="2743200" indent="0">
-              <a:buNone/>
-              <a:defRPr sz="1400"/>
-            </a:lvl7pPr>
-            <a:lvl8pPr marL="3200400" indent="0">
-              <a:buNone/>
-              <a:defRPr sz="1400"/>
-            </a:lvl8pPr>
-            <a:lvl9pPr marL="3657600" indent="0">
-              <a:buNone/>
-              <a:defRPr sz="1400"/>
-            </a:lvl9pPr>
-          </a:lstStyle>
-          <a:p>
-            <a:pPr lvl="0"/>
-            <a:r>
-              <a:rPr lang="en-US"/>
-              <a:t>Click to edit Master text styles</a:t>
-            </a:r>
-          </a:p>
-        </p:txBody>
-      </p:sp>
-      <p:sp>
-        <p:nvSpPr>
-          <p:cNvPr id="4" name="Rectangle 4"/>
-          <p:cNvSpPr>
-            <a:spLocks noGrp="1" noChangeArrowheads="1"/>
-          </p:cNvSpPr>
-          <p:nvPr>
-            <p:ph type="sldNum" sz="quarter" idx="10"/>
-          </p:nvPr>
-        </p:nvSpPr>
-        <p:spPr>
-          <a:ln/>
-        </p:spPr>
-        <p:txBody>
-          <a:bodyPr/>
-          <a:lstStyle>
-            <a:lvl1pPr>
-              <a:defRPr/>
-            </a:lvl1pPr>
-          </a:lstStyle>
-          <a:p>
-            <a:pPr>
-              <a:defRPr/>
-            </a:pPr>
-            <a:r>
-              <a:rPr lang="en-US" dirty="0"/>
-              <a:t>propositional algebra.</a:t>
-            </a:r>
-            <a:fld id="{37824D00-345F-4FD0-936A-71B5AC18468B}" type="slidenum">
-              <a:rPr lang="en-US" smtClean="0"/>
-              <a:pPr>
-                <a:defRPr/>
-              </a:pPr>
-              <a:t>‹#›</a:t>
-            </a:fld>
-            <a:endParaRPr lang="en-US" dirty="0"/>
-          </a:p>
-        </p:txBody>
-      </p:sp>
-    </p:spTree>
-  </p:cSld>
-  <p:clrMapOvr>
-    <a:masterClrMapping/>
-  </p:clrMapOvr>
-  <p:transition spd="slow" advClick="0">
-    <p:fade/>
-  </p:transition>
-</p:sldLayout>
-</file>
-
-<file path=ppt/slideLayouts/slideLayout12.xml><?xml version="1.0" encoding="utf-8"?>
-<p:sldLayout xmlns:a="http://schemas.openxmlformats.org/drawingml/2006/main" xmlns:r="http://schemas.openxmlformats.org/officeDocument/2006/relationships" xmlns:p="http://schemas.openxmlformats.org/presentationml/2006/main" type="titleOnly" preserve="1">
-  <p:cSld name="Title Only">
-    <p:spTree>
-      <p:nvGrpSpPr>
-        <p:cNvPr id="1" name=""/>
-        <p:cNvGrpSpPr/>
-        <p:nvPr/>
-      </p:nvGrpSpPr>
-      <p:grpSpPr>
-        <a:xfrm>
-          <a:off x="0" y="0"/>
-          <a:ext cx="0" cy="0"/>
-          <a:chOff x="0" y="0"/>
-          <a:chExt cx="0" cy="0"/>
-        </a:xfrm>
-      </p:grpSpPr>
-      <p:sp>
-        <p:nvSpPr>
-          <p:cNvPr id="2" name="Title 1"/>
-          <p:cNvSpPr>
-            <a:spLocks noGrp="1"/>
-          </p:cNvSpPr>
-          <p:nvPr>
-            <p:ph type="title"/>
-          </p:nvPr>
-        </p:nvSpPr>
-        <p:spPr/>
-        <p:txBody>
-          <a:bodyPr/>
-          <a:lstStyle>
-            <a:lvl1pPr>
-              <a:defRPr sz="3600"/>
-            </a:lvl1pPr>
-          </a:lstStyle>
-          <a:p>
-            <a:r>
-              <a:rPr lang="en-US" dirty="0"/>
-              <a:t>Click to edit Master title style</a:t>
-            </a:r>
-          </a:p>
-        </p:txBody>
-      </p:sp>
-      <p:sp>
-        <p:nvSpPr>
-          <p:cNvPr id="3" name="Rectangle 4"/>
-          <p:cNvSpPr>
-            <a:spLocks noGrp="1" noChangeArrowheads="1"/>
-          </p:cNvSpPr>
-          <p:nvPr>
-            <p:ph type="sldNum" sz="quarter" idx="10"/>
-          </p:nvPr>
-        </p:nvSpPr>
-        <p:spPr>
-          <a:ln/>
-        </p:spPr>
-        <p:txBody>
-          <a:bodyPr/>
-          <a:lstStyle>
-            <a:lvl1pPr>
-              <a:defRPr/>
-            </a:lvl1pPr>
-          </a:lstStyle>
-          <a:p>
-            <a:pPr>
-              <a:defRPr/>
-            </a:pPr>
-            <a:r>
-              <a:rPr lang="en-US" dirty="0"/>
-              <a:t>propositional algebra.</a:t>
-            </a:r>
-            <a:fld id="{C1105D0F-4076-4DA8-8BBA-221619D9A970}" type="slidenum">
-              <a:rPr lang="en-US" smtClean="0"/>
-              <a:pPr>
-                <a:defRPr/>
-              </a:pPr>
-              <a:t>‹#›</a:t>
-            </a:fld>
-            <a:endParaRPr lang="en-US" dirty="0"/>
-          </a:p>
-        </p:txBody>
-      </p:sp>
-    </p:spTree>
-  </p:cSld>
-  <p:clrMapOvr>
-    <a:masterClrMapping/>
-  </p:clrMapOvr>
-  <p:transition spd="slow" advClick="0">
-    <p:fade/>
-  </p:transition>
-</p:sldLayout>
-</file>
-
-<file path=ppt/slideLayouts/slideLayout13.xml><?xml version="1.0" encoding="utf-8"?>
-<p:sldLayout xmlns:a="http://schemas.openxmlformats.org/drawingml/2006/main" xmlns:r="http://schemas.openxmlformats.org/officeDocument/2006/relationships" xmlns:p="http://schemas.openxmlformats.org/presentationml/2006/main" type="blank" preserve="1">
-  <p:cSld name="Blank">
-    <p:spTree>
-      <p:nvGrpSpPr>
-        <p:cNvPr id="1" name=""/>
-        <p:cNvGrpSpPr/>
-        <p:nvPr/>
-      </p:nvGrpSpPr>
-      <p:grpSpPr>
-        <a:xfrm>
-          <a:off x="0" y="0"/>
-          <a:ext cx="0" cy="0"/>
-          <a:chOff x="0" y="0"/>
-          <a:chExt cx="0" cy="0"/>
-        </a:xfrm>
-      </p:grpSpPr>
-      <p:sp>
-        <p:nvSpPr>
-          <p:cNvPr id="2" name="Rectangle 4"/>
-          <p:cNvSpPr>
-            <a:spLocks noGrp="1" noChangeArrowheads="1"/>
-          </p:cNvSpPr>
-          <p:nvPr>
-            <p:ph type="sldNum" sz="quarter" idx="10"/>
-          </p:nvPr>
-        </p:nvSpPr>
-        <p:spPr>
-          <a:ln/>
-        </p:spPr>
-        <p:txBody>
-          <a:bodyPr/>
-          <a:lstStyle>
-            <a:lvl1pPr>
-              <a:defRPr/>
-            </a:lvl1pPr>
-          </a:lstStyle>
-          <a:p>
-            <a:pPr>
-              <a:defRPr/>
-            </a:pPr>
-            <a:r>
-              <a:rPr lang="en-US" dirty="0"/>
-              <a:t>propositional algebra.</a:t>
-            </a:r>
-            <a:fld id="{075B8CF0-67CE-46DB-AD5A-266E8FD0124B}" type="slidenum">
-              <a:rPr lang="en-US" smtClean="0"/>
-              <a:pPr>
-                <a:defRPr/>
-              </a:pPr>
-              <a:t>‹#›</a:t>
-            </a:fld>
-            <a:endParaRPr lang="en-US" dirty="0"/>
-          </a:p>
-        </p:txBody>
-      </p:sp>
-    </p:spTree>
-  </p:cSld>
-  <p:clrMapOvr>
-    <a:masterClrMapping/>
-  </p:clrMapOvr>
-  <p:transition spd="slow" advClick="0">
-    <p:fade/>
-  </p:transition>
-</p:sldLayout>
-</file>
-
-<file path=ppt/slideLayouts/slideLayout14.xml><?xml version="1.0" encoding="utf-8"?>
-<p:sldLayout xmlns:a="http://schemas.openxmlformats.org/drawingml/2006/main" xmlns:r="http://schemas.openxmlformats.org/officeDocument/2006/relationships" xmlns:p="http://schemas.openxmlformats.org/presentationml/2006/main" type="picTx" preserve="1">
-  <p:cSld name="Picture with Caption">
-    <p:spTree>
-      <p:nvGrpSpPr>
-        <p:cNvPr id="1" name=""/>
-        <p:cNvGrpSpPr/>
-        <p:nvPr/>
-      </p:nvGrpSpPr>
-      <p:grpSpPr>
-        <a:xfrm>
-          <a:off x="0" y="0"/>
-          <a:ext cx="0" cy="0"/>
-          <a:chOff x="0" y="0"/>
-          <a:chExt cx="0" cy="0"/>
-        </a:xfrm>
-      </p:grpSpPr>
-      <p:sp>
-        <p:nvSpPr>
-          <p:cNvPr id="2" name="Title 1"/>
-          <p:cNvSpPr>
-            <a:spLocks noGrp="1"/>
-          </p:cNvSpPr>
-          <p:nvPr>
-            <p:ph type="title"/>
-          </p:nvPr>
-        </p:nvSpPr>
-        <p:spPr>
-          <a:xfrm>
-            <a:off x="1792288" y="4800601"/>
-            <a:ext cx="5486400" cy="566738"/>
-          </a:xfrm>
-        </p:spPr>
-        <p:txBody>
-          <a:bodyPr anchor="b"/>
-          <a:lstStyle>
-            <a:lvl1pPr algn="l">
-              <a:defRPr sz="2000" b="1"/>
-            </a:lvl1pPr>
-          </a:lstStyle>
-          <a:p>
-            <a:r>
-              <a:rPr lang="en-US"/>
-              <a:t>Click to edit Master title style</a:t>
-            </a:r>
-          </a:p>
-        </p:txBody>
-      </p:sp>
-      <p:sp>
-        <p:nvSpPr>
-          <p:cNvPr id="3" name="Picture Placeholder 2"/>
-          <p:cNvSpPr>
-            <a:spLocks noGrp="1"/>
-          </p:cNvSpPr>
-          <p:nvPr>
-            <p:ph type="pic" idx="1"/>
-          </p:nvPr>
-        </p:nvSpPr>
-        <p:spPr>
-          <a:xfrm>
-            <a:off x="1792288" y="612775"/>
-            <a:ext cx="5486400" cy="4114800"/>
-          </a:xfrm>
-        </p:spPr>
-        <p:txBody>
-          <a:bodyPr/>
-          <a:lstStyle>
-            <a:lvl1pPr marL="0" indent="0">
-              <a:buNone/>
-              <a:defRPr sz="3200"/>
-            </a:lvl1pPr>
-            <a:lvl2pPr marL="457200" indent="0">
-              <a:buNone/>
-              <a:defRPr sz="2800"/>
-            </a:lvl2pPr>
-            <a:lvl3pPr marL="914400" indent="0">
-              <a:buNone/>
-              <a:defRPr sz="2400"/>
-            </a:lvl3pPr>
-            <a:lvl4pPr marL="1371600" indent="0">
-              <a:buNone/>
-              <a:defRPr sz="2000"/>
-            </a:lvl4pPr>
-            <a:lvl5pPr marL="1828800" indent="0">
-              <a:buNone/>
-              <a:defRPr sz="2000"/>
-            </a:lvl5pPr>
-            <a:lvl6pPr marL="2286000" indent="0">
-              <a:buNone/>
-              <a:defRPr sz="2000"/>
-            </a:lvl6pPr>
-            <a:lvl7pPr marL="2743200" indent="0">
-              <a:buNone/>
-              <a:defRPr sz="2000"/>
-            </a:lvl7pPr>
-            <a:lvl8pPr marL="3200400" indent="0">
-              <a:buNone/>
-              <a:defRPr sz="2000"/>
-            </a:lvl8pPr>
-            <a:lvl9pPr marL="3657600" indent="0">
-              <a:buNone/>
-              <a:defRPr sz="2000"/>
-            </a:lvl9pPr>
-          </a:lstStyle>
-          <a:p>
-            <a:pPr lvl="0"/>
-            <a:endParaRPr lang="en-US" noProof="0"/>
-          </a:p>
-        </p:txBody>
-      </p:sp>
-      <p:sp>
-        <p:nvSpPr>
-          <p:cNvPr id="4" name="Text Placeholder 3"/>
-          <p:cNvSpPr>
-            <a:spLocks noGrp="1"/>
-          </p:cNvSpPr>
-          <p:nvPr>
-            <p:ph type="body" sz="half" idx="2"/>
-          </p:nvPr>
-        </p:nvSpPr>
-        <p:spPr>
-          <a:xfrm>
-            <a:off x="1792288" y="5367339"/>
-            <a:ext cx="5486400" cy="804862"/>
-          </a:xfrm>
-        </p:spPr>
-        <p:txBody>
-          <a:bodyPr/>
-          <a:lstStyle>
-            <a:lvl1pPr marL="0" indent="0">
-              <a:buNone/>
-              <a:defRPr sz="1400"/>
-            </a:lvl1pPr>
-            <a:lvl2pPr marL="457200" indent="0">
-              <a:buNone/>
-              <a:defRPr sz="1200"/>
-            </a:lvl2pPr>
-            <a:lvl3pPr marL="914400" indent="0">
-              <a:buNone/>
-              <a:defRPr sz="1000"/>
-            </a:lvl3pPr>
-            <a:lvl4pPr marL="1371600" indent="0">
-              <a:buNone/>
-              <a:defRPr sz="900"/>
-            </a:lvl4pPr>
-            <a:lvl5pPr marL="1828800" indent="0">
-              <a:buNone/>
-              <a:defRPr sz="900"/>
-            </a:lvl5pPr>
-            <a:lvl6pPr marL="2286000" indent="0">
-              <a:buNone/>
-              <a:defRPr sz="900"/>
-            </a:lvl6pPr>
-            <a:lvl7pPr marL="2743200" indent="0">
-              <a:buNone/>
-              <a:defRPr sz="900"/>
-            </a:lvl7pPr>
-            <a:lvl8pPr marL="3200400" indent="0">
-              <a:buNone/>
-              <a:defRPr sz="900"/>
-            </a:lvl8pPr>
-            <a:lvl9pPr marL="3657600" indent="0">
-              <a:buNone/>
-              <a:defRPr sz="900"/>
-            </a:lvl9pPr>
-          </a:lstStyle>
-          <a:p>
-            <a:pPr lvl="0"/>
-            <a:r>
-              <a:rPr lang="en-US"/>
-              <a:t>Click to edit Master text styles</a:t>
-            </a:r>
-          </a:p>
-        </p:txBody>
-      </p:sp>
-      <p:sp>
-        <p:nvSpPr>
-          <p:cNvPr id="5" name="Rectangle 4"/>
-          <p:cNvSpPr>
-            <a:spLocks noGrp="1" noChangeArrowheads="1"/>
-          </p:cNvSpPr>
-          <p:nvPr>
-            <p:ph type="sldNum" sz="quarter" idx="10"/>
-          </p:nvPr>
-        </p:nvSpPr>
-        <p:spPr>
-          <a:ln/>
-        </p:spPr>
-        <p:txBody>
-          <a:bodyPr/>
-          <a:lstStyle>
-            <a:lvl1pPr>
-              <a:defRPr/>
-            </a:lvl1pPr>
-          </a:lstStyle>
-          <a:p>
-            <a:pPr>
-              <a:defRPr/>
-            </a:pPr>
-            <a:r>
-              <a:rPr lang="en-US" dirty="0"/>
-              <a:t>propositional algebra.</a:t>
-            </a:r>
-            <a:fld id="{26BBB068-6957-4CCF-BE52-E72E2DD2B17D}" type="slidenum">
-              <a:rPr lang="en-US" smtClean="0"/>
-              <a:pPr>
-                <a:defRPr/>
-              </a:pPr>
-              <a:t>‹#›</a:t>
-            </a:fld>
-            <a:endParaRPr lang="en-US" dirty="0"/>
-          </a:p>
-        </p:txBody>
-      </p:sp>
-    </p:spTree>
-  </p:cSld>
-  <p:clrMapOvr>
-    <a:masterClrMapping/>
-  </p:clrMapOvr>
-  <p:transition spd="slow" advClick="0">
-    <p:fade/>
-  </p:transition>
-</p:sldLayout>
-</file>
-
-<file path=ppt/slideLayouts/slideLayout15.xml><?xml version="1.0" encoding="utf-8"?>
-<p:sldLayout xmlns:a="http://schemas.openxmlformats.org/drawingml/2006/main" xmlns:r="http://schemas.openxmlformats.org/officeDocument/2006/relationships" xmlns:p="http://schemas.openxmlformats.org/presentationml/2006/main" type="vertTitleAndTx" preserve="1">
-  <p:cSld name="Vertical Title and Text">
-    <p:spTree>
-      <p:nvGrpSpPr>
-        <p:cNvPr id="1" name=""/>
-        <p:cNvGrpSpPr/>
-        <p:nvPr/>
-      </p:nvGrpSpPr>
-      <p:grpSpPr>
-        <a:xfrm>
-          <a:off x="0" y="0"/>
-          <a:ext cx="0" cy="0"/>
-          <a:chOff x="0" y="0"/>
-          <a:chExt cx="0" cy="0"/>
-        </a:xfrm>
-      </p:grpSpPr>
-      <p:sp>
-        <p:nvSpPr>
-          <p:cNvPr id="2" name="Vertical Title 1"/>
-          <p:cNvSpPr>
-            <a:spLocks noGrp="1"/>
-          </p:cNvSpPr>
-          <p:nvPr>
-            <p:ph type="title" orient="vert"/>
-          </p:nvPr>
-        </p:nvSpPr>
-        <p:spPr>
-          <a:xfrm>
-            <a:off x="6915149" y="304800"/>
-            <a:ext cx="2076451" cy="5867400"/>
-          </a:xfrm>
-        </p:spPr>
-        <p:txBody>
-          <a:bodyPr vert="eaVert"/>
-          <a:lstStyle/>
-          <a:p>
-            <a:r>
-              <a:rPr lang="en-US"/>
-              <a:t>Click to edit Master title style</a:t>
-            </a:r>
-          </a:p>
-        </p:txBody>
-      </p:sp>
-      <p:sp>
-        <p:nvSpPr>
-          <p:cNvPr id="3" name="Vertical Text Placeholder 2"/>
-          <p:cNvSpPr>
-            <a:spLocks noGrp="1"/>
-          </p:cNvSpPr>
-          <p:nvPr>
-            <p:ph type="body" orient="vert" idx="1"/>
-          </p:nvPr>
-        </p:nvSpPr>
-        <p:spPr>
-          <a:xfrm>
-            <a:off x="685801" y="304800"/>
-            <a:ext cx="6076951" cy="5867400"/>
-          </a:xfrm>
-        </p:spPr>
-        <p:txBody>
-          <a:bodyPr vert="eaVert"/>
-          <a:lstStyle/>
-          <a:p>
-            <a:pPr lvl="0"/>
-            <a:r>
-              <a:rPr lang="en-US" dirty="0"/>
-              <a:t>Click to edit Master text styles</a:t>
-            </a:r>
-          </a:p>
-          <a:p>
-            <a:pPr lvl="1"/>
-            <a:r>
-              <a:rPr lang="en-US" dirty="0"/>
-              <a:t>Second level</a:t>
-            </a:r>
-          </a:p>
-          <a:p>
-            <a:pPr lvl="2"/>
-            <a:r>
-              <a:rPr lang="en-US" dirty="0"/>
-              <a:t>Third level</a:t>
-            </a:r>
-          </a:p>
-          <a:p>
-            <a:pPr lvl="3"/>
-            <a:r>
-              <a:rPr lang="en-US" dirty="0"/>
-              <a:t>Fourth level</a:t>
-            </a:r>
-          </a:p>
-          <a:p>
-            <a:pPr lvl="4"/>
-            <a:r>
-              <a:rPr lang="en-US" dirty="0"/>
-              <a:t>Fifth level</a:t>
-            </a:r>
-          </a:p>
-        </p:txBody>
-      </p:sp>
-      <p:sp>
-        <p:nvSpPr>
-          <p:cNvPr id="4" name="Rectangle 4"/>
-          <p:cNvSpPr>
-            <a:spLocks noGrp="1" noChangeArrowheads="1"/>
-          </p:cNvSpPr>
-          <p:nvPr>
-            <p:ph type="sldNum" sz="quarter" idx="10"/>
-          </p:nvPr>
-        </p:nvSpPr>
-        <p:spPr>
-          <a:ln/>
-        </p:spPr>
-        <p:txBody>
-          <a:bodyPr/>
-          <a:lstStyle>
-            <a:lvl1pPr>
-              <a:defRPr/>
-            </a:lvl1pPr>
-          </a:lstStyle>
-          <a:p>
-            <a:pPr>
-              <a:defRPr/>
-            </a:pPr>
-            <a:r>
-              <a:rPr lang="en-US" dirty="0"/>
-              <a:t>propositional algebra.</a:t>
-            </a:r>
-            <a:fld id="{918B944E-E05E-401F-B34C-339DD98DC38E}" type="slidenum">
               <a:rPr lang="en-US" smtClean="0"/>
               <a:pPr>
                 <a:defRPr/>
@@ -2403,8 +1585,8 @@
         </p:nvSpPr>
         <p:spPr>
           <a:xfrm>
-            <a:off x="7142361" y="6553201"/>
-            <a:ext cx="2001645" cy="276999"/>
+            <a:off x="8007156" y="6553201"/>
+            <a:ext cx="1136850" cy="276999"/>
           </a:xfrm>
           <a:prstGeom prst="rect">
             <a:avLst/>
@@ -2423,8 +1605,12 @@
               <a:defRPr/>
             </a:pPr>
             <a:r>
+              <a:rPr lang="en-US" dirty="0" err="1"/>
+              <a:t>paterson</a:t>
+            </a:r>
+            <a:r>
               <a:rPr lang="en-US" dirty="0"/>
-              <a:t>propositional algebra..</a:t>
+              <a:t>..</a:t>
             </a:r>
             <a:fld id="{A528ADE2-B74F-4D9D-8D04-FB5D781EAB51}" type="slidenum">
               <a:rPr lang="en-US" smtClean="0"/>
@@ -2573,8 +1759,8 @@
         </p:nvSpPr>
         <p:spPr>
           <a:xfrm>
-            <a:off x="7142361" y="6553201"/>
-            <a:ext cx="2001645" cy="276999"/>
+            <a:off x="8007156" y="6553201"/>
+            <a:ext cx="1136850" cy="276999"/>
           </a:xfrm>
           <a:prstGeom prst="rect">
             <a:avLst/>
@@ -2593,8 +1779,12 @@
               <a:defRPr/>
             </a:pPr>
             <a:r>
+              <a:rPr lang="en-US" dirty="0" err="1"/>
+              <a:t>paterson</a:t>
+            </a:r>
+            <a:r>
               <a:rPr lang="en-US" dirty="0"/>
-              <a:t>propositional algebra..</a:t>
+              <a:t>..</a:t>
             </a:r>
             <a:fld id="{B3A503E6-B8FE-4B0A-9976-9CA65DFEA87E}" type="slidenum">
               <a:rPr lang="en-US" smtClean="0"/>
@@ -2673,8 +1863,8 @@
         </p:nvSpPr>
         <p:spPr>
           <a:xfrm>
-            <a:off x="7975095" y="6553201"/>
-            <a:ext cx="1168910" cy="276999"/>
+            <a:off x="8045627" y="6553201"/>
+            <a:ext cx="1098378" cy="276999"/>
           </a:xfrm>
           <a:prstGeom prst="rect">
             <a:avLst/>
@@ -2693,8 +1883,12 @@
               <a:defRPr/>
             </a:pPr>
             <a:r>
+              <a:rPr lang="en-US" dirty="0" err="1"/>
+              <a:t>paterson</a:t>
+            </a:r>
+            <a:r>
               <a:rPr lang="en-US" dirty="0"/>
-              <a:t>crossover.</a:t>
+              <a:t>.</a:t>
             </a:r>
             <a:fld id="{DB6F0ED6-FEF5-4C9C-B1CC-29B47EC66FAA}" type="slidenum">
               <a:rPr lang="en-US" smtClean="0"/>
@@ -2747,8 +1941,8 @@
         </p:nvSpPr>
         <p:spPr>
           <a:xfrm>
-            <a:off x="7142361" y="6553201"/>
-            <a:ext cx="2001645" cy="276999"/>
+            <a:off x="8007156" y="6553201"/>
+            <a:ext cx="1136850" cy="276999"/>
           </a:xfrm>
           <a:prstGeom prst="rect">
             <a:avLst/>
@@ -2767,896 +1961,14 @@
               <a:defRPr/>
             </a:pPr>
             <a:r>
+              <a:rPr lang="en-US" dirty="0" err="1"/>
+              <a:t>paterson</a:t>
+            </a:r>
+            <a:r>
               <a:rPr lang="en-US" dirty="0"/>
-              <a:t>propositional algebra..</a:t>
+              <a:t>..</a:t>
             </a:r>
             <a:fld id="{7D4651B8-09C8-4A4D-BE8E-31B6C97A420D}" type="slidenum">
-              <a:rPr lang="en-US" smtClean="0"/>
-              <a:pPr>
-                <a:defRPr/>
-              </a:pPr>
-              <a:t>‹#›</a:t>
-            </a:fld>
-            <a:endParaRPr lang="en-US" dirty="0"/>
-          </a:p>
-        </p:txBody>
-      </p:sp>
-    </p:spTree>
-  </p:cSld>
-  <p:clrMapOvr>
-    <a:masterClrMapping/>
-  </p:clrMapOvr>
-  <p:transition spd="slow" advClick="0">
-    <p:fade/>
-  </p:transition>
-</p:sldLayout>
-</file>
-
-<file path=ppt/slideLayouts/slideLayout6.xml><?xml version="1.0" encoding="utf-8"?>
-<p:sldLayout xmlns:a="http://schemas.openxmlformats.org/drawingml/2006/main" xmlns:r="http://schemas.openxmlformats.org/officeDocument/2006/relationships" xmlns:p="http://schemas.openxmlformats.org/presentationml/2006/main" type="picTx" preserve="1">
-  <p:cSld name="Picture with Caption">
-    <p:spTree>
-      <p:nvGrpSpPr>
-        <p:cNvPr id="1" name=""/>
-        <p:cNvGrpSpPr/>
-        <p:nvPr/>
-      </p:nvGrpSpPr>
-      <p:grpSpPr>
-        <a:xfrm>
-          <a:off x="0" y="0"/>
-          <a:ext cx="0" cy="0"/>
-          <a:chOff x="0" y="0"/>
-          <a:chExt cx="0" cy="0"/>
-        </a:xfrm>
-      </p:grpSpPr>
-      <p:sp>
-        <p:nvSpPr>
-          <p:cNvPr id="2" name="Title 1"/>
-          <p:cNvSpPr>
-            <a:spLocks noGrp="1"/>
-          </p:cNvSpPr>
-          <p:nvPr>
-            <p:ph type="title"/>
-          </p:nvPr>
-        </p:nvSpPr>
-        <p:spPr>
-          <a:xfrm>
-            <a:off x="1792288" y="4800601"/>
-            <a:ext cx="5486400" cy="566738"/>
-          </a:xfrm>
-        </p:spPr>
-        <p:txBody>
-          <a:bodyPr anchor="b"/>
-          <a:lstStyle>
-            <a:lvl1pPr algn="l">
-              <a:defRPr sz="2000" b="1"/>
-            </a:lvl1pPr>
-          </a:lstStyle>
-          <a:p>
-            <a:r>
-              <a:rPr lang="en-US"/>
-              <a:t>Click to edit Master title style</a:t>
-            </a:r>
-          </a:p>
-        </p:txBody>
-      </p:sp>
-      <p:sp>
-        <p:nvSpPr>
-          <p:cNvPr id="3" name="Picture Placeholder 2"/>
-          <p:cNvSpPr>
-            <a:spLocks noGrp="1"/>
-          </p:cNvSpPr>
-          <p:nvPr>
-            <p:ph type="pic" idx="1"/>
-          </p:nvPr>
-        </p:nvSpPr>
-        <p:spPr>
-          <a:xfrm>
-            <a:off x="1792288" y="612775"/>
-            <a:ext cx="5486400" cy="4114800"/>
-          </a:xfrm>
-        </p:spPr>
-        <p:txBody>
-          <a:bodyPr/>
-          <a:lstStyle>
-            <a:lvl1pPr marL="0" indent="0">
-              <a:buNone/>
-              <a:defRPr sz="3200"/>
-            </a:lvl1pPr>
-            <a:lvl2pPr marL="457200" indent="0">
-              <a:buNone/>
-              <a:defRPr sz="2800"/>
-            </a:lvl2pPr>
-            <a:lvl3pPr marL="914400" indent="0">
-              <a:buNone/>
-              <a:defRPr sz="2400"/>
-            </a:lvl3pPr>
-            <a:lvl4pPr marL="1371600" indent="0">
-              <a:buNone/>
-              <a:defRPr sz="2000"/>
-            </a:lvl4pPr>
-            <a:lvl5pPr marL="1828800" indent="0">
-              <a:buNone/>
-              <a:defRPr sz="2000"/>
-            </a:lvl5pPr>
-            <a:lvl6pPr marL="2286000" indent="0">
-              <a:buNone/>
-              <a:defRPr sz="2000"/>
-            </a:lvl6pPr>
-            <a:lvl7pPr marL="2743200" indent="0">
-              <a:buNone/>
-              <a:defRPr sz="2000"/>
-            </a:lvl7pPr>
-            <a:lvl8pPr marL="3200400" indent="0">
-              <a:buNone/>
-              <a:defRPr sz="2000"/>
-            </a:lvl8pPr>
-            <a:lvl9pPr marL="3657600" indent="0">
-              <a:buNone/>
-              <a:defRPr sz="2000"/>
-            </a:lvl9pPr>
-          </a:lstStyle>
-          <a:p>
-            <a:pPr lvl="0"/>
-            <a:endParaRPr lang="en-US" noProof="0"/>
-          </a:p>
-        </p:txBody>
-      </p:sp>
-      <p:sp>
-        <p:nvSpPr>
-          <p:cNvPr id="4" name="Text Placeholder 3"/>
-          <p:cNvSpPr>
-            <a:spLocks noGrp="1"/>
-          </p:cNvSpPr>
-          <p:nvPr>
-            <p:ph type="body" sz="half" idx="2"/>
-          </p:nvPr>
-        </p:nvSpPr>
-        <p:spPr>
-          <a:xfrm>
-            <a:off x="1792288" y="5367339"/>
-            <a:ext cx="5486400" cy="804862"/>
-          </a:xfrm>
-        </p:spPr>
-        <p:txBody>
-          <a:bodyPr/>
-          <a:lstStyle>
-            <a:lvl1pPr marL="0" indent="0">
-              <a:buNone/>
-              <a:defRPr sz="1400"/>
-            </a:lvl1pPr>
-            <a:lvl2pPr marL="457200" indent="0">
-              <a:buNone/>
-              <a:defRPr sz="1200"/>
-            </a:lvl2pPr>
-            <a:lvl3pPr marL="914400" indent="0">
-              <a:buNone/>
-              <a:defRPr sz="1000"/>
-            </a:lvl3pPr>
-            <a:lvl4pPr marL="1371600" indent="0">
-              <a:buNone/>
-              <a:defRPr sz="900"/>
-            </a:lvl4pPr>
-            <a:lvl5pPr marL="1828800" indent="0">
-              <a:buNone/>
-              <a:defRPr sz="900"/>
-            </a:lvl5pPr>
-            <a:lvl6pPr marL="2286000" indent="0">
-              <a:buNone/>
-              <a:defRPr sz="900"/>
-            </a:lvl6pPr>
-            <a:lvl7pPr marL="2743200" indent="0">
-              <a:buNone/>
-              <a:defRPr sz="900"/>
-            </a:lvl7pPr>
-            <a:lvl8pPr marL="3200400" indent="0">
-              <a:buNone/>
-              <a:defRPr sz="900"/>
-            </a:lvl8pPr>
-            <a:lvl9pPr marL="3657600" indent="0">
-              <a:buNone/>
-              <a:defRPr sz="900"/>
-            </a:lvl9pPr>
-          </a:lstStyle>
-          <a:p>
-            <a:pPr lvl="0"/>
-            <a:r>
-              <a:rPr lang="en-US"/>
-              <a:t>Click to edit Master text styles</a:t>
-            </a:r>
-          </a:p>
-        </p:txBody>
-      </p:sp>
-      <p:sp>
-        <p:nvSpPr>
-          <p:cNvPr id="5" name="Rectangle 11"/>
-          <p:cNvSpPr>
-            <a:spLocks noGrp="1" noChangeArrowheads="1"/>
-          </p:cNvSpPr>
-          <p:nvPr>
-            <p:ph type="sldNum" sz="quarter" idx="10"/>
-          </p:nvPr>
-        </p:nvSpPr>
-        <p:spPr>
-          <a:xfrm>
-            <a:off x="7142361" y="6553201"/>
-            <a:ext cx="2001645" cy="276999"/>
-          </a:xfrm>
-          <a:prstGeom prst="rect">
-            <a:avLst/>
-          </a:prstGeom>
-          <a:ln/>
-        </p:spPr>
-        <p:txBody>
-          <a:bodyPr/>
-          <a:lstStyle>
-            <a:lvl1pPr>
-              <a:defRPr/>
-            </a:lvl1pPr>
-          </a:lstStyle>
-          <a:p>
-            <a:pPr>
-              <a:defRPr/>
-            </a:pPr>
-            <a:r>
-              <a:rPr lang="en-US" dirty="0"/>
-              <a:t>propositional algebra..</a:t>
-            </a:r>
-            <a:fld id="{85BC747C-4E6E-462A-A001-3C1CA56269DD}" type="slidenum">
-              <a:rPr lang="en-US" smtClean="0"/>
-              <a:pPr>
-                <a:defRPr/>
-              </a:pPr>
-              <a:t>‹#›</a:t>
-            </a:fld>
-            <a:endParaRPr lang="en-US" dirty="0"/>
-          </a:p>
-        </p:txBody>
-      </p:sp>
-    </p:spTree>
-  </p:cSld>
-  <p:clrMapOvr>
-    <a:masterClrMapping/>
-  </p:clrMapOvr>
-  <p:transition spd="slow" advClick="0">
-    <p:fade/>
-  </p:transition>
-</p:sldLayout>
-</file>
-
-<file path=ppt/slideLayouts/slideLayout7.xml><?xml version="1.0" encoding="utf-8"?>
-<p:sldLayout xmlns:a="http://schemas.openxmlformats.org/drawingml/2006/main" xmlns:r="http://schemas.openxmlformats.org/officeDocument/2006/relationships" xmlns:p="http://schemas.openxmlformats.org/presentationml/2006/main" type="txAndObj" preserve="1">
-  <p:cSld name="Title, Text, and Content">
-    <p:spTree>
-      <p:nvGrpSpPr>
-        <p:cNvPr id="1" name=""/>
-        <p:cNvGrpSpPr/>
-        <p:nvPr/>
-      </p:nvGrpSpPr>
-      <p:grpSpPr>
-        <a:xfrm>
-          <a:off x="0" y="0"/>
-          <a:ext cx="0" cy="0"/>
-          <a:chOff x="0" y="0"/>
-          <a:chExt cx="0" cy="0"/>
-        </a:xfrm>
-      </p:grpSpPr>
-      <p:sp>
-        <p:nvSpPr>
-          <p:cNvPr id="2" name="Title 1"/>
-          <p:cNvSpPr>
-            <a:spLocks noGrp="1"/>
-          </p:cNvSpPr>
-          <p:nvPr>
-            <p:ph type="title"/>
-          </p:nvPr>
-        </p:nvSpPr>
-        <p:spPr>
-          <a:xfrm>
-            <a:off x="1447800" y="304800"/>
-            <a:ext cx="7543800" cy="1143000"/>
-          </a:xfrm>
-        </p:spPr>
-        <p:txBody>
-          <a:bodyPr/>
-          <a:lstStyle/>
-          <a:p>
-            <a:r>
-              <a:rPr lang="en-US"/>
-              <a:t>Click to edit Master title style</a:t>
-            </a:r>
-          </a:p>
-        </p:txBody>
-      </p:sp>
-      <p:sp>
-        <p:nvSpPr>
-          <p:cNvPr id="3" name="Text Placeholder 2"/>
-          <p:cNvSpPr>
-            <a:spLocks noGrp="1"/>
-          </p:cNvSpPr>
-          <p:nvPr>
-            <p:ph type="body" sz="half" idx="1"/>
-          </p:nvPr>
-        </p:nvSpPr>
-        <p:spPr>
-          <a:xfrm>
-            <a:off x="685800" y="2057400"/>
-            <a:ext cx="3810000" cy="4114800"/>
-          </a:xfrm>
-        </p:spPr>
-        <p:txBody>
-          <a:bodyPr/>
-          <a:lstStyle/>
-          <a:p>
-            <a:pPr lvl="0"/>
-            <a:r>
-              <a:rPr lang="en-US"/>
-              <a:t>Click to edit Master text styles</a:t>
-            </a:r>
-          </a:p>
-          <a:p>
-            <a:pPr lvl="1"/>
-            <a:r>
-              <a:rPr lang="en-US"/>
-              <a:t>Second level</a:t>
-            </a:r>
-          </a:p>
-          <a:p>
-            <a:pPr lvl="2"/>
-            <a:r>
-              <a:rPr lang="en-US"/>
-              <a:t>Third level</a:t>
-            </a:r>
-          </a:p>
-          <a:p>
-            <a:pPr lvl="3"/>
-            <a:r>
-              <a:rPr lang="en-US"/>
-              <a:t>Fourth level</a:t>
-            </a:r>
-          </a:p>
-          <a:p>
-            <a:pPr lvl="4"/>
-            <a:r>
-              <a:rPr lang="en-US"/>
-              <a:t>Fifth level</a:t>
-            </a:r>
-          </a:p>
-        </p:txBody>
-      </p:sp>
-      <p:sp>
-        <p:nvSpPr>
-          <p:cNvPr id="4" name="Content Placeholder 3"/>
-          <p:cNvSpPr>
-            <a:spLocks noGrp="1"/>
-          </p:cNvSpPr>
-          <p:nvPr>
-            <p:ph sz="half" idx="2"/>
-          </p:nvPr>
-        </p:nvSpPr>
-        <p:spPr>
-          <a:xfrm>
-            <a:off x="4648200" y="2057400"/>
-            <a:ext cx="3810000" cy="4114800"/>
-          </a:xfrm>
-        </p:spPr>
-        <p:txBody>
-          <a:bodyPr/>
-          <a:lstStyle/>
-          <a:p>
-            <a:pPr lvl="0"/>
-            <a:r>
-              <a:rPr lang="en-US"/>
-              <a:t>Click to edit Master text styles</a:t>
-            </a:r>
-          </a:p>
-          <a:p>
-            <a:pPr lvl="1"/>
-            <a:r>
-              <a:rPr lang="en-US"/>
-              <a:t>Second level</a:t>
-            </a:r>
-          </a:p>
-          <a:p>
-            <a:pPr lvl="2"/>
-            <a:r>
-              <a:rPr lang="en-US"/>
-              <a:t>Third level</a:t>
-            </a:r>
-          </a:p>
-          <a:p>
-            <a:pPr lvl="3"/>
-            <a:r>
-              <a:rPr lang="en-US"/>
-              <a:t>Fourth level</a:t>
-            </a:r>
-          </a:p>
-          <a:p>
-            <a:pPr lvl="4"/>
-            <a:r>
-              <a:rPr lang="en-US"/>
-              <a:t>Fifth level</a:t>
-            </a:r>
-          </a:p>
-        </p:txBody>
-      </p:sp>
-      <p:sp>
-        <p:nvSpPr>
-          <p:cNvPr id="5" name="Rectangle 11"/>
-          <p:cNvSpPr>
-            <a:spLocks noGrp="1" noChangeArrowheads="1"/>
-          </p:cNvSpPr>
-          <p:nvPr>
-            <p:ph type="sldNum" sz="quarter" idx="10"/>
-          </p:nvPr>
-        </p:nvSpPr>
-        <p:spPr>
-          <a:xfrm>
-            <a:off x="7142361" y="6553201"/>
-            <a:ext cx="2001645" cy="276999"/>
-          </a:xfrm>
-          <a:prstGeom prst="rect">
-            <a:avLst/>
-          </a:prstGeom>
-          <a:ln/>
-        </p:spPr>
-        <p:txBody>
-          <a:bodyPr/>
-          <a:lstStyle>
-            <a:lvl1pPr>
-              <a:defRPr/>
-            </a:lvl1pPr>
-          </a:lstStyle>
-          <a:p>
-            <a:pPr>
-              <a:defRPr/>
-            </a:pPr>
-            <a:r>
-              <a:rPr lang="en-US" dirty="0"/>
-              <a:t>propositional algebra..</a:t>
-            </a:r>
-            <a:fld id="{B7856ECB-7BA5-4EA4-A170-7A96316AE30B}" type="slidenum">
-              <a:rPr lang="en-US" smtClean="0"/>
-              <a:pPr>
-                <a:defRPr/>
-              </a:pPr>
-              <a:t>‹#›</a:t>
-            </a:fld>
-            <a:endParaRPr lang="en-US" dirty="0"/>
-          </a:p>
-        </p:txBody>
-      </p:sp>
-    </p:spTree>
-  </p:cSld>
-  <p:clrMapOvr>
-    <a:masterClrMapping/>
-  </p:clrMapOvr>
-  <p:transition spd="slow" advClick="0">
-    <p:fade/>
-  </p:transition>
-</p:sldLayout>
-</file>
-
-<file path=ppt/slideLayouts/slideLayout8.xml><?xml version="1.0" encoding="utf-8"?>
-<p:sldLayout xmlns:a="http://schemas.openxmlformats.org/drawingml/2006/main" xmlns:r="http://schemas.openxmlformats.org/officeDocument/2006/relationships" xmlns:p="http://schemas.openxmlformats.org/presentationml/2006/main" type="txAndTwoObj" preserve="1">
-  <p:cSld name="Title, Text, and 2 Content">
-    <p:spTree>
-      <p:nvGrpSpPr>
-        <p:cNvPr id="1" name=""/>
-        <p:cNvGrpSpPr/>
-        <p:nvPr/>
-      </p:nvGrpSpPr>
-      <p:grpSpPr>
-        <a:xfrm>
-          <a:off x="0" y="0"/>
-          <a:ext cx="0" cy="0"/>
-          <a:chOff x="0" y="0"/>
-          <a:chExt cx="0" cy="0"/>
-        </a:xfrm>
-      </p:grpSpPr>
-      <p:sp>
-        <p:nvSpPr>
-          <p:cNvPr id="2" name="Title 1"/>
-          <p:cNvSpPr>
-            <a:spLocks noGrp="1"/>
-          </p:cNvSpPr>
-          <p:nvPr>
-            <p:ph type="title"/>
-          </p:nvPr>
-        </p:nvSpPr>
-        <p:spPr>
-          <a:xfrm>
-            <a:off x="1447800" y="304800"/>
-            <a:ext cx="7543800" cy="1143000"/>
-          </a:xfrm>
-        </p:spPr>
-        <p:txBody>
-          <a:bodyPr/>
-          <a:lstStyle/>
-          <a:p>
-            <a:r>
-              <a:rPr lang="en-US"/>
-              <a:t>Click to edit Master title style</a:t>
-            </a:r>
-          </a:p>
-        </p:txBody>
-      </p:sp>
-      <p:sp>
-        <p:nvSpPr>
-          <p:cNvPr id="3" name="Text Placeholder 2"/>
-          <p:cNvSpPr>
-            <a:spLocks noGrp="1"/>
-          </p:cNvSpPr>
-          <p:nvPr>
-            <p:ph type="body" sz="half" idx="1"/>
-          </p:nvPr>
-        </p:nvSpPr>
-        <p:spPr>
-          <a:xfrm>
-            <a:off x="685800" y="2057400"/>
-            <a:ext cx="3810000" cy="4114800"/>
-          </a:xfrm>
-        </p:spPr>
-        <p:txBody>
-          <a:bodyPr/>
-          <a:lstStyle>
-            <a:lvl1pPr>
-              <a:defRPr sz="3200"/>
-            </a:lvl1pPr>
-            <a:lvl2pPr>
-              <a:defRPr sz="2800"/>
-            </a:lvl2pPr>
-            <a:lvl3pPr>
-              <a:defRPr sz="2800"/>
-            </a:lvl3pPr>
-            <a:lvl4pPr>
-              <a:defRPr sz="2400"/>
-            </a:lvl4pPr>
-            <a:lvl5pPr>
-              <a:defRPr sz="2400"/>
-            </a:lvl5pPr>
-          </a:lstStyle>
-          <a:p>
-            <a:pPr lvl="0"/>
-            <a:r>
-              <a:rPr lang="en-US" dirty="0"/>
-              <a:t>Click to edit Master text styles</a:t>
-            </a:r>
-          </a:p>
-          <a:p>
-            <a:pPr lvl="1"/>
-            <a:r>
-              <a:rPr lang="en-US" dirty="0"/>
-              <a:t>Second level</a:t>
-            </a:r>
-          </a:p>
-          <a:p>
-            <a:pPr lvl="2"/>
-            <a:r>
-              <a:rPr lang="en-US" dirty="0"/>
-              <a:t>Third level</a:t>
-            </a:r>
-          </a:p>
-          <a:p>
-            <a:pPr lvl="3"/>
-            <a:r>
-              <a:rPr lang="en-US" dirty="0"/>
-              <a:t>Fourth level</a:t>
-            </a:r>
-          </a:p>
-          <a:p>
-            <a:pPr lvl="4"/>
-            <a:r>
-              <a:rPr lang="en-US" dirty="0"/>
-              <a:t>Fifth level</a:t>
-            </a:r>
-          </a:p>
-        </p:txBody>
-      </p:sp>
-      <p:sp>
-        <p:nvSpPr>
-          <p:cNvPr id="4" name="Content Placeholder 3"/>
-          <p:cNvSpPr>
-            <a:spLocks noGrp="1"/>
-          </p:cNvSpPr>
-          <p:nvPr>
-            <p:ph sz="quarter" idx="2"/>
-          </p:nvPr>
-        </p:nvSpPr>
-        <p:spPr>
-          <a:xfrm>
-            <a:off x="4648200" y="2057400"/>
-            <a:ext cx="3810000" cy="1981200"/>
-          </a:xfrm>
-        </p:spPr>
-        <p:txBody>
-          <a:bodyPr/>
-          <a:lstStyle>
-            <a:lvl1pPr>
-              <a:defRPr sz="2000"/>
-            </a:lvl1pPr>
-            <a:lvl2pPr>
-              <a:defRPr sz="1800"/>
-            </a:lvl2pPr>
-            <a:lvl3pPr>
-              <a:defRPr sz="1800"/>
-            </a:lvl3pPr>
-            <a:lvl4pPr>
-              <a:defRPr sz="1600"/>
-            </a:lvl4pPr>
-            <a:lvl5pPr>
-              <a:defRPr sz="1600"/>
-            </a:lvl5pPr>
-          </a:lstStyle>
-          <a:p>
-            <a:pPr lvl="0"/>
-            <a:r>
-              <a:rPr lang="en-US" dirty="0"/>
-              <a:t>Click to edit Master text styles</a:t>
-            </a:r>
-          </a:p>
-          <a:p>
-            <a:pPr lvl="1"/>
-            <a:r>
-              <a:rPr lang="en-US" dirty="0"/>
-              <a:t>Second level</a:t>
-            </a:r>
-          </a:p>
-          <a:p>
-            <a:pPr lvl="2"/>
-            <a:r>
-              <a:rPr lang="en-US" dirty="0"/>
-              <a:t>Third level</a:t>
-            </a:r>
-          </a:p>
-          <a:p>
-            <a:pPr lvl="3"/>
-            <a:r>
-              <a:rPr lang="en-US" dirty="0"/>
-              <a:t>Fourth level</a:t>
-            </a:r>
-          </a:p>
-          <a:p>
-            <a:pPr lvl="4"/>
-            <a:r>
-              <a:rPr lang="en-US" dirty="0"/>
-              <a:t>Fifth level</a:t>
-            </a:r>
-          </a:p>
-        </p:txBody>
-      </p:sp>
-      <p:sp>
-        <p:nvSpPr>
-          <p:cNvPr id="5" name="Content Placeholder 4"/>
-          <p:cNvSpPr>
-            <a:spLocks noGrp="1"/>
-          </p:cNvSpPr>
-          <p:nvPr>
-            <p:ph sz="quarter" idx="3"/>
-          </p:nvPr>
-        </p:nvSpPr>
-        <p:spPr>
-          <a:xfrm>
-            <a:off x="4648200" y="4191000"/>
-            <a:ext cx="3810000" cy="1981200"/>
-          </a:xfrm>
-        </p:spPr>
-        <p:txBody>
-          <a:bodyPr/>
-          <a:lstStyle>
-            <a:lvl1pPr>
-              <a:buNone/>
-              <a:defRPr/>
-            </a:lvl1pPr>
-            <a:lvl2pPr>
-              <a:buNone/>
-              <a:defRPr/>
-            </a:lvl2pPr>
-            <a:lvl5pPr>
-              <a:buNone/>
-              <a:defRPr/>
-            </a:lvl5pPr>
-          </a:lstStyle>
-          <a:p>
-            <a:pPr lvl="0"/>
-            <a:endParaRPr lang="en-US" dirty="0"/>
-          </a:p>
-        </p:txBody>
-      </p:sp>
-      <p:sp>
-        <p:nvSpPr>
-          <p:cNvPr id="6" name="Rectangle 11"/>
-          <p:cNvSpPr>
-            <a:spLocks noGrp="1" noChangeArrowheads="1"/>
-          </p:cNvSpPr>
-          <p:nvPr>
-            <p:ph type="sldNum" sz="quarter" idx="10"/>
-          </p:nvPr>
-        </p:nvSpPr>
-        <p:spPr>
-          <a:xfrm>
-            <a:off x="7180682" y="6553201"/>
-            <a:ext cx="1963323" cy="276999"/>
-          </a:xfrm>
-          <a:prstGeom prst="rect">
-            <a:avLst/>
-          </a:prstGeom>
-          <a:ln/>
-        </p:spPr>
-        <p:txBody>
-          <a:bodyPr/>
-          <a:lstStyle>
-            <a:lvl1pPr>
-              <a:defRPr/>
-            </a:lvl1pPr>
-          </a:lstStyle>
-          <a:p>
-            <a:pPr>
-              <a:defRPr/>
-            </a:pPr>
-            <a:r>
-              <a:rPr lang="en-US" dirty="0"/>
-              <a:t>propositional algebra.</a:t>
-            </a:r>
-            <a:fld id="{883BA68D-4400-4AD9-848C-65748A4D0824}" type="slidenum">
-              <a:rPr lang="en-US" smtClean="0"/>
-              <a:pPr>
-                <a:defRPr/>
-              </a:pPr>
-              <a:t>‹#›</a:t>
-            </a:fld>
-            <a:endParaRPr lang="en-US" dirty="0"/>
-          </a:p>
-        </p:txBody>
-      </p:sp>
-    </p:spTree>
-  </p:cSld>
-  <p:clrMapOvr>
-    <a:masterClrMapping/>
-  </p:clrMapOvr>
-  <p:transition spd="slow" advClick="0">
-    <p:fade/>
-  </p:transition>
-</p:sldLayout>
-</file>
-
-<file path=ppt/slideLayouts/slideLayout9.xml><?xml version="1.0" encoding="utf-8"?>
-<p:sldLayout xmlns:a="http://schemas.openxmlformats.org/drawingml/2006/main" xmlns:r="http://schemas.openxmlformats.org/officeDocument/2006/relationships" xmlns:p="http://schemas.openxmlformats.org/presentationml/2006/main" type="title" preserve="1">
-  <p:cSld name="Title Slide">
-    <p:spTree>
-      <p:nvGrpSpPr>
-        <p:cNvPr id="1" name=""/>
-        <p:cNvGrpSpPr/>
-        <p:nvPr/>
-      </p:nvGrpSpPr>
-      <p:grpSpPr>
-        <a:xfrm>
-          <a:off x="0" y="0"/>
-          <a:ext cx="0" cy="0"/>
-          <a:chOff x="0" y="0"/>
-          <a:chExt cx="0" cy="0"/>
-        </a:xfrm>
-      </p:grpSpPr>
-      <p:sp>
-        <p:nvSpPr>
-          <p:cNvPr id="2" name="Title 1"/>
-          <p:cNvSpPr>
-            <a:spLocks noGrp="1"/>
-          </p:cNvSpPr>
-          <p:nvPr>
-            <p:ph type="ctrTitle"/>
-          </p:nvPr>
-        </p:nvSpPr>
-        <p:spPr>
-          <a:xfrm>
-            <a:off x="685800" y="2130426"/>
-            <a:ext cx="7772400" cy="1470025"/>
-          </a:xfrm>
-        </p:spPr>
-        <p:txBody>
-          <a:bodyPr/>
-          <a:lstStyle/>
-          <a:p>
-            <a:r>
-              <a:rPr lang="en-US"/>
-              <a:t>Click to edit Master title style</a:t>
-            </a:r>
-          </a:p>
-        </p:txBody>
-      </p:sp>
-      <p:sp>
-        <p:nvSpPr>
-          <p:cNvPr id="3" name="Subtitle 2"/>
-          <p:cNvSpPr>
-            <a:spLocks noGrp="1"/>
-          </p:cNvSpPr>
-          <p:nvPr>
-            <p:ph type="subTitle" idx="1"/>
-          </p:nvPr>
-        </p:nvSpPr>
-        <p:spPr>
-          <a:xfrm>
-            <a:off x="1371600" y="3886200"/>
-            <a:ext cx="6400800" cy="1752600"/>
-          </a:xfrm>
-        </p:spPr>
-        <p:txBody>
-          <a:bodyPr/>
-          <a:lstStyle>
-            <a:lvl1pPr marL="0" indent="0" algn="ctr">
-              <a:buNone/>
-              <a:defRPr/>
-            </a:lvl1pPr>
-            <a:lvl2pPr marL="457200" indent="0" algn="ctr">
-              <a:buNone/>
-              <a:defRPr/>
-            </a:lvl2pPr>
-            <a:lvl3pPr marL="914400" indent="0" algn="ctr">
-              <a:buNone/>
-              <a:defRPr/>
-            </a:lvl3pPr>
-            <a:lvl4pPr marL="1371600" indent="0" algn="ctr">
-              <a:buNone/>
-              <a:defRPr/>
-            </a:lvl4pPr>
-            <a:lvl5pPr marL="1828800" indent="0" algn="ctr">
-              <a:buNone/>
-              <a:defRPr/>
-            </a:lvl5pPr>
-            <a:lvl6pPr marL="2286000" indent="0" algn="ctr">
-              <a:buNone/>
-              <a:defRPr/>
-            </a:lvl6pPr>
-            <a:lvl7pPr marL="2743200" indent="0" algn="ctr">
-              <a:buNone/>
-              <a:defRPr/>
-            </a:lvl7pPr>
-            <a:lvl8pPr marL="3200400" indent="0" algn="ctr">
-              <a:buNone/>
-              <a:defRPr/>
-            </a:lvl8pPr>
-            <a:lvl9pPr marL="3657600" indent="0" algn="ctr">
-              <a:buNone/>
-              <a:defRPr/>
-            </a:lvl9pPr>
-          </a:lstStyle>
-          <a:p>
-            <a:r>
-              <a:rPr lang="en-US"/>
-              <a:t>Click to edit Master subtitle style</a:t>
-            </a:r>
-          </a:p>
-        </p:txBody>
-      </p:sp>
-      <p:sp>
-        <p:nvSpPr>
-          <p:cNvPr id="4" name="Rectangle 4"/>
-          <p:cNvSpPr>
-            <a:spLocks noGrp="1" noChangeArrowheads="1"/>
-          </p:cNvSpPr>
-          <p:nvPr>
-            <p:ph type="sldNum" sz="quarter" idx="10"/>
-          </p:nvPr>
-        </p:nvSpPr>
-        <p:spPr>
-          <a:ln/>
-        </p:spPr>
-        <p:txBody>
-          <a:bodyPr/>
-          <a:lstStyle>
-            <a:lvl1pPr>
-              <a:defRPr/>
-            </a:lvl1pPr>
-          </a:lstStyle>
-          <a:p>
-            <a:pPr>
-              <a:defRPr/>
-            </a:pPr>
-            <a:r>
-              <a:rPr lang="en-US" dirty="0"/>
-              <a:t>propositional algebra.</a:t>
-            </a:r>
-            <a:fld id="{671A9335-2B28-465B-823D-6F18B2E54319}" type="slidenum">
               <a:rPr lang="en-US" smtClean="0"/>
               <a:pPr>
                 <a:defRPr/>
@@ -3793,8 +2105,8 @@
         </p:nvSpPr>
         <p:spPr bwMode="auto">
           <a:xfrm>
-            <a:off x="7975095" y="6553201"/>
-            <a:ext cx="1168910" cy="276999"/>
+            <a:off x="8045627" y="6553201"/>
+            <a:ext cx="1098378" cy="276999"/>
           </a:xfrm>
           <a:prstGeom prst="rect">
             <a:avLst/>
@@ -3827,8 +2139,12 @@
               <a:defRPr/>
             </a:pPr>
             <a:r>
+              <a:rPr lang="en-US" dirty="0" err="1"/>
+              <a:t>paterson</a:t>
+            </a:r>
+            <a:r>
               <a:rPr lang="en-US" dirty="0"/>
-              <a:t>crossover.</a:t>
+              <a:t>.</a:t>
             </a:r>
             <a:fld id="{EBFB97A3-F52F-4FD6-B1AC-522A20C95467}" type="slidenum">
               <a:rPr lang="en-US" smtClean="0"/>
@@ -3850,7 +2166,7 @@
           <p:nvPr userDrawn="1"/>
         </p:nvPicPr>
         <p:blipFill>
-          <a:blip r:embed="rId10"/>
+          <a:blip r:embed="rId7"/>
           <a:srcRect/>
           <a:stretch>
             <a:fillRect/>
@@ -3911,7 +2227,7 @@
               <a:rPr lang="en-US" sz="1100" baseline="0" dirty="0">
                 <a:latin typeface="Comic Sans MS" pitchFamily="66" charset="0"/>
               </a:rPr>
-              <a:t>April 5</a:t>
+              <a:t>April 6</a:t>
             </a:r>
             <a:r>
               <a:rPr lang="en-US" sz="1100" dirty="0">
@@ -3931,7 +2247,7 @@
           <p:nvPr userDrawn="1"/>
         </p:nvPicPr>
         <p:blipFill>
-          <a:blip r:embed="rId11" cstate="print"/>
+          <a:blip r:embed="rId8" cstate="print"/>
           <a:stretch>
             <a:fillRect/>
           </a:stretch>
@@ -3986,9 +2302,6 @@
     <p:sldLayoutId id="2147483654" r:id="rId3"/>
     <p:sldLayoutId id="2147483657" r:id="rId4"/>
     <p:sldLayoutId id="2147483658" r:id="rId5"/>
-    <p:sldLayoutId id="2147483660" r:id="rId6"/>
-    <p:sldLayoutId id="2147483663" r:id="rId7"/>
-    <p:sldLayoutId id="2147483664" r:id="rId8"/>
   </p:sldLayoutIdLst>
   <p:transition spd="slow" advClick="0">
     <p:fade/>
@@ -4363,698 +2676,6 @@
 </p:sldMaster>
 </file>
 
-<file path=ppt/slideMasters/slideMaster2.xml><?xml version="1.0" encoding="utf-8"?>
-<p:sldMaster xmlns:a="http://schemas.openxmlformats.org/drawingml/2006/main" xmlns:r="http://schemas.openxmlformats.org/officeDocument/2006/relationships" xmlns:p="http://schemas.openxmlformats.org/presentationml/2006/main" preserve="1">
-  <p:cSld>
-    <p:bg>
-      <p:bgPr>
-        <a:solidFill>
-          <a:schemeClr val="accent1"/>
-        </a:solidFill>
-        <a:effectLst/>
-      </p:bgPr>
-    </p:bg>
-    <p:spTree>
-      <p:nvGrpSpPr>
-        <p:cNvPr id="1" name=""/>
-        <p:cNvGrpSpPr/>
-        <p:nvPr/>
-      </p:nvGrpSpPr>
-      <p:grpSpPr>
-        <a:xfrm>
-          <a:off x="0" y="0"/>
-          <a:ext cx="0" cy="0"/>
-          <a:chOff x="0" y="0"/>
-          <a:chExt cx="0" cy="0"/>
-        </a:xfrm>
-      </p:grpSpPr>
-      <p:sp>
-        <p:nvSpPr>
-          <p:cNvPr id="11266" name="Rectangle 2"/>
-          <p:cNvSpPr>
-            <a:spLocks noGrp="1" noChangeArrowheads="1"/>
-          </p:cNvSpPr>
-          <p:nvPr>
-            <p:ph type="title"/>
-          </p:nvPr>
-        </p:nvSpPr>
-        <p:spPr bwMode="auto">
-          <a:xfrm>
-            <a:off x="1447800" y="304800"/>
-            <a:ext cx="7543800" cy="1143000"/>
-          </a:xfrm>
-          <a:prstGeom prst="rect">
-            <a:avLst/>
-          </a:prstGeom>
-          <a:noFill/>
-          <a:ln w="9525">
-            <a:noFill/>
-            <a:miter lim="800000"/>
-            <a:headEnd/>
-            <a:tailEnd/>
-          </a:ln>
-        </p:spPr>
-        <p:txBody>
-          <a:bodyPr vert="horz" wrap="square" lIns="91440" tIns="45720" rIns="91440" bIns="45720" numCol="1" anchor="ctr" anchorCtr="0" compatLnSpc="1">
-            <a:prstTxWarp prst="textNoShape">
-              <a:avLst/>
-            </a:prstTxWarp>
-          </a:bodyPr>
-          <a:lstStyle/>
-          <a:p>
-            <a:pPr lvl="0"/>
-            <a:endParaRPr lang="en-US"/>
-          </a:p>
-        </p:txBody>
-      </p:sp>
-      <p:sp>
-        <p:nvSpPr>
-          <p:cNvPr id="11267" name="Rectangle 3"/>
-          <p:cNvSpPr>
-            <a:spLocks noGrp="1" noChangeArrowheads="1"/>
-          </p:cNvSpPr>
-          <p:nvPr>
-            <p:ph type="body" idx="1"/>
-          </p:nvPr>
-        </p:nvSpPr>
-        <p:spPr bwMode="auto">
-          <a:xfrm>
-            <a:off x="685800" y="2057400"/>
-            <a:ext cx="7772400" cy="4114800"/>
-          </a:xfrm>
-          <a:prstGeom prst="rect">
-            <a:avLst/>
-          </a:prstGeom>
-          <a:noFill/>
-          <a:ln w="9525">
-            <a:noFill/>
-            <a:miter lim="800000"/>
-            <a:headEnd/>
-            <a:tailEnd/>
-          </a:ln>
-        </p:spPr>
-        <p:txBody>
-          <a:bodyPr vert="horz" wrap="square" lIns="91440" tIns="45720" rIns="91440" bIns="45720" numCol="1" anchor="t" anchorCtr="0" compatLnSpc="1">
-            <a:prstTxWarp prst="textNoShape">
-              <a:avLst/>
-            </a:prstTxWarp>
-          </a:bodyPr>
-          <a:lstStyle/>
-          <a:p>
-            <a:pPr lvl="0"/>
-            <a:endParaRPr lang="en-US"/>
-          </a:p>
-        </p:txBody>
-      </p:sp>
-      <p:sp>
-        <p:nvSpPr>
-          <p:cNvPr id="232452" name="Rectangle 4"/>
-          <p:cNvSpPr>
-            <a:spLocks noGrp="1" noChangeArrowheads="1"/>
-          </p:cNvSpPr>
-          <p:nvPr>
-            <p:ph type="sldNum" sz="quarter" idx="4"/>
-          </p:nvPr>
-        </p:nvSpPr>
-        <p:spPr bwMode="auto">
-          <a:xfrm>
-            <a:off x="7438034" y="6553201"/>
-            <a:ext cx="1705966" cy="276999"/>
-          </a:xfrm>
-          <a:prstGeom prst="rect">
-            <a:avLst/>
-          </a:prstGeom>
-          <a:noFill/>
-          <a:ln w="9525">
-            <a:noFill/>
-            <a:miter lim="800000"/>
-            <a:headEnd/>
-            <a:tailEnd/>
-          </a:ln>
-          <a:effectLst/>
-        </p:spPr>
-        <p:txBody>
-          <a:bodyPr vert="horz" wrap="none" lIns="91440" tIns="45720" rIns="91440" bIns="45720" numCol="1" anchor="t" anchorCtr="0" compatLnSpc="1">
-            <a:prstTxWarp prst="textNoShape">
-              <a:avLst/>
-            </a:prstTxWarp>
-            <a:spAutoFit/>
-          </a:bodyPr>
-          <a:lstStyle>
-            <a:lvl1pPr algn="r">
-              <a:defRPr sz="1200"/>
-            </a:lvl1pPr>
-          </a:lstStyle>
-          <a:p>
-            <a:pPr>
-              <a:defRPr/>
-            </a:pPr>
-            <a:r>
-              <a:rPr lang="en-US" dirty="0"/>
-              <a:t>propositional algebra.</a:t>
-            </a:r>
-            <a:fld id="{2CE11749-3435-4A3E-A162-33970963D098}" type="slidenum">
-              <a:rPr lang="en-US" smtClean="0"/>
-              <a:pPr>
-                <a:defRPr/>
-              </a:pPr>
-              <a:t>‹#›</a:t>
-            </a:fld>
-            <a:endParaRPr lang="en-US" dirty="0"/>
-          </a:p>
-        </p:txBody>
-      </p:sp>
-      <p:pic>
-        <p:nvPicPr>
-          <p:cNvPr id="11269" name="Picture 5" descr="board"/>
-          <p:cNvPicPr>
-            <a:picLocks noChangeAspect="1" noChangeArrowheads="1"/>
-          </p:cNvPicPr>
-          <p:nvPr userDrawn="1"/>
-        </p:nvPicPr>
-        <p:blipFill>
-          <a:blip r:embed="rId9"/>
-          <a:srcRect/>
-          <a:stretch>
-            <a:fillRect/>
-          </a:stretch>
-        </p:blipFill>
-        <p:spPr bwMode="auto">
-          <a:xfrm>
-            <a:off x="152400" y="304801"/>
-            <a:ext cx="1143000" cy="1135063"/>
-          </a:xfrm>
-          <a:prstGeom prst="rect">
-            <a:avLst/>
-          </a:prstGeom>
-          <a:noFill/>
-          <a:ln w="9525">
-            <a:noFill/>
-            <a:miter lim="800000"/>
-            <a:headEnd/>
-            <a:tailEnd/>
-          </a:ln>
-        </p:spPr>
-      </p:pic>
-      <p:sp>
-        <p:nvSpPr>
-          <p:cNvPr id="232454" name="Rectangle 6"/>
-          <p:cNvSpPr>
-            <a:spLocks noChangeArrowheads="1"/>
-          </p:cNvSpPr>
-          <p:nvPr userDrawn="1"/>
-        </p:nvSpPr>
-        <p:spPr bwMode="auto">
-          <a:xfrm>
-            <a:off x="4141789" y="6611938"/>
-            <a:ext cx="864339" cy="246221"/>
-          </a:xfrm>
-          <a:prstGeom prst="rect">
-            <a:avLst/>
-          </a:prstGeom>
-          <a:noFill/>
-          <a:ln w="9525">
-            <a:noFill/>
-            <a:miter lim="800000"/>
-            <a:headEnd/>
-            <a:tailEnd type="none" w="lg" len="lg"/>
-          </a:ln>
-          <a:effectLst/>
-        </p:spPr>
-        <p:txBody>
-          <a:bodyPr wrap="none">
-            <a:spAutoFit/>
-          </a:bodyPr>
-          <a:lstStyle/>
-          <a:p>
-            <a:pPr algn="l">
-              <a:defRPr/>
-            </a:pPr>
-            <a:r>
-              <a:rPr lang="en-US" sz="1000" dirty="0"/>
-              <a:t>Sept. 7, 2007</a:t>
-            </a:r>
-          </a:p>
-        </p:txBody>
-      </p:sp>
-      <p:sp>
-        <p:nvSpPr>
-          <p:cNvPr id="232455" name="Text Box 7"/>
-          <p:cNvSpPr txBox="1">
-            <a:spLocks noChangeArrowheads="1"/>
-          </p:cNvSpPr>
-          <p:nvPr userDrawn="1"/>
-        </p:nvSpPr>
-        <p:spPr bwMode="auto">
-          <a:xfrm>
-            <a:off x="0" y="6578601"/>
-            <a:ext cx="3082144" cy="276999"/>
-          </a:xfrm>
-          <a:prstGeom prst="rect">
-            <a:avLst/>
-          </a:prstGeom>
-          <a:noFill/>
-          <a:ln w="9525">
-            <a:noFill/>
-            <a:miter lim="800000"/>
-            <a:headEnd/>
-            <a:tailEnd type="none" w="lg" len="lg"/>
-          </a:ln>
-          <a:effectLst/>
-        </p:spPr>
-        <p:txBody>
-          <a:bodyPr wrap="none">
-            <a:spAutoFit/>
-          </a:bodyPr>
-          <a:lstStyle/>
-          <a:p>
-            <a:pPr algn="l">
-              <a:defRPr/>
-            </a:pPr>
-            <a:r>
-              <a:rPr lang="en-US" sz="1000"/>
-              <a:t>Copyright </a:t>
-            </a:r>
-            <a:r>
-              <a:rPr lang="en-US" sz="1000" i="1"/>
-              <a:t>©</a:t>
-            </a:r>
-            <a:r>
-              <a:rPr lang="en-US" sz="1000"/>
-              <a:t> Albert R. Meyer, 2007</a:t>
-            </a:r>
-            <a:r>
-              <a:rPr lang="en-US" sz="1200"/>
-              <a:t>. </a:t>
-            </a:r>
-            <a:r>
-              <a:rPr lang="en-US" sz="1000"/>
-              <a:t>All rights reserved.</a:t>
-            </a:r>
-          </a:p>
-        </p:txBody>
-      </p:sp>
-    </p:spTree>
-  </p:cSld>
-  <p:clrMap bg1="lt1" tx1="dk1" bg2="lt2" tx2="dk2" accent1="accent1" accent2="accent2" accent3="accent3" accent4="accent4" accent5="accent5" accent6="accent6" hlink="hlink" folHlink="folHlink"/>
-  <p:sldLayoutIdLst>
-    <p:sldLayoutId id="2147483666" r:id="rId1"/>
-    <p:sldLayoutId id="2147483667" r:id="rId2"/>
-    <p:sldLayoutId id="2147483668" r:id="rId3"/>
-    <p:sldLayoutId id="2147483671" r:id="rId4"/>
-    <p:sldLayoutId id="2147483672" r:id="rId5"/>
-    <p:sldLayoutId id="2147483674" r:id="rId6"/>
-    <p:sldLayoutId id="2147483676" r:id="rId7"/>
-  </p:sldLayoutIdLst>
-  <p:transition spd="slow" advClick="0">
-    <p:fade/>
-  </p:transition>
-  <p:hf hdr="0" ftr="0" dt="0"/>
-  <p:txStyles>
-    <p:titleStyle>
-      <a:lvl1pPr algn="l" rtl="0" eaLnBrk="0" fontAlgn="base" hangingPunct="0">
-        <a:spcBef>
-          <a:spcPct val="0"/>
-        </a:spcBef>
-        <a:spcAft>
-          <a:spcPct val="0"/>
-        </a:spcAft>
-        <a:defRPr sz="4400" b="1">
-          <a:solidFill>
-            <a:schemeClr val="tx2"/>
-          </a:solidFill>
-          <a:latin typeface="Comic Sans MS" pitchFamily="66" charset="0"/>
-          <a:ea typeface="+mj-ea"/>
-          <a:cs typeface="+mj-cs"/>
-        </a:defRPr>
-      </a:lvl1pPr>
-      <a:lvl2pPr algn="l" rtl="0" eaLnBrk="0" fontAlgn="base" hangingPunct="0">
-        <a:spcBef>
-          <a:spcPct val="0"/>
-        </a:spcBef>
-        <a:spcAft>
-          <a:spcPct val="0"/>
-        </a:spcAft>
-        <a:defRPr sz="4400" b="1">
-          <a:solidFill>
-            <a:schemeClr val="tx2"/>
-          </a:solidFill>
-          <a:latin typeface="Comic Sans MS" pitchFamily="66" charset="0"/>
-          <a:cs typeface="Arial" pitchFamily="34" charset="0"/>
-        </a:defRPr>
-      </a:lvl2pPr>
-      <a:lvl3pPr algn="l" rtl="0" eaLnBrk="0" fontAlgn="base" hangingPunct="0">
-        <a:spcBef>
-          <a:spcPct val="0"/>
-        </a:spcBef>
-        <a:spcAft>
-          <a:spcPct val="0"/>
-        </a:spcAft>
-        <a:defRPr sz="4400" b="1">
-          <a:solidFill>
-            <a:schemeClr val="tx2"/>
-          </a:solidFill>
-          <a:latin typeface="Comic Sans MS" pitchFamily="66" charset="0"/>
-          <a:cs typeface="Arial" pitchFamily="34" charset="0"/>
-        </a:defRPr>
-      </a:lvl3pPr>
-      <a:lvl4pPr algn="l" rtl="0" eaLnBrk="0" fontAlgn="base" hangingPunct="0">
-        <a:spcBef>
-          <a:spcPct val="0"/>
-        </a:spcBef>
-        <a:spcAft>
-          <a:spcPct val="0"/>
-        </a:spcAft>
-        <a:defRPr sz="4400" b="1">
-          <a:solidFill>
-            <a:schemeClr val="tx2"/>
-          </a:solidFill>
-          <a:latin typeface="Comic Sans MS" pitchFamily="66" charset="0"/>
-          <a:cs typeface="Arial" pitchFamily="34" charset="0"/>
-        </a:defRPr>
-      </a:lvl4pPr>
-      <a:lvl5pPr algn="l" rtl="0" eaLnBrk="0" fontAlgn="base" hangingPunct="0">
-        <a:spcBef>
-          <a:spcPct val="0"/>
-        </a:spcBef>
-        <a:spcAft>
-          <a:spcPct val="0"/>
-        </a:spcAft>
-        <a:defRPr sz="4400" b="1">
-          <a:solidFill>
-            <a:schemeClr val="tx2"/>
-          </a:solidFill>
-          <a:latin typeface="Comic Sans MS" pitchFamily="66" charset="0"/>
-          <a:cs typeface="Arial" pitchFamily="34" charset="0"/>
-        </a:defRPr>
-      </a:lvl5pPr>
-      <a:lvl6pPr marL="457200" algn="l" rtl="0" fontAlgn="base">
-        <a:spcBef>
-          <a:spcPct val="0"/>
-        </a:spcBef>
-        <a:spcAft>
-          <a:spcPct val="0"/>
-        </a:spcAft>
-        <a:defRPr sz="4400" b="1">
-          <a:solidFill>
-            <a:schemeClr val="tx2"/>
-          </a:solidFill>
-          <a:latin typeface="Times New Roman" pitchFamily="18" charset="0"/>
-          <a:cs typeface="Arial" pitchFamily="34" charset="0"/>
-        </a:defRPr>
-      </a:lvl6pPr>
-      <a:lvl7pPr marL="914400" algn="l" rtl="0" fontAlgn="base">
-        <a:spcBef>
-          <a:spcPct val="0"/>
-        </a:spcBef>
-        <a:spcAft>
-          <a:spcPct val="0"/>
-        </a:spcAft>
-        <a:defRPr sz="4400" b="1">
-          <a:solidFill>
-            <a:schemeClr val="tx2"/>
-          </a:solidFill>
-          <a:latin typeface="Times New Roman" pitchFamily="18" charset="0"/>
-          <a:cs typeface="Arial" pitchFamily="34" charset="0"/>
-        </a:defRPr>
-      </a:lvl7pPr>
-      <a:lvl8pPr marL="1371600" algn="l" rtl="0" fontAlgn="base">
-        <a:spcBef>
-          <a:spcPct val="0"/>
-        </a:spcBef>
-        <a:spcAft>
-          <a:spcPct val="0"/>
-        </a:spcAft>
-        <a:defRPr sz="4400" b="1">
-          <a:solidFill>
-            <a:schemeClr val="tx2"/>
-          </a:solidFill>
-          <a:latin typeface="Times New Roman" pitchFamily="18" charset="0"/>
-          <a:cs typeface="Arial" pitchFamily="34" charset="0"/>
-        </a:defRPr>
-      </a:lvl8pPr>
-      <a:lvl9pPr marL="1828800" algn="l" rtl="0" fontAlgn="base">
-        <a:spcBef>
-          <a:spcPct val="0"/>
-        </a:spcBef>
-        <a:spcAft>
-          <a:spcPct val="0"/>
-        </a:spcAft>
-        <a:defRPr sz="4400" b="1">
-          <a:solidFill>
-            <a:schemeClr val="tx2"/>
-          </a:solidFill>
-          <a:latin typeface="Times New Roman" pitchFamily="18" charset="0"/>
-          <a:cs typeface="Arial" pitchFamily="34" charset="0"/>
-        </a:defRPr>
-      </a:lvl9pPr>
-    </p:titleStyle>
-    <p:bodyStyle>
-      <a:lvl1pPr marL="342900" indent="-342900" algn="l" rtl="0" eaLnBrk="0" fontAlgn="base" hangingPunct="0">
-        <a:spcBef>
-          <a:spcPct val="20000"/>
-        </a:spcBef>
-        <a:spcAft>
-          <a:spcPct val="0"/>
-        </a:spcAft>
-        <a:buChar char="•"/>
-        <a:defRPr sz="3600">
-          <a:solidFill>
-            <a:schemeClr val="tx1"/>
-          </a:solidFill>
-          <a:latin typeface="Comic Sans MS" pitchFamily="66" charset="0"/>
-          <a:ea typeface="+mn-ea"/>
-          <a:cs typeface="+mn-cs"/>
-        </a:defRPr>
-      </a:lvl1pPr>
-      <a:lvl2pPr marL="742950" indent="-285750" algn="l" rtl="0" eaLnBrk="0" fontAlgn="base" hangingPunct="0">
-        <a:spcBef>
-          <a:spcPct val="20000"/>
-        </a:spcBef>
-        <a:spcAft>
-          <a:spcPct val="0"/>
-        </a:spcAft>
-        <a:buChar char="–"/>
-        <a:defRPr sz="3200">
-          <a:solidFill>
-            <a:schemeClr val="tx1"/>
-          </a:solidFill>
-          <a:latin typeface="Comic Sans MS" pitchFamily="66" charset="0"/>
-          <a:cs typeface="+mn-cs"/>
-        </a:defRPr>
-      </a:lvl2pPr>
-      <a:lvl3pPr marL="1143000" indent="-228600" algn="l" rtl="0" eaLnBrk="0" fontAlgn="base" hangingPunct="0">
-        <a:spcBef>
-          <a:spcPct val="20000"/>
-        </a:spcBef>
-        <a:spcAft>
-          <a:spcPct val="0"/>
-        </a:spcAft>
-        <a:buChar char="•"/>
-        <a:defRPr sz="3200">
-          <a:solidFill>
-            <a:schemeClr val="tx1"/>
-          </a:solidFill>
-          <a:latin typeface="Comic Sans MS" pitchFamily="66" charset="0"/>
-          <a:cs typeface="+mn-cs"/>
-        </a:defRPr>
-      </a:lvl3pPr>
-      <a:lvl4pPr marL="1600200" indent="-228600" algn="l" rtl="0" eaLnBrk="0" fontAlgn="base" hangingPunct="0">
-        <a:spcBef>
-          <a:spcPct val="20000"/>
-        </a:spcBef>
-        <a:spcAft>
-          <a:spcPct val="0"/>
-        </a:spcAft>
-        <a:buChar char="–"/>
-        <a:defRPr sz="2800">
-          <a:solidFill>
-            <a:schemeClr val="tx1"/>
-          </a:solidFill>
-          <a:latin typeface="Comic Sans MS" pitchFamily="66" charset="0"/>
-          <a:cs typeface="+mn-cs"/>
-        </a:defRPr>
-      </a:lvl4pPr>
-      <a:lvl5pPr marL="2057400" indent="-228600" algn="l" rtl="0" eaLnBrk="0" fontAlgn="base" hangingPunct="0">
-        <a:spcBef>
-          <a:spcPct val="20000"/>
-        </a:spcBef>
-        <a:spcAft>
-          <a:spcPct val="0"/>
-        </a:spcAft>
-        <a:buChar char="»"/>
-        <a:defRPr sz="2800">
-          <a:solidFill>
-            <a:schemeClr val="tx1"/>
-          </a:solidFill>
-          <a:latin typeface="Comic Sans MS" pitchFamily="66" charset="0"/>
-          <a:cs typeface="+mn-cs"/>
-        </a:defRPr>
-      </a:lvl5pPr>
-      <a:lvl6pPr marL="2514600" indent="-228600" algn="l" rtl="0" fontAlgn="base">
-        <a:spcBef>
-          <a:spcPct val="20000"/>
-        </a:spcBef>
-        <a:spcAft>
-          <a:spcPct val="0"/>
-        </a:spcAft>
-        <a:buChar char="»"/>
-        <a:defRPr sz="2800">
-          <a:solidFill>
-            <a:schemeClr val="tx1"/>
-          </a:solidFill>
-          <a:latin typeface="+mn-lt"/>
-          <a:cs typeface="+mn-cs"/>
-        </a:defRPr>
-      </a:lvl6pPr>
-      <a:lvl7pPr marL="2971800" indent="-228600" algn="l" rtl="0" fontAlgn="base">
-        <a:spcBef>
-          <a:spcPct val="20000"/>
-        </a:spcBef>
-        <a:spcAft>
-          <a:spcPct val="0"/>
-        </a:spcAft>
-        <a:buChar char="»"/>
-        <a:defRPr sz="2800">
-          <a:solidFill>
-            <a:schemeClr val="tx1"/>
-          </a:solidFill>
-          <a:latin typeface="+mn-lt"/>
-          <a:cs typeface="+mn-cs"/>
-        </a:defRPr>
-      </a:lvl7pPr>
-      <a:lvl8pPr marL="3429000" indent="-228600" algn="l" rtl="0" fontAlgn="base">
-        <a:spcBef>
-          <a:spcPct val="20000"/>
-        </a:spcBef>
-        <a:spcAft>
-          <a:spcPct val="0"/>
-        </a:spcAft>
-        <a:buChar char="»"/>
-        <a:defRPr sz="2800">
-          <a:solidFill>
-            <a:schemeClr val="tx1"/>
-          </a:solidFill>
-          <a:latin typeface="+mn-lt"/>
-          <a:cs typeface="+mn-cs"/>
-        </a:defRPr>
-      </a:lvl8pPr>
-      <a:lvl9pPr marL="3886200" indent="-228600" algn="l" rtl="0" fontAlgn="base">
-        <a:spcBef>
-          <a:spcPct val="20000"/>
-        </a:spcBef>
-        <a:spcAft>
-          <a:spcPct val="0"/>
-        </a:spcAft>
-        <a:buChar char="»"/>
-        <a:defRPr sz="2800">
-          <a:solidFill>
-            <a:schemeClr val="tx1"/>
-          </a:solidFill>
-          <a:latin typeface="+mn-lt"/>
-          <a:cs typeface="+mn-cs"/>
-        </a:defRPr>
-      </a:lvl9pPr>
-    </p:bodyStyle>
-    <p:otherStyle>
-      <a:defPPr>
-        <a:defRPr lang="en-US"/>
-      </a:defPPr>
-      <a:lvl1pPr marL="0" algn="l" defTabSz="914400" rtl="0" eaLnBrk="1" latinLnBrk="0" hangingPunct="1">
-        <a:defRPr sz="1800" kern="1200">
-          <a:solidFill>
-            <a:schemeClr val="tx1"/>
-          </a:solidFill>
-          <a:latin typeface="+mn-lt"/>
-          <a:ea typeface="+mn-ea"/>
-          <a:cs typeface="+mn-cs"/>
-        </a:defRPr>
-      </a:lvl1pPr>
-      <a:lvl2pPr marL="457200" algn="l" defTabSz="914400" rtl="0" eaLnBrk="1" latinLnBrk="0" hangingPunct="1">
-        <a:defRPr sz="1800" kern="1200">
-          <a:solidFill>
-            <a:schemeClr val="tx1"/>
-          </a:solidFill>
-          <a:latin typeface="+mn-lt"/>
-          <a:ea typeface="+mn-ea"/>
-          <a:cs typeface="+mn-cs"/>
-        </a:defRPr>
-      </a:lvl2pPr>
-      <a:lvl3pPr marL="914400" algn="l" defTabSz="914400" rtl="0" eaLnBrk="1" latinLnBrk="0" hangingPunct="1">
-        <a:defRPr sz="1800" kern="1200">
-          <a:solidFill>
-            <a:schemeClr val="tx1"/>
-          </a:solidFill>
-          <a:latin typeface="+mn-lt"/>
-          <a:ea typeface="+mn-ea"/>
-          <a:cs typeface="+mn-cs"/>
-        </a:defRPr>
-      </a:lvl3pPr>
-      <a:lvl4pPr marL="1371600" algn="l" defTabSz="914400" rtl="0" eaLnBrk="1" latinLnBrk="0" hangingPunct="1">
-        <a:defRPr sz="1800" kern="1200">
-          <a:solidFill>
-            <a:schemeClr val="tx1"/>
-          </a:solidFill>
-          <a:latin typeface="+mn-lt"/>
-          <a:ea typeface="+mn-ea"/>
-          <a:cs typeface="+mn-cs"/>
-        </a:defRPr>
-      </a:lvl4pPr>
-      <a:lvl5pPr marL="1828800" algn="l" defTabSz="914400" rtl="0" eaLnBrk="1" latinLnBrk="0" hangingPunct="1">
-        <a:defRPr sz="1800" kern="1200">
-          <a:solidFill>
-            <a:schemeClr val="tx1"/>
-          </a:solidFill>
-          <a:latin typeface="+mn-lt"/>
-          <a:ea typeface="+mn-ea"/>
-          <a:cs typeface="+mn-cs"/>
-        </a:defRPr>
-      </a:lvl5pPr>
-      <a:lvl6pPr marL="2286000" algn="l" defTabSz="914400" rtl="0" eaLnBrk="1" latinLnBrk="0" hangingPunct="1">
-        <a:defRPr sz="1800" kern="1200">
-          <a:solidFill>
-            <a:schemeClr val="tx1"/>
-          </a:solidFill>
-          <a:latin typeface="+mn-lt"/>
-          <a:ea typeface="+mn-ea"/>
-          <a:cs typeface="+mn-cs"/>
-        </a:defRPr>
-      </a:lvl6pPr>
-      <a:lvl7pPr marL="2743200" algn="l" defTabSz="914400" rtl="0" eaLnBrk="1" latinLnBrk="0" hangingPunct="1">
-        <a:defRPr sz="1800" kern="1200">
-          <a:solidFill>
-            <a:schemeClr val="tx1"/>
-          </a:solidFill>
-          <a:latin typeface="+mn-lt"/>
-          <a:ea typeface="+mn-ea"/>
-          <a:cs typeface="+mn-cs"/>
-        </a:defRPr>
-      </a:lvl7pPr>
-      <a:lvl8pPr marL="3200400" algn="l" defTabSz="914400" rtl="0" eaLnBrk="1" latinLnBrk="0" hangingPunct="1">
-        <a:defRPr sz="1800" kern="1200">
-          <a:solidFill>
-            <a:schemeClr val="tx1"/>
-          </a:solidFill>
-          <a:latin typeface="+mn-lt"/>
-          <a:ea typeface="+mn-ea"/>
-          <a:cs typeface="+mn-cs"/>
-        </a:defRPr>
-      </a:lvl8pPr>
-      <a:lvl9pPr marL="3657600" algn="l" defTabSz="914400" rtl="0" eaLnBrk="1" latinLnBrk="0" hangingPunct="1">
-        <a:defRPr sz="1800" kern="1200">
-          <a:solidFill>
-            <a:schemeClr val="tx1"/>
-          </a:solidFill>
-          <a:latin typeface="+mn-lt"/>
-          <a:ea typeface="+mn-ea"/>
-          <a:cs typeface="+mn-cs"/>
-        </a:defRPr>
-      </a:lvl9pPr>
-    </p:otherStyle>
-  </p:txStyles>
-</p:sldMaster>
-</file>
-
 <file path=ppt/slides/slide1.xml><?xml version="1.0" encoding="utf-8"?>
 <p:sld xmlns:a="http://schemas.openxmlformats.org/drawingml/2006/main" xmlns:r="http://schemas.openxmlformats.org/officeDocument/2006/relationships" xmlns:p="http://schemas.openxmlformats.org/presentationml/2006/main">
   <p:cSld>
@@ -5084,8 +2705,8 @@
         </p:nvSpPr>
         <p:spPr>
           <a:xfrm>
-            <a:off x="742072" y="1589649"/>
-            <a:ext cx="7642275" cy="3727938"/>
+            <a:off x="711592" y="1488048"/>
+            <a:ext cx="7741528" cy="4272672"/>
           </a:xfrm>
         </p:spPr>
         <p:txBody>
@@ -5095,7 +2716,14 @@
             <a:pPr algn="ctr"/>
             <a:r>
               <a:rPr lang="en-US" sz="8800" b="0" dirty="0"/>
-              <a:t>crossover</a:t>
+              <a:t>3-color Planar Crossover</a:t>
+            </a:r>
+            <a:br>
+              <a:rPr lang="en-US" sz="8800" b="0" dirty="0"/>
+            </a:br>
+            <a:r>
+              <a:rPr lang="en-US" sz="8800" b="0" dirty="0"/>
+              <a:t>Gadget</a:t>
             </a:r>
             <a:endParaRPr lang="en-US" sz="8800" b="0" dirty="0">
               <a:latin typeface="Comic Sans MS" pitchFamily="66" charset="0"/>
@@ -5115,8 +2743,8 @@
         </p:nvSpPr>
         <p:spPr>
           <a:xfrm>
-            <a:off x="7358461" y="6553201"/>
-            <a:ext cx="1785540" cy="276999"/>
+            <a:off x="8225159" y="6553201"/>
+            <a:ext cx="918842" cy="276999"/>
           </a:xfrm>
           <a:noFill/>
         </p:spPr>
@@ -5125,8 +2753,12 @@
           <a:lstStyle/>
           <a:p>
             <a:r>
+              <a:rPr lang="en-US" dirty="0" err="1"/>
+              <a:t>paterson</a:t>
+            </a:r>
+            <a:r>
               <a:rPr lang="en-US" dirty="0"/>
-              <a:t>propositional algebra.</a:t>
+              <a:t>.</a:t>
             </a:r>
             <a:fld id="{0150943C-9303-41DF-A6FA-7E32D6C5D18E}" type="slidenum">
               <a:rPr lang="en-US" smtClean="0"/>
@@ -5357,39 +2989,6 @@
       </p:grpSpPr>
       <p:sp>
         <p:nvSpPr>
-          <p:cNvPr id="2" name="Title 1">
-            <a:extLst>
-              <a:ext uri="{FF2B5EF4-FFF2-40B4-BE49-F238E27FC236}">
-                <a16:creationId xmlns:a16="http://schemas.microsoft.com/office/drawing/2014/main" id="{CBA5FA15-5AE6-4B41-88BD-8370E8525D3E}"/>
-              </a:ext>
-            </a:extLst>
-          </p:cNvPr>
-          <p:cNvSpPr>
-            <a:spLocks noGrp="1"/>
-          </p:cNvSpPr>
-          <p:nvPr>
-            <p:ph type="title"/>
-          </p:nvPr>
-        </p:nvSpPr>
-        <p:spPr>
-          <a:xfrm>
-            <a:off x="1743076" y="304800"/>
-            <a:ext cx="6276974" cy="1133475"/>
-          </a:xfrm>
-        </p:spPr>
-        <p:txBody>
-          <a:bodyPr/>
-          <a:lstStyle/>
-          <a:p>
-            <a:r>
-              <a:rPr lang="en-US" sz="4000" dirty="0"/>
-              <a:t>3-color crossover gadget</a:t>
-            </a:r>
-          </a:p>
-        </p:txBody>
-      </p:sp>
-      <p:sp>
-        <p:nvSpPr>
           <p:cNvPr id="3" name="Slide Number Placeholder 2">
             <a:extLst>
               <a:ext uri="{FF2B5EF4-FFF2-40B4-BE49-F238E27FC236}">
@@ -5404,7 +3003,12 @@
             <p:ph type="sldNum" sz="quarter" idx="10"/>
           </p:nvPr>
         </p:nvSpPr>
-        <p:spPr/>
+        <p:spPr>
+          <a:xfrm>
+            <a:off x="8199515" y="6553201"/>
+            <a:ext cx="944490" cy="276999"/>
+          </a:xfrm>
+        </p:spPr>
         <p:txBody>
           <a:bodyPr/>
           <a:lstStyle/>
@@ -5413,8 +3017,12 @@
               <a:defRPr/>
             </a:pPr>
             <a:r>
-              <a:rPr lang="en-US"/>
-              <a:t>propositional algebra.</a:t>
+              <a:rPr lang="en-US" dirty="0" err="1"/>
+              <a:t>paterson</a:t>
+            </a:r>
+            <a:r>
+              <a:rPr lang="en-US" dirty="0"/>
+              <a:t>.</a:t>
             </a:r>
             <a:fld id="{DB6F0ED6-FEF5-4C9C-B1CC-29B47EC66FAA}" type="slidenum">
               <a:rPr lang="en-US" smtClean="0"/>
@@ -7316,6 +4924,77 @@
           </p:spPr>
         </p:cxnSp>
       </p:grpSp>
+      <p:sp>
+        <p:nvSpPr>
+          <p:cNvPr id="45" name="Title 1">
+            <a:extLst>
+              <a:ext uri="{FF2B5EF4-FFF2-40B4-BE49-F238E27FC236}">
+                <a16:creationId xmlns:a16="http://schemas.microsoft.com/office/drawing/2014/main" id="{BDB02284-795A-CB4C-A222-7CFDC76A97A9}"/>
+              </a:ext>
+            </a:extLst>
+          </p:cNvPr>
+          <p:cNvSpPr>
+            <a:spLocks noGrp="1"/>
+          </p:cNvSpPr>
+          <p:nvPr>
+            <p:ph type="title"/>
+          </p:nvPr>
+        </p:nvSpPr>
+        <p:spPr>
+          <a:xfrm>
+            <a:off x="1743076" y="203200"/>
+            <a:ext cx="6276974" cy="1133475"/>
+          </a:xfrm>
+        </p:spPr>
+        <p:txBody>
+          <a:bodyPr/>
+          <a:lstStyle/>
+          <a:p>
+            <a:r>
+              <a:rPr lang="en-US" sz="4000" dirty="0"/>
+              <a:t>3-color crossover gadget</a:t>
+            </a:r>
+          </a:p>
+        </p:txBody>
+      </p:sp>
+      <p:sp>
+        <p:nvSpPr>
+          <p:cNvPr id="8" name="TextBox 7">
+            <a:extLst>
+              <a:ext uri="{FF2B5EF4-FFF2-40B4-BE49-F238E27FC236}">
+                <a16:creationId xmlns:a16="http://schemas.microsoft.com/office/drawing/2014/main" id="{17B6E61E-096D-EF40-B81C-3AF830A2F419}"/>
+              </a:ext>
+            </a:extLst>
+          </p:cNvPr>
+          <p:cNvSpPr txBox="1"/>
+          <p:nvPr/>
+        </p:nvSpPr>
+        <p:spPr>
+          <a:xfrm>
+            <a:off x="214518" y="4842413"/>
+            <a:ext cx="4013847" cy="584775"/>
+          </a:xfrm>
+          <a:prstGeom prst="rect">
+            <a:avLst/>
+          </a:prstGeom>
+          <a:noFill/>
+        </p:spPr>
+        <p:txBody>
+          <a:bodyPr wrap="square" rtlCol="0">
+            <a:spAutoFit/>
+          </a:bodyPr>
+          <a:lstStyle/>
+          <a:p>
+            <a:pPr algn="l"/>
+            <a:r>
+              <a:rPr lang="en-US" dirty="0">
+                <a:latin typeface="Comic Sans MS" pitchFamily="66" charset="0"/>
+              </a:rPr>
+              <a:t>Michael S. Paterson</a:t>
+            </a:r>
+          </a:p>
+        </p:txBody>
+      </p:sp>
     </p:spTree>
     <p:extLst>
       <p:ext uri="{BB962C8B-B14F-4D97-AF65-F5344CB8AC3E}">
@@ -7367,7 +5046,7 @@
         </p:nvSpPr>
         <p:spPr>
           <a:xfrm>
-            <a:off x="1743076" y="203200"/>
+            <a:off x="1698121" y="212363"/>
             <a:ext cx="6276974" cy="1133475"/>
           </a:xfrm>
         </p:spPr>
@@ -7379,45 +5058,6 @@
               <a:rPr lang="en-US" sz="4000" dirty="0"/>
               <a:t>3-color crossover gadget</a:t>
             </a:r>
-          </a:p>
-        </p:txBody>
-      </p:sp>
-      <p:sp>
-        <p:nvSpPr>
-          <p:cNvPr id="3" name="Slide Number Placeholder 2">
-            <a:extLst>
-              <a:ext uri="{FF2B5EF4-FFF2-40B4-BE49-F238E27FC236}">
-                <a16:creationId xmlns:a16="http://schemas.microsoft.com/office/drawing/2014/main" id="{94A0D93F-DBDC-B545-A91A-2442DBC99D5A}"/>
-              </a:ext>
-            </a:extLst>
-          </p:cNvPr>
-          <p:cNvSpPr>
-            <a:spLocks noGrp="1"/>
-          </p:cNvSpPr>
-          <p:nvPr>
-            <p:ph type="sldNum" sz="quarter" idx="10"/>
-          </p:nvPr>
-        </p:nvSpPr>
-        <p:spPr/>
-        <p:txBody>
-          <a:bodyPr/>
-          <a:lstStyle/>
-          <a:p>
-            <a:pPr>
-              <a:defRPr/>
-            </a:pPr>
-            <a:r>
-              <a:rPr lang="en-US"/>
-              <a:t>propositional algebra.</a:t>
-            </a:r>
-            <a:fld id="{DB6F0ED6-FEF5-4C9C-B1CC-29B47EC66FAA}" type="slidenum">
-              <a:rPr lang="en-US" smtClean="0"/>
-              <a:pPr>
-                <a:defRPr/>
-              </a:pPr>
-              <a:t>3</a:t>
-            </a:fld>
-            <a:endParaRPr lang="en-US" dirty="0"/>
           </a:p>
         </p:txBody>
       </p:sp>
@@ -7435,7 +5075,7 @@
         </p:nvGrpSpPr>
         <p:grpSpPr>
           <a:xfrm>
-            <a:off x="2940532" y="1336675"/>
+            <a:off x="2503652" y="1336675"/>
             <a:ext cx="4198801" cy="4173848"/>
             <a:chOff x="2513812" y="1352896"/>
             <a:chExt cx="4198801" cy="4173848"/>
@@ -7603,7 +5243,11 @@
             <a:prstGeom prst="ellipse">
               <a:avLst/>
             </a:prstGeom>
-            <a:noFill/>
+            <a:solidFill>
+              <a:schemeClr val="accent5">
+                <a:lumMod val="50000"/>
+              </a:schemeClr>
+            </a:solidFill>
             <a:ln w="19050" cap="flat" cmpd="sng" algn="ctr">
               <a:solidFill>
                 <a:schemeClr val="tx1"/>
@@ -7899,7 +5543,9 @@
             <a:prstGeom prst="ellipse">
               <a:avLst/>
             </a:prstGeom>
-            <a:noFill/>
+            <a:solidFill>
+              <a:srgbClr val="006600"/>
+            </a:solidFill>
             <a:ln w="19050" cap="flat" cmpd="sng" algn="ctr">
               <a:solidFill>
                 <a:schemeClr val="tx1"/>
@@ -8110,7 +5756,9 @@
             <a:prstGeom prst="ellipse">
               <a:avLst/>
             </a:prstGeom>
-            <a:noFill/>
+            <a:solidFill>
+              <a:srgbClr val="FF0000"/>
+            </a:solidFill>
             <a:ln w="19050" cap="flat" cmpd="sng" algn="ctr">
               <a:solidFill>
                 <a:schemeClr val="tx1"/>
@@ -8179,7 +5827,9 @@
             <a:prstGeom prst="ellipse">
               <a:avLst/>
             </a:prstGeom>
-            <a:noFill/>
+            <a:solidFill>
+              <a:srgbClr val="006600"/>
+            </a:solidFill>
             <a:ln w="19050" cap="flat" cmpd="sng" algn="ctr">
               <a:solidFill>
                 <a:schemeClr val="tx1"/>
@@ -8511,7 +6161,9 @@
             <a:prstGeom prst="ellipse">
               <a:avLst/>
             </a:prstGeom>
-            <a:noFill/>
+            <a:solidFill>
+              <a:srgbClr val="006600"/>
+            </a:solidFill>
             <a:ln w="19050" cap="flat" cmpd="sng" algn="ctr">
               <a:solidFill>
                 <a:schemeClr val="tx1"/>
@@ -8651,7 +6303,11 @@
             <a:prstGeom prst="ellipse">
               <a:avLst/>
             </a:prstGeom>
-            <a:noFill/>
+            <a:solidFill>
+              <a:schemeClr val="accent5">
+                <a:lumMod val="50000"/>
+              </a:schemeClr>
+            </a:solidFill>
             <a:ln w="19050" cap="flat" cmpd="sng" algn="ctr">
               <a:solidFill>
                 <a:schemeClr val="tx1"/>
@@ -8721,7 +6377,9 @@
               <a:avLst/>
             </a:prstGeom>
             <a:solidFill>
-              <a:schemeClr val="accent1"/>
+              <a:schemeClr val="accent5">
+                <a:lumMod val="50000"/>
+              </a:schemeClr>
             </a:solidFill>
             <a:ln w="19050" cap="flat" cmpd="sng" algn="ctr">
               <a:solidFill>
@@ -9014,7 +6672,9 @@
             <a:prstGeom prst="ellipse">
               <a:avLst/>
             </a:prstGeom>
-            <a:noFill/>
+            <a:solidFill>
+              <a:srgbClr val="006600"/>
+            </a:solidFill>
             <a:ln w="19050" cap="flat" cmpd="sng" algn="ctr">
               <a:solidFill>
                 <a:schemeClr val="tx1"/>
@@ -9083,7 +6743,9 @@
             <a:prstGeom prst="ellipse">
               <a:avLst/>
             </a:prstGeom>
-            <a:noFill/>
+            <a:solidFill>
+              <a:srgbClr val="FF0000"/>
+            </a:solidFill>
             <a:ln w="19050" cap="flat" cmpd="sng" algn="ctr">
               <a:solidFill>
                 <a:schemeClr val="tx1"/>
@@ -9322,6 +6984,331 @@
           </p:spPr>
         </p:cxnSp>
       </p:grpSp>
+      <p:sp>
+        <p:nvSpPr>
+          <p:cNvPr id="6" name="TextBox 5">
+            <a:extLst>
+              <a:ext uri="{FF2B5EF4-FFF2-40B4-BE49-F238E27FC236}">
+                <a16:creationId xmlns:a16="http://schemas.microsoft.com/office/drawing/2014/main" id="{BCEE5201-BD41-D343-A4BE-A2AC5D456FE5}"/>
+              </a:ext>
+            </a:extLst>
+          </p:cNvPr>
+          <p:cNvSpPr txBox="1"/>
+          <p:nvPr/>
+        </p:nvSpPr>
+        <p:spPr>
+          <a:xfrm>
+            <a:off x="306284" y="1598246"/>
+            <a:ext cx="2675732" cy="461665"/>
+          </a:xfrm>
+          <a:prstGeom prst="rect">
+            <a:avLst/>
+          </a:prstGeom>
+          <a:noFill/>
+        </p:spPr>
+        <p:txBody>
+          <a:bodyPr wrap="none" rtlCol="0">
+            <a:spAutoFit/>
+          </a:bodyPr>
+          <a:lstStyle/>
+          <a:p>
+            <a:pPr algn="l"/>
+            <a:r>
+              <a:rPr lang="en-US" sz="2400" dirty="0">
+                <a:latin typeface="Comic Sans MS" pitchFamily="66" charset="0"/>
+              </a:rPr>
+              <a:t>Same color case: </a:t>
+            </a:r>
+          </a:p>
+        </p:txBody>
+      </p:sp>
+      <p:grpSp>
+        <p:nvGrpSpPr>
+          <p:cNvPr id="18" name="Group 17">
+            <a:extLst>
+              <a:ext uri="{FF2B5EF4-FFF2-40B4-BE49-F238E27FC236}">
+                <a16:creationId xmlns:a16="http://schemas.microsoft.com/office/drawing/2014/main" id="{81EA43AF-676A-B442-AD18-8339F9849510}"/>
+              </a:ext>
+            </a:extLst>
+          </p:cNvPr>
+          <p:cNvGrpSpPr/>
+          <p:nvPr/>
+        </p:nvGrpSpPr>
+        <p:grpSpPr>
+          <a:xfrm>
+            <a:off x="1066991" y="2059911"/>
+            <a:ext cx="805675" cy="843073"/>
+            <a:chOff x="2699465" y="1703662"/>
+            <a:chExt cx="805675" cy="843073"/>
+          </a:xfrm>
+        </p:grpSpPr>
+        <p:sp>
+          <p:nvSpPr>
+            <p:cNvPr id="44" name="Oval 43">
+              <a:extLst>
+                <a:ext uri="{FF2B5EF4-FFF2-40B4-BE49-F238E27FC236}">
+                  <a16:creationId xmlns:a16="http://schemas.microsoft.com/office/drawing/2014/main" id="{AC108526-9702-8247-AF44-3A9EB116EB06}"/>
+                </a:ext>
+              </a:extLst>
+            </p:cNvPr>
+            <p:cNvSpPr/>
+            <p:nvPr/>
+          </p:nvSpPr>
+          <p:spPr bwMode="auto">
+            <a:xfrm>
+              <a:off x="3029321" y="1703662"/>
+              <a:ext cx="150471" cy="150471"/>
+            </a:xfrm>
+            <a:prstGeom prst="ellipse">
+              <a:avLst/>
+            </a:prstGeom>
+            <a:solidFill>
+              <a:srgbClr val="006600"/>
+            </a:solidFill>
+            <a:ln w="19050" cap="flat" cmpd="sng" algn="ctr">
+              <a:solidFill>
+                <a:schemeClr val="tx1"/>
+              </a:solidFill>
+              <a:prstDash val="solid"/>
+              <a:round/>
+              <a:headEnd type="none" w="med" len="med"/>
+              <a:tailEnd type="none" w="med" len="med"/>
+            </a:ln>
+            <a:effectLst/>
+          </p:spPr>
+          <p:txBody>
+            <a:bodyPr vert="horz" wrap="none" lIns="91440" tIns="45720" rIns="91440" bIns="45720" numCol="1" rtlCol="0" anchor="ctr" anchorCtr="0" compatLnSpc="1">
+              <a:prstTxWarp prst="textNoShape">
+                <a:avLst/>
+              </a:prstTxWarp>
+            </a:bodyPr>
+            <a:lstStyle/>
+            <a:p>
+              <a:pPr marL="0" marR="0" indent="0" algn="ctr" defTabSz="914400" rtl="0" eaLnBrk="1" fontAlgn="base" latinLnBrk="0" hangingPunct="1">
+                <a:lnSpc>
+                  <a:spcPct val="100000"/>
+                </a:lnSpc>
+                <a:spcBef>
+                  <a:spcPct val="0"/>
+                </a:spcBef>
+                <a:spcAft>
+                  <a:spcPct val="0"/>
+                </a:spcAft>
+                <a:buClrTx/>
+                <a:buSzTx/>
+                <a:buFontTx/>
+                <a:buNone/>
+                <a:tabLst/>
+              </a:pPr>
+              <a:endParaRPr kumimoji="0" lang="en-US" sz="3200" b="0" i="0" u="none" strike="noStrike" cap="none" normalizeH="0" baseline="0">
+                <a:ln>
+                  <a:noFill/>
+                </a:ln>
+                <a:solidFill>
+                  <a:schemeClr val="tx1"/>
+                </a:solidFill>
+                <a:effectLst/>
+                <a:latin typeface="Times New Roman" pitchFamily="18" charset="0"/>
+              </a:endParaRPr>
+            </a:p>
+          </p:txBody>
+        </p:sp>
+        <p:sp>
+          <p:nvSpPr>
+            <p:cNvPr id="46" name="Oval 45">
+              <a:extLst>
+                <a:ext uri="{FF2B5EF4-FFF2-40B4-BE49-F238E27FC236}">
+                  <a16:creationId xmlns:a16="http://schemas.microsoft.com/office/drawing/2014/main" id="{8371EF18-2595-5747-AA6F-75A62909BAFC}"/>
+                </a:ext>
+              </a:extLst>
+            </p:cNvPr>
+            <p:cNvSpPr/>
+            <p:nvPr/>
+          </p:nvSpPr>
+          <p:spPr bwMode="auto">
+            <a:xfrm>
+              <a:off x="2699465" y="2059695"/>
+              <a:ext cx="150471" cy="150471"/>
+            </a:xfrm>
+            <a:prstGeom prst="ellipse">
+              <a:avLst/>
+            </a:prstGeom>
+            <a:solidFill>
+              <a:srgbClr val="006600"/>
+            </a:solidFill>
+            <a:ln w="19050" cap="flat" cmpd="sng" algn="ctr">
+              <a:solidFill>
+                <a:schemeClr val="tx1"/>
+              </a:solidFill>
+              <a:prstDash val="solid"/>
+              <a:round/>
+              <a:headEnd type="none" w="med" len="med"/>
+              <a:tailEnd type="none" w="med" len="med"/>
+            </a:ln>
+            <a:effectLst/>
+          </p:spPr>
+          <p:txBody>
+            <a:bodyPr vert="horz" wrap="none" lIns="91440" tIns="45720" rIns="91440" bIns="45720" numCol="1" rtlCol="0" anchor="ctr" anchorCtr="0" compatLnSpc="1">
+              <a:prstTxWarp prst="textNoShape">
+                <a:avLst/>
+              </a:prstTxWarp>
+            </a:bodyPr>
+            <a:lstStyle/>
+            <a:p>
+              <a:pPr marL="0" marR="0" indent="0" algn="ctr" defTabSz="914400" rtl="0" eaLnBrk="1" fontAlgn="base" latinLnBrk="0" hangingPunct="1">
+                <a:lnSpc>
+                  <a:spcPct val="100000"/>
+                </a:lnSpc>
+                <a:spcBef>
+                  <a:spcPct val="0"/>
+                </a:spcBef>
+                <a:spcAft>
+                  <a:spcPct val="0"/>
+                </a:spcAft>
+                <a:buClrTx/>
+                <a:buSzTx/>
+                <a:buFontTx/>
+                <a:buNone/>
+                <a:tabLst/>
+              </a:pPr>
+              <a:endParaRPr kumimoji="0" lang="en-US" sz="3200" b="0" i="0" u="none" strike="noStrike" cap="none" normalizeH="0" baseline="0">
+                <a:ln>
+                  <a:noFill/>
+                </a:ln>
+                <a:solidFill>
+                  <a:schemeClr val="tx1"/>
+                </a:solidFill>
+                <a:effectLst/>
+                <a:latin typeface="Times New Roman" pitchFamily="18" charset="0"/>
+              </a:endParaRPr>
+            </a:p>
+          </p:txBody>
+        </p:sp>
+        <p:cxnSp>
+          <p:nvCxnSpPr>
+            <p:cNvPr id="8" name="Straight Arrow Connector 7">
+              <a:extLst>
+                <a:ext uri="{FF2B5EF4-FFF2-40B4-BE49-F238E27FC236}">
+                  <a16:creationId xmlns:a16="http://schemas.microsoft.com/office/drawing/2014/main" id="{79EE9C26-2E63-EA47-A6E8-3D8BDF67128B}"/>
+                </a:ext>
+              </a:extLst>
+            </p:cNvPr>
+            <p:cNvCxnSpPr>
+              <a:cxnSpLocks/>
+              <a:stCxn id="44" idx="4"/>
+            </p:cNvCxnSpPr>
+            <p:nvPr/>
+          </p:nvCxnSpPr>
+          <p:spPr bwMode="auto">
+            <a:xfrm>
+              <a:off x="3104557" y="1854133"/>
+              <a:ext cx="0" cy="692602"/>
+            </a:xfrm>
+            <a:prstGeom prst="straightConnector1">
+              <a:avLst/>
+            </a:prstGeom>
+            <a:solidFill>
+              <a:schemeClr val="accent1"/>
+            </a:solidFill>
+            <a:ln w="28575" cap="flat" cmpd="sng" algn="ctr">
+              <a:solidFill>
+                <a:srgbClr val="7030A0"/>
+              </a:solidFill>
+              <a:prstDash val="solid"/>
+              <a:round/>
+              <a:headEnd type="none" w="med" len="med"/>
+              <a:tailEnd type="stealth" w="lg" len="lg"/>
+            </a:ln>
+            <a:effectLst/>
+          </p:spPr>
+        </p:cxnSp>
+        <p:cxnSp>
+          <p:nvCxnSpPr>
+            <p:cNvPr id="52" name="Straight Arrow Connector 51">
+              <a:extLst>
+                <a:ext uri="{FF2B5EF4-FFF2-40B4-BE49-F238E27FC236}">
+                  <a16:creationId xmlns:a16="http://schemas.microsoft.com/office/drawing/2014/main" id="{E9D77D25-4077-2147-8767-A06E57AF83D4}"/>
+                </a:ext>
+              </a:extLst>
+            </p:cNvPr>
+            <p:cNvCxnSpPr>
+              <a:cxnSpLocks/>
+              <a:stCxn id="46" idx="6"/>
+            </p:cNvCxnSpPr>
+            <p:nvPr/>
+          </p:nvCxnSpPr>
+          <p:spPr bwMode="auto">
+            <a:xfrm>
+              <a:off x="2849936" y="2134931"/>
+              <a:ext cx="655204" cy="0"/>
+            </a:xfrm>
+            <a:prstGeom prst="straightConnector1">
+              <a:avLst/>
+            </a:prstGeom>
+            <a:solidFill>
+              <a:schemeClr val="accent1"/>
+            </a:solidFill>
+            <a:ln w="28575" cap="flat" cmpd="sng" algn="ctr">
+              <a:solidFill>
+                <a:srgbClr val="7030A0"/>
+              </a:solidFill>
+              <a:prstDash val="solid"/>
+              <a:round/>
+              <a:headEnd type="none" w="med" len="med"/>
+              <a:tailEnd type="stealth" w="lg" len="lg"/>
+            </a:ln>
+            <a:effectLst/>
+          </p:spPr>
+        </p:cxnSp>
+      </p:grpSp>
+      <p:sp>
+        <p:nvSpPr>
+          <p:cNvPr id="61" name="Slide Number Placeholder 2">
+            <a:extLst>
+              <a:ext uri="{FF2B5EF4-FFF2-40B4-BE49-F238E27FC236}">
+                <a16:creationId xmlns:a16="http://schemas.microsoft.com/office/drawing/2014/main" id="{B74C2EBA-D46C-DF40-9A33-78AD8DB85300}"/>
+              </a:ext>
+            </a:extLst>
+          </p:cNvPr>
+          <p:cNvSpPr>
+            <a:spLocks noGrp="1"/>
+          </p:cNvSpPr>
+          <p:nvPr>
+            <p:ph type="sldNum" sz="quarter" idx="10"/>
+          </p:nvPr>
+        </p:nvSpPr>
+        <p:spPr>
+          <a:xfrm>
+            <a:off x="8199515" y="6553201"/>
+            <a:ext cx="944490" cy="276999"/>
+          </a:xfrm>
+        </p:spPr>
+        <p:txBody>
+          <a:bodyPr/>
+          <a:lstStyle/>
+          <a:p>
+            <a:pPr>
+              <a:defRPr/>
+            </a:pPr>
+            <a:r>
+              <a:rPr lang="en-US" dirty="0" err="1"/>
+              <a:t>paterson</a:t>
+            </a:r>
+            <a:r>
+              <a:rPr lang="en-US" dirty="0"/>
+              <a:t>.</a:t>
+            </a:r>
+            <a:fld id="{DB6F0ED6-FEF5-4C9C-B1CC-29B47EC66FAA}" type="slidenum">
+              <a:rPr lang="en-US" smtClean="0"/>
+              <a:pPr>
+                <a:defRPr/>
+              </a:pPr>
+              <a:t>3</a:t>
+            </a:fld>
+            <a:endParaRPr lang="en-US" dirty="0"/>
+          </a:p>
+        </p:txBody>
+      </p:sp>
     </p:spTree>
     <p:extLst>
       <p:ext uri="{BB962C8B-B14F-4D97-AF65-F5344CB8AC3E}">
@@ -9373,7 +7360,7 @@
         </p:nvSpPr>
         <p:spPr>
           <a:xfrm>
-            <a:off x="1743076" y="304800"/>
+            <a:off x="1743076" y="203200"/>
             <a:ext cx="6276974" cy="1133475"/>
           </a:xfrm>
         </p:spPr>
@@ -9385,45 +7372,6 @@
               <a:rPr lang="en-US" sz="4000" dirty="0"/>
               <a:t>3-color crossover gadget</a:t>
             </a:r>
-          </a:p>
-        </p:txBody>
-      </p:sp>
-      <p:sp>
-        <p:nvSpPr>
-          <p:cNvPr id="3" name="Slide Number Placeholder 2">
-            <a:extLst>
-              <a:ext uri="{FF2B5EF4-FFF2-40B4-BE49-F238E27FC236}">
-                <a16:creationId xmlns:a16="http://schemas.microsoft.com/office/drawing/2014/main" id="{94A0D93F-DBDC-B545-A91A-2442DBC99D5A}"/>
-              </a:ext>
-            </a:extLst>
-          </p:cNvPr>
-          <p:cNvSpPr>
-            <a:spLocks noGrp="1"/>
-          </p:cNvSpPr>
-          <p:nvPr>
-            <p:ph type="sldNum" sz="quarter" idx="10"/>
-          </p:nvPr>
-        </p:nvSpPr>
-        <p:spPr/>
-        <p:txBody>
-          <a:bodyPr/>
-          <a:lstStyle/>
-          <a:p>
-            <a:pPr>
-              <a:defRPr/>
-            </a:pPr>
-            <a:r>
-              <a:rPr lang="en-US"/>
-              <a:t>propositional algebra.</a:t>
-            </a:r>
-            <a:fld id="{DB6F0ED6-FEF5-4C9C-B1CC-29B47EC66FAA}" type="slidenum">
-              <a:rPr lang="en-US" smtClean="0"/>
-              <a:pPr>
-                <a:defRPr/>
-              </a:pPr>
-              <a:t>4</a:t>
-            </a:fld>
-            <a:endParaRPr lang="en-US" dirty="0"/>
           </a:p>
         </p:txBody>
       </p:sp>
@@ -9441,7 +7389,7 @@
         </p:nvGrpSpPr>
         <p:grpSpPr>
           <a:xfrm>
-            <a:off x="2513812" y="1352896"/>
+            <a:off x="2503652" y="1333922"/>
             <a:ext cx="4198801" cy="4173848"/>
             <a:chOff x="2513812" y="1352896"/>
             <a:chExt cx="4198801" cy="4173848"/>
@@ -9467,7 +7415,9 @@
             <a:prstGeom prst="ellipse">
               <a:avLst/>
             </a:prstGeom>
-            <a:noFill/>
+            <a:solidFill>
+              <a:srgbClr val="006600"/>
+            </a:solidFill>
             <a:ln w="19050" cap="flat" cmpd="sng" algn="ctr">
               <a:solidFill>
                 <a:schemeClr val="tx1"/>
@@ -9536,7 +7486,9 @@
             <a:prstGeom prst="ellipse">
               <a:avLst/>
             </a:prstGeom>
-            <a:noFill/>
+            <a:solidFill>
+              <a:srgbClr val="FF0000"/>
+            </a:solidFill>
             <a:ln w="19050" cap="flat" cmpd="sng" algn="ctr">
               <a:solidFill>
                 <a:schemeClr val="tx1"/>
@@ -9605,7 +7557,9 @@
             <a:prstGeom prst="ellipse">
               <a:avLst/>
             </a:prstGeom>
-            <a:noFill/>
+            <a:solidFill>
+              <a:srgbClr val="006600"/>
+            </a:solidFill>
             <a:ln w="19050" cap="flat" cmpd="sng" algn="ctr">
               <a:solidFill>
                 <a:schemeClr val="tx1"/>
@@ -9901,7 +7855,9 @@
             <a:prstGeom prst="ellipse">
               <a:avLst/>
             </a:prstGeom>
-            <a:noFill/>
+            <a:solidFill>
+              <a:srgbClr val="FF0000"/>
+            </a:solidFill>
             <a:ln w="19050" cap="flat" cmpd="sng" algn="ctr">
               <a:solidFill>
                 <a:schemeClr val="tx1"/>
@@ -10039,7 +7995,11 @@
             <a:prstGeom prst="ellipse">
               <a:avLst/>
             </a:prstGeom>
-            <a:noFill/>
+            <a:solidFill>
+              <a:schemeClr val="accent5">
+                <a:lumMod val="50000"/>
+              </a:schemeClr>
+            </a:solidFill>
             <a:ln w="19050" cap="flat" cmpd="sng" algn="ctr">
               <a:solidFill>
                 <a:schemeClr val="tx1"/>
@@ -10108,7 +8068,11 @@
             <a:prstGeom prst="ellipse">
               <a:avLst/>
             </a:prstGeom>
-            <a:noFill/>
+            <a:solidFill>
+              <a:schemeClr val="accent1">
+                <a:lumMod val="50000"/>
+              </a:schemeClr>
+            </a:solidFill>
             <a:ln w="19050" cap="flat" cmpd="sng" algn="ctr">
               <a:solidFill>
                 <a:schemeClr val="tx1"/>
@@ -10177,7 +8141,11 @@
             <a:prstGeom prst="ellipse">
               <a:avLst/>
             </a:prstGeom>
-            <a:noFill/>
+            <a:solidFill>
+              <a:schemeClr val="accent1">
+                <a:lumMod val="50000"/>
+              </a:schemeClr>
+            </a:solidFill>
             <a:ln w="19050" cap="flat" cmpd="sng" algn="ctr">
               <a:solidFill>
                 <a:schemeClr val="tx1"/>
@@ -10509,7 +8477,9 @@
             <a:prstGeom prst="ellipse">
               <a:avLst/>
             </a:prstGeom>
-            <a:noFill/>
+            <a:solidFill>
+              <a:srgbClr val="006600"/>
+            </a:solidFill>
             <a:ln w="19050" cap="flat" cmpd="sng" algn="ctr">
               <a:solidFill>
                 <a:schemeClr val="tx1"/>
@@ -10578,7 +8548,9 @@
             <a:prstGeom prst="ellipse">
               <a:avLst/>
             </a:prstGeom>
-            <a:noFill/>
+            <a:solidFill>
+              <a:srgbClr val="FF0000"/>
+            </a:solidFill>
             <a:ln w="19050" cap="flat" cmpd="sng" algn="ctr">
               <a:solidFill>
                 <a:schemeClr val="tx1"/>
@@ -10647,7 +8619,11 @@
             <a:prstGeom prst="ellipse">
               <a:avLst/>
             </a:prstGeom>
-            <a:noFill/>
+            <a:solidFill>
+              <a:schemeClr val="accent5">
+                <a:lumMod val="50000"/>
+              </a:schemeClr>
+            </a:solidFill>
             <a:ln w="19050" cap="flat" cmpd="sng" algn="ctr">
               <a:solidFill>
                 <a:schemeClr val="tx1"/>
@@ -10716,7 +8692,9 @@
             <a:prstGeom prst="ellipse">
               <a:avLst/>
             </a:prstGeom>
-            <a:noFill/>
+            <a:solidFill>
+              <a:srgbClr val="006600"/>
+            </a:solidFill>
             <a:ln w="19050" cap="flat" cmpd="sng" algn="ctr">
               <a:solidFill>
                 <a:schemeClr val="tx1"/>
@@ -11008,7 +8986,9 @@
             <a:prstGeom prst="ellipse">
               <a:avLst/>
             </a:prstGeom>
-            <a:noFill/>
+            <a:solidFill>
+              <a:srgbClr val="FF0000"/>
+            </a:solidFill>
             <a:ln w="19050" cap="flat" cmpd="sng" algn="ctr">
               <a:solidFill>
                 <a:schemeClr val="tx1"/>
@@ -11077,7 +9057,11 @@
             <a:prstGeom prst="ellipse">
               <a:avLst/>
             </a:prstGeom>
-            <a:noFill/>
+            <a:solidFill>
+              <a:schemeClr val="accent1">
+                <a:lumMod val="50000"/>
+              </a:schemeClr>
+            </a:solidFill>
             <a:ln w="19050" cap="flat" cmpd="sng" algn="ctr">
               <a:solidFill>
                 <a:schemeClr val="tx1"/>
@@ -11316,10 +9300,335 @@
           </p:spPr>
         </p:cxnSp>
       </p:grpSp>
+      <p:sp>
+        <p:nvSpPr>
+          <p:cNvPr id="44" name="TextBox 43">
+            <a:extLst>
+              <a:ext uri="{FF2B5EF4-FFF2-40B4-BE49-F238E27FC236}">
+                <a16:creationId xmlns:a16="http://schemas.microsoft.com/office/drawing/2014/main" id="{7A2A137A-989D-D149-9042-34F152F3EC79}"/>
+              </a:ext>
+            </a:extLst>
+          </p:cNvPr>
+          <p:cNvSpPr txBox="1"/>
+          <p:nvPr/>
+        </p:nvSpPr>
+        <p:spPr>
+          <a:xfrm>
+            <a:off x="306284" y="1598246"/>
+            <a:ext cx="3312125" cy="461665"/>
+          </a:xfrm>
+          <a:prstGeom prst="rect">
+            <a:avLst/>
+          </a:prstGeom>
+          <a:noFill/>
+        </p:spPr>
+        <p:txBody>
+          <a:bodyPr wrap="none" rtlCol="0">
+            <a:spAutoFit/>
+          </a:bodyPr>
+          <a:lstStyle/>
+          <a:p>
+            <a:pPr algn="l"/>
+            <a:r>
+              <a:rPr lang="en-US" sz="2400" dirty="0">
+                <a:latin typeface="Comic Sans MS" pitchFamily="66" charset="0"/>
+              </a:rPr>
+              <a:t>Different color case: </a:t>
+            </a:r>
+          </a:p>
+        </p:txBody>
+      </p:sp>
+      <p:grpSp>
+        <p:nvGrpSpPr>
+          <p:cNvPr id="45" name="Group 44">
+            <a:extLst>
+              <a:ext uri="{FF2B5EF4-FFF2-40B4-BE49-F238E27FC236}">
+                <a16:creationId xmlns:a16="http://schemas.microsoft.com/office/drawing/2014/main" id="{B2D6D149-6A09-1A41-A931-9FE3B85FE165}"/>
+              </a:ext>
+            </a:extLst>
+          </p:cNvPr>
+          <p:cNvGrpSpPr/>
+          <p:nvPr/>
+        </p:nvGrpSpPr>
+        <p:grpSpPr>
+          <a:xfrm>
+            <a:off x="1036511" y="2076166"/>
+            <a:ext cx="805675" cy="843073"/>
+            <a:chOff x="2699465" y="1703662"/>
+            <a:chExt cx="805675" cy="843073"/>
+          </a:xfrm>
+        </p:grpSpPr>
+        <p:sp>
+          <p:nvSpPr>
+            <p:cNvPr id="46" name="Oval 45">
+              <a:extLst>
+                <a:ext uri="{FF2B5EF4-FFF2-40B4-BE49-F238E27FC236}">
+                  <a16:creationId xmlns:a16="http://schemas.microsoft.com/office/drawing/2014/main" id="{98233734-E8D1-A147-9E6C-C068544685DB}"/>
+                </a:ext>
+              </a:extLst>
+            </p:cNvPr>
+            <p:cNvSpPr/>
+            <p:nvPr/>
+          </p:nvSpPr>
+          <p:spPr bwMode="auto">
+            <a:xfrm>
+              <a:off x="3029321" y="1703662"/>
+              <a:ext cx="150471" cy="150471"/>
+            </a:xfrm>
+            <a:prstGeom prst="ellipse">
+              <a:avLst/>
+            </a:prstGeom>
+            <a:solidFill>
+              <a:srgbClr val="006600"/>
+            </a:solidFill>
+            <a:ln w="19050" cap="flat" cmpd="sng" algn="ctr">
+              <a:solidFill>
+                <a:schemeClr val="tx1"/>
+              </a:solidFill>
+              <a:prstDash val="solid"/>
+              <a:round/>
+              <a:headEnd type="none" w="med" len="med"/>
+              <a:tailEnd type="none" w="med" len="med"/>
+            </a:ln>
+            <a:effectLst/>
+          </p:spPr>
+          <p:txBody>
+            <a:bodyPr vert="horz" wrap="none" lIns="91440" tIns="45720" rIns="91440" bIns="45720" numCol="1" rtlCol="0" anchor="ctr" anchorCtr="0" compatLnSpc="1">
+              <a:prstTxWarp prst="textNoShape">
+                <a:avLst/>
+              </a:prstTxWarp>
+            </a:bodyPr>
+            <a:lstStyle/>
+            <a:p>
+              <a:pPr marL="0" marR="0" indent="0" algn="ctr" defTabSz="914400" rtl="0" eaLnBrk="1" fontAlgn="base" latinLnBrk="0" hangingPunct="1">
+                <a:lnSpc>
+                  <a:spcPct val="100000"/>
+                </a:lnSpc>
+                <a:spcBef>
+                  <a:spcPct val="0"/>
+                </a:spcBef>
+                <a:spcAft>
+                  <a:spcPct val="0"/>
+                </a:spcAft>
+                <a:buClrTx/>
+                <a:buSzTx/>
+                <a:buFontTx/>
+                <a:buNone/>
+                <a:tabLst/>
+              </a:pPr>
+              <a:endParaRPr kumimoji="0" lang="en-US" sz="3200" b="0" i="0" u="none" strike="noStrike" cap="none" normalizeH="0" baseline="0">
+                <a:ln>
+                  <a:noFill/>
+                </a:ln>
+                <a:solidFill>
+                  <a:schemeClr val="tx1"/>
+                </a:solidFill>
+                <a:effectLst/>
+                <a:latin typeface="Times New Roman" pitchFamily="18" charset="0"/>
+              </a:endParaRPr>
+            </a:p>
+          </p:txBody>
+        </p:sp>
+        <p:sp>
+          <p:nvSpPr>
+            <p:cNvPr id="47" name="Oval 46">
+              <a:extLst>
+                <a:ext uri="{FF2B5EF4-FFF2-40B4-BE49-F238E27FC236}">
+                  <a16:creationId xmlns:a16="http://schemas.microsoft.com/office/drawing/2014/main" id="{622A5932-0C42-2D4B-87C1-90F96BDD0B30}"/>
+                </a:ext>
+              </a:extLst>
+            </p:cNvPr>
+            <p:cNvSpPr/>
+            <p:nvPr/>
+          </p:nvSpPr>
+          <p:spPr bwMode="auto">
+            <a:xfrm>
+              <a:off x="2699465" y="2059695"/>
+              <a:ext cx="150471" cy="150471"/>
+            </a:xfrm>
+            <a:prstGeom prst="ellipse">
+              <a:avLst/>
+            </a:prstGeom>
+            <a:solidFill>
+              <a:srgbClr val="FF0000"/>
+            </a:solidFill>
+            <a:ln w="19050" cap="flat" cmpd="sng" algn="ctr">
+              <a:solidFill>
+                <a:schemeClr val="tx1"/>
+              </a:solidFill>
+              <a:prstDash val="solid"/>
+              <a:round/>
+              <a:headEnd type="none" w="med" len="med"/>
+              <a:tailEnd type="none" w="med" len="med"/>
+            </a:ln>
+            <a:effectLst/>
+          </p:spPr>
+          <p:txBody>
+            <a:bodyPr vert="horz" wrap="none" lIns="91440" tIns="45720" rIns="91440" bIns="45720" numCol="1" rtlCol="0" anchor="ctr" anchorCtr="0" compatLnSpc="1">
+              <a:prstTxWarp prst="textNoShape">
+                <a:avLst/>
+              </a:prstTxWarp>
+            </a:bodyPr>
+            <a:lstStyle/>
+            <a:p>
+              <a:pPr marL="0" marR="0" indent="0" algn="ctr" defTabSz="914400" rtl="0" eaLnBrk="1" fontAlgn="base" latinLnBrk="0" hangingPunct="1">
+                <a:lnSpc>
+                  <a:spcPct val="100000"/>
+                </a:lnSpc>
+                <a:spcBef>
+                  <a:spcPct val="0"/>
+                </a:spcBef>
+                <a:spcAft>
+                  <a:spcPct val="0"/>
+                </a:spcAft>
+                <a:buClrTx/>
+                <a:buSzTx/>
+                <a:buFontTx/>
+                <a:buNone/>
+                <a:tabLst/>
+              </a:pPr>
+              <a:endParaRPr kumimoji="0" lang="en-US" sz="3200" b="0" i="0" u="none" strike="noStrike" cap="none" normalizeH="0" baseline="0">
+                <a:ln>
+                  <a:noFill/>
+                </a:ln>
+                <a:solidFill>
+                  <a:schemeClr val="tx1"/>
+                </a:solidFill>
+                <a:effectLst/>
+                <a:latin typeface="Times New Roman" pitchFamily="18" charset="0"/>
+              </a:endParaRPr>
+            </a:p>
+          </p:txBody>
+        </p:sp>
+        <p:cxnSp>
+          <p:nvCxnSpPr>
+            <p:cNvPr id="52" name="Straight Arrow Connector 51">
+              <a:extLst>
+                <a:ext uri="{FF2B5EF4-FFF2-40B4-BE49-F238E27FC236}">
+                  <a16:creationId xmlns:a16="http://schemas.microsoft.com/office/drawing/2014/main" id="{1865466D-EE23-2A42-8826-80E071627E80}"/>
+                </a:ext>
+              </a:extLst>
+            </p:cNvPr>
+            <p:cNvCxnSpPr>
+              <a:cxnSpLocks/>
+              <a:stCxn id="46" idx="4"/>
+            </p:cNvCxnSpPr>
+            <p:nvPr/>
+          </p:nvCxnSpPr>
+          <p:spPr bwMode="auto">
+            <a:xfrm>
+              <a:off x="3104557" y="1854133"/>
+              <a:ext cx="0" cy="692602"/>
+            </a:xfrm>
+            <a:prstGeom prst="straightConnector1">
+              <a:avLst/>
+            </a:prstGeom>
+            <a:solidFill>
+              <a:schemeClr val="accent1"/>
+            </a:solidFill>
+            <a:ln w="28575" cap="flat" cmpd="sng" algn="ctr">
+              <a:solidFill>
+                <a:srgbClr val="7030A0"/>
+              </a:solidFill>
+              <a:prstDash val="solid"/>
+              <a:round/>
+              <a:headEnd type="none" w="med" len="med"/>
+              <a:tailEnd type="stealth" w="lg" len="lg"/>
+            </a:ln>
+            <a:effectLst/>
+          </p:spPr>
+        </p:cxnSp>
+        <p:cxnSp>
+          <p:nvCxnSpPr>
+            <p:cNvPr id="61" name="Straight Arrow Connector 60">
+              <a:extLst>
+                <a:ext uri="{FF2B5EF4-FFF2-40B4-BE49-F238E27FC236}">
+                  <a16:creationId xmlns:a16="http://schemas.microsoft.com/office/drawing/2014/main" id="{F2AFE0DB-C1A8-274E-8B3D-947AFA16E296}"/>
+                </a:ext>
+              </a:extLst>
+            </p:cNvPr>
+            <p:cNvCxnSpPr>
+              <a:cxnSpLocks/>
+              <a:stCxn id="47" idx="6"/>
+            </p:cNvCxnSpPr>
+            <p:nvPr/>
+          </p:nvCxnSpPr>
+          <p:spPr bwMode="auto">
+            <a:xfrm>
+              <a:off x="2849936" y="2134931"/>
+              <a:ext cx="655204" cy="0"/>
+            </a:xfrm>
+            <a:prstGeom prst="straightConnector1">
+              <a:avLst/>
+            </a:prstGeom>
+            <a:solidFill>
+              <a:schemeClr val="accent1"/>
+            </a:solidFill>
+            <a:ln w="28575" cap="flat" cmpd="sng" algn="ctr">
+              <a:solidFill>
+                <a:srgbClr val="7030A0"/>
+              </a:solidFill>
+              <a:prstDash val="solid"/>
+              <a:round/>
+              <a:headEnd type="none" w="med" len="med"/>
+              <a:tailEnd type="stealth" w="lg" len="lg"/>
+            </a:ln>
+            <a:effectLst/>
+          </p:spPr>
+        </p:cxnSp>
+      </p:grpSp>
+      <p:sp>
+        <p:nvSpPr>
+          <p:cNvPr id="64" name="Slide Number Placeholder 2">
+            <a:extLst>
+              <a:ext uri="{FF2B5EF4-FFF2-40B4-BE49-F238E27FC236}">
+                <a16:creationId xmlns:a16="http://schemas.microsoft.com/office/drawing/2014/main" id="{1E00114A-FC87-B641-9122-8919E2C2ACDE}"/>
+              </a:ext>
+            </a:extLst>
+          </p:cNvPr>
+          <p:cNvSpPr>
+            <a:spLocks noGrp="1"/>
+          </p:cNvSpPr>
+          <p:nvPr>
+            <p:ph type="sldNum" sz="quarter" idx="10"/>
+          </p:nvPr>
+        </p:nvSpPr>
+        <p:spPr>
+          <a:xfrm>
+            <a:off x="8199515" y="6553201"/>
+            <a:ext cx="944490" cy="276999"/>
+          </a:xfrm>
+        </p:spPr>
+        <p:txBody>
+          <a:bodyPr/>
+          <a:lstStyle/>
+          <a:p>
+            <a:pPr>
+              <a:defRPr/>
+            </a:pPr>
+            <a:r>
+              <a:rPr lang="en-US" dirty="0" err="1"/>
+              <a:t>paterson</a:t>
+            </a:r>
+            <a:r>
+              <a:rPr lang="en-US" dirty="0"/>
+              <a:t>.</a:t>
+            </a:r>
+            <a:fld id="{DB6F0ED6-FEF5-4C9C-B1CC-29B47EC66FAA}" type="slidenum">
+              <a:rPr lang="en-US" smtClean="0"/>
+              <a:pPr>
+                <a:defRPr/>
+              </a:pPr>
+              <a:t>4</a:t>
+            </a:fld>
+            <a:endParaRPr lang="en-US" dirty="0"/>
+          </a:p>
+        </p:txBody>
+      </p:sp>
     </p:spTree>
     <p:extLst>
       <p:ext uri="{BB962C8B-B14F-4D97-AF65-F5344CB8AC3E}">
-        <p14:creationId xmlns:p14="http://schemas.microsoft.com/office/powerpoint/2010/main" val="4146002104"/>
+        <p14:creationId xmlns:p14="http://schemas.microsoft.com/office/powerpoint/2010/main" val="3331076681"/>
       </p:ext>
     </p:extLst>
   </p:cSld>
@@ -11367,7 +9676,7 @@
         </p:nvSpPr>
         <p:spPr>
           <a:xfrm>
-            <a:off x="1743076" y="304800"/>
+            <a:off x="1743076" y="203200"/>
             <a:ext cx="6276974" cy="1133475"/>
           </a:xfrm>
         </p:spPr>
@@ -11379,45 +9688,6 @@
               <a:rPr lang="en-US" sz="4000" dirty="0"/>
               <a:t>3-color crossover gadget</a:t>
             </a:r>
-          </a:p>
-        </p:txBody>
-      </p:sp>
-      <p:sp>
-        <p:nvSpPr>
-          <p:cNvPr id="3" name="Slide Number Placeholder 2">
-            <a:extLst>
-              <a:ext uri="{FF2B5EF4-FFF2-40B4-BE49-F238E27FC236}">
-                <a16:creationId xmlns:a16="http://schemas.microsoft.com/office/drawing/2014/main" id="{94A0D93F-DBDC-B545-A91A-2442DBC99D5A}"/>
-              </a:ext>
-            </a:extLst>
-          </p:cNvPr>
-          <p:cNvSpPr>
-            <a:spLocks noGrp="1"/>
-          </p:cNvSpPr>
-          <p:nvPr>
-            <p:ph type="sldNum" sz="quarter" idx="10"/>
-          </p:nvPr>
-        </p:nvSpPr>
-        <p:spPr/>
-        <p:txBody>
-          <a:bodyPr/>
-          <a:lstStyle/>
-          <a:p>
-            <a:pPr>
-              <a:defRPr/>
-            </a:pPr>
-            <a:r>
-              <a:rPr lang="en-US"/>
-              <a:t>propositional algebra.</a:t>
-            </a:r>
-            <a:fld id="{DB6F0ED6-FEF5-4C9C-B1CC-29B47EC66FAA}" type="slidenum">
-              <a:rPr lang="en-US" smtClean="0"/>
-              <a:pPr>
-                <a:defRPr/>
-              </a:pPr>
-              <a:t>5</a:t>
-            </a:fld>
-            <a:endParaRPr lang="en-US" dirty="0"/>
           </a:p>
         </p:txBody>
       </p:sp>
@@ -11435,7 +9705,7 @@
         </p:nvGrpSpPr>
         <p:grpSpPr>
           <a:xfrm>
-            <a:off x="2513812" y="1352896"/>
+            <a:off x="2503652" y="1333922"/>
             <a:ext cx="4198801" cy="4173848"/>
             <a:chOff x="2513812" y="1352896"/>
             <a:chExt cx="4198801" cy="4173848"/>
@@ -11461,7 +9731,9 @@
             <a:prstGeom prst="ellipse">
               <a:avLst/>
             </a:prstGeom>
-            <a:noFill/>
+            <a:solidFill>
+              <a:srgbClr val="006600"/>
+            </a:solidFill>
             <a:ln w="19050" cap="flat" cmpd="sng" algn="ctr">
               <a:solidFill>
                 <a:schemeClr val="tx1"/>
@@ -11530,7 +9802,9 @@
             <a:prstGeom prst="ellipse">
               <a:avLst/>
             </a:prstGeom>
-            <a:noFill/>
+            <a:solidFill>
+              <a:srgbClr val="FF0000"/>
+            </a:solidFill>
             <a:ln w="19050" cap="flat" cmpd="sng" algn="ctr">
               <a:solidFill>
                 <a:schemeClr val="tx1"/>
@@ -11599,7 +9873,11 @@
             <a:prstGeom prst="ellipse">
               <a:avLst/>
             </a:prstGeom>
-            <a:noFill/>
+            <a:solidFill>
+              <a:schemeClr val="accent5">
+                <a:lumMod val="50000"/>
+              </a:schemeClr>
+            </a:solidFill>
             <a:ln w="19050" cap="flat" cmpd="sng" algn="ctr">
               <a:solidFill>
                 <a:schemeClr val="tx1"/>
@@ -11895,7 +10173,9 @@
             <a:prstGeom prst="ellipse">
               <a:avLst/>
             </a:prstGeom>
-            <a:noFill/>
+            <a:solidFill>
+              <a:srgbClr val="FF0000"/>
+            </a:solidFill>
             <a:ln w="19050" cap="flat" cmpd="sng" algn="ctr">
               <a:solidFill>
                 <a:schemeClr val="tx1"/>
@@ -12033,7 +10313,11 @@
             <a:prstGeom prst="ellipse">
               <a:avLst/>
             </a:prstGeom>
-            <a:noFill/>
+            <a:solidFill>
+              <a:schemeClr val="accent5">
+                <a:lumMod val="50000"/>
+              </a:schemeClr>
+            </a:solidFill>
             <a:ln w="19050" cap="flat" cmpd="sng" algn="ctr">
               <a:solidFill>
                 <a:schemeClr val="tx1"/>
@@ -12102,7 +10386,9 @@
             <a:prstGeom prst="ellipse">
               <a:avLst/>
             </a:prstGeom>
-            <a:noFill/>
+            <a:solidFill>
+              <a:srgbClr val="006600"/>
+            </a:solidFill>
             <a:ln w="19050" cap="flat" cmpd="sng" algn="ctr">
               <a:solidFill>
                 <a:schemeClr val="tx1"/>
@@ -12171,7 +10457,9 @@
             <a:prstGeom prst="ellipse">
               <a:avLst/>
             </a:prstGeom>
-            <a:noFill/>
+            <a:solidFill>
+              <a:srgbClr val="006600"/>
+            </a:solidFill>
             <a:ln w="19050" cap="flat" cmpd="sng" algn="ctr">
               <a:solidFill>
                 <a:schemeClr val="tx1"/>
@@ -12503,7 +10791,9 @@
             <a:prstGeom prst="ellipse">
               <a:avLst/>
             </a:prstGeom>
-            <a:noFill/>
+            <a:solidFill>
+              <a:srgbClr val="006600"/>
+            </a:solidFill>
             <a:ln w="19050" cap="flat" cmpd="sng" algn="ctr">
               <a:solidFill>
                 <a:schemeClr val="tx1"/>
@@ -12572,7 +10862,9 @@
             <a:prstGeom prst="ellipse">
               <a:avLst/>
             </a:prstGeom>
-            <a:noFill/>
+            <a:solidFill>
+              <a:srgbClr val="FF0000"/>
+            </a:solidFill>
             <a:ln w="19050" cap="flat" cmpd="sng" algn="ctr">
               <a:solidFill>
                 <a:schemeClr val="tx1"/>
@@ -12641,7 +10933,11 @@
             <a:prstGeom prst="ellipse">
               <a:avLst/>
             </a:prstGeom>
-            <a:noFill/>
+            <a:solidFill>
+              <a:schemeClr val="accent5">
+                <a:lumMod val="50000"/>
+              </a:schemeClr>
+            </a:solidFill>
             <a:ln w="19050" cap="flat" cmpd="sng" algn="ctr">
               <a:solidFill>
                 <a:schemeClr val="tx1"/>
@@ -12710,7 +11006,11 @@
             <a:prstGeom prst="ellipse">
               <a:avLst/>
             </a:prstGeom>
-            <a:noFill/>
+            <a:solidFill>
+              <a:schemeClr val="accent1">
+                <a:lumMod val="50000"/>
+              </a:schemeClr>
+            </a:solidFill>
             <a:ln w="19050" cap="flat" cmpd="sng" algn="ctr">
               <a:solidFill>
                 <a:schemeClr val="tx1"/>
@@ -12784,9 +11084,9 @@
             <a:solidFill>
               <a:schemeClr val="accent1"/>
             </a:solidFill>
-            <a:ln w="28575" cap="flat" cmpd="sng" algn="ctr">
-              <a:solidFill>
-                <a:schemeClr val="tx1"/>
+            <a:ln w="41275" cap="flat" cmpd="sng" algn="ctr">
+              <a:solidFill>
+                <a:srgbClr val="FF03E3"/>
               </a:solidFill>
               <a:prstDash val="solid"/>
               <a:round/>
@@ -13002,7 +11302,9 @@
             <a:prstGeom prst="ellipse">
               <a:avLst/>
             </a:prstGeom>
-            <a:noFill/>
+            <a:solidFill>
+              <a:srgbClr val="006600"/>
+            </a:solidFill>
             <a:ln w="19050" cap="flat" cmpd="sng" algn="ctr">
               <a:solidFill>
                 <a:schemeClr val="tx1"/>
@@ -13071,7 +11373,9 @@
             <a:prstGeom prst="ellipse">
               <a:avLst/>
             </a:prstGeom>
-            <a:noFill/>
+            <a:solidFill>
+              <a:srgbClr val="FF0000"/>
+            </a:solidFill>
             <a:ln w="19050" cap="flat" cmpd="sng" algn="ctr">
               <a:solidFill>
                 <a:schemeClr val="tx1"/>
@@ -13310,10 +11614,344 @@
           </p:spPr>
         </p:cxnSp>
       </p:grpSp>
+      <p:sp>
+        <p:nvSpPr>
+          <p:cNvPr id="44" name="TextBox 43">
+            <a:extLst>
+              <a:ext uri="{FF2B5EF4-FFF2-40B4-BE49-F238E27FC236}">
+                <a16:creationId xmlns:a16="http://schemas.microsoft.com/office/drawing/2014/main" id="{7D6C275F-2442-FA40-AFEA-BA2F33A2A3EF}"/>
+              </a:ext>
+            </a:extLst>
+          </p:cNvPr>
+          <p:cNvSpPr txBox="1"/>
+          <p:nvPr/>
+        </p:nvSpPr>
+        <p:spPr>
+          <a:xfrm>
+            <a:off x="306284" y="1516966"/>
+            <a:ext cx="3214341" cy="830997"/>
+          </a:xfrm>
+          <a:prstGeom prst="rect">
+            <a:avLst/>
+          </a:prstGeom>
+          <a:noFill/>
+        </p:spPr>
+        <p:txBody>
+          <a:bodyPr wrap="none" rtlCol="0">
+            <a:spAutoFit/>
+          </a:bodyPr>
+          <a:lstStyle/>
+          <a:p>
+            <a:pPr algn="l"/>
+            <a:r>
+              <a:rPr lang="en-US" sz="2400" dirty="0">
+                <a:latin typeface="Comic Sans MS" pitchFamily="66" charset="0"/>
+              </a:rPr>
+              <a:t>Different color case,</a:t>
+            </a:r>
+          </a:p>
+          <a:p>
+            <a:pPr algn="l"/>
+            <a:r>
+              <a:rPr lang="en-US" sz="2400" dirty="0">
+                <a:latin typeface="Comic Sans MS" pitchFamily="66" charset="0"/>
+              </a:rPr>
+              <a:t>alternative attempt: </a:t>
+            </a:r>
+          </a:p>
+        </p:txBody>
+      </p:sp>
+      <p:grpSp>
+        <p:nvGrpSpPr>
+          <p:cNvPr id="45" name="Group 44">
+            <a:extLst>
+              <a:ext uri="{FF2B5EF4-FFF2-40B4-BE49-F238E27FC236}">
+                <a16:creationId xmlns:a16="http://schemas.microsoft.com/office/drawing/2014/main" id="{09F34F9C-A2EE-F14F-9382-1D039DB2FF73}"/>
+              </a:ext>
+            </a:extLst>
+          </p:cNvPr>
+          <p:cNvGrpSpPr/>
+          <p:nvPr/>
+        </p:nvGrpSpPr>
+        <p:grpSpPr>
+          <a:xfrm>
+            <a:off x="1036511" y="2492726"/>
+            <a:ext cx="805675" cy="843073"/>
+            <a:chOff x="2699465" y="1703662"/>
+            <a:chExt cx="805675" cy="843073"/>
+          </a:xfrm>
+        </p:grpSpPr>
+        <p:sp>
+          <p:nvSpPr>
+            <p:cNvPr id="46" name="Oval 45">
+              <a:extLst>
+                <a:ext uri="{FF2B5EF4-FFF2-40B4-BE49-F238E27FC236}">
+                  <a16:creationId xmlns:a16="http://schemas.microsoft.com/office/drawing/2014/main" id="{6A0118E4-46EA-F24E-899E-8843F6E9ABBE}"/>
+                </a:ext>
+              </a:extLst>
+            </p:cNvPr>
+            <p:cNvSpPr/>
+            <p:nvPr/>
+          </p:nvSpPr>
+          <p:spPr bwMode="auto">
+            <a:xfrm>
+              <a:off x="3029321" y="1703662"/>
+              <a:ext cx="150471" cy="150471"/>
+            </a:xfrm>
+            <a:prstGeom prst="ellipse">
+              <a:avLst/>
+            </a:prstGeom>
+            <a:solidFill>
+              <a:srgbClr val="006600"/>
+            </a:solidFill>
+            <a:ln w="19050" cap="flat" cmpd="sng" algn="ctr">
+              <a:solidFill>
+                <a:schemeClr val="tx1"/>
+              </a:solidFill>
+              <a:prstDash val="solid"/>
+              <a:round/>
+              <a:headEnd type="none" w="med" len="med"/>
+              <a:tailEnd type="none" w="med" len="med"/>
+            </a:ln>
+            <a:effectLst/>
+          </p:spPr>
+          <p:txBody>
+            <a:bodyPr vert="horz" wrap="none" lIns="91440" tIns="45720" rIns="91440" bIns="45720" numCol="1" rtlCol="0" anchor="ctr" anchorCtr="0" compatLnSpc="1">
+              <a:prstTxWarp prst="textNoShape">
+                <a:avLst/>
+              </a:prstTxWarp>
+            </a:bodyPr>
+            <a:lstStyle/>
+            <a:p>
+              <a:pPr marL="0" marR="0" indent="0" algn="ctr" defTabSz="914400" rtl="0" eaLnBrk="1" fontAlgn="base" latinLnBrk="0" hangingPunct="1">
+                <a:lnSpc>
+                  <a:spcPct val="100000"/>
+                </a:lnSpc>
+                <a:spcBef>
+                  <a:spcPct val="0"/>
+                </a:spcBef>
+                <a:spcAft>
+                  <a:spcPct val="0"/>
+                </a:spcAft>
+                <a:buClrTx/>
+                <a:buSzTx/>
+                <a:buFontTx/>
+                <a:buNone/>
+                <a:tabLst/>
+              </a:pPr>
+              <a:endParaRPr kumimoji="0" lang="en-US" sz="3200" b="0" i="0" u="none" strike="noStrike" cap="none" normalizeH="0" baseline="0">
+                <a:ln>
+                  <a:noFill/>
+                </a:ln>
+                <a:solidFill>
+                  <a:schemeClr val="tx1"/>
+                </a:solidFill>
+                <a:effectLst/>
+                <a:latin typeface="Times New Roman" pitchFamily="18" charset="0"/>
+              </a:endParaRPr>
+            </a:p>
+          </p:txBody>
+        </p:sp>
+        <p:sp>
+          <p:nvSpPr>
+            <p:cNvPr id="47" name="Oval 46">
+              <a:extLst>
+                <a:ext uri="{FF2B5EF4-FFF2-40B4-BE49-F238E27FC236}">
+                  <a16:creationId xmlns:a16="http://schemas.microsoft.com/office/drawing/2014/main" id="{990845D0-59A4-3148-9A5F-12BE382BFD23}"/>
+                </a:ext>
+              </a:extLst>
+            </p:cNvPr>
+            <p:cNvSpPr/>
+            <p:nvPr/>
+          </p:nvSpPr>
+          <p:spPr bwMode="auto">
+            <a:xfrm>
+              <a:off x="2699465" y="2059695"/>
+              <a:ext cx="150471" cy="150471"/>
+            </a:xfrm>
+            <a:prstGeom prst="ellipse">
+              <a:avLst/>
+            </a:prstGeom>
+            <a:solidFill>
+              <a:srgbClr val="FF0000"/>
+            </a:solidFill>
+            <a:ln w="19050" cap="flat" cmpd="sng" algn="ctr">
+              <a:solidFill>
+                <a:schemeClr val="tx1"/>
+              </a:solidFill>
+              <a:prstDash val="solid"/>
+              <a:round/>
+              <a:headEnd type="none" w="med" len="med"/>
+              <a:tailEnd type="none" w="med" len="med"/>
+            </a:ln>
+            <a:effectLst/>
+          </p:spPr>
+          <p:txBody>
+            <a:bodyPr vert="horz" wrap="none" lIns="91440" tIns="45720" rIns="91440" bIns="45720" numCol="1" rtlCol="0" anchor="ctr" anchorCtr="0" compatLnSpc="1">
+              <a:prstTxWarp prst="textNoShape">
+                <a:avLst/>
+              </a:prstTxWarp>
+            </a:bodyPr>
+            <a:lstStyle/>
+            <a:p>
+              <a:pPr marL="0" marR="0" indent="0" algn="ctr" defTabSz="914400" rtl="0" eaLnBrk="1" fontAlgn="base" latinLnBrk="0" hangingPunct="1">
+                <a:lnSpc>
+                  <a:spcPct val="100000"/>
+                </a:lnSpc>
+                <a:spcBef>
+                  <a:spcPct val="0"/>
+                </a:spcBef>
+                <a:spcAft>
+                  <a:spcPct val="0"/>
+                </a:spcAft>
+                <a:buClrTx/>
+                <a:buSzTx/>
+                <a:buFontTx/>
+                <a:buNone/>
+                <a:tabLst/>
+              </a:pPr>
+              <a:endParaRPr kumimoji="0" lang="en-US" sz="3200" b="0" i="0" u="none" strike="noStrike" cap="none" normalizeH="0" baseline="0">
+                <a:ln>
+                  <a:noFill/>
+                </a:ln>
+                <a:solidFill>
+                  <a:schemeClr val="tx1"/>
+                </a:solidFill>
+                <a:effectLst/>
+                <a:latin typeface="Times New Roman" pitchFamily="18" charset="0"/>
+              </a:endParaRPr>
+            </a:p>
+          </p:txBody>
+        </p:sp>
+        <p:cxnSp>
+          <p:nvCxnSpPr>
+            <p:cNvPr id="52" name="Straight Arrow Connector 51">
+              <a:extLst>
+                <a:ext uri="{FF2B5EF4-FFF2-40B4-BE49-F238E27FC236}">
+                  <a16:creationId xmlns:a16="http://schemas.microsoft.com/office/drawing/2014/main" id="{1D4F49C7-672F-9A43-899D-40965F56688D}"/>
+                </a:ext>
+              </a:extLst>
+            </p:cNvPr>
+            <p:cNvCxnSpPr>
+              <a:cxnSpLocks/>
+              <a:stCxn id="46" idx="4"/>
+            </p:cNvCxnSpPr>
+            <p:nvPr/>
+          </p:nvCxnSpPr>
+          <p:spPr bwMode="auto">
+            <a:xfrm>
+              <a:off x="3104557" y="1854133"/>
+              <a:ext cx="0" cy="692602"/>
+            </a:xfrm>
+            <a:prstGeom prst="straightConnector1">
+              <a:avLst/>
+            </a:prstGeom>
+            <a:solidFill>
+              <a:schemeClr val="accent1"/>
+            </a:solidFill>
+            <a:ln w="28575" cap="flat" cmpd="sng" algn="ctr">
+              <a:solidFill>
+                <a:srgbClr val="7030A0"/>
+              </a:solidFill>
+              <a:prstDash val="solid"/>
+              <a:round/>
+              <a:headEnd type="none" w="med" len="med"/>
+              <a:tailEnd type="stealth" w="lg" len="lg"/>
+            </a:ln>
+            <a:effectLst/>
+          </p:spPr>
+        </p:cxnSp>
+        <p:cxnSp>
+          <p:nvCxnSpPr>
+            <p:cNvPr id="61" name="Straight Arrow Connector 60">
+              <a:extLst>
+                <a:ext uri="{FF2B5EF4-FFF2-40B4-BE49-F238E27FC236}">
+                  <a16:creationId xmlns:a16="http://schemas.microsoft.com/office/drawing/2014/main" id="{8873C7C1-A750-3A4C-9CC9-8085B360419C}"/>
+                </a:ext>
+              </a:extLst>
+            </p:cNvPr>
+            <p:cNvCxnSpPr>
+              <a:cxnSpLocks/>
+              <a:stCxn id="47" idx="6"/>
+            </p:cNvCxnSpPr>
+            <p:nvPr/>
+          </p:nvCxnSpPr>
+          <p:spPr bwMode="auto">
+            <a:xfrm>
+              <a:off x="2849936" y="2134931"/>
+              <a:ext cx="655204" cy="0"/>
+            </a:xfrm>
+            <a:prstGeom prst="straightConnector1">
+              <a:avLst/>
+            </a:prstGeom>
+            <a:solidFill>
+              <a:schemeClr val="accent1"/>
+            </a:solidFill>
+            <a:ln w="28575" cap="flat" cmpd="sng" algn="ctr">
+              <a:solidFill>
+                <a:srgbClr val="7030A0"/>
+              </a:solidFill>
+              <a:prstDash val="solid"/>
+              <a:round/>
+              <a:headEnd type="none" w="med" len="med"/>
+              <a:tailEnd type="stealth" w="lg" len="lg"/>
+            </a:ln>
+            <a:effectLst/>
+          </p:spPr>
+        </p:cxnSp>
+      </p:grpSp>
+      <p:sp>
+        <p:nvSpPr>
+          <p:cNvPr id="64" name="Slide Number Placeholder 2">
+            <a:extLst>
+              <a:ext uri="{FF2B5EF4-FFF2-40B4-BE49-F238E27FC236}">
+                <a16:creationId xmlns:a16="http://schemas.microsoft.com/office/drawing/2014/main" id="{120619AE-51AB-F54C-A5D8-9414857D7ACB}"/>
+              </a:ext>
+            </a:extLst>
+          </p:cNvPr>
+          <p:cNvSpPr>
+            <a:spLocks noGrp="1"/>
+          </p:cNvSpPr>
+          <p:nvPr>
+            <p:ph type="sldNum" sz="quarter" idx="10"/>
+          </p:nvPr>
+        </p:nvSpPr>
+        <p:spPr>
+          <a:xfrm>
+            <a:off x="8199515" y="6553201"/>
+            <a:ext cx="944490" cy="276999"/>
+          </a:xfrm>
+        </p:spPr>
+        <p:txBody>
+          <a:bodyPr/>
+          <a:lstStyle/>
+          <a:p>
+            <a:pPr>
+              <a:defRPr/>
+            </a:pPr>
+            <a:r>
+              <a:rPr lang="en-US" dirty="0" err="1"/>
+              <a:t>paterson</a:t>
+            </a:r>
+            <a:r>
+              <a:rPr lang="en-US" dirty="0"/>
+              <a:t>.</a:t>
+            </a:r>
+            <a:fld id="{DB6F0ED6-FEF5-4C9C-B1CC-29B47EC66FAA}" type="slidenum">
+              <a:rPr lang="en-US" smtClean="0"/>
+              <a:pPr>
+                <a:defRPr/>
+              </a:pPr>
+              <a:t>5</a:t>
+            </a:fld>
+            <a:endParaRPr lang="en-US" dirty="0"/>
+          </a:p>
+        </p:txBody>
+      </p:sp>
     </p:spTree>
     <p:extLst>
       <p:ext uri="{BB962C8B-B14F-4D97-AF65-F5344CB8AC3E}">
-        <p14:creationId xmlns:p14="http://schemas.microsoft.com/office/powerpoint/2010/main" val="3877566691"/>
+        <p14:creationId xmlns:p14="http://schemas.microsoft.com/office/powerpoint/2010/main" val="2729527319"/>
       </p:ext>
     </p:extLst>
   </p:cSld>
@@ -13994,685 +12632,6 @@
 </file>
 
 <file path=ppt/theme/theme2.xml><?xml version="1.0" encoding="utf-8"?>
-<a:theme xmlns:a="http://schemas.openxmlformats.org/drawingml/2006/main" name="1_6.042 Lecture Template">
-  <a:themeElements>
-    <a:clrScheme name="">
-      <a:dk1>
-        <a:srgbClr val="000000"/>
-      </a:dk1>
-      <a:lt1>
-        <a:srgbClr val="FFFFFF"/>
-      </a:lt1>
-      <a:dk2>
-        <a:srgbClr val="000000"/>
-      </a:dk2>
-      <a:lt2>
-        <a:srgbClr val="808080"/>
-      </a:lt2>
-      <a:accent1>
-        <a:srgbClr val="CCCCFF"/>
-      </a:accent1>
-      <a:accent2>
-        <a:srgbClr val="CC0000"/>
-      </a:accent2>
-      <a:accent3>
-        <a:srgbClr val="FFFFFF"/>
-      </a:accent3>
-      <a:accent4>
-        <a:srgbClr val="000000"/>
-      </a:accent4>
-      <a:accent5>
-        <a:srgbClr val="E2E2FF"/>
-      </a:accent5>
-      <a:accent6>
-        <a:srgbClr val="B90000"/>
-      </a:accent6>
-      <a:hlink>
-        <a:srgbClr val="CC0000"/>
-      </a:hlink>
-      <a:folHlink>
-        <a:srgbClr val="009999"/>
-      </a:folHlink>
-    </a:clrScheme>
-    <a:fontScheme name="1_6.042 Lecture Template">
-      <a:majorFont>
-        <a:latin typeface="Times New Roman"/>
-        <a:ea typeface=""/>
-        <a:cs typeface="Arial"/>
-      </a:majorFont>
-      <a:minorFont>
-        <a:latin typeface="Times New Roman"/>
-        <a:ea typeface=""/>
-        <a:cs typeface="Arial"/>
-      </a:minorFont>
-    </a:fontScheme>
-    <a:fmtScheme name="Office">
-      <a:fillStyleLst>
-        <a:solidFill>
-          <a:schemeClr val="phClr"/>
-        </a:solidFill>
-        <a:gradFill rotWithShape="1">
-          <a:gsLst>
-            <a:gs pos="0">
-              <a:schemeClr val="phClr">
-                <a:tint val="50000"/>
-                <a:satMod val="300000"/>
-              </a:schemeClr>
-            </a:gs>
-            <a:gs pos="35000">
-              <a:schemeClr val="phClr">
-                <a:tint val="37000"/>
-                <a:satMod val="300000"/>
-              </a:schemeClr>
-            </a:gs>
-            <a:gs pos="100000">
-              <a:schemeClr val="phClr">
-                <a:tint val="15000"/>
-                <a:satMod val="350000"/>
-              </a:schemeClr>
-            </a:gs>
-          </a:gsLst>
-          <a:lin ang="16200000" scaled="1"/>
-        </a:gradFill>
-        <a:gradFill rotWithShape="1">
-          <a:gsLst>
-            <a:gs pos="0">
-              <a:schemeClr val="phClr">
-                <a:shade val="51000"/>
-                <a:satMod val="130000"/>
-              </a:schemeClr>
-            </a:gs>
-            <a:gs pos="80000">
-              <a:schemeClr val="phClr">
-                <a:shade val="93000"/>
-                <a:satMod val="130000"/>
-              </a:schemeClr>
-            </a:gs>
-            <a:gs pos="100000">
-              <a:schemeClr val="phClr">
-                <a:shade val="94000"/>
-                <a:satMod val="135000"/>
-              </a:schemeClr>
-            </a:gs>
-          </a:gsLst>
-          <a:lin ang="16200000" scaled="0"/>
-        </a:gradFill>
-      </a:fillStyleLst>
-      <a:lnStyleLst>
-        <a:ln w="9525" cap="flat" cmpd="sng" algn="ctr">
-          <a:solidFill>
-            <a:schemeClr val="phClr">
-              <a:shade val="95000"/>
-              <a:satMod val="105000"/>
-            </a:schemeClr>
-          </a:solidFill>
-          <a:prstDash val="solid"/>
-        </a:ln>
-        <a:ln w="25400" cap="flat" cmpd="sng" algn="ctr">
-          <a:solidFill>
-            <a:schemeClr val="phClr"/>
-          </a:solidFill>
-          <a:prstDash val="solid"/>
-        </a:ln>
-        <a:ln w="38100" cap="flat" cmpd="sng" algn="ctr">
-          <a:solidFill>
-            <a:schemeClr val="phClr"/>
-          </a:solidFill>
-          <a:prstDash val="solid"/>
-        </a:ln>
-      </a:lnStyleLst>
-      <a:effectStyleLst>
-        <a:effectStyle>
-          <a:effectLst>
-            <a:outerShdw blurRad="40000" dist="20000" dir="5400000" rotWithShape="0">
-              <a:srgbClr val="000000">
-                <a:alpha val="38000"/>
-              </a:srgbClr>
-            </a:outerShdw>
-          </a:effectLst>
-        </a:effectStyle>
-        <a:effectStyle>
-          <a:effectLst>
-            <a:outerShdw blurRad="40000" dist="23000" dir="5400000" rotWithShape="0">
-              <a:srgbClr val="000000">
-                <a:alpha val="35000"/>
-              </a:srgbClr>
-            </a:outerShdw>
-          </a:effectLst>
-        </a:effectStyle>
-        <a:effectStyle>
-          <a:effectLst>
-            <a:outerShdw blurRad="40000" dist="23000" dir="5400000" rotWithShape="0">
-              <a:srgbClr val="000000">
-                <a:alpha val="35000"/>
-              </a:srgbClr>
-            </a:outerShdw>
-          </a:effectLst>
-          <a:scene3d>
-            <a:camera prst="orthographicFront">
-              <a:rot lat="0" lon="0" rev="0"/>
-            </a:camera>
-            <a:lightRig rig="threePt" dir="t">
-              <a:rot lat="0" lon="0" rev="1200000"/>
-            </a:lightRig>
-          </a:scene3d>
-          <a:sp3d>
-            <a:bevelT w="63500" h="25400"/>
-          </a:sp3d>
-        </a:effectStyle>
-      </a:effectStyleLst>
-      <a:bgFillStyleLst>
-        <a:solidFill>
-          <a:schemeClr val="phClr"/>
-        </a:solidFill>
-        <a:gradFill rotWithShape="1">
-          <a:gsLst>
-            <a:gs pos="0">
-              <a:schemeClr val="phClr">
-                <a:tint val="40000"/>
-                <a:satMod val="350000"/>
-              </a:schemeClr>
-            </a:gs>
-            <a:gs pos="40000">
-              <a:schemeClr val="phClr">
-                <a:tint val="45000"/>
-                <a:shade val="99000"/>
-                <a:satMod val="350000"/>
-              </a:schemeClr>
-            </a:gs>
-            <a:gs pos="100000">
-              <a:schemeClr val="phClr">
-                <a:shade val="20000"/>
-                <a:satMod val="255000"/>
-              </a:schemeClr>
-            </a:gs>
-          </a:gsLst>
-          <a:path path="circle">
-            <a:fillToRect l="50000" t="-80000" r="50000" b="180000"/>
-          </a:path>
-        </a:gradFill>
-        <a:gradFill rotWithShape="1">
-          <a:gsLst>
-            <a:gs pos="0">
-              <a:schemeClr val="phClr">
-                <a:tint val="80000"/>
-                <a:satMod val="300000"/>
-              </a:schemeClr>
-            </a:gs>
-            <a:gs pos="100000">
-              <a:schemeClr val="phClr">
-                <a:shade val="30000"/>
-                <a:satMod val="200000"/>
-              </a:schemeClr>
-            </a:gs>
-          </a:gsLst>
-          <a:path path="circle">
-            <a:fillToRect l="50000" t="50000" r="50000" b="50000"/>
-          </a:path>
-        </a:gradFill>
-      </a:bgFillStyleLst>
-    </a:fmtScheme>
-  </a:themeElements>
-  <a:objectDefaults>
-    <a:spDef>
-      <a:spPr bwMode="auto">
-        <a:xfrm>
-          <a:off x="0" y="0"/>
-          <a:ext cx="1" cy="1"/>
-        </a:xfrm>
-        <a:custGeom>
-          <a:avLst/>
-          <a:gdLst/>
-          <a:ahLst/>
-          <a:cxnLst/>
-          <a:rect l="0" t="0" r="0" b="0"/>
-          <a:pathLst/>
-        </a:custGeom>
-        <a:solidFill>
-          <a:schemeClr val="accent1"/>
-        </a:solidFill>
-        <a:ln w="9525" cap="flat" cmpd="sng" algn="ctr">
-          <a:solidFill>
-            <a:schemeClr val="tx1"/>
-          </a:solidFill>
-          <a:prstDash val="solid"/>
-          <a:round/>
-          <a:headEnd type="none" w="med" len="med"/>
-          <a:tailEnd type="none" w="med" len="med"/>
-        </a:ln>
-        <a:effectLst/>
-      </a:spPr>
-      <a:bodyPr vert="horz" wrap="none" lIns="91440" tIns="45720" rIns="91440" bIns="45720" numCol="1" anchor="ctr" anchorCtr="0" compatLnSpc="1">
-        <a:prstTxWarp prst="textNoShape">
-          <a:avLst/>
-        </a:prstTxWarp>
-      </a:bodyPr>
-      <a:lstStyle>
-        <a:defPPr marL="0" marR="0" indent="0" algn="ctr" defTabSz="914400" rtl="0" eaLnBrk="1" fontAlgn="base" latinLnBrk="0" hangingPunct="1">
-          <a:lnSpc>
-            <a:spcPct val="100000"/>
-          </a:lnSpc>
-          <a:spcBef>
-            <a:spcPct val="0"/>
-          </a:spcBef>
-          <a:spcAft>
-            <a:spcPct val="0"/>
-          </a:spcAft>
-          <a:buClrTx/>
-          <a:buSzTx/>
-          <a:buFontTx/>
-          <a:buNone/>
-          <a:tabLst/>
-          <a:defRPr kumimoji="0" lang="en-US" sz="3200" b="0" i="0" u="none" strike="noStrike" cap="none" normalizeH="0" baseline="0" smtClean="0">
-            <a:ln>
-              <a:noFill/>
-            </a:ln>
-            <a:solidFill>
-              <a:schemeClr val="tx1"/>
-            </a:solidFill>
-            <a:effectLst/>
-            <a:latin typeface="Times New Roman" pitchFamily="18" charset="0"/>
-          </a:defRPr>
-        </a:defPPr>
-      </a:lstStyle>
-    </a:spDef>
-    <a:lnDef>
-      <a:spPr bwMode="auto">
-        <a:xfrm>
-          <a:off x="0" y="0"/>
-          <a:ext cx="1" cy="1"/>
-        </a:xfrm>
-        <a:custGeom>
-          <a:avLst/>
-          <a:gdLst/>
-          <a:ahLst/>
-          <a:cxnLst/>
-          <a:rect l="0" t="0" r="0" b="0"/>
-          <a:pathLst/>
-        </a:custGeom>
-        <a:solidFill>
-          <a:schemeClr val="accent1"/>
-        </a:solidFill>
-        <a:ln w="9525" cap="flat" cmpd="sng" algn="ctr">
-          <a:solidFill>
-            <a:schemeClr val="tx1"/>
-          </a:solidFill>
-          <a:prstDash val="solid"/>
-          <a:round/>
-          <a:headEnd type="none" w="med" len="med"/>
-          <a:tailEnd type="none" w="med" len="med"/>
-        </a:ln>
-        <a:effectLst/>
-      </a:spPr>
-      <a:bodyPr vert="horz" wrap="none" lIns="91440" tIns="45720" rIns="91440" bIns="45720" numCol="1" anchor="ctr" anchorCtr="0" compatLnSpc="1">
-        <a:prstTxWarp prst="textNoShape">
-          <a:avLst/>
-        </a:prstTxWarp>
-      </a:bodyPr>
-      <a:lstStyle>
-        <a:defPPr marL="0" marR="0" indent="0" algn="ctr" defTabSz="914400" rtl="0" eaLnBrk="1" fontAlgn="base" latinLnBrk="0" hangingPunct="1">
-          <a:lnSpc>
-            <a:spcPct val="100000"/>
-          </a:lnSpc>
-          <a:spcBef>
-            <a:spcPct val="0"/>
-          </a:spcBef>
-          <a:spcAft>
-            <a:spcPct val="0"/>
-          </a:spcAft>
-          <a:buClrTx/>
-          <a:buSzTx/>
-          <a:buFontTx/>
-          <a:buNone/>
-          <a:tabLst/>
-          <a:defRPr kumimoji="0" lang="en-US" sz="3200" b="0" i="0" u="none" strike="noStrike" cap="none" normalizeH="0" baseline="0" smtClean="0">
-            <a:ln>
-              <a:noFill/>
-            </a:ln>
-            <a:solidFill>
-              <a:schemeClr val="tx1"/>
-            </a:solidFill>
-            <a:effectLst/>
-            <a:latin typeface="Times New Roman" pitchFamily="18" charset="0"/>
-          </a:defRPr>
-        </a:defPPr>
-      </a:lstStyle>
-    </a:lnDef>
-  </a:objectDefaults>
-  <a:extraClrSchemeLst>
-    <a:extraClrScheme>
-      <a:clrScheme name="1_6.042 Lecture Template 1">
-        <a:dk1>
-          <a:srgbClr val="000000"/>
-        </a:dk1>
-        <a:lt1>
-          <a:srgbClr val="FFFFFF"/>
-        </a:lt1>
-        <a:dk2>
-          <a:srgbClr val="0000FF"/>
-        </a:dk2>
-        <a:lt2>
-          <a:srgbClr val="FFFF00"/>
-        </a:lt2>
-        <a:accent1>
-          <a:srgbClr val="FF9900"/>
-        </a:accent1>
-        <a:accent2>
-          <a:srgbClr val="00FFFF"/>
-        </a:accent2>
-        <a:accent3>
-          <a:srgbClr val="AAAAFF"/>
-        </a:accent3>
-        <a:accent4>
-          <a:srgbClr val="DADADA"/>
-        </a:accent4>
-        <a:accent5>
-          <a:srgbClr val="FFCAAA"/>
-        </a:accent5>
-        <a:accent6>
-          <a:srgbClr val="00E7E7"/>
-        </a:accent6>
-        <a:hlink>
-          <a:srgbClr val="FF0000"/>
-        </a:hlink>
-        <a:folHlink>
-          <a:srgbClr val="969696"/>
-        </a:folHlink>
-      </a:clrScheme>
-      <a:clrMap bg1="dk2" tx1="lt1" bg2="dk1" tx2="lt2" accent1="accent1" accent2="accent2" accent3="accent3" accent4="accent4" accent5="accent5" accent6="accent6" hlink="hlink" folHlink="folHlink"/>
-    </a:extraClrScheme>
-    <a:extraClrScheme>
-      <a:clrScheme name="1_6.042 Lecture Template 2">
-        <a:dk1>
-          <a:srgbClr val="000000"/>
-        </a:dk1>
-        <a:lt1>
-          <a:srgbClr val="FFFFFF"/>
-        </a:lt1>
-        <a:dk2>
-          <a:srgbClr val="000000"/>
-        </a:dk2>
-        <a:lt2>
-          <a:srgbClr val="808080"/>
-        </a:lt2>
-        <a:accent1>
-          <a:srgbClr val="00CC99"/>
-        </a:accent1>
-        <a:accent2>
-          <a:srgbClr val="3333CC"/>
-        </a:accent2>
-        <a:accent3>
-          <a:srgbClr val="FFFFFF"/>
-        </a:accent3>
-        <a:accent4>
-          <a:srgbClr val="000000"/>
-        </a:accent4>
-        <a:accent5>
-          <a:srgbClr val="AAE2CA"/>
-        </a:accent5>
-        <a:accent6>
-          <a:srgbClr val="2D2DB9"/>
-        </a:accent6>
-        <a:hlink>
-          <a:srgbClr val="CCCCFF"/>
-        </a:hlink>
-        <a:folHlink>
-          <a:srgbClr val="B2B2B2"/>
-        </a:folHlink>
-      </a:clrScheme>
-      <a:clrMap bg1="lt1" tx1="dk1" bg2="lt2" tx2="dk2" accent1="accent1" accent2="accent2" accent3="accent3" accent4="accent4" accent5="accent5" accent6="accent6" hlink="hlink" folHlink="folHlink"/>
-    </a:extraClrScheme>
-    <a:extraClrScheme>
-      <a:clrScheme name="1_6.042 Lecture Template 3">
-        <a:dk1>
-          <a:srgbClr val="000000"/>
-        </a:dk1>
-        <a:lt1>
-          <a:srgbClr val="FFFFFF"/>
-        </a:lt1>
-        <a:dk2>
-          <a:srgbClr val="000000"/>
-        </a:dk2>
-        <a:lt2>
-          <a:srgbClr val="333333"/>
-        </a:lt2>
-        <a:accent1>
-          <a:srgbClr val="DDDDDD"/>
-        </a:accent1>
-        <a:accent2>
-          <a:srgbClr val="808080"/>
-        </a:accent2>
-        <a:accent3>
-          <a:srgbClr val="FFFFFF"/>
-        </a:accent3>
-        <a:accent4>
-          <a:srgbClr val="000000"/>
-        </a:accent4>
-        <a:accent5>
-          <a:srgbClr val="EBEBEB"/>
-        </a:accent5>
-        <a:accent6>
-          <a:srgbClr val="737373"/>
-        </a:accent6>
-        <a:hlink>
-          <a:srgbClr val="4D4D4D"/>
-        </a:hlink>
-        <a:folHlink>
-          <a:srgbClr val="EAEAEA"/>
-        </a:folHlink>
-      </a:clrScheme>
-      <a:clrMap bg1="lt1" tx1="dk1" bg2="lt2" tx2="dk2" accent1="accent1" accent2="accent2" accent3="accent3" accent4="accent4" accent5="accent5" accent6="accent6" hlink="hlink" folHlink="folHlink"/>
-    </a:extraClrScheme>
-    <a:extraClrScheme>
-      <a:clrScheme name="1_6.042 Lecture Template 4">
-        <a:dk1>
-          <a:srgbClr val="000000"/>
-        </a:dk1>
-        <a:lt1>
-          <a:srgbClr val="FFFFCC"/>
-        </a:lt1>
-        <a:dk2>
-          <a:srgbClr val="808000"/>
-        </a:dk2>
-        <a:lt2>
-          <a:srgbClr val="666633"/>
-        </a:lt2>
-        <a:accent1>
-          <a:srgbClr val="339933"/>
-        </a:accent1>
-        <a:accent2>
-          <a:srgbClr val="800000"/>
-        </a:accent2>
-        <a:accent3>
-          <a:srgbClr val="FFFFE2"/>
-        </a:accent3>
-        <a:accent4>
-          <a:srgbClr val="000000"/>
-        </a:accent4>
-        <a:accent5>
-          <a:srgbClr val="ADCAAD"/>
-        </a:accent5>
-        <a:accent6>
-          <a:srgbClr val="730000"/>
-        </a:accent6>
-        <a:hlink>
-          <a:srgbClr val="0033CC"/>
-        </a:hlink>
-        <a:folHlink>
-          <a:srgbClr val="FFCC66"/>
-        </a:folHlink>
-      </a:clrScheme>
-      <a:clrMap bg1="lt1" tx1="dk1" bg2="lt2" tx2="dk2" accent1="accent1" accent2="accent2" accent3="accent3" accent4="accent4" accent5="accent5" accent6="accent6" hlink="hlink" folHlink="folHlink"/>
-    </a:extraClrScheme>
-    <a:extraClrScheme>
-      <a:clrScheme name="1_6.042 Lecture Template 5">
-        <a:dk1>
-          <a:srgbClr val="000000"/>
-        </a:dk1>
-        <a:lt1>
-          <a:srgbClr val="FFFFFF"/>
-        </a:lt1>
-        <a:dk2>
-          <a:srgbClr val="000000"/>
-        </a:dk2>
-        <a:lt2>
-          <a:srgbClr val="808080"/>
-        </a:lt2>
-        <a:accent1>
-          <a:srgbClr val="FFCC66"/>
-        </a:accent1>
-        <a:accent2>
-          <a:srgbClr val="0000FF"/>
-        </a:accent2>
-        <a:accent3>
-          <a:srgbClr val="FFFFFF"/>
-        </a:accent3>
-        <a:accent4>
-          <a:srgbClr val="000000"/>
-        </a:accent4>
-        <a:accent5>
-          <a:srgbClr val="FFE2B8"/>
-        </a:accent5>
-        <a:accent6>
-          <a:srgbClr val="0000E7"/>
-        </a:accent6>
-        <a:hlink>
-          <a:srgbClr val="CC00CC"/>
-        </a:hlink>
-        <a:folHlink>
-          <a:srgbClr val="C0C0C0"/>
-        </a:folHlink>
-      </a:clrScheme>
-      <a:clrMap bg1="lt1" tx1="dk1" bg2="lt2" tx2="dk2" accent1="accent1" accent2="accent2" accent3="accent3" accent4="accent4" accent5="accent5" accent6="accent6" hlink="hlink" folHlink="folHlink"/>
-    </a:extraClrScheme>
-    <a:extraClrScheme>
-      <a:clrScheme name="1_6.042 Lecture Template 6">
-        <a:dk1>
-          <a:srgbClr val="000000"/>
-        </a:dk1>
-        <a:lt1>
-          <a:srgbClr val="FFFFFF"/>
-        </a:lt1>
-        <a:dk2>
-          <a:srgbClr val="000000"/>
-        </a:dk2>
-        <a:lt2>
-          <a:srgbClr val="808080"/>
-        </a:lt2>
-        <a:accent1>
-          <a:srgbClr val="C0C0C0"/>
-        </a:accent1>
-        <a:accent2>
-          <a:srgbClr val="0066FF"/>
-        </a:accent2>
-        <a:accent3>
-          <a:srgbClr val="FFFFFF"/>
-        </a:accent3>
-        <a:accent4>
-          <a:srgbClr val="000000"/>
-        </a:accent4>
-        <a:accent5>
-          <a:srgbClr val="DCDCDC"/>
-        </a:accent5>
-        <a:accent6>
-          <a:srgbClr val="005CE7"/>
-        </a:accent6>
-        <a:hlink>
-          <a:srgbClr val="FF0000"/>
-        </a:hlink>
-        <a:folHlink>
-          <a:srgbClr val="009900"/>
-        </a:folHlink>
-      </a:clrScheme>
-      <a:clrMap bg1="lt1" tx1="dk1" bg2="lt2" tx2="dk2" accent1="accent1" accent2="accent2" accent3="accent3" accent4="accent4" accent5="accent5" accent6="accent6" hlink="hlink" folHlink="folHlink"/>
-    </a:extraClrScheme>
-    <a:extraClrScheme>
-      <a:clrScheme name="1_6.042 Lecture Template 7">
-        <a:dk1>
-          <a:srgbClr val="000000"/>
-        </a:dk1>
-        <a:lt1>
-          <a:srgbClr val="FFFFFF"/>
-        </a:lt1>
-        <a:dk2>
-          <a:srgbClr val="000000"/>
-        </a:dk2>
-        <a:lt2>
-          <a:srgbClr val="808080"/>
-        </a:lt2>
-        <a:accent1>
-          <a:srgbClr val="3399FF"/>
-        </a:accent1>
-        <a:accent2>
-          <a:srgbClr val="99FFCC"/>
-        </a:accent2>
-        <a:accent3>
-          <a:srgbClr val="FFFFFF"/>
-        </a:accent3>
-        <a:accent4>
-          <a:srgbClr val="000000"/>
-        </a:accent4>
-        <a:accent5>
-          <a:srgbClr val="ADCAFF"/>
-        </a:accent5>
-        <a:accent6>
-          <a:srgbClr val="8AE7B9"/>
-        </a:accent6>
-        <a:hlink>
-          <a:srgbClr val="CC00CC"/>
-        </a:hlink>
-        <a:folHlink>
-          <a:srgbClr val="B2B2B2"/>
-        </a:folHlink>
-      </a:clrScheme>
-      <a:clrMap bg1="lt1" tx1="dk1" bg2="lt2" tx2="dk2" accent1="accent1" accent2="accent2" accent3="accent3" accent4="accent4" accent5="accent5" accent6="accent6" hlink="hlink" folHlink="folHlink"/>
-    </a:extraClrScheme>
-    <a:extraClrScheme>
-      <a:clrScheme name="1_6.042 Lecture Template 8">
-        <a:dk1>
-          <a:srgbClr val="000000"/>
-        </a:dk1>
-        <a:lt1>
-          <a:srgbClr val="FFFFFF"/>
-        </a:lt1>
-        <a:dk2>
-          <a:srgbClr val="000000"/>
-        </a:dk2>
-        <a:lt2>
-          <a:srgbClr val="808080"/>
-        </a:lt2>
-        <a:accent1>
-          <a:srgbClr val="009999"/>
-        </a:accent1>
-        <a:accent2>
-          <a:srgbClr val="CC0000"/>
-        </a:accent2>
-        <a:accent3>
-          <a:srgbClr val="FFFFFF"/>
-        </a:accent3>
-        <a:accent4>
-          <a:srgbClr val="000000"/>
-        </a:accent4>
-        <a:accent5>
-          <a:srgbClr val="AACACA"/>
-        </a:accent5>
-        <a:accent6>
-          <a:srgbClr val="B90000"/>
-        </a:accent6>
-        <a:hlink>
-          <a:srgbClr val="CCCCFF"/>
-        </a:hlink>
-        <a:folHlink>
-          <a:srgbClr val="B2B2B2"/>
-        </a:folHlink>
-      </a:clrScheme>
-      <a:clrMap bg1="lt1" tx1="dk1" bg2="lt2" tx2="dk2" accent1="accent1" accent2="accent2" accent3="accent3" accent4="accent4" accent5="accent5" accent6="accent6" hlink="hlink" folHlink="folHlink"/>
-    </a:extraClrScheme>
-  </a:extraClrSchemeLst>
-</a:theme>
-</file>
-
-<file path=ppt/theme/theme3.xml><?xml version="1.0" encoding="utf-8"?>
 <a:theme xmlns:a="http://schemas.openxmlformats.org/drawingml/2006/main" name="Office Theme">
   <a:themeElements>
     <a:clrScheme name="">
@@ -14955,7 +12914,7 @@
 </a:theme>
 </file>
 
-<file path=ppt/theme/theme4.xml><?xml version="1.0" encoding="utf-8"?>
+<file path=ppt/theme/theme3.xml><?xml version="1.0" encoding="utf-8"?>
 <a:theme xmlns:a="http://schemas.openxmlformats.org/drawingml/2006/main" name="Office Theme">
   <a:themeElements>
     <a:clrScheme name="">
